--- a/TFG-FIVE STAR.pptx
+++ b/TFG-FIVE STAR.pptx
@@ -2002,50 +2002,6 @@
         </dgm:presLayoutVars>
       </dgm:prSet>
       <dgm:spPr/>
-    </dgm:pt>
-    <dgm:pt modelId="{00F5EC58-875C-4C67-AB37-6BCEB928B823}" type="pres">
-      <dgm:prSet presAssocID="{89835860-643B-4FDE-AD6E-0CF8EB09A564}" presName="boxAndChildren" presStyleCnt="0"/>
-      <dgm:spPr/>
-    </dgm:pt>
-    <dgm:pt modelId="{811DAC5D-9B54-4927-B7CB-AB50486EADD1}" type="pres">
-      <dgm:prSet presAssocID="{89835860-643B-4FDE-AD6E-0CF8EB09A564}" presName="parentTextBox" presStyleLbl="node1" presStyleIdx="0" presStyleCnt="3"/>
-      <dgm:spPr/>
-    </dgm:pt>
-    <dgm:pt modelId="{54F0F3B4-B86F-42B7-862D-8821929DB191}" type="pres">
-      <dgm:prSet presAssocID="{89835860-643B-4FDE-AD6E-0CF8EB09A564}" presName="entireBox" presStyleLbl="node1" presStyleIdx="0" presStyleCnt="3"/>
-      <dgm:spPr/>
-    </dgm:pt>
-    <dgm:pt modelId="{C8397412-9AAA-4DEA-82ED-5804104220DE}" type="pres">
-      <dgm:prSet presAssocID="{89835860-643B-4FDE-AD6E-0CF8EB09A564}" presName="descendantBox" presStyleCnt="0"/>
-      <dgm:spPr/>
-    </dgm:pt>
-    <dgm:pt modelId="{CA2A4591-2968-4889-A120-9F755FF5A2FB}" type="pres">
-      <dgm:prSet presAssocID="{9492AB61-0BC7-4864-833D-ABCE7F9570C9}" presName="childTextBox" presStyleLbl="fgAccFollowNode1" presStyleIdx="0" presStyleCnt="5">
-        <dgm:presLayoutVars>
-          <dgm:bulletEnabled val="1"/>
-        </dgm:presLayoutVars>
-      </dgm:prSet>
-      <dgm:spPr/>
-    </dgm:pt>
-    <dgm:pt modelId="{FA706C3C-BFDF-4491-8F90-746A710EF340}" type="pres">
-      <dgm:prSet presAssocID="{FF87A5D6-5EF8-44C9-BBE6-300AF9CECDB9}" presName="childTextBox" presStyleLbl="fgAccFollowNode1" presStyleIdx="1" presStyleCnt="5">
-        <dgm:presLayoutVars>
-          <dgm:bulletEnabled val="1"/>
-        </dgm:presLayoutVars>
-      </dgm:prSet>
-      <dgm:spPr/>
-    </dgm:pt>
-    <dgm:pt modelId="{22A03775-44C7-4258-AE43-17C9F2021FB9}" type="pres">
-      <dgm:prSet presAssocID="{5F844869-DA7D-451B-8002-7DCF3A1F0D73}" presName="sp" presStyleCnt="0"/>
-      <dgm:spPr/>
-    </dgm:pt>
-    <dgm:pt modelId="{605028EE-9F22-4A79-8894-9D87BFDBB880}" type="pres">
-      <dgm:prSet presAssocID="{ABA7F200-A65B-4A96-A222-CB8BF5F7D4CC}" presName="arrowAndChildren" presStyleCnt="0"/>
-      <dgm:spPr/>
-    </dgm:pt>
-    <dgm:pt modelId="{F2292E03-9180-4CC9-AFE5-108AF866A940}" type="pres">
-      <dgm:prSet presAssocID="{ABA7F200-A65B-4A96-A222-CB8BF5F7D4CC}" presName="parentTextArrow" presStyleLbl="node1" presStyleIdx="0" presStyleCnt="3"/>
-      <dgm:spPr/>
       <dgm:t>
         <a:bodyPr/>
         <a:lstStyle/>
@@ -2054,8 +2010,12 @@
         </a:p>
       </dgm:t>
     </dgm:pt>
-    <dgm:pt modelId="{43D319EE-4A0E-4E49-9988-A04FEBDDC902}" type="pres">
-      <dgm:prSet presAssocID="{ABA7F200-A65B-4A96-A222-CB8BF5F7D4CC}" presName="arrow" presStyleLbl="node1" presStyleIdx="1" presStyleCnt="3"/>
+    <dgm:pt modelId="{00F5EC58-875C-4C67-AB37-6BCEB928B823}" type="pres">
+      <dgm:prSet presAssocID="{89835860-643B-4FDE-AD6E-0CF8EB09A564}" presName="boxAndChildren" presStyleCnt="0"/>
+      <dgm:spPr/>
+    </dgm:pt>
+    <dgm:pt modelId="{811DAC5D-9B54-4927-B7CB-AB50486EADD1}" type="pres">
+      <dgm:prSet presAssocID="{89835860-643B-4FDE-AD6E-0CF8EB09A564}" presName="parentTextBox" presStyleLbl="node1" presStyleIdx="0" presStyleCnt="3"/>
       <dgm:spPr/>
       <dgm:t>
         <a:bodyPr/>
@@ -2065,16 +2025,8 @@
         </a:p>
       </dgm:t>
     </dgm:pt>
-    <dgm:pt modelId="{311D9CBD-94D6-4E3C-A9C8-AE9A030347D8}" type="pres">
-      <dgm:prSet presAssocID="{ABA7F200-A65B-4A96-A222-CB8BF5F7D4CC}" presName="descendantArrow" presStyleCnt="0"/>
-      <dgm:spPr/>
-    </dgm:pt>
-    <dgm:pt modelId="{7BBD7249-031E-455A-B035-A2128E9A26D7}" type="pres">
-      <dgm:prSet presAssocID="{35263133-113C-48D5-A23F-41FB5416AC15}" presName="childTextArrow" presStyleLbl="fgAccFollowNode1" presStyleIdx="2" presStyleCnt="5">
-        <dgm:presLayoutVars>
-          <dgm:bulletEnabled val="1"/>
-        </dgm:presLayoutVars>
-      </dgm:prSet>
+    <dgm:pt modelId="{54F0F3B4-B86F-42B7-862D-8821929DB191}" type="pres">
+      <dgm:prSet presAssocID="{89835860-643B-4FDE-AD6E-0CF8EB09A564}" presName="entireBox" presStyleLbl="node1" presStyleIdx="0" presStyleCnt="3"/>
       <dgm:spPr/>
       <dgm:t>
         <a:bodyPr/>
@@ -2084,8 +2036,12 @@
         </a:p>
       </dgm:t>
     </dgm:pt>
-    <dgm:pt modelId="{07DC1FA9-EC16-45E8-BA94-2608D080F26C}" type="pres">
-      <dgm:prSet presAssocID="{B61C7FE1-CA64-45CE-9CD6-BFD6FED9AA05}" presName="childTextArrow" presStyleLbl="fgAccFollowNode1" presStyleIdx="3" presStyleCnt="5">
+    <dgm:pt modelId="{C8397412-9AAA-4DEA-82ED-5804104220DE}" type="pres">
+      <dgm:prSet presAssocID="{89835860-643B-4FDE-AD6E-0CF8EB09A564}" presName="descendantBox" presStyleCnt="0"/>
+      <dgm:spPr/>
+    </dgm:pt>
+    <dgm:pt modelId="{CA2A4591-2968-4889-A120-9F755FF5A2FB}" type="pres">
+      <dgm:prSet presAssocID="{9492AB61-0BC7-4864-833D-ABCE7F9570C9}" presName="childTextBox" presStyleLbl="fgAccFollowNode1" presStyleIdx="0" presStyleCnt="5">
         <dgm:presLayoutVars>
           <dgm:bulletEnabled val="1"/>
         </dgm:presLayoutVars>
@@ -2099,6 +2055,85 @@
         </a:p>
       </dgm:t>
     </dgm:pt>
+    <dgm:pt modelId="{FA706C3C-BFDF-4491-8F90-746A710EF340}" type="pres">
+      <dgm:prSet presAssocID="{FF87A5D6-5EF8-44C9-BBE6-300AF9CECDB9}" presName="childTextBox" presStyleLbl="fgAccFollowNode1" presStyleIdx="1" presStyleCnt="5">
+        <dgm:presLayoutVars>
+          <dgm:bulletEnabled val="1"/>
+        </dgm:presLayoutVars>
+      </dgm:prSet>
+      <dgm:spPr/>
+      <dgm:t>
+        <a:bodyPr/>
+        <a:lstStyle/>
+        <a:p>
+          <a:endParaRPr lang="es-ES"/>
+        </a:p>
+      </dgm:t>
+    </dgm:pt>
+    <dgm:pt modelId="{22A03775-44C7-4258-AE43-17C9F2021FB9}" type="pres">
+      <dgm:prSet presAssocID="{5F844869-DA7D-451B-8002-7DCF3A1F0D73}" presName="sp" presStyleCnt="0"/>
+      <dgm:spPr/>
+    </dgm:pt>
+    <dgm:pt modelId="{605028EE-9F22-4A79-8894-9D87BFDBB880}" type="pres">
+      <dgm:prSet presAssocID="{ABA7F200-A65B-4A96-A222-CB8BF5F7D4CC}" presName="arrowAndChildren" presStyleCnt="0"/>
+      <dgm:spPr/>
+    </dgm:pt>
+    <dgm:pt modelId="{F2292E03-9180-4CC9-AFE5-108AF866A940}" type="pres">
+      <dgm:prSet presAssocID="{ABA7F200-A65B-4A96-A222-CB8BF5F7D4CC}" presName="parentTextArrow" presStyleLbl="node1" presStyleIdx="0" presStyleCnt="3"/>
+      <dgm:spPr/>
+      <dgm:t>
+        <a:bodyPr/>
+        <a:lstStyle/>
+        <a:p>
+          <a:endParaRPr lang="es-ES"/>
+        </a:p>
+      </dgm:t>
+    </dgm:pt>
+    <dgm:pt modelId="{43D319EE-4A0E-4E49-9988-A04FEBDDC902}" type="pres">
+      <dgm:prSet presAssocID="{ABA7F200-A65B-4A96-A222-CB8BF5F7D4CC}" presName="arrow" presStyleLbl="node1" presStyleIdx="1" presStyleCnt="3"/>
+      <dgm:spPr/>
+      <dgm:t>
+        <a:bodyPr/>
+        <a:lstStyle/>
+        <a:p>
+          <a:endParaRPr lang="es-ES"/>
+        </a:p>
+      </dgm:t>
+    </dgm:pt>
+    <dgm:pt modelId="{311D9CBD-94D6-4E3C-A9C8-AE9A030347D8}" type="pres">
+      <dgm:prSet presAssocID="{ABA7F200-A65B-4A96-A222-CB8BF5F7D4CC}" presName="descendantArrow" presStyleCnt="0"/>
+      <dgm:spPr/>
+    </dgm:pt>
+    <dgm:pt modelId="{7BBD7249-031E-455A-B035-A2128E9A26D7}" type="pres">
+      <dgm:prSet presAssocID="{35263133-113C-48D5-A23F-41FB5416AC15}" presName="childTextArrow" presStyleLbl="fgAccFollowNode1" presStyleIdx="2" presStyleCnt="5">
+        <dgm:presLayoutVars>
+          <dgm:bulletEnabled val="1"/>
+        </dgm:presLayoutVars>
+      </dgm:prSet>
+      <dgm:spPr/>
+      <dgm:t>
+        <a:bodyPr/>
+        <a:lstStyle/>
+        <a:p>
+          <a:endParaRPr lang="es-ES"/>
+        </a:p>
+      </dgm:t>
+    </dgm:pt>
+    <dgm:pt modelId="{07DC1FA9-EC16-45E8-BA94-2608D080F26C}" type="pres">
+      <dgm:prSet presAssocID="{B61C7FE1-CA64-45CE-9CD6-BFD6FED9AA05}" presName="childTextArrow" presStyleLbl="fgAccFollowNode1" presStyleIdx="3" presStyleCnt="5">
+        <dgm:presLayoutVars>
+          <dgm:bulletEnabled val="1"/>
+        </dgm:presLayoutVars>
+      </dgm:prSet>
+      <dgm:spPr/>
+      <dgm:t>
+        <a:bodyPr/>
+        <a:lstStyle/>
+        <a:p>
+          <a:endParaRPr lang="es-ES"/>
+        </a:p>
+      </dgm:t>
+    </dgm:pt>
     <dgm:pt modelId="{EF73E084-106C-4CFA-824B-0BF365D8C67F}" type="pres">
       <dgm:prSet presAssocID="{8F1E47E5-6332-4DF9-AEB3-C8168CE8B6AD}" presName="sp" presStyleCnt="0"/>
       <dgm:spPr/>
@@ -2110,10 +2145,24 @@
     <dgm:pt modelId="{D4527DD5-DD02-4084-9BC8-307A8D8FECC2}" type="pres">
       <dgm:prSet presAssocID="{120E36F6-C8BD-4F81-A61E-4A09E9D898AF}" presName="parentTextArrow" presStyleLbl="node1" presStyleIdx="1" presStyleCnt="3"/>
       <dgm:spPr/>
+      <dgm:t>
+        <a:bodyPr/>
+        <a:lstStyle/>
+        <a:p>
+          <a:endParaRPr lang="es-ES"/>
+        </a:p>
+      </dgm:t>
     </dgm:pt>
     <dgm:pt modelId="{29E1D470-0793-4519-945B-86AE70A5349A}" type="pres">
       <dgm:prSet presAssocID="{120E36F6-C8BD-4F81-A61E-4A09E9D898AF}" presName="arrow" presStyleLbl="node1" presStyleIdx="2" presStyleCnt="3"/>
       <dgm:spPr/>
+      <dgm:t>
+        <a:bodyPr/>
+        <a:lstStyle/>
+        <a:p>
+          <a:endParaRPr lang="es-ES"/>
+        </a:p>
+      </dgm:t>
     </dgm:pt>
     <dgm:pt modelId="{B01103F0-2266-4D68-A1CB-D53742EBEFBE}" type="pres">
       <dgm:prSet presAssocID="{120E36F6-C8BD-4F81-A61E-4A09E9D898AF}" presName="descendantArrow" presStyleCnt="0"/>
@@ -2803,58 +2852,6 @@
         </dgm:presLayoutVars>
       </dgm:prSet>
       <dgm:spPr/>
-    </dgm:pt>
-    <dgm:pt modelId="{70B0ABA6-A939-44DE-AE94-09D7055E6970}" type="pres">
-      <dgm:prSet presAssocID="{E6A1000C-A3A2-42FF-8C34-2AA3A7612D39}" presName="vertOne" presStyleCnt="0"/>
-      <dgm:spPr/>
-    </dgm:pt>
-    <dgm:pt modelId="{42E85247-4093-430F-AE5C-E51BCDB91CF9}" type="pres">
-      <dgm:prSet presAssocID="{E6A1000C-A3A2-42FF-8C34-2AA3A7612D39}" presName="txOne" presStyleLbl="node0" presStyleIdx="0" presStyleCnt="2">
-        <dgm:presLayoutVars>
-          <dgm:chPref val="3"/>
-        </dgm:presLayoutVars>
-      </dgm:prSet>
-      <dgm:spPr/>
-    </dgm:pt>
-    <dgm:pt modelId="{2B7A4180-A311-42C2-A330-21C8BBEBF946}" type="pres">
-      <dgm:prSet presAssocID="{E6A1000C-A3A2-42FF-8C34-2AA3A7612D39}" presName="parTransOne" presStyleCnt="0"/>
-      <dgm:spPr/>
-    </dgm:pt>
-    <dgm:pt modelId="{BF81025A-6B85-4BB8-AE34-9F5B02F4AC97}" type="pres">
-      <dgm:prSet presAssocID="{E6A1000C-A3A2-42FF-8C34-2AA3A7612D39}" presName="horzOne" presStyleCnt="0"/>
-      <dgm:spPr/>
-    </dgm:pt>
-    <dgm:pt modelId="{F6E4D7D6-8F69-43E4-850D-43E511E132F2}" type="pres">
-      <dgm:prSet presAssocID="{0F85E2AE-3FAB-4EE5-BEC7-8447D5C25724}" presName="vertTwo" presStyleCnt="0"/>
-      <dgm:spPr/>
-    </dgm:pt>
-    <dgm:pt modelId="{8D1E4A47-3D40-40CC-AB6C-E2746C06F926}" type="pres">
-      <dgm:prSet presAssocID="{0F85E2AE-3FAB-4EE5-BEC7-8447D5C25724}" presName="txTwo" presStyleLbl="node2" presStyleIdx="0" presStyleCnt="4">
-        <dgm:presLayoutVars>
-          <dgm:chPref val="3"/>
-        </dgm:presLayoutVars>
-      </dgm:prSet>
-      <dgm:spPr/>
-    </dgm:pt>
-    <dgm:pt modelId="{BE51CBB9-EF48-4737-812C-3EBDA82C0A38}" type="pres">
-      <dgm:prSet presAssocID="{0F85E2AE-3FAB-4EE5-BEC7-8447D5C25724}" presName="parTransTwo" presStyleCnt="0"/>
-      <dgm:spPr/>
-    </dgm:pt>
-    <dgm:pt modelId="{A9077C6C-76DD-41E9-8478-FF66E071D9A7}" type="pres">
-      <dgm:prSet presAssocID="{0F85E2AE-3FAB-4EE5-BEC7-8447D5C25724}" presName="horzTwo" presStyleCnt="0"/>
-      <dgm:spPr/>
-    </dgm:pt>
-    <dgm:pt modelId="{DAF58F66-D4E2-4CD9-AE93-FCAABD88BA29}" type="pres">
-      <dgm:prSet presAssocID="{5A363705-CF8D-41A2-961F-3D6A692F06AC}" presName="vertThree" presStyleCnt="0"/>
-      <dgm:spPr/>
-    </dgm:pt>
-    <dgm:pt modelId="{25DEA39E-DBBF-4D59-A351-D8383557EFA2}" type="pres">
-      <dgm:prSet presAssocID="{5A363705-CF8D-41A2-961F-3D6A692F06AC}" presName="txThree" presStyleLbl="node3" presStyleIdx="0" presStyleCnt="6">
-        <dgm:presLayoutVars>
-          <dgm:chPref val="3"/>
-        </dgm:presLayoutVars>
-      </dgm:prSet>
-      <dgm:spPr/>
       <dgm:t>
         <a:bodyPr/>
         <a:lstStyle/>
@@ -2863,144 +2860,12 @@
         </a:p>
       </dgm:t>
     </dgm:pt>
-    <dgm:pt modelId="{C3E8BF13-A644-47D5-A002-9709A3B4EC0E}" type="pres">
-      <dgm:prSet presAssocID="{5A363705-CF8D-41A2-961F-3D6A692F06AC}" presName="horzThree" presStyleCnt="0"/>
-      <dgm:spPr/>
-    </dgm:pt>
-    <dgm:pt modelId="{81162E6A-E09F-4CBB-99BB-E4E50F037468}" type="pres">
-      <dgm:prSet presAssocID="{C27DAAD1-E5E0-411E-9D62-2FACC34F7AA0}" presName="sibSpaceTwo" presStyleCnt="0"/>
-      <dgm:spPr/>
-    </dgm:pt>
-    <dgm:pt modelId="{E18DF058-BE1B-40E9-A5B8-EDA645205600}" type="pres">
-      <dgm:prSet presAssocID="{02026C72-B84C-4098-B4C4-41EDC1C0D631}" presName="vertTwo" presStyleCnt="0"/>
-      <dgm:spPr/>
-    </dgm:pt>
-    <dgm:pt modelId="{C1120B80-05B3-4309-A212-399AAF0100DB}" type="pres">
-      <dgm:prSet presAssocID="{02026C72-B84C-4098-B4C4-41EDC1C0D631}" presName="txTwo" presStyleLbl="node2" presStyleIdx="1" presStyleCnt="4">
-        <dgm:presLayoutVars>
-          <dgm:chPref val="3"/>
-        </dgm:presLayoutVars>
-      </dgm:prSet>
-      <dgm:spPr/>
-    </dgm:pt>
-    <dgm:pt modelId="{AF73D951-31B3-42FA-9A92-83C1848EA492}" type="pres">
-      <dgm:prSet presAssocID="{02026C72-B84C-4098-B4C4-41EDC1C0D631}" presName="parTransTwo" presStyleCnt="0"/>
-      <dgm:spPr/>
-    </dgm:pt>
-    <dgm:pt modelId="{D2D0FA72-376C-44D4-81F9-900CEE5DBFFF}" type="pres">
-      <dgm:prSet presAssocID="{02026C72-B84C-4098-B4C4-41EDC1C0D631}" presName="horzTwo" presStyleCnt="0"/>
-      <dgm:spPr/>
-    </dgm:pt>
-    <dgm:pt modelId="{6DD3FA32-BC2F-40D9-84E4-3F44DB41DB9A}" type="pres">
-      <dgm:prSet presAssocID="{17FCB638-52AD-43ED-8D38-8622712E7853}" presName="vertThree" presStyleCnt="0"/>
-      <dgm:spPr/>
-    </dgm:pt>
-    <dgm:pt modelId="{C7F84EF6-15EE-4985-88A7-0122AFECD6E5}" type="pres">
-      <dgm:prSet presAssocID="{17FCB638-52AD-43ED-8D38-8622712E7853}" presName="txThree" presStyleLbl="node3" presStyleIdx="1" presStyleCnt="6">
-        <dgm:presLayoutVars>
-          <dgm:chPref val="3"/>
-        </dgm:presLayoutVars>
-      </dgm:prSet>
-      <dgm:spPr/>
-    </dgm:pt>
-    <dgm:pt modelId="{47405DB1-D3D8-41A1-83B5-7AF9B9D94118}" type="pres">
-      <dgm:prSet presAssocID="{17FCB638-52AD-43ED-8D38-8622712E7853}" presName="horzThree" presStyleCnt="0"/>
-      <dgm:spPr/>
-    </dgm:pt>
-    <dgm:pt modelId="{F75E30F8-5948-41FF-9AE9-3D9C568B398A}" type="pres">
-      <dgm:prSet presAssocID="{ABF023AA-AE96-4695-8CA4-9CDBDA3B838E}" presName="sibSpaceOne" presStyleCnt="0"/>
-      <dgm:spPr/>
-    </dgm:pt>
-    <dgm:pt modelId="{F9BF6708-AB2D-4F5B-A8A6-5B0DC88FADDA}" type="pres">
-      <dgm:prSet presAssocID="{D166221B-17C7-4375-93AA-C34BADA30B99}" presName="vertOne" presStyleCnt="0"/>
-      <dgm:spPr/>
-    </dgm:pt>
-    <dgm:pt modelId="{3F259639-AD38-412D-A705-A824C1525FC0}" type="pres">
-      <dgm:prSet presAssocID="{D166221B-17C7-4375-93AA-C34BADA30B99}" presName="txOne" presStyleLbl="node0" presStyleIdx="1" presStyleCnt="2">
-        <dgm:presLayoutVars>
-          <dgm:chPref val="3"/>
-        </dgm:presLayoutVars>
-      </dgm:prSet>
-      <dgm:spPr/>
-    </dgm:pt>
-    <dgm:pt modelId="{CC107212-390B-4085-87A8-4DC28E484162}" type="pres">
-      <dgm:prSet presAssocID="{D166221B-17C7-4375-93AA-C34BADA30B99}" presName="parTransOne" presStyleCnt="0"/>
-      <dgm:spPr/>
-    </dgm:pt>
-    <dgm:pt modelId="{0383C3F6-6133-41A2-83F9-CED844EEC576}" type="pres">
-      <dgm:prSet presAssocID="{D166221B-17C7-4375-93AA-C34BADA30B99}" presName="horzOne" presStyleCnt="0"/>
-      <dgm:spPr/>
-    </dgm:pt>
-    <dgm:pt modelId="{F33C921A-FE1B-4218-93B3-14041396F67F}" type="pres">
-      <dgm:prSet presAssocID="{CF6BD773-CDDC-4E32-B238-67B6F5A975D6}" presName="vertTwo" presStyleCnt="0"/>
-      <dgm:spPr/>
-    </dgm:pt>
-    <dgm:pt modelId="{27858EF4-48B4-469A-93E8-281443004D7C}" type="pres">
-      <dgm:prSet presAssocID="{CF6BD773-CDDC-4E32-B238-67B6F5A975D6}" presName="txTwo" presStyleLbl="node2" presStyleIdx="2" presStyleCnt="4">
-        <dgm:presLayoutVars>
-          <dgm:chPref val="3"/>
-        </dgm:presLayoutVars>
-      </dgm:prSet>
-      <dgm:spPr/>
-    </dgm:pt>
-    <dgm:pt modelId="{20A0B8C2-C1D8-4F49-B711-0668C55A94FB}" type="pres">
-      <dgm:prSet presAssocID="{CF6BD773-CDDC-4E32-B238-67B6F5A975D6}" presName="parTransTwo" presStyleCnt="0"/>
-      <dgm:spPr/>
-    </dgm:pt>
-    <dgm:pt modelId="{74C3C651-5C4E-4658-8ADE-75D2EDBF2603}" type="pres">
-      <dgm:prSet presAssocID="{CF6BD773-CDDC-4E32-B238-67B6F5A975D6}" presName="horzTwo" presStyleCnt="0"/>
-      <dgm:spPr/>
-    </dgm:pt>
-    <dgm:pt modelId="{DBFBDB86-7AA4-4757-B627-2AE89A866373}" type="pres">
-      <dgm:prSet presAssocID="{C56DC379-E49A-4072-A87C-9926EC5B3BF2}" presName="vertThree" presStyleCnt="0"/>
-      <dgm:spPr/>
-    </dgm:pt>
-    <dgm:pt modelId="{688D79B1-02EB-4011-8E6D-460EF6B26933}" type="pres">
-      <dgm:prSet presAssocID="{C56DC379-E49A-4072-A87C-9926EC5B3BF2}" presName="txThree" presStyleLbl="node3" presStyleIdx="2" presStyleCnt="6">
-        <dgm:presLayoutVars>
-          <dgm:chPref val="3"/>
-        </dgm:presLayoutVars>
-      </dgm:prSet>
-      <dgm:spPr/>
-    </dgm:pt>
-    <dgm:pt modelId="{7115E864-EAFF-4FA8-B571-5743CDE744FE}" type="pres">
-      <dgm:prSet presAssocID="{C56DC379-E49A-4072-A87C-9926EC5B3BF2}" presName="parTransThree" presStyleCnt="0"/>
-      <dgm:spPr/>
-    </dgm:pt>
-    <dgm:pt modelId="{889DC00C-0876-4216-A56B-5A3791969BA0}" type="pres">
-      <dgm:prSet presAssocID="{C56DC379-E49A-4072-A87C-9926EC5B3BF2}" presName="horzThree" presStyleCnt="0"/>
-      <dgm:spPr/>
-    </dgm:pt>
-    <dgm:pt modelId="{82CA4B92-C13A-4CB6-B618-E29FF7F64377}" type="pres">
-      <dgm:prSet presAssocID="{42B345A6-4D9E-4375-BE65-8466256F356F}" presName="vertFour" presStyleCnt="0">
-        <dgm:presLayoutVars>
-          <dgm:chPref val="3"/>
-        </dgm:presLayoutVars>
-      </dgm:prSet>
-      <dgm:spPr/>
-    </dgm:pt>
-    <dgm:pt modelId="{352AE949-4AF2-4AED-826A-4BCF01B825FD}" type="pres">
-      <dgm:prSet presAssocID="{42B345A6-4D9E-4375-BE65-8466256F356F}" presName="txFour" presStyleLbl="node4" presStyleIdx="0" presStyleCnt="4">
-        <dgm:presLayoutVars>
-          <dgm:chPref val="3"/>
-        </dgm:presLayoutVars>
-      </dgm:prSet>
-      <dgm:spPr/>
-    </dgm:pt>
-    <dgm:pt modelId="{33DA5554-D912-411E-80EE-40497D838938}" type="pres">
-      <dgm:prSet presAssocID="{42B345A6-4D9E-4375-BE65-8466256F356F}" presName="horzFour" presStyleCnt="0"/>
-      <dgm:spPr/>
-    </dgm:pt>
-    <dgm:pt modelId="{1761518D-04EB-410B-8C56-39F867D80AB6}" type="pres">
-      <dgm:prSet presAssocID="{500107A8-1910-4190-B53D-5CEE1A046755}" presName="sibSpaceThree" presStyleCnt="0"/>
-      <dgm:spPr/>
-    </dgm:pt>
-    <dgm:pt modelId="{D84E1932-8F9E-4500-BDFD-01D05B8A7A93}" type="pres">
-      <dgm:prSet presAssocID="{FCF1AB24-3CA4-442A-8DB7-F544B7B1FC1D}" presName="vertThree" presStyleCnt="0"/>
-      <dgm:spPr/>
-    </dgm:pt>
-    <dgm:pt modelId="{36AB344A-EBD8-4879-824B-34FF3FC5DB7B}" type="pres">
-      <dgm:prSet presAssocID="{FCF1AB24-3CA4-442A-8DB7-F544B7B1FC1D}" presName="txThree" presStyleLbl="node3" presStyleIdx="3" presStyleCnt="6">
+    <dgm:pt modelId="{70B0ABA6-A939-44DE-AE94-09D7055E6970}" type="pres">
+      <dgm:prSet presAssocID="{E6A1000C-A3A2-42FF-8C34-2AA3A7612D39}" presName="vertOne" presStyleCnt="0"/>
+      <dgm:spPr/>
+    </dgm:pt>
+    <dgm:pt modelId="{42E85247-4093-430F-AE5C-E51BCDB91CF9}" type="pres">
+      <dgm:prSet presAssocID="{E6A1000C-A3A2-42FF-8C34-2AA3A7612D39}" presName="txOne" presStyleLbl="node0" presStyleIdx="0" presStyleCnt="2">
         <dgm:presLayoutVars>
           <dgm:chPref val="3"/>
         </dgm:presLayoutVars>
@@ -3014,88 +2879,20 @@
         </a:p>
       </dgm:t>
     </dgm:pt>
-    <dgm:pt modelId="{595D5FB6-DBBD-4635-A13D-12B8374D212F}" type="pres">
-      <dgm:prSet presAssocID="{FCF1AB24-3CA4-442A-8DB7-F544B7B1FC1D}" presName="parTransThree" presStyleCnt="0"/>
-      <dgm:spPr/>
-    </dgm:pt>
-    <dgm:pt modelId="{089E9832-D8A6-4280-BB20-0AF5E2DB2691}" type="pres">
-      <dgm:prSet presAssocID="{FCF1AB24-3CA4-442A-8DB7-F544B7B1FC1D}" presName="horzThree" presStyleCnt="0"/>
-      <dgm:spPr/>
-    </dgm:pt>
-    <dgm:pt modelId="{A2A92587-C198-44D4-8111-3C90D4FD7191}" type="pres">
-      <dgm:prSet presAssocID="{353E05B9-D25C-455B-937F-73850602C898}" presName="vertFour" presStyleCnt="0">
-        <dgm:presLayoutVars>
-          <dgm:chPref val="3"/>
-        </dgm:presLayoutVars>
-      </dgm:prSet>
-      <dgm:spPr/>
-    </dgm:pt>
-    <dgm:pt modelId="{097323B7-8D8E-4335-B6DF-8E4F7196EAFB}" type="pres">
-      <dgm:prSet presAssocID="{353E05B9-D25C-455B-937F-73850602C898}" presName="txFour" presStyleLbl="node4" presStyleIdx="1" presStyleCnt="4">
-        <dgm:presLayoutVars>
-          <dgm:chPref val="3"/>
-        </dgm:presLayoutVars>
-      </dgm:prSet>
-      <dgm:spPr/>
-    </dgm:pt>
-    <dgm:pt modelId="{757F5E40-E04D-4D0D-B6AB-8A0FFE9D8D23}" type="pres">
-      <dgm:prSet presAssocID="{353E05B9-D25C-455B-937F-73850602C898}" presName="horzFour" presStyleCnt="0"/>
-      <dgm:spPr/>
-    </dgm:pt>
-    <dgm:pt modelId="{AA6F1AE5-1F93-4FB2-B8EF-C08F8415D303}" type="pres">
-      <dgm:prSet presAssocID="{189795D2-4457-437F-99E0-7938E1BA3D04}" presName="sibSpaceTwo" presStyleCnt="0"/>
-      <dgm:spPr/>
-    </dgm:pt>
-    <dgm:pt modelId="{2A2D1ABA-6491-4A98-A88C-B117C81A17FB}" type="pres">
-      <dgm:prSet presAssocID="{D2AAC417-16CE-4D3D-9662-43A51E015BCC}" presName="vertTwo" presStyleCnt="0"/>
-      <dgm:spPr/>
-    </dgm:pt>
-    <dgm:pt modelId="{2CAE1CB0-C41B-46B4-97E3-38DA7AD9ABE2}" type="pres">
-      <dgm:prSet presAssocID="{D2AAC417-16CE-4D3D-9662-43A51E015BCC}" presName="txTwo" presStyleLbl="node2" presStyleIdx="3" presStyleCnt="4">
-        <dgm:presLayoutVars>
-          <dgm:chPref val="3"/>
-        </dgm:presLayoutVars>
-      </dgm:prSet>
-      <dgm:spPr/>
-    </dgm:pt>
-    <dgm:pt modelId="{2DAD3344-EB4C-4A1F-A558-CAC939AB989E}" type="pres">
-      <dgm:prSet presAssocID="{D2AAC417-16CE-4D3D-9662-43A51E015BCC}" presName="parTransTwo" presStyleCnt="0"/>
-      <dgm:spPr/>
-    </dgm:pt>
-    <dgm:pt modelId="{30460BB6-E191-45B6-AED0-929E8F9BB9E8}" type="pres">
-      <dgm:prSet presAssocID="{D2AAC417-16CE-4D3D-9662-43A51E015BCC}" presName="horzTwo" presStyleCnt="0"/>
-      <dgm:spPr/>
-    </dgm:pt>
-    <dgm:pt modelId="{C2E792F6-0E8C-47CE-B132-8029240E0C06}" type="pres">
-      <dgm:prSet presAssocID="{772D5A4D-0BE7-4FD2-912D-2665F9819321}" presName="vertThree" presStyleCnt="0"/>
-      <dgm:spPr/>
-    </dgm:pt>
-    <dgm:pt modelId="{71A09D60-685E-4EBF-94CD-461CECF6BF72}" type="pres">
-      <dgm:prSet presAssocID="{772D5A4D-0BE7-4FD2-912D-2665F9819321}" presName="txThree" presStyleLbl="node3" presStyleIdx="4" presStyleCnt="6">
-        <dgm:presLayoutVars>
-          <dgm:chPref val="3"/>
-        </dgm:presLayoutVars>
-      </dgm:prSet>
-      <dgm:spPr/>
-    </dgm:pt>
-    <dgm:pt modelId="{5005D629-92F3-4D09-A17F-D704563A6FE2}" type="pres">
-      <dgm:prSet presAssocID="{772D5A4D-0BE7-4FD2-912D-2665F9819321}" presName="parTransThree" presStyleCnt="0"/>
-      <dgm:spPr/>
-    </dgm:pt>
-    <dgm:pt modelId="{0A985764-5C36-4AC3-B5AC-3309FD8AF8D5}" type="pres">
-      <dgm:prSet presAssocID="{772D5A4D-0BE7-4FD2-912D-2665F9819321}" presName="horzThree" presStyleCnt="0"/>
-      <dgm:spPr/>
-    </dgm:pt>
-    <dgm:pt modelId="{81A61E8D-8007-4E00-8DE7-6E9C80B2D4DA}" type="pres">
-      <dgm:prSet presAssocID="{D346FC77-52DF-45ED-9961-31BDF6B09C78}" presName="vertFour" presStyleCnt="0">
-        <dgm:presLayoutVars>
-          <dgm:chPref val="3"/>
-        </dgm:presLayoutVars>
-      </dgm:prSet>
-      <dgm:spPr/>
-    </dgm:pt>
-    <dgm:pt modelId="{E1BB052B-CAE4-44EB-97DD-0E801A2F4AFA}" type="pres">
-      <dgm:prSet presAssocID="{D346FC77-52DF-45ED-9961-31BDF6B09C78}" presName="txFour" presStyleLbl="node4" presStyleIdx="2" presStyleCnt="4">
+    <dgm:pt modelId="{2B7A4180-A311-42C2-A330-21C8BBEBF946}" type="pres">
+      <dgm:prSet presAssocID="{E6A1000C-A3A2-42FF-8C34-2AA3A7612D39}" presName="parTransOne" presStyleCnt="0"/>
+      <dgm:spPr/>
+    </dgm:pt>
+    <dgm:pt modelId="{BF81025A-6B85-4BB8-AE34-9F5B02F4AC97}" type="pres">
+      <dgm:prSet presAssocID="{E6A1000C-A3A2-42FF-8C34-2AA3A7612D39}" presName="horzOne" presStyleCnt="0"/>
+      <dgm:spPr/>
+    </dgm:pt>
+    <dgm:pt modelId="{F6E4D7D6-8F69-43E4-850D-43E511E132F2}" type="pres">
+      <dgm:prSet presAssocID="{0F85E2AE-3FAB-4EE5-BEC7-8447D5C25724}" presName="vertTwo" presStyleCnt="0"/>
+      <dgm:spPr/>
+    </dgm:pt>
+    <dgm:pt modelId="{8D1E4A47-3D40-40CC-AB6C-E2746C06F926}" type="pres">
+      <dgm:prSet presAssocID="{0F85E2AE-3FAB-4EE5-BEC7-8447D5C25724}" presName="txTwo" presStyleLbl="node2" presStyleIdx="0" presStyleCnt="4">
         <dgm:presLayoutVars>
           <dgm:chPref val="3"/>
         </dgm:presLayoutVars>
@@ -3109,6 +2906,342 @@
         </a:p>
       </dgm:t>
     </dgm:pt>
+    <dgm:pt modelId="{BE51CBB9-EF48-4737-812C-3EBDA82C0A38}" type="pres">
+      <dgm:prSet presAssocID="{0F85E2AE-3FAB-4EE5-BEC7-8447D5C25724}" presName="parTransTwo" presStyleCnt="0"/>
+      <dgm:spPr/>
+    </dgm:pt>
+    <dgm:pt modelId="{A9077C6C-76DD-41E9-8478-FF66E071D9A7}" type="pres">
+      <dgm:prSet presAssocID="{0F85E2AE-3FAB-4EE5-BEC7-8447D5C25724}" presName="horzTwo" presStyleCnt="0"/>
+      <dgm:spPr/>
+    </dgm:pt>
+    <dgm:pt modelId="{DAF58F66-D4E2-4CD9-AE93-FCAABD88BA29}" type="pres">
+      <dgm:prSet presAssocID="{5A363705-CF8D-41A2-961F-3D6A692F06AC}" presName="vertThree" presStyleCnt="0"/>
+      <dgm:spPr/>
+    </dgm:pt>
+    <dgm:pt modelId="{25DEA39E-DBBF-4D59-A351-D8383557EFA2}" type="pres">
+      <dgm:prSet presAssocID="{5A363705-CF8D-41A2-961F-3D6A692F06AC}" presName="txThree" presStyleLbl="node3" presStyleIdx="0" presStyleCnt="6">
+        <dgm:presLayoutVars>
+          <dgm:chPref val="3"/>
+        </dgm:presLayoutVars>
+      </dgm:prSet>
+      <dgm:spPr/>
+      <dgm:t>
+        <a:bodyPr/>
+        <a:lstStyle/>
+        <a:p>
+          <a:endParaRPr lang="es-ES"/>
+        </a:p>
+      </dgm:t>
+    </dgm:pt>
+    <dgm:pt modelId="{C3E8BF13-A644-47D5-A002-9709A3B4EC0E}" type="pres">
+      <dgm:prSet presAssocID="{5A363705-CF8D-41A2-961F-3D6A692F06AC}" presName="horzThree" presStyleCnt="0"/>
+      <dgm:spPr/>
+    </dgm:pt>
+    <dgm:pt modelId="{81162E6A-E09F-4CBB-99BB-E4E50F037468}" type="pres">
+      <dgm:prSet presAssocID="{C27DAAD1-E5E0-411E-9D62-2FACC34F7AA0}" presName="sibSpaceTwo" presStyleCnt="0"/>
+      <dgm:spPr/>
+    </dgm:pt>
+    <dgm:pt modelId="{E18DF058-BE1B-40E9-A5B8-EDA645205600}" type="pres">
+      <dgm:prSet presAssocID="{02026C72-B84C-4098-B4C4-41EDC1C0D631}" presName="vertTwo" presStyleCnt="0"/>
+      <dgm:spPr/>
+    </dgm:pt>
+    <dgm:pt modelId="{C1120B80-05B3-4309-A212-399AAF0100DB}" type="pres">
+      <dgm:prSet presAssocID="{02026C72-B84C-4098-B4C4-41EDC1C0D631}" presName="txTwo" presStyleLbl="node2" presStyleIdx="1" presStyleCnt="4">
+        <dgm:presLayoutVars>
+          <dgm:chPref val="3"/>
+        </dgm:presLayoutVars>
+      </dgm:prSet>
+      <dgm:spPr/>
+      <dgm:t>
+        <a:bodyPr/>
+        <a:lstStyle/>
+        <a:p>
+          <a:endParaRPr lang="es-ES"/>
+        </a:p>
+      </dgm:t>
+    </dgm:pt>
+    <dgm:pt modelId="{AF73D951-31B3-42FA-9A92-83C1848EA492}" type="pres">
+      <dgm:prSet presAssocID="{02026C72-B84C-4098-B4C4-41EDC1C0D631}" presName="parTransTwo" presStyleCnt="0"/>
+      <dgm:spPr/>
+    </dgm:pt>
+    <dgm:pt modelId="{D2D0FA72-376C-44D4-81F9-900CEE5DBFFF}" type="pres">
+      <dgm:prSet presAssocID="{02026C72-B84C-4098-B4C4-41EDC1C0D631}" presName="horzTwo" presStyleCnt="0"/>
+      <dgm:spPr/>
+    </dgm:pt>
+    <dgm:pt modelId="{6DD3FA32-BC2F-40D9-84E4-3F44DB41DB9A}" type="pres">
+      <dgm:prSet presAssocID="{17FCB638-52AD-43ED-8D38-8622712E7853}" presName="vertThree" presStyleCnt="0"/>
+      <dgm:spPr/>
+    </dgm:pt>
+    <dgm:pt modelId="{C7F84EF6-15EE-4985-88A7-0122AFECD6E5}" type="pres">
+      <dgm:prSet presAssocID="{17FCB638-52AD-43ED-8D38-8622712E7853}" presName="txThree" presStyleLbl="node3" presStyleIdx="1" presStyleCnt="6">
+        <dgm:presLayoutVars>
+          <dgm:chPref val="3"/>
+        </dgm:presLayoutVars>
+      </dgm:prSet>
+      <dgm:spPr/>
+      <dgm:t>
+        <a:bodyPr/>
+        <a:lstStyle/>
+        <a:p>
+          <a:endParaRPr lang="es-ES"/>
+        </a:p>
+      </dgm:t>
+    </dgm:pt>
+    <dgm:pt modelId="{47405DB1-D3D8-41A1-83B5-7AF9B9D94118}" type="pres">
+      <dgm:prSet presAssocID="{17FCB638-52AD-43ED-8D38-8622712E7853}" presName="horzThree" presStyleCnt="0"/>
+      <dgm:spPr/>
+    </dgm:pt>
+    <dgm:pt modelId="{F75E30F8-5948-41FF-9AE9-3D9C568B398A}" type="pres">
+      <dgm:prSet presAssocID="{ABF023AA-AE96-4695-8CA4-9CDBDA3B838E}" presName="sibSpaceOne" presStyleCnt="0"/>
+      <dgm:spPr/>
+    </dgm:pt>
+    <dgm:pt modelId="{F9BF6708-AB2D-4F5B-A8A6-5B0DC88FADDA}" type="pres">
+      <dgm:prSet presAssocID="{D166221B-17C7-4375-93AA-C34BADA30B99}" presName="vertOne" presStyleCnt="0"/>
+      <dgm:spPr/>
+    </dgm:pt>
+    <dgm:pt modelId="{3F259639-AD38-412D-A705-A824C1525FC0}" type="pres">
+      <dgm:prSet presAssocID="{D166221B-17C7-4375-93AA-C34BADA30B99}" presName="txOne" presStyleLbl="node0" presStyleIdx="1" presStyleCnt="2">
+        <dgm:presLayoutVars>
+          <dgm:chPref val="3"/>
+        </dgm:presLayoutVars>
+      </dgm:prSet>
+      <dgm:spPr/>
+      <dgm:t>
+        <a:bodyPr/>
+        <a:lstStyle/>
+        <a:p>
+          <a:endParaRPr lang="es-ES"/>
+        </a:p>
+      </dgm:t>
+    </dgm:pt>
+    <dgm:pt modelId="{CC107212-390B-4085-87A8-4DC28E484162}" type="pres">
+      <dgm:prSet presAssocID="{D166221B-17C7-4375-93AA-C34BADA30B99}" presName="parTransOne" presStyleCnt="0"/>
+      <dgm:spPr/>
+    </dgm:pt>
+    <dgm:pt modelId="{0383C3F6-6133-41A2-83F9-CED844EEC576}" type="pres">
+      <dgm:prSet presAssocID="{D166221B-17C7-4375-93AA-C34BADA30B99}" presName="horzOne" presStyleCnt="0"/>
+      <dgm:spPr/>
+    </dgm:pt>
+    <dgm:pt modelId="{F33C921A-FE1B-4218-93B3-14041396F67F}" type="pres">
+      <dgm:prSet presAssocID="{CF6BD773-CDDC-4E32-B238-67B6F5A975D6}" presName="vertTwo" presStyleCnt="0"/>
+      <dgm:spPr/>
+    </dgm:pt>
+    <dgm:pt modelId="{27858EF4-48B4-469A-93E8-281443004D7C}" type="pres">
+      <dgm:prSet presAssocID="{CF6BD773-CDDC-4E32-B238-67B6F5A975D6}" presName="txTwo" presStyleLbl="node2" presStyleIdx="2" presStyleCnt="4">
+        <dgm:presLayoutVars>
+          <dgm:chPref val="3"/>
+        </dgm:presLayoutVars>
+      </dgm:prSet>
+      <dgm:spPr/>
+      <dgm:t>
+        <a:bodyPr/>
+        <a:lstStyle/>
+        <a:p>
+          <a:endParaRPr lang="es-ES"/>
+        </a:p>
+      </dgm:t>
+    </dgm:pt>
+    <dgm:pt modelId="{20A0B8C2-C1D8-4F49-B711-0668C55A94FB}" type="pres">
+      <dgm:prSet presAssocID="{CF6BD773-CDDC-4E32-B238-67B6F5A975D6}" presName="parTransTwo" presStyleCnt="0"/>
+      <dgm:spPr/>
+    </dgm:pt>
+    <dgm:pt modelId="{74C3C651-5C4E-4658-8ADE-75D2EDBF2603}" type="pres">
+      <dgm:prSet presAssocID="{CF6BD773-CDDC-4E32-B238-67B6F5A975D6}" presName="horzTwo" presStyleCnt="0"/>
+      <dgm:spPr/>
+    </dgm:pt>
+    <dgm:pt modelId="{DBFBDB86-7AA4-4757-B627-2AE89A866373}" type="pres">
+      <dgm:prSet presAssocID="{C56DC379-E49A-4072-A87C-9926EC5B3BF2}" presName="vertThree" presStyleCnt="0"/>
+      <dgm:spPr/>
+    </dgm:pt>
+    <dgm:pt modelId="{688D79B1-02EB-4011-8E6D-460EF6B26933}" type="pres">
+      <dgm:prSet presAssocID="{C56DC379-E49A-4072-A87C-9926EC5B3BF2}" presName="txThree" presStyleLbl="node3" presStyleIdx="2" presStyleCnt="6">
+        <dgm:presLayoutVars>
+          <dgm:chPref val="3"/>
+        </dgm:presLayoutVars>
+      </dgm:prSet>
+      <dgm:spPr/>
+      <dgm:t>
+        <a:bodyPr/>
+        <a:lstStyle/>
+        <a:p>
+          <a:endParaRPr lang="es-ES"/>
+        </a:p>
+      </dgm:t>
+    </dgm:pt>
+    <dgm:pt modelId="{7115E864-EAFF-4FA8-B571-5743CDE744FE}" type="pres">
+      <dgm:prSet presAssocID="{C56DC379-E49A-4072-A87C-9926EC5B3BF2}" presName="parTransThree" presStyleCnt="0"/>
+      <dgm:spPr/>
+    </dgm:pt>
+    <dgm:pt modelId="{889DC00C-0876-4216-A56B-5A3791969BA0}" type="pres">
+      <dgm:prSet presAssocID="{C56DC379-E49A-4072-A87C-9926EC5B3BF2}" presName="horzThree" presStyleCnt="0"/>
+      <dgm:spPr/>
+    </dgm:pt>
+    <dgm:pt modelId="{82CA4B92-C13A-4CB6-B618-E29FF7F64377}" type="pres">
+      <dgm:prSet presAssocID="{42B345A6-4D9E-4375-BE65-8466256F356F}" presName="vertFour" presStyleCnt="0">
+        <dgm:presLayoutVars>
+          <dgm:chPref val="3"/>
+        </dgm:presLayoutVars>
+      </dgm:prSet>
+      <dgm:spPr/>
+    </dgm:pt>
+    <dgm:pt modelId="{352AE949-4AF2-4AED-826A-4BCF01B825FD}" type="pres">
+      <dgm:prSet presAssocID="{42B345A6-4D9E-4375-BE65-8466256F356F}" presName="txFour" presStyleLbl="node4" presStyleIdx="0" presStyleCnt="4">
+        <dgm:presLayoutVars>
+          <dgm:chPref val="3"/>
+        </dgm:presLayoutVars>
+      </dgm:prSet>
+      <dgm:spPr/>
+      <dgm:t>
+        <a:bodyPr/>
+        <a:lstStyle/>
+        <a:p>
+          <a:endParaRPr lang="es-ES"/>
+        </a:p>
+      </dgm:t>
+    </dgm:pt>
+    <dgm:pt modelId="{33DA5554-D912-411E-80EE-40497D838938}" type="pres">
+      <dgm:prSet presAssocID="{42B345A6-4D9E-4375-BE65-8466256F356F}" presName="horzFour" presStyleCnt="0"/>
+      <dgm:spPr/>
+    </dgm:pt>
+    <dgm:pt modelId="{1761518D-04EB-410B-8C56-39F867D80AB6}" type="pres">
+      <dgm:prSet presAssocID="{500107A8-1910-4190-B53D-5CEE1A046755}" presName="sibSpaceThree" presStyleCnt="0"/>
+      <dgm:spPr/>
+    </dgm:pt>
+    <dgm:pt modelId="{D84E1932-8F9E-4500-BDFD-01D05B8A7A93}" type="pres">
+      <dgm:prSet presAssocID="{FCF1AB24-3CA4-442A-8DB7-F544B7B1FC1D}" presName="vertThree" presStyleCnt="0"/>
+      <dgm:spPr/>
+    </dgm:pt>
+    <dgm:pt modelId="{36AB344A-EBD8-4879-824B-34FF3FC5DB7B}" type="pres">
+      <dgm:prSet presAssocID="{FCF1AB24-3CA4-442A-8DB7-F544B7B1FC1D}" presName="txThree" presStyleLbl="node3" presStyleIdx="3" presStyleCnt="6">
+        <dgm:presLayoutVars>
+          <dgm:chPref val="3"/>
+        </dgm:presLayoutVars>
+      </dgm:prSet>
+      <dgm:spPr/>
+      <dgm:t>
+        <a:bodyPr/>
+        <a:lstStyle/>
+        <a:p>
+          <a:endParaRPr lang="es-ES"/>
+        </a:p>
+      </dgm:t>
+    </dgm:pt>
+    <dgm:pt modelId="{595D5FB6-DBBD-4635-A13D-12B8374D212F}" type="pres">
+      <dgm:prSet presAssocID="{FCF1AB24-3CA4-442A-8DB7-F544B7B1FC1D}" presName="parTransThree" presStyleCnt="0"/>
+      <dgm:spPr/>
+    </dgm:pt>
+    <dgm:pt modelId="{089E9832-D8A6-4280-BB20-0AF5E2DB2691}" type="pres">
+      <dgm:prSet presAssocID="{FCF1AB24-3CA4-442A-8DB7-F544B7B1FC1D}" presName="horzThree" presStyleCnt="0"/>
+      <dgm:spPr/>
+    </dgm:pt>
+    <dgm:pt modelId="{A2A92587-C198-44D4-8111-3C90D4FD7191}" type="pres">
+      <dgm:prSet presAssocID="{353E05B9-D25C-455B-937F-73850602C898}" presName="vertFour" presStyleCnt="0">
+        <dgm:presLayoutVars>
+          <dgm:chPref val="3"/>
+        </dgm:presLayoutVars>
+      </dgm:prSet>
+      <dgm:spPr/>
+    </dgm:pt>
+    <dgm:pt modelId="{097323B7-8D8E-4335-B6DF-8E4F7196EAFB}" type="pres">
+      <dgm:prSet presAssocID="{353E05B9-D25C-455B-937F-73850602C898}" presName="txFour" presStyleLbl="node4" presStyleIdx="1" presStyleCnt="4">
+        <dgm:presLayoutVars>
+          <dgm:chPref val="3"/>
+        </dgm:presLayoutVars>
+      </dgm:prSet>
+      <dgm:spPr/>
+      <dgm:t>
+        <a:bodyPr/>
+        <a:lstStyle/>
+        <a:p>
+          <a:endParaRPr lang="es-ES"/>
+        </a:p>
+      </dgm:t>
+    </dgm:pt>
+    <dgm:pt modelId="{757F5E40-E04D-4D0D-B6AB-8A0FFE9D8D23}" type="pres">
+      <dgm:prSet presAssocID="{353E05B9-D25C-455B-937F-73850602C898}" presName="horzFour" presStyleCnt="0"/>
+      <dgm:spPr/>
+    </dgm:pt>
+    <dgm:pt modelId="{AA6F1AE5-1F93-4FB2-B8EF-C08F8415D303}" type="pres">
+      <dgm:prSet presAssocID="{189795D2-4457-437F-99E0-7938E1BA3D04}" presName="sibSpaceTwo" presStyleCnt="0"/>
+      <dgm:spPr/>
+    </dgm:pt>
+    <dgm:pt modelId="{2A2D1ABA-6491-4A98-A88C-B117C81A17FB}" type="pres">
+      <dgm:prSet presAssocID="{D2AAC417-16CE-4D3D-9662-43A51E015BCC}" presName="vertTwo" presStyleCnt="0"/>
+      <dgm:spPr/>
+    </dgm:pt>
+    <dgm:pt modelId="{2CAE1CB0-C41B-46B4-97E3-38DA7AD9ABE2}" type="pres">
+      <dgm:prSet presAssocID="{D2AAC417-16CE-4D3D-9662-43A51E015BCC}" presName="txTwo" presStyleLbl="node2" presStyleIdx="3" presStyleCnt="4">
+        <dgm:presLayoutVars>
+          <dgm:chPref val="3"/>
+        </dgm:presLayoutVars>
+      </dgm:prSet>
+      <dgm:spPr/>
+      <dgm:t>
+        <a:bodyPr/>
+        <a:lstStyle/>
+        <a:p>
+          <a:endParaRPr lang="es-ES"/>
+        </a:p>
+      </dgm:t>
+    </dgm:pt>
+    <dgm:pt modelId="{2DAD3344-EB4C-4A1F-A558-CAC939AB989E}" type="pres">
+      <dgm:prSet presAssocID="{D2AAC417-16CE-4D3D-9662-43A51E015BCC}" presName="parTransTwo" presStyleCnt="0"/>
+      <dgm:spPr/>
+    </dgm:pt>
+    <dgm:pt modelId="{30460BB6-E191-45B6-AED0-929E8F9BB9E8}" type="pres">
+      <dgm:prSet presAssocID="{D2AAC417-16CE-4D3D-9662-43A51E015BCC}" presName="horzTwo" presStyleCnt="0"/>
+      <dgm:spPr/>
+    </dgm:pt>
+    <dgm:pt modelId="{C2E792F6-0E8C-47CE-B132-8029240E0C06}" type="pres">
+      <dgm:prSet presAssocID="{772D5A4D-0BE7-4FD2-912D-2665F9819321}" presName="vertThree" presStyleCnt="0"/>
+      <dgm:spPr/>
+    </dgm:pt>
+    <dgm:pt modelId="{71A09D60-685E-4EBF-94CD-461CECF6BF72}" type="pres">
+      <dgm:prSet presAssocID="{772D5A4D-0BE7-4FD2-912D-2665F9819321}" presName="txThree" presStyleLbl="node3" presStyleIdx="4" presStyleCnt="6">
+        <dgm:presLayoutVars>
+          <dgm:chPref val="3"/>
+        </dgm:presLayoutVars>
+      </dgm:prSet>
+      <dgm:spPr/>
+      <dgm:t>
+        <a:bodyPr/>
+        <a:lstStyle/>
+        <a:p>
+          <a:endParaRPr lang="es-ES"/>
+        </a:p>
+      </dgm:t>
+    </dgm:pt>
+    <dgm:pt modelId="{5005D629-92F3-4D09-A17F-D704563A6FE2}" type="pres">
+      <dgm:prSet presAssocID="{772D5A4D-0BE7-4FD2-912D-2665F9819321}" presName="parTransThree" presStyleCnt="0"/>
+      <dgm:spPr/>
+    </dgm:pt>
+    <dgm:pt modelId="{0A985764-5C36-4AC3-B5AC-3309FD8AF8D5}" type="pres">
+      <dgm:prSet presAssocID="{772D5A4D-0BE7-4FD2-912D-2665F9819321}" presName="horzThree" presStyleCnt="0"/>
+      <dgm:spPr/>
+    </dgm:pt>
+    <dgm:pt modelId="{81A61E8D-8007-4E00-8DE7-6E9C80B2D4DA}" type="pres">
+      <dgm:prSet presAssocID="{D346FC77-52DF-45ED-9961-31BDF6B09C78}" presName="vertFour" presStyleCnt="0">
+        <dgm:presLayoutVars>
+          <dgm:chPref val="3"/>
+        </dgm:presLayoutVars>
+      </dgm:prSet>
+      <dgm:spPr/>
+    </dgm:pt>
+    <dgm:pt modelId="{E1BB052B-CAE4-44EB-97DD-0E801A2F4AFA}" type="pres">
+      <dgm:prSet presAssocID="{D346FC77-52DF-45ED-9961-31BDF6B09C78}" presName="txFour" presStyleLbl="node4" presStyleIdx="2" presStyleCnt="4">
+        <dgm:presLayoutVars>
+          <dgm:chPref val="3"/>
+        </dgm:presLayoutVars>
+      </dgm:prSet>
+      <dgm:spPr/>
+      <dgm:t>
+        <a:bodyPr/>
+        <a:lstStyle/>
+        <a:p>
+          <a:endParaRPr lang="es-ES"/>
+        </a:p>
+      </dgm:t>
+    </dgm:pt>
     <dgm:pt modelId="{B12D4DE6-B6CE-4FF2-A259-D730704A407A}" type="pres">
       <dgm:prSet presAssocID="{D346FC77-52DF-45ED-9961-31BDF6B09C78}" presName="horzFour" presStyleCnt="0"/>
       <dgm:spPr/>
@@ -3128,6 +3261,13 @@
         </dgm:presLayoutVars>
       </dgm:prSet>
       <dgm:spPr/>
+      <dgm:t>
+        <a:bodyPr/>
+        <a:lstStyle/>
+        <a:p>
+          <a:endParaRPr lang="es-ES"/>
+        </a:p>
+      </dgm:t>
     </dgm:pt>
     <dgm:pt modelId="{45D558C8-1287-4F24-BB56-B363A56A397A}" type="pres">
       <dgm:prSet presAssocID="{B72F9BED-431F-4CB7-8CE5-AC67C6F553F3}" presName="parTransThree" presStyleCnt="0"/>
@@ -3152,6 +3292,13 @@
         </dgm:presLayoutVars>
       </dgm:prSet>
       <dgm:spPr/>
+      <dgm:t>
+        <a:bodyPr/>
+        <a:lstStyle/>
+        <a:p>
+          <a:endParaRPr lang="es-ES"/>
+        </a:p>
+      </dgm:t>
     </dgm:pt>
     <dgm:pt modelId="{AA13AC95-C035-4182-A920-19214C75E23C}" type="pres">
       <dgm:prSet presAssocID="{8D14F7AF-7DA4-4AFA-A8A9-C2F162F1B404}" presName="horzFour" presStyleCnt="0"/>
@@ -3169,8 +3316,8 @@
     <dgm:cxn modelId="{0AAF768B-9028-4A64-BBBE-4A11EFFBF126}" srcId="{E6A1000C-A3A2-42FF-8C34-2AA3A7612D39}" destId="{0F85E2AE-3FAB-4EE5-BEC7-8447D5C25724}" srcOrd="0" destOrd="0" parTransId="{E6557ADC-CF59-4EB1-87C8-23046A8BE7E3}" sibTransId="{C27DAAD1-E5E0-411E-9D62-2FACC34F7AA0}"/>
     <dgm:cxn modelId="{823AC271-6C24-46E0-A91F-98F4BFA49FEC}" type="presOf" srcId="{0F85E2AE-3FAB-4EE5-BEC7-8447D5C25724}" destId="{8D1E4A47-3D40-40CC-AB6C-E2746C06F926}" srcOrd="0" destOrd="0" presId="urn:microsoft.com/office/officeart/2005/8/layout/hierarchy4"/>
     <dgm:cxn modelId="{2420AC16-051D-4A29-8ABC-7671F460D22B}" srcId="{772D5A4D-0BE7-4FD2-912D-2665F9819321}" destId="{D346FC77-52DF-45ED-9961-31BDF6B09C78}" srcOrd="0" destOrd="0" parTransId="{64E595AA-5A73-4B1D-ACC8-E04C02ED7C25}" sibTransId="{711C7F40-076F-40E7-8A6C-35F4EF468CD0}"/>
+    <dgm:cxn modelId="{DD12ED85-03C5-4DAB-9581-03D2BDE55C12}" type="presOf" srcId="{353E05B9-D25C-455B-937F-73850602C898}" destId="{097323B7-8D8E-4335-B6DF-8E4F7196EAFB}" srcOrd="0" destOrd="0" presId="urn:microsoft.com/office/officeart/2005/8/layout/hierarchy4"/>
     <dgm:cxn modelId="{66A07ADD-026D-4EB5-AA34-DAB6AECF4BA6}" srcId="{E6A1000C-A3A2-42FF-8C34-2AA3A7612D39}" destId="{02026C72-B84C-4098-B4C4-41EDC1C0D631}" srcOrd="1" destOrd="0" parTransId="{690A1D29-A1DE-4D06-BE53-16047D3B6E78}" sibTransId="{37987CF6-5469-4D24-A852-488C31DB6335}"/>
-    <dgm:cxn modelId="{DD12ED85-03C5-4DAB-9581-03D2BDE55C12}" type="presOf" srcId="{353E05B9-D25C-455B-937F-73850602C898}" destId="{097323B7-8D8E-4335-B6DF-8E4F7196EAFB}" srcOrd="0" destOrd="0" presId="urn:microsoft.com/office/officeart/2005/8/layout/hierarchy4"/>
     <dgm:cxn modelId="{3E6054DF-2BC7-4343-9B54-E164940626E1}" srcId="{91D75499-D3F5-4A93-8675-AAAE4165CB80}" destId="{E6A1000C-A3A2-42FF-8C34-2AA3A7612D39}" srcOrd="0" destOrd="0" parTransId="{F9E6CC92-E1F6-4122-91A5-49C7742ABCF4}" sibTransId="{ABF023AA-AE96-4695-8CA4-9CDBDA3B838E}"/>
     <dgm:cxn modelId="{5FB88B1A-DEB3-4D41-92E0-0AA3E4B7BD78}" type="presOf" srcId="{D166221B-17C7-4375-93AA-C34BADA30B99}" destId="{3F259639-AD38-412D-A705-A824C1525FC0}" srcOrd="0" destOrd="0" presId="urn:microsoft.com/office/officeart/2005/8/layout/hierarchy4"/>
     <dgm:cxn modelId="{51A440A4-9E70-4044-B39C-D77DE4BE4045}" type="presOf" srcId="{8D14F7AF-7DA4-4AFA-A8A9-C2F162F1B404}" destId="{C5A012A6-80BD-40D4-993D-7CF7700F0C8B}" srcOrd="0" destOrd="0" presId="urn:microsoft.com/office/officeart/2005/8/layout/hierarchy4"/>
@@ -12387,10 +12534,73 @@
             <a:pPr marL="114300" indent="0">
               <a:buNone/>
             </a:pPr>
-            <a:endParaRPr lang="es-ES" dirty="0"/>
+            <a:r>
+              <a:rPr lang="es-ES" dirty="0" smtClean="0"/>
+              <a:t>Para nuestro proyecto hemos usado las tecnologías más demandadas del mercado:</a:t>
+            </a:r>
           </a:p>
         </p:txBody>
       </p:sp>
+      <p:pic>
+        <p:nvPicPr>
+          <p:cNvPr id="4" name="3 Imagen"/>
+          <p:cNvPicPr>
+            <a:picLocks noChangeAspect="1"/>
+          </p:cNvPicPr>
+          <p:nvPr/>
+        </p:nvPicPr>
+        <p:blipFill>
+          <a:blip r:embed="rId2">
+            <a:extLst>
+              <a:ext uri="{28A0092B-C50C-407E-A947-70E740481C1C}">
+                <a14:useLocalDpi xmlns:a14="http://schemas.microsoft.com/office/drawing/2010/main" val="0"/>
+              </a:ext>
+            </a:extLst>
+          </a:blip>
+          <a:stretch>
+            <a:fillRect/>
+          </a:stretch>
+        </p:blipFill>
+        <p:spPr>
+          <a:xfrm>
+            <a:off x="5148064" y="2794047"/>
+            <a:ext cx="2143125" cy="2143125"/>
+          </a:xfrm>
+          <a:prstGeom prst="rect">
+            <a:avLst/>
+          </a:prstGeom>
+        </p:spPr>
+      </p:pic>
+      <p:pic>
+        <p:nvPicPr>
+          <p:cNvPr id="5" name="4 Imagen"/>
+          <p:cNvPicPr>
+            <a:picLocks noChangeAspect="1"/>
+          </p:cNvPicPr>
+          <p:nvPr/>
+        </p:nvPicPr>
+        <p:blipFill>
+          <a:blip r:embed="rId3">
+            <a:extLst>
+              <a:ext uri="{28A0092B-C50C-407E-A947-70E740481C1C}">
+                <a14:useLocalDpi xmlns:a14="http://schemas.microsoft.com/office/drawing/2010/main" val="0"/>
+              </a:ext>
+            </a:extLst>
+          </a:blip>
+          <a:stretch>
+            <a:fillRect/>
+          </a:stretch>
+        </p:blipFill>
+        <p:spPr>
+          <a:xfrm>
+            <a:off x="755576" y="2794047"/>
+            <a:ext cx="3348930" cy="2313806"/>
+          </a:xfrm>
+          <a:prstGeom prst="rect">
+            <a:avLst/>
+          </a:prstGeom>
+        </p:spPr>
+      </p:pic>
     </p:spTree>
     <p:extLst>
       <p:ext uri="{BB962C8B-B14F-4D97-AF65-F5344CB8AC3E}">

--- a/TFG-FIVE STAR.pptx
+++ b/TFG-FIVE STAR.pptx
@@ -13,11 +13,32 @@
     <p:sldId id="260" r:id="rId7"/>
     <p:sldId id="262" r:id="rId8"/>
     <p:sldId id="267" r:id="rId9"/>
-    <p:sldId id="266" r:id="rId10"/>
-    <p:sldId id="263" r:id="rId11"/>
-    <p:sldId id="264" r:id="rId12"/>
-    <p:sldId id="265" r:id="rId13"/>
-    <p:sldId id="268" r:id="rId14"/>
+    <p:sldId id="269" r:id="rId10"/>
+    <p:sldId id="270" r:id="rId11"/>
+    <p:sldId id="271" r:id="rId12"/>
+    <p:sldId id="272" r:id="rId13"/>
+    <p:sldId id="290" r:id="rId14"/>
+    <p:sldId id="273" r:id="rId15"/>
+    <p:sldId id="274" r:id="rId16"/>
+    <p:sldId id="275" r:id="rId17"/>
+    <p:sldId id="276" r:id="rId18"/>
+    <p:sldId id="277" r:id="rId19"/>
+    <p:sldId id="278" r:id="rId20"/>
+    <p:sldId id="283" r:id="rId21"/>
+    <p:sldId id="284" r:id="rId22"/>
+    <p:sldId id="285" r:id="rId23"/>
+    <p:sldId id="286" r:id="rId24"/>
+    <p:sldId id="287" r:id="rId25"/>
+    <p:sldId id="288" r:id="rId26"/>
+    <p:sldId id="279" r:id="rId27"/>
+    <p:sldId id="280" r:id="rId28"/>
+    <p:sldId id="289" r:id="rId29"/>
+    <p:sldId id="282" r:id="rId30"/>
+    <p:sldId id="266" r:id="rId31"/>
+    <p:sldId id="263" r:id="rId32"/>
+    <p:sldId id="264" r:id="rId33"/>
+    <p:sldId id="265" r:id="rId34"/>
+    <p:sldId id="268" r:id="rId35"/>
   </p:sldIdLst>
   <p:sldSz cx="9144000" cy="6858000" type="screen4x3"/>
   <p:notesSz cx="6858000" cy="9144000"/>
@@ -116,7 +137,998 @@
       </a:defRPr>
     </a:lvl9pPr>
   </p:defaultTextStyle>
+  <p:extLst>
+    <p:ext uri="{EFAFB233-063F-42B5-8137-9DF3F51BA10A}">
+      <p15:sldGuideLst xmlns:p15="http://schemas.microsoft.com/office/powerpoint/2012/main">
+        <p15:guide id="1" orient="horz" pos="2160">
+          <p15:clr>
+            <a:srgbClr val="A4A3A4"/>
+          </p15:clr>
+        </p15:guide>
+        <p15:guide id="2" pos="2880">
+          <p15:clr>
+            <a:srgbClr val="A4A3A4"/>
+          </p15:clr>
+        </p15:guide>
+      </p15:sldGuideLst>
+    </p:ext>
+  </p:extLst>
 </p:presentation>
+</file>
+
+<file path=ppt/revisionInfo.xml><?xml version="1.0" encoding="utf-8"?>
+<p1510:revInfo xmlns:a="http://schemas.openxmlformats.org/drawingml/2006/main" xmlns:r="http://schemas.openxmlformats.org/officeDocument/2006/relationships" xmlns:p1510="http://schemas.microsoft.com/office/powerpoint/2015/10/main">
+  <p1510:revLst>
+    <p1510:client id="{A46644C8-CACA-4982-8E93-EF6477E15F0E}" v="116" dt="2019-06-13T20:51:28.346"/>
+  </p1510:revLst>
+</p1510:revInfo>
+</file>
+
+<file path=ppt/changesInfos/changesInfo1.xml><?xml version="1.0" encoding="utf-8"?>
+<pc:chgInfo xmlns:a="http://schemas.openxmlformats.org/drawingml/2006/main" xmlns:r="http://schemas.openxmlformats.org/officeDocument/2006/relationships" xmlns:ac="http://schemas.microsoft.com/office/drawing/2013/main/command" xmlns:pc="http://schemas.microsoft.com/office/powerpoint/2013/main/command">
+  <pc:docChgLst>
+    <pc:chgData name="RAQUEL SADORNIL GARCIA" userId="d03104743241a5a8" providerId="LiveId" clId="{A46644C8-CACA-4982-8E93-EF6477E15F0E}"/>
+    <pc:docChg chg="undo addSld delSld modSld sldOrd">
+      <pc:chgData name="RAQUEL SADORNIL GARCIA" userId="d03104743241a5a8" providerId="LiveId" clId="{A46644C8-CACA-4982-8E93-EF6477E15F0E}" dt="2019-06-13T20:51:44.971" v="527" actId="1076"/>
+      <pc:docMkLst>
+        <pc:docMk/>
+      </pc:docMkLst>
+      <pc:sldChg chg="addSp delSp modSp">
+        <pc:chgData name="RAQUEL SADORNIL GARCIA" userId="d03104743241a5a8" providerId="LiveId" clId="{A46644C8-CACA-4982-8E93-EF6477E15F0E}" dt="2019-06-13T20:21:06.311" v="29" actId="1076"/>
+        <pc:sldMkLst>
+          <pc:docMk/>
+          <pc:sldMk cId="183218718" sldId="267"/>
+        </pc:sldMkLst>
+        <pc:spChg chg="mod">
+          <ac:chgData name="RAQUEL SADORNIL GARCIA" userId="d03104743241a5a8" providerId="LiveId" clId="{A46644C8-CACA-4982-8E93-EF6477E15F0E}" dt="2019-06-13T20:19:57.961" v="2" actId="962"/>
+          <ac:spMkLst>
+            <pc:docMk/>
+            <pc:sldMk cId="183218718" sldId="267"/>
+            <ac:spMk id="2" creationId="{00000000-0000-0000-0000-000000000000}"/>
+          </ac:spMkLst>
+        </pc:spChg>
+        <pc:spChg chg="del">
+          <ac:chgData name="RAQUEL SADORNIL GARCIA" userId="d03104743241a5a8" providerId="LiveId" clId="{A46644C8-CACA-4982-8E93-EF6477E15F0E}" dt="2019-06-13T20:19:56.406" v="0" actId="931"/>
+          <ac:spMkLst>
+            <pc:docMk/>
+            <pc:sldMk cId="183218718" sldId="267"/>
+            <ac:spMk id="3" creationId="{00000000-0000-0000-0000-000000000000}"/>
+          </ac:spMkLst>
+        </pc:spChg>
+        <pc:spChg chg="add mod">
+          <ac:chgData name="RAQUEL SADORNIL GARCIA" userId="d03104743241a5a8" providerId="LiveId" clId="{A46644C8-CACA-4982-8E93-EF6477E15F0E}" dt="2019-06-13T20:20:26.679" v="16" actId="1076"/>
+          <ac:spMkLst>
+            <pc:docMk/>
+            <pc:sldMk cId="183218718" sldId="267"/>
+            <ac:spMk id="6" creationId="{9B803E69-F93F-4A16-8591-C6BF032622F6}"/>
+          </ac:spMkLst>
+        </pc:spChg>
+        <pc:spChg chg="add mod">
+          <ac:chgData name="RAQUEL SADORNIL GARCIA" userId="d03104743241a5a8" providerId="LiveId" clId="{A46644C8-CACA-4982-8E93-EF6477E15F0E}" dt="2019-06-13T20:21:06.311" v="29" actId="1076"/>
+          <ac:spMkLst>
+            <pc:docMk/>
+            <pc:sldMk cId="183218718" sldId="267"/>
+            <ac:spMk id="7" creationId="{C29EBFDD-F6A9-47D0-A2EE-2AA9880EDB76}"/>
+          </ac:spMkLst>
+        </pc:spChg>
+        <pc:picChg chg="add mod">
+          <ac:chgData name="RAQUEL SADORNIL GARCIA" userId="d03104743241a5a8" providerId="LiveId" clId="{A46644C8-CACA-4982-8E93-EF6477E15F0E}" dt="2019-06-13T20:19:57.959" v="1" actId="27614"/>
+          <ac:picMkLst>
+            <pc:docMk/>
+            <pc:sldMk cId="183218718" sldId="267"/>
+            <ac:picMk id="5" creationId="{25F25768-A5BC-4D65-A161-B450BD8C24AD}"/>
+          </ac:picMkLst>
+        </pc:picChg>
+      </pc:sldChg>
+      <pc:sldChg chg="addSp delSp modSp add">
+        <pc:chgData name="RAQUEL SADORNIL GARCIA" userId="d03104743241a5a8" providerId="LiveId" clId="{A46644C8-CACA-4982-8E93-EF6477E15F0E}" dt="2019-06-13T20:22:46.240" v="61" actId="20577"/>
+        <pc:sldMkLst>
+          <pc:docMk/>
+          <pc:sldMk cId="861740669" sldId="269"/>
+        </pc:sldMkLst>
+        <pc:spChg chg="mod">
+          <ac:chgData name="RAQUEL SADORNIL GARCIA" userId="d03104743241a5a8" providerId="LiveId" clId="{A46644C8-CACA-4982-8E93-EF6477E15F0E}" dt="2019-06-13T20:21:39.064" v="32" actId="122"/>
+          <ac:spMkLst>
+            <pc:docMk/>
+            <pc:sldMk cId="861740669" sldId="269"/>
+            <ac:spMk id="2" creationId="{C72C8414-1B34-40EC-9177-87483C5E66F8}"/>
+          </ac:spMkLst>
+        </pc:spChg>
+        <pc:spChg chg="del">
+          <ac:chgData name="RAQUEL SADORNIL GARCIA" userId="d03104743241a5a8" providerId="LiveId" clId="{A46644C8-CACA-4982-8E93-EF6477E15F0E}" dt="2019-06-13T20:22:15.525" v="33" actId="931"/>
+          <ac:spMkLst>
+            <pc:docMk/>
+            <pc:sldMk cId="861740669" sldId="269"/>
+            <ac:spMk id="3" creationId="{665C66D7-682F-4B55-9952-AB6246D3D5FF}"/>
+          </ac:spMkLst>
+        </pc:spChg>
+        <pc:spChg chg="add mod">
+          <ac:chgData name="RAQUEL SADORNIL GARCIA" userId="d03104743241a5a8" providerId="LiveId" clId="{A46644C8-CACA-4982-8E93-EF6477E15F0E}" dt="2019-06-13T20:22:46.240" v="61" actId="20577"/>
+          <ac:spMkLst>
+            <pc:docMk/>
+            <pc:sldMk cId="861740669" sldId="269"/>
+            <ac:spMk id="6" creationId="{0DB56D49-FA18-4620-9E69-6EABC9A21CD6}"/>
+          </ac:spMkLst>
+        </pc:spChg>
+        <pc:picChg chg="add mod">
+          <ac:chgData name="RAQUEL SADORNIL GARCIA" userId="d03104743241a5a8" providerId="LiveId" clId="{A46644C8-CACA-4982-8E93-EF6477E15F0E}" dt="2019-06-13T20:22:19.012" v="36" actId="1076"/>
+          <ac:picMkLst>
+            <pc:docMk/>
+            <pc:sldMk cId="861740669" sldId="269"/>
+            <ac:picMk id="5" creationId="{92A7187B-86F0-42B1-B1A2-3BED60EAE6AB}"/>
+          </ac:picMkLst>
+        </pc:picChg>
+      </pc:sldChg>
+      <pc:sldChg chg="addSp delSp modSp add">
+        <pc:chgData name="RAQUEL SADORNIL GARCIA" userId="d03104743241a5a8" providerId="LiveId" clId="{A46644C8-CACA-4982-8E93-EF6477E15F0E}" dt="2019-06-13T20:24:08.238" v="83" actId="1076"/>
+        <pc:sldMkLst>
+          <pc:docMk/>
+          <pc:sldMk cId="2567544108" sldId="270"/>
+        </pc:sldMkLst>
+        <pc:spChg chg="mod">
+          <ac:chgData name="RAQUEL SADORNIL GARCIA" userId="d03104743241a5a8" providerId="LiveId" clId="{A46644C8-CACA-4982-8E93-EF6477E15F0E}" dt="2019-06-13T20:23:17.565" v="64"/>
+          <ac:spMkLst>
+            <pc:docMk/>
+            <pc:sldMk cId="2567544108" sldId="270"/>
+            <ac:spMk id="2" creationId="{59805C35-2C07-4FC0-8255-1A98D9DA7200}"/>
+          </ac:spMkLst>
+        </pc:spChg>
+        <pc:spChg chg="del">
+          <ac:chgData name="RAQUEL SADORNIL GARCIA" userId="d03104743241a5a8" providerId="LiveId" clId="{A46644C8-CACA-4982-8E93-EF6477E15F0E}" dt="2019-06-13T20:23:30.699" v="65" actId="931"/>
+          <ac:spMkLst>
+            <pc:docMk/>
+            <pc:sldMk cId="2567544108" sldId="270"/>
+            <ac:spMk id="3" creationId="{AFF3BA39-1550-4D88-9176-C948738DC686}"/>
+          </ac:spMkLst>
+        </pc:spChg>
+        <pc:spChg chg="add mod">
+          <ac:chgData name="RAQUEL SADORNIL GARCIA" userId="d03104743241a5a8" providerId="LiveId" clId="{A46644C8-CACA-4982-8E93-EF6477E15F0E}" dt="2019-06-13T20:24:08.238" v="83" actId="1076"/>
+          <ac:spMkLst>
+            <pc:docMk/>
+            <pc:sldMk cId="2567544108" sldId="270"/>
+            <ac:spMk id="6" creationId="{3974FFE9-781B-481B-BF12-1501FB40DA9F}"/>
+          </ac:spMkLst>
+        </pc:spChg>
+        <pc:picChg chg="add mod">
+          <ac:chgData name="RAQUEL SADORNIL GARCIA" userId="d03104743241a5a8" providerId="LiveId" clId="{A46644C8-CACA-4982-8E93-EF6477E15F0E}" dt="2019-06-13T20:23:46.727" v="74" actId="1076"/>
+          <ac:picMkLst>
+            <pc:docMk/>
+            <pc:sldMk cId="2567544108" sldId="270"/>
+            <ac:picMk id="5" creationId="{98F84BD4-0703-42B7-9F14-821742DB805E}"/>
+          </ac:picMkLst>
+        </pc:picChg>
+      </pc:sldChg>
+      <pc:sldChg chg="addSp delSp modSp add">
+        <pc:chgData name="RAQUEL SADORNIL GARCIA" userId="d03104743241a5a8" providerId="LiveId" clId="{A46644C8-CACA-4982-8E93-EF6477E15F0E}" dt="2019-06-13T20:39:33.255" v="350"/>
+        <pc:sldMkLst>
+          <pc:docMk/>
+          <pc:sldMk cId="1659901562" sldId="271"/>
+        </pc:sldMkLst>
+        <pc:spChg chg="mod">
+          <ac:chgData name="RAQUEL SADORNIL GARCIA" userId="d03104743241a5a8" providerId="LiveId" clId="{A46644C8-CACA-4982-8E93-EF6477E15F0E}" dt="2019-06-13T20:39:33.255" v="350"/>
+          <ac:spMkLst>
+            <pc:docMk/>
+            <pc:sldMk cId="1659901562" sldId="271"/>
+            <ac:spMk id="2" creationId="{8160C94B-D9C0-49B2-A3F1-7A8B0EA6456F}"/>
+          </ac:spMkLst>
+        </pc:spChg>
+        <pc:spChg chg="del">
+          <ac:chgData name="RAQUEL SADORNIL GARCIA" userId="d03104743241a5a8" providerId="LiveId" clId="{A46644C8-CACA-4982-8E93-EF6477E15F0E}" dt="2019-06-13T20:24:33.574" v="87" actId="931"/>
+          <ac:spMkLst>
+            <pc:docMk/>
+            <pc:sldMk cId="1659901562" sldId="271"/>
+            <ac:spMk id="3" creationId="{C52EA23E-68A1-4ECE-8266-555D1F83DA0E}"/>
+          </ac:spMkLst>
+        </pc:spChg>
+        <pc:spChg chg="add mod">
+          <ac:chgData name="RAQUEL SADORNIL GARCIA" userId="d03104743241a5a8" providerId="LiveId" clId="{A46644C8-CACA-4982-8E93-EF6477E15F0E}" dt="2019-06-13T20:24:59.091" v="106" actId="20577"/>
+          <ac:spMkLst>
+            <pc:docMk/>
+            <pc:sldMk cId="1659901562" sldId="271"/>
+            <ac:spMk id="6" creationId="{5843FD5D-51ED-446D-B798-F2E9668644FE}"/>
+          </ac:spMkLst>
+        </pc:spChg>
+        <pc:picChg chg="add mod">
+          <ac:chgData name="RAQUEL SADORNIL GARCIA" userId="d03104743241a5a8" providerId="LiveId" clId="{A46644C8-CACA-4982-8E93-EF6477E15F0E}" dt="2019-06-13T20:25:03.835" v="108" actId="1076"/>
+          <ac:picMkLst>
+            <pc:docMk/>
+            <pc:sldMk cId="1659901562" sldId="271"/>
+            <ac:picMk id="5" creationId="{C8EE38E4-E880-40B5-94A6-5BEEB2CABD18}"/>
+          </ac:picMkLst>
+        </pc:picChg>
+      </pc:sldChg>
+      <pc:sldChg chg="addSp delSp modSp add">
+        <pc:chgData name="RAQUEL SADORNIL GARCIA" userId="d03104743241a5a8" providerId="LiveId" clId="{A46644C8-CACA-4982-8E93-EF6477E15F0E}" dt="2019-06-13T20:39:30.087" v="349"/>
+        <pc:sldMkLst>
+          <pc:docMk/>
+          <pc:sldMk cId="1179295016" sldId="272"/>
+        </pc:sldMkLst>
+        <pc:spChg chg="mod">
+          <ac:chgData name="RAQUEL SADORNIL GARCIA" userId="d03104743241a5a8" providerId="LiveId" clId="{A46644C8-CACA-4982-8E93-EF6477E15F0E}" dt="2019-06-13T20:39:30.087" v="349"/>
+          <ac:spMkLst>
+            <pc:docMk/>
+            <pc:sldMk cId="1179295016" sldId="272"/>
+            <ac:spMk id="2" creationId="{130514E7-71D9-4185-BEBF-FAD43A1F23BC}"/>
+          </ac:spMkLst>
+        </pc:spChg>
+        <pc:spChg chg="del">
+          <ac:chgData name="RAQUEL SADORNIL GARCIA" userId="d03104743241a5a8" providerId="LiveId" clId="{A46644C8-CACA-4982-8E93-EF6477E15F0E}" dt="2019-06-13T20:26:05.722" v="112" actId="931"/>
+          <ac:spMkLst>
+            <pc:docMk/>
+            <pc:sldMk cId="1179295016" sldId="272"/>
+            <ac:spMk id="3" creationId="{2F85571A-1AAE-4367-B309-C784A251B8B1}"/>
+          </ac:spMkLst>
+        </pc:spChg>
+        <pc:spChg chg="add mod">
+          <ac:chgData name="RAQUEL SADORNIL GARCIA" userId="d03104743241a5a8" providerId="LiveId" clId="{A46644C8-CACA-4982-8E93-EF6477E15F0E}" dt="2019-06-13T20:26:25.288" v="130" actId="20577"/>
+          <ac:spMkLst>
+            <pc:docMk/>
+            <pc:sldMk cId="1179295016" sldId="272"/>
+            <ac:spMk id="6" creationId="{AF468ED8-1FD9-4D0F-AFB4-42DDCE41B7DB}"/>
+          </ac:spMkLst>
+        </pc:spChg>
+        <pc:picChg chg="add mod">
+          <ac:chgData name="RAQUEL SADORNIL GARCIA" userId="d03104743241a5a8" providerId="LiveId" clId="{A46644C8-CACA-4982-8E93-EF6477E15F0E}" dt="2019-06-13T20:26:08.622" v="115" actId="1076"/>
+          <ac:picMkLst>
+            <pc:docMk/>
+            <pc:sldMk cId="1179295016" sldId="272"/>
+            <ac:picMk id="5" creationId="{CE0C43D1-C0BC-4682-9FCD-0BEA318410FB}"/>
+          </ac:picMkLst>
+        </pc:picChg>
+      </pc:sldChg>
+      <pc:sldChg chg="addSp delSp modSp add">
+        <pc:chgData name="RAQUEL SADORNIL GARCIA" userId="d03104743241a5a8" providerId="LiveId" clId="{A46644C8-CACA-4982-8E93-EF6477E15F0E}" dt="2019-06-13T20:39:26.162" v="348"/>
+        <pc:sldMkLst>
+          <pc:docMk/>
+          <pc:sldMk cId="4055678189" sldId="273"/>
+        </pc:sldMkLst>
+        <pc:spChg chg="mod">
+          <ac:chgData name="RAQUEL SADORNIL GARCIA" userId="d03104743241a5a8" providerId="LiveId" clId="{A46644C8-CACA-4982-8E93-EF6477E15F0E}" dt="2019-06-13T20:39:26.162" v="348"/>
+          <ac:spMkLst>
+            <pc:docMk/>
+            <pc:sldMk cId="4055678189" sldId="273"/>
+            <ac:spMk id="2" creationId="{13691519-B91D-4FA1-8B11-C96942C1CA5F}"/>
+          </ac:spMkLst>
+        </pc:spChg>
+        <pc:spChg chg="del">
+          <ac:chgData name="RAQUEL SADORNIL GARCIA" userId="d03104743241a5a8" providerId="LiveId" clId="{A46644C8-CACA-4982-8E93-EF6477E15F0E}" dt="2019-06-13T20:29:02.211" v="134" actId="931"/>
+          <ac:spMkLst>
+            <pc:docMk/>
+            <pc:sldMk cId="4055678189" sldId="273"/>
+            <ac:spMk id="3" creationId="{C132F216-D9FC-4443-A17A-4A0A912420E9}"/>
+          </ac:spMkLst>
+        </pc:spChg>
+        <pc:spChg chg="add mod">
+          <ac:chgData name="RAQUEL SADORNIL GARCIA" userId="d03104743241a5a8" providerId="LiveId" clId="{A46644C8-CACA-4982-8E93-EF6477E15F0E}" dt="2019-06-13T20:29:24.277" v="171" actId="20577"/>
+          <ac:spMkLst>
+            <pc:docMk/>
+            <pc:sldMk cId="4055678189" sldId="273"/>
+            <ac:spMk id="6" creationId="{D9E2B3E6-2B7F-4D21-B912-EAC109CE965A}"/>
+          </ac:spMkLst>
+        </pc:spChg>
+        <pc:picChg chg="add mod">
+          <ac:chgData name="RAQUEL SADORNIL GARCIA" userId="d03104743241a5a8" providerId="LiveId" clId="{A46644C8-CACA-4982-8E93-EF6477E15F0E}" dt="2019-06-13T20:29:04.411" v="137" actId="1076"/>
+          <ac:picMkLst>
+            <pc:docMk/>
+            <pc:sldMk cId="4055678189" sldId="273"/>
+            <ac:picMk id="5" creationId="{574F878A-4D81-42FB-9B7C-59595CD948B5}"/>
+          </ac:picMkLst>
+        </pc:picChg>
+      </pc:sldChg>
+      <pc:sldChg chg="addSp delSp modSp add">
+        <pc:chgData name="RAQUEL SADORNIL GARCIA" userId="d03104743241a5a8" providerId="LiveId" clId="{A46644C8-CACA-4982-8E93-EF6477E15F0E}" dt="2019-06-13T20:39:19.702" v="347"/>
+        <pc:sldMkLst>
+          <pc:docMk/>
+          <pc:sldMk cId="1212226204" sldId="274"/>
+        </pc:sldMkLst>
+        <pc:spChg chg="mod">
+          <ac:chgData name="RAQUEL SADORNIL GARCIA" userId="d03104743241a5a8" providerId="LiveId" clId="{A46644C8-CACA-4982-8E93-EF6477E15F0E}" dt="2019-06-13T20:39:19.702" v="347"/>
+          <ac:spMkLst>
+            <pc:docMk/>
+            <pc:sldMk cId="1212226204" sldId="274"/>
+            <ac:spMk id="2" creationId="{AB764B69-85CC-4B05-8D15-6DAEFE35BAEA}"/>
+          </ac:spMkLst>
+        </pc:spChg>
+        <pc:spChg chg="del">
+          <ac:chgData name="RAQUEL SADORNIL GARCIA" userId="d03104743241a5a8" providerId="LiveId" clId="{A46644C8-CACA-4982-8E93-EF6477E15F0E}" dt="2019-06-13T20:30:28.126" v="175" actId="931"/>
+          <ac:spMkLst>
+            <pc:docMk/>
+            <pc:sldMk cId="1212226204" sldId="274"/>
+            <ac:spMk id="3" creationId="{7D821908-9E85-4F4E-9E87-62FDC253E1BE}"/>
+          </ac:spMkLst>
+        </pc:spChg>
+        <pc:spChg chg="add del mod">
+          <ac:chgData name="RAQUEL SADORNIL GARCIA" userId="d03104743241a5a8" providerId="LiveId" clId="{A46644C8-CACA-4982-8E93-EF6477E15F0E}" dt="2019-06-13T20:32:31.106" v="195"/>
+          <ac:spMkLst>
+            <pc:docMk/>
+            <pc:sldMk cId="1212226204" sldId="274"/>
+            <ac:spMk id="10" creationId="{894F20D6-0045-4461-82C8-70189C19EB81}"/>
+          </ac:spMkLst>
+        </pc:spChg>
+        <pc:spChg chg="add mod">
+          <ac:chgData name="RAQUEL SADORNIL GARCIA" userId="d03104743241a5a8" providerId="LiveId" clId="{A46644C8-CACA-4982-8E93-EF6477E15F0E}" dt="2019-06-13T20:32:45.939" v="201" actId="20577"/>
+          <ac:spMkLst>
+            <pc:docMk/>
+            <pc:sldMk cId="1212226204" sldId="274"/>
+            <ac:spMk id="11" creationId="{A8334038-42A3-473F-B678-7A7916D4C8F9}"/>
+          </ac:spMkLst>
+        </pc:spChg>
+        <pc:picChg chg="add mod">
+          <ac:chgData name="RAQUEL SADORNIL GARCIA" userId="d03104743241a5a8" providerId="LiveId" clId="{A46644C8-CACA-4982-8E93-EF6477E15F0E}" dt="2019-06-13T20:31:02.887" v="191" actId="1076"/>
+          <ac:picMkLst>
+            <pc:docMk/>
+            <pc:sldMk cId="1212226204" sldId="274"/>
+            <ac:picMk id="5" creationId="{F7C573E5-1A29-4585-8DEA-5FA6B766DEC3}"/>
+          </ac:picMkLst>
+        </pc:picChg>
+        <pc:picChg chg="add mod">
+          <ac:chgData name="RAQUEL SADORNIL GARCIA" userId="d03104743241a5a8" providerId="LiveId" clId="{A46644C8-CACA-4982-8E93-EF6477E15F0E}" dt="2019-06-13T20:31:05.376" v="192" actId="1076"/>
+          <ac:picMkLst>
+            <pc:docMk/>
+            <pc:sldMk cId="1212226204" sldId="274"/>
+            <ac:picMk id="7" creationId="{23042653-543F-485E-B574-F7024C73FC77}"/>
+          </ac:picMkLst>
+        </pc:picChg>
+        <pc:picChg chg="add del mod">
+          <ac:chgData name="RAQUEL SADORNIL GARCIA" userId="d03104743241a5a8" providerId="LiveId" clId="{A46644C8-CACA-4982-8E93-EF6477E15F0E}" dt="2019-06-13T20:31:00.260" v="190" actId="931"/>
+          <ac:picMkLst>
+            <pc:docMk/>
+            <pc:sldMk cId="1212226204" sldId="274"/>
+            <ac:picMk id="9" creationId="{BF9D28CB-CA4B-4B0F-96C6-17A7BF1B2FF1}"/>
+          </ac:picMkLst>
+        </pc:picChg>
+      </pc:sldChg>
+      <pc:sldChg chg="addSp delSp modSp add">
+        <pc:chgData name="RAQUEL SADORNIL GARCIA" userId="d03104743241a5a8" providerId="LiveId" clId="{A46644C8-CACA-4982-8E93-EF6477E15F0E}" dt="2019-06-13T20:39:16.003" v="346"/>
+        <pc:sldMkLst>
+          <pc:docMk/>
+          <pc:sldMk cId="632930667" sldId="275"/>
+        </pc:sldMkLst>
+        <pc:spChg chg="mod">
+          <ac:chgData name="RAQUEL SADORNIL GARCIA" userId="d03104743241a5a8" providerId="LiveId" clId="{A46644C8-CACA-4982-8E93-EF6477E15F0E}" dt="2019-06-13T20:39:16.003" v="346"/>
+          <ac:spMkLst>
+            <pc:docMk/>
+            <pc:sldMk cId="632930667" sldId="275"/>
+            <ac:spMk id="2" creationId="{6B1DE456-6E3F-4098-B183-D5406CE8607F}"/>
+          </ac:spMkLst>
+        </pc:spChg>
+        <pc:spChg chg="del">
+          <ac:chgData name="RAQUEL SADORNIL GARCIA" userId="d03104743241a5a8" providerId="LiveId" clId="{A46644C8-CACA-4982-8E93-EF6477E15F0E}" dt="2019-06-13T20:33:08.275" v="205" actId="931"/>
+          <ac:spMkLst>
+            <pc:docMk/>
+            <pc:sldMk cId="632930667" sldId="275"/>
+            <ac:spMk id="3" creationId="{7002A52A-6275-4D6A-8199-9051B82F53A1}"/>
+          </ac:spMkLst>
+        </pc:spChg>
+        <pc:spChg chg="add mod">
+          <ac:chgData name="RAQUEL SADORNIL GARCIA" userId="d03104743241a5a8" providerId="LiveId" clId="{A46644C8-CACA-4982-8E93-EF6477E15F0E}" dt="2019-06-13T20:33:39.898" v="215" actId="1076"/>
+          <ac:spMkLst>
+            <pc:docMk/>
+            <pc:sldMk cId="632930667" sldId="275"/>
+            <ac:spMk id="6" creationId="{22C70FD4-C045-458E-8174-565C4D4CBF0D}"/>
+          </ac:spMkLst>
+        </pc:spChg>
+        <pc:picChg chg="add mod">
+          <ac:chgData name="RAQUEL SADORNIL GARCIA" userId="d03104743241a5a8" providerId="LiveId" clId="{A46644C8-CACA-4982-8E93-EF6477E15F0E}" dt="2019-06-13T20:33:33.043" v="213" actId="1076"/>
+          <ac:picMkLst>
+            <pc:docMk/>
+            <pc:sldMk cId="632930667" sldId="275"/>
+            <ac:picMk id="5" creationId="{8DE22092-F13A-4FF3-9660-6058E9571828}"/>
+          </ac:picMkLst>
+        </pc:picChg>
+      </pc:sldChg>
+      <pc:sldChg chg="addSp delSp modSp add">
+        <pc:chgData name="RAQUEL SADORNIL GARCIA" userId="d03104743241a5a8" providerId="LiveId" clId="{A46644C8-CACA-4982-8E93-EF6477E15F0E}" dt="2019-06-13T20:39:10.874" v="345"/>
+        <pc:sldMkLst>
+          <pc:docMk/>
+          <pc:sldMk cId="2072325103" sldId="276"/>
+        </pc:sldMkLst>
+        <pc:spChg chg="mod">
+          <ac:chgData name="RAQUEL SADORNIL GARCIA" userId="d03104743241a5a8" providerId="LiveId" clId="{A46644C8-CACA-4982-8E93-EF6477E15F0E}" dt="2019-06-13T20:39:10.874" v="345"/>
+          <ac:spMkLst>
+            <pc:docMk/>
+            <pc:sldMk cId="2072325103" sldId="276"/>
+            <ac:spMk id="2" creationId="{8B7C3FCE-11F2-4422-AAB9-ED9B2C3F6366}"/>
+          </ac:spMkLst>
+        </pc:spChg>
+        <pc:spChg chg="del">
+          <ac:chgData name="RAQUEL SADORNIL GARCIA" userId="d03104743241a5a8" providerId="LiveId" clId="{A46644C8-CACA-4982-8E93-EF6477E15F0E}" dt="2019-06-13T20:33:58.651" v="219" actId="931"/>
+          <ac:spMkLst>
+            <pc:docMk/>
+            <pc:sldMk cId="2072325103" sldId="276"/>
+            <ac:spMk id="3" creationId="{380DB519-84F4-412F-AAA7-8E7065FB00F0}"/>
+          </ac:spMkLst>
+        </pc:spChg>
+        <pc:spChg chg="add del mod">
+          <ac:chgData name="RAQUEL SADORNIL GARCIA" userId="d03104743241a5a8" providerId="LiveId" clId="{A46644C8-CACA-4982-8E93-EF6477E15F0E}" dt="2019-06-13T20:34:09.296" v="226"/>
+          <ac:spMkLst>
+            <pc:docMk/>
+            <pc:sldMk cId="2072325103" sldId="276"/>
+            <ac:spMk id="6" creationId="{AAC0C613-CCF6-4444-A4D9-64DB68BE7DFC}"/>
+          </ac:spMkLst>
+        </pc:spChg>
+        <pc:spChg chg="add mod">
+          <ac:chgData name="RAQUEL SADORNIL GARCIA" userId="d03104743241a5a8" providerId="LiveId" clId="{A46644C8-CACA-4982-8E93-EF6477E15F0E}" dt="2019-06-13T20:34:18.980" v="228"/>
+          <ac:spMkLst>
+            <pc:docMk/>
+            <pc:sldMk cId="2072325103" sldId="276"/>
+            <ac:spMk id="7" creationId="{92719981-0276-415D-AB7D-55ACB2FF0CC7}"/>
+          </ac:spMkLst>
+        </pc:spChg>
+        <pc:picChg chg="add mod">
+          <ac:chgData name="RAQUEL SADORNIL GARCIA" userId="d03104743241a5a8" providerId="LiveId" clId="{A46644C8-CACA-4982-8E93-EF6477E15F0E}" dt="2019-06-13T20:34:00.857" v="222" actId="1076"/>
+          <ac:picMkLst>
+            <pc:docMk/>
+            <pc:sldMk cId="2072325103" sldId="276"/>
+            <ac:picMk id="5" creationId="{36022A96-576C-41B3-A6DE-70F9A6B86774}"/>
+          </ac:picMkLst>
+        </pc:picChg>
+      </pc:sldChg>
+      <pc:sldChg chg="addSp delSp modSp add">
+        <pc:chgData name="RAQUEL SADORNIL GARCIA" userId="d03104743241a5a8" providerId="LiveId" clId="{A46644C8-CACA-4982-8E93-EF6477E15F0E}" dt="2019-06-13T20:39:05.356" v="344" actId="20577"/>
+        <pc:sldMkLst>
+          <pc:docMk/>
+          <pc:sldMk cId="199772309" sldId="277"/>
+        </pc:sldMkLst>
+        <pc:spChg chg="mod">
+          <ac:chgData name="RAQUEL SADORNIL GARCIA" userId="d03104743241a5a8" providerId="LiveId" clId="{A46644C8-CACA-4982-8E93-EF6477E15F0E}" dt="2019-06-13T20:39:05.356" v="344" actId="20577"/>
+          <ac:spMkLst>
+            <pc:docMk/>
+            <pc:sldMk cId="199772309" sldId="277"/>
+            <ac:spMk id="2" creationId="{48F6A26E-3B5A-4FA3-B5AA-80784983B97C}"/>
+          </ac:spMkLst>
+        </pc:spChg>
+        <pc:spChg chg="del">
+          <ac:chgData name="RAQUEL SADORNIL GARCIA" userId="d03104743241a5a8" providerId="LiveId" clId="{A46644C8-CACA-4982-8E93-EF6477E15F0E}" dt="2019-06-13T20:34:44.445" v="232" actId="931"/>
+          <ac:spMkLst>
+            <pc:docMk/>
+            <pc:sldMk cId="199772309" sldId="277"/>
+            <ac:spMk id="3" creationId="{34CEC29D-9556-4455-B731-91BE9904EC8E}"/>
+          </ac:spMkLst>
+        </pc:spChg>
+        <pc:spChg chg="add mod">
+          <ac:chgData name="RAQUEL SADORNIL GARCIA" userId="d03104743241a5a8" providerId="LiveId" clId="{A46644C8-CACA-4982-8E93-EF6477E15F0E}" dt="2019-06-13T20:36:21.915" v="254" actId="1076"/>
+          <ac:spMkLst>
+            <pc:docMk/>
+            <pc:sldMk cId="199772309" sldId="277"/>
+            <ac:spMk id="6" creationId="{F050821F-E657-4C0D-9EB8-20B2029734DD}"/>
+          </ac:spMkLst>
+        </pc:spChg>
+        <pc:picChg chg="add mod">
+          <ac:chgData name="RAQUEL SADORNIL GARCIA" userId="d03104743241a5a8" providerId="LiveId" clId="{A46644C8-CACA-4982-8E93-EF6477E15F0E}" dt="2019-06-13T20:36:25.281" v="256" actId="1076"/>
+          <ac:picMkLst>
+            <pc:docMk/>
+            <pc:sldMk cId="199772309" sldId="277"/>
+            <ac:picMk id="5" creationId="{A52532B6-7C02-4260-A736-A8100F732D3D}"/>
+          </ac:picMkLst>
+        </pc:picChg>
+        <pc:picChg chg="add del mod">
+          <ac:chgData name="RAQUEL SADORNIL GARCIA" userId="d03104743241a5a8" providerId="LiveId" clId="{A46644C8-CACA-4982-8E93-EF6477E15F0E}" dt="2019-06-13T20:35:20.053" v="238" actId="931"/>
+          <ac:picMkLst>
+            <pc:docMk/>
+            <pc:sldMk cId="199772309" sldId="277"/>
+            <ac:picMk id="8" creationId="{E2BAAED3-B11F-42C2-A378-B6A2CEFCD922}"/>
+          </ac:picMkLst>
+        </pc:picChg>
+        <pc:picChg chg="add mod">
+          <ac:chgData name="RAQUEL SADORNIL GARCIA" userId="d03104743241a5a8" providerId="LiveId" clId="{A46644C8-CACA-4982-8E93-EF6477E15F0E}" dt="2019-06-13T20:36:23.332" v="255" actId="1076"/>
+          <ac:picMkLst>
+            <pc:docMk/>
+            <pc:sldMk cId="199772309" sldId="277"/>
+            <ac:picMk id="10" creationId="{8CD6F62B-739B-4F1A-B39C-EAB76BB9F154}"/>
+          </ac:picMkLst>
+        </pc:picChg>
+      </pc:sldChg>
+      <pc:sldChg chg="addSp delSp modSp add">
+        <pc:chgData name="RAQUEL SADORNIL GARCIA" userId="d03104743241a5a8" providerId="LiveId" clId="{A46644C8-CACA-4982-8E93-EF6477E15F0E}" dt="2019-06-13T20:38:53.467" v="324" actId="20577"/>
+        <pc:sldMkLst>
+          <pc:docMk/>
+          <pc:sldMk cId="3261791807" sldId="278"/>
+        </pc:sldMkLst>
+        <pc:spChg chg="mod">
+          <ac:chgData name="RAQUEL SADORNIL GARCIA" userId="d03104743241a5a8" providerId="LiveId" clId="{A46644C8-CACA-4982-8E93-EF6477E15F0E}" dt="2019-06-13T20:38:53.467" v="324" actId="20577"/>
+          <ac:spMkLst>
+            <pc:docMk/>
+            <pc:sldMk cId="3261791807" sldId="278"/>
+            <ac:spMk id="2" creationId="{FF5160AF-BFF4-478F-A004-16FF6FBAC125}"/>
+          </ac:spMkLst>
+        </pc:spChg>
+        <pc:spChg chg="del">
+          <ac:chgData name="RAQUEL SADORNIL GARCIA" userId="d03104743241a5a8" providerId="LiveId" clId="{A46644C8-CACA-4982-8E93-EF6477E15F0E}" dt="2019-06-13T20:37:40.913" v="257" actId="931"/>
+          <ac:spMkLst>
+            <pc:docMk/>
+            <pc:sldMk cId="3261791807" sldId="278"/>
+            <ac:spMk id="3" creationId="{B31F34F0-7D8A-4132-BF1B-915DE3241CB5}"/>
+          </ac:spMkLst>
+        </pc:spChg>
+        <pc:spChg chg="add mod">
+          <ac:chgData name="RAQUEL SADORNIL GARCIA" userId="d03104743241a5a8" providerId="LiveId" clId="{A46644C8-CACA-4982-8E93-EF6477E15F0E}" dt="2019-06-13T20:38:38.733" v="305" actId="1076"/>
+          <ac:spMkLst>
+            <pc:docMk/>
+            <pc:sldMk cId="3261791807" sldId="278"/>
+            <ac:spMk id="6" creationId="{225429C3-B7AE-4C65-9793-50821C0F5EF1}"/>
+          </ac:spMkLst>
+        </pc:spChg>
+        <pc:picChg chg="add mod">
+          <ac:chgData name="RAQUEL SADORNIL GARCIA" userId="d03104743241a5a8" providerId="LiveId" clId="{A46644C8-CACA-4982-8E93-EF6477E15F0E}" dt="2019-06-13T20:37:44.921" v="259" actId="1076"/>
+          <ac:picMkLst>
+            <pc:docMk/>
+            <pc:sldMk cId="3261791807" sldId="278"/>
+            <ac:picMk id="5" creationId="{FB67D12F-C82B-429A-BB89-D808FF285E76}"/>
+          </ac:picMkLst>
+        </pc:picChg>
+      </pc:sldChg>
+      <pc:sldChg chg="addSp delSp modSp add">
+        <pc:chgData name="RAQUEL SADORNIL GARCIA" userId="d03104743241a5a8" providerId="LiveId" clId="{A46644C8-CACA-4982-8E93-EF6477E15F0E}" dt="2019-06-13T20:41:12.173" v="393" actId="1076"/>
+        <pc:sldMkLst>
+          <pc:docMk/>
+          <pc:sldMk cId="3138866633" sldId="279"/>
+        </pc:sldMkLst>
+        <pc:spChg chg="mod">
+          <ac:chgData name="RAQUEL SADORNIL GARCIA" userId="d03104743241a5a8" providerId="LiveId" clId="{A46644C8-CACA-4982-8E93-EF6477E15F0E}" dt="2019-06-13T20:39:46.942" v="353"/>
+          <ac:spMkLst>
+            <pc:docMk/>
+            <pc:sldMk cId="3138866633" sldId="279"/>
+            <ac:spMk id="2" creationId="{A12BCEA9-F52C-4E85-AC99-D504D596EB55}"/>
+          </ac:spMkLst>
+        </pc:spChg>
+        <pc:spChg chg="del">
+          <ac:chgData name="RAQUEL SADORNIL GARCIA" userId="d03104743241a5a8" providerId="LiveId" clId="{A46644C8-CACA-4982-8E93-EF6477E15F0E}" dt="2019-06-13T20:39:54.274" v="354" actId="931"/>
+          <ac:spMkLst>
+            <pc:docMk/>
+            <pc:sldMk cId="3138866633" sldId="279"/>
+            <ac:spMk id="3" creationId="{340C885B-E111-4FEB-AAE6-FB6CCEE36BB6}"/>
+          </ac:spMkLst>
+        </pc:spChg>
+        <pc:spChg chg="add mod">
+          <ac:chgData name="RAQUEL SADORNIL GARCIA" userId="d03104743241a5a8" providerId="LiveId" clId="{A46644C8-CACA-4982-8E93-EF6477E15F0E}" dt="2019-06-13T20:41:12.173" v="393" actId="1076"/>
+          <ac:spMkLst>
+            <pc:docMk/>
+            <pc:sldMk cId="3138866633" sldId="279"/>
+            <ac:spMk id="6" creationId="{8D86BA02-0437-487A-8C71-7943D7440EBC}"/>
+          </ac:spMkLst>
+        </pc:spChg>
+        <pc:picChg chg="add mod">
+          <ac:chgData name="RAQUEL SADORNIL GARCIA" userId="d03104743241a5a8" providerId="LiveId" clId="{A46644C8-CACA-4982-8E93-EF6477E15F0E}" dt="2019-06-13T20:40:56.230" v="386" actId="1076"/>
+          <ac:picMkLst>
+            <pc:docMk/>
+            <pc:sldMk cId="3138866633" sldId="279"/>
+            <ac:picMk id="5" creationId="{DA68AD86-74B2-4130-A8CF-FE0EFB0B77E7}"/>
+          </ac:picMkLst>
+        </pc:picChg>
+      </pc:sldChg>
+      <pc:sldChg chg="addSp delSp modSp add ord">
+        <pc:chgData name="RAQUEL SADORNIL GARCIA" userId="d03104743241a5a8" providerId="LiveId" clId="{A46644C8-CACA-4982-8E93-EF6477E15F0E}" dt="2019-06-13T20:47:58.031" v="480"/>
+        <pc:sldMkLst>
+          <pc:docMk/>
+          <pc:sldMk cId="3396887133" sldId="280"/>
+        </pc:sldMkLst>
+        <pc:spChg chg="mod">
+          <ac:chgData name="RAQUEL SADORNIL GARCIA" userId="d03104743241a5a8" providerId="LiveId" clId="{A46644C8-CACA-4982-8E93-EF6477E15F0E}" dt="2019-06-13T20:40:09.542" v="358"/>
+          <ac:spMkLst>
+            <pc:docMk/>
+            <pc:sldMk cId="3396887133" sldId="280"/>
+            <ac:spMk id="2" creationId="{5CF0BD65-8DEB-41E5-9A49-3FBC50FF4A40}"/>
+          </ac:spMkLst>
+        </pc:spChg>
+        <pc:spChg chg="del">
+          <ac:chgData name="RAQUEL SADORNIL GARCIA" userId="d03104743241a5a8" providerId="LiveId" clId="{A46644C8-CACA-4982-8E93-EF6477E15F0E}" dt="2019-06-13T20:40:18.139" v="359" actId="931"/>
+          <ac:spMkLst>
+            <pc:docMk/>
+            <pc:sldMk cId="3396887133" sldId="280"/>
+            <ac:spMk id="3" creationId="{8CF342A3-2777-4FED-AA2A-719A498A49E4}"/>
+          </ac:spMkLst>
+        </pc:spChg>
+        <pc:spChg chg="add del mod">
+          <ac:chgData name="RAQUEL SADORNIL GARCIA" userId="d03104743241a5a8" providerId="LiveId" clId="{A46644C8-CACA-4982-8E93-EF6477E15F0E}" dt="2019-06-13T20:45:02.473" v="428"/>
+          <ac:spMkLst>
+            <pc:docMk/>
+            <pc:sldMk cId="3396887133" sldId="280"/>
+            <ac:spMk id="6" creationId="{DC8B0D47-7B2A-4C12-A2D0-2574AB9CCEF0}"/>
+          </ac:spMkLst>
+        </pc:spChg>
+        <pc:spChg chg="add">
+          <ac:chgData name="RAQUEL SADORNIL GARCIA" userId="d03104743241a5a8" providerId="LiveId" clId="{A46644C8-CACA-4982-8E93-EF6477E15F0E}" dt="2019-06-13T20:47:58.031" v="480"/>
+          <ac:spMkLst>
+            <pc:docMk/>
+            <pc:sldMk cId="3396887133" sldId="280"/>
+            <ac:spMk id="7" creationId="{996BC785-847E-4C0D-B533-7CDDF4654676}"/>
+          </ac:spMkLst>
+        </pc:spChg>
+        <pc:picChg chg="add mod">
+          <ac:chgData name="RAQUEL SADORNIL GARCIA" userId="d03104743241a5a8" providerId="LiveId" clId="{A46644C8-CACA-4982-8E93-EF6477E15F0E}" dt="2019-06-13T20:40:19.229" v="361" actId="962"/>
+          <ac:picMkLst>
+            <pc:docMk/>
+            <pc:sldMk cId="3396887133" sldId="280"/>
+            <ac:picMk id="5" creationId="{FDA22E4D-1E9E-444E-8378-8A17C4311DBE}"/>
+          </ac:picMkLst>
+        </pc:picChg>
+      </pc:sldChg>
+      <pc:sldChg chg="addSp delSp modSp add del ord">
+        <pc:chgData name="RAQUEL SADORNIL GARCIA" userId="d03104743241a5a8" providerId="LiveId" clId="{A46644C8-CACA-4982-8E93-EF6477E15F0E}" dt="2019-06-13T20:45:18.303" v="429" actId="2696"/>
+        <pc:sldMkLst>
+          <pc:docMk/>
+          <pc:sldMk cId="3215240418" sldId="281"/>
+        </pc:sldMkLst>
+        <pc:spChg chg="mod">
+          <ac:chgData name="RAQUEL SADORNIL GARCIA" userId="d03104743241a5a8" providerId="LiveId" clId="{A46644C8-CACA-4982-8E93-EF6477E15F0E}" dt="2019-06-13T20:41:24.701" v="396"/>
+          <ac:spMkLst>
+            <pc:docMk/>
+            <pc:sldMk cId="3215240418" sldId="281"/>
+            <ac:spMk id="2" creationId="{4E3C1B48-E0C0-48CA-910D-802CC7DA66EF}"/>
+          </ac:spMkLst>
+        </pc:spChg>
+        <pc:spChg chg="del">
+          <ac:chgData name="RAQUEL SADORNIL GARCIA" userId="d03104743241a5a8" providerId="LiveId" clId="{A46644C8-CACA-4982-8E93-EF6477E15F0E}" dt="2019-06-13T20:41:45.363" v="398" actId="931"/>
+          <ac:spMkLst>
+            <pc:docMk/>
+            <pc:sldMk cId="3215240418" sldId="281"/>
+            <ac:spMk id="3" creationId="{15870A9D-84A1-460E-9749-C233B86C9889}"/>
+          </ac:spMkLst>
+        </pc:spChg>
+        <pc:picChg chg="add mod">
+          <ac:chgData name="RAQUEL SADORNIL GARCIA" userId="d03104743241a5a8" providerId="LiveId" clId="{A46644C8-CACA-4982-8E93-EF6477E15F0E}" dt="2019-06-13T20:41:46.561" v="400" actId="962"/>
+          <ac:picMkLst>
+            <pc:docMk/>
+            <pc:sldMk cId="3215240418" sldId="281"/>
+            <ac:picMk id="5" creationId="{40B504AC-F9AC-4D9B-88A5-3935C60D1875}"/>
+          </ac:picMkLst>
+        </pc:picChg>
+      </pc:sldChg>
+      <pc:sldChg chg="addSp delSp modSp add ord">
+        <pc:chgData name="RAQUEL SADORNIL GARCIA" userId="d03104743241a5a8" providerId="LiveId" clId="{A46644C8-CACA-4982-8E93-EF6477E15F0E}" dt="2019-06-13T20:44:41.026" v="424"/>
+        <pc:sldMkLst>
+          <pc:docMk/>
+          <pc:sldMk cId="2539417085" sldId="282"/>
+        </pc:sldMkLst>
+        <pc:spChg chg="mod">
+          <ac:chgData name="RAQUEL SADORNIL GARCIA" userId="d03104743241a5a8" providerId="LiveId" clId="{A46644C8-CACA-4982-8E93-EF6477E15F0E}" dt="2019-06-13T20:41:56.859" v="403"/>
+          <ac:spMkLst>
+            <pc:docMk/>
+            <pc:sldMk cId="2539417085" sldId="282"/>
+            <ac:spMk id="2" creationId="{4B323604-A2C2-4302-9A7E-A22ED86196C1}"/>
+          </ac:spMkLst>
+        </pc:spChg>
+        <pc:spChg chg="del">
+          <ac:chgData name="RAQUEL SADORNIL GARCIA" userId="d03104743241a5a8" providerId="LiveId" clId="{A46644C8-CACA-4982-8E93-EF6477E15F0E}" dt="2019-06-13T20:42:12.204" v="404" actId="931"/>
+          <ac:spMkLst>
+            <pc:docMk/>
+            <pc:sldMk cId="2539417085" sldId="282"/>
+            <ac:spMk id="3" creationId="{5D959DC7-340A-4064-84BA-03F81F8E2E46}"/>
+          </ac:spMkLst>
+        </pc:spChg>
+        <pc:spChg chg="add mod">
+          <ac:chgData name="RAQUEL SADORNIL GARCIA" userId="d03104743241a5a8" providerId="LiveId" clId="{A46644C8-CACA-4982-8E93-EF6477E15F0E}" dt="2019-06-13T20:42:20.367" v="407" actId="1076"/>
+          <ac:spMkLst>
+            <pc:docMk/>
+            <pc:sldMk cId="2539417085" sldId="282"/>
+            <ac:spMk id="6" creationId="{0245597C-675E-4FEE-98AE-EA7FAFE13C1A}"/>
+          </ac:spMkLst>
+        </pc:spChg>
+        <pc:picChg chg="add mod">
+          <ac:chgData name="RAQUEL SADORNIL GARCIA" userId="d03104743241a5a8" providerId="LiveId" clId="{A46644C8-CACA-4982-8E93-EF6477E15F0E}" dt="2019-06-13T20:42:26.406" v="410" actId="1076"/>
+          <ac:picMkLst>
+            <pc:docMk/>
+            <pc:sldMk cId="2539417085" sldId="282"/>
+            <ac:picMk id="5" creationId="{C385B1C9-AC2E-4110-B8C2-108CEDAEA6A4}"/>
+          </ac:picMkLst>
+        </pc:picChg>
+      </pc:sldChg>
+      <pc:sldChg chg="addSp delSp modSp add ord">
+        <pc:chgData name="RAQUEL SADORNIL GARCIA" userId="d03104743241a5a8" providerId="LiveId" clId="{A46644C8-CACA-4982-8E93-EF6477E15F0E}" dt="2019-06-13T20:47:20.062" v="462" actId="20577"/>
+        <pc:sldMkLst>
+          <pc:docMk/>
+          <pc:sldMk cId="1808289038" sldId="283"/>
+        </pc:sldMkLst>
+        <pc:spChg chg="mod">
+          <ac:chgData name="RAQUEL SADORNIL GARCIA" userId="d03104743241a5a8" providerId="LiveId" clId="{A46644C8-CACA-4982-8E93-EF6477E15F0E}" dt="2019-06-13T20:42:44.807" v="413"/>
+          <ac:spMkLst>
+            <pc:docMk/>
+            <pc:sldMk cId="1808289038" sldId="283"/>
+            <ac:spMk id="2" creationId="{B416197B-D123-44B3-BFF5-838738CE2503}"/>
+          </ac:spMkLst>
+        </pc:spChg>
+        <pc:spChg chg="del">
+          <ac:chgData name="RAQUEL SADORNIL GARCIA" userId="d03104743241a5a8" providerId="LiveId" clId="{A46644C8-CACA-4982-8E93-EF6477E15F0E}" dt="2019-06-13T20:43:26.160" v="414" actId="931"/>
+          <ac:spMkLst>
+            <pc:docMk/>
+            <pc:sldMk cId="1808289038" sldId="283"/>
+            <ac:spMk id="3" creationId="{3E4243A7-73AD-413E-8627-1CE26C9D8875}"/>
+          </ac:spMkLst>
+        </pc:spChg>
+        <pc:spChg chg="add mod">
+          <ac:chgData name="RAQUEL SADORNIL GARCIA" userId="d03104743241a5a8" providerId="LiveId" clId="{A46644C8-CACA-4982-8E93-EF6477E15F0E}" dt="2019-06-13T20:47:20.062" v="462" actId="20577"/>
+          <ac:spMkLst>
+            <pc:docMk/>
+            <pc:sldMk cId="1808289038" sldId="283"/>
+            <ac:spMk id="6" creationId="{7BF80F20-9ABB-4CA4-82D3-5AB98AC9FB16}"/>
+          </ac:spMkLst>
+        </pc:spChg>
+        <pc:picChg chg="add mod">
+          <ac:chgData name="RAQUEL SADORNIL GARCIA" userId="d03104743241a5a8" providerId="LiveId" clId="{A46644C8-CACA-4982-8E93-EF6477E15F0E}" dt="2019-06-13T20:43:27.659" v="416" actId="962"/>
+          <ac:picMkLst>
+            <pc:docMk/>
+            <pc:sldMk cId="1808289038" sldId="283"/>
+            <ac:picMk id="5" creationId="{9C7CFCF3-D667-47DE-A723-91ECBB52C504}"/>
+          </ac:picMkLst>
+        </pc:picChg>
+      </pc:sldChg>
+      <pc:sldChg chg="addSp delSp modSp add ord">
+        <pc:chgData name="RAQUEL SADORNIL GARCIA" userId="d03104743241a5a8" providerId="LiveId" clId="{A46644C8-CACA-4982-8E93-EF6477E15F0E}" dt="2019-06-13T20:47:25.619" v="463"/>
+        <pc:sldMkLst>
+          <pc:docMk/>
+          <pc:sldMk cId="1489838598" sldId="284"/>
+        </pc:sldMkLst>
+        <pc:spChg chg="mod">
+          <ac:chgData name="RAQUEL SADORNIL GARCIA" userId="d03104743241a5a8" providerId="LiveId" clId="{A46644C8-CACA-4982-8E93-EF6477E15F0E}" dt="2019-06-13T20:43:41.734" v="419"/>
+          <ac:spMkLst>
+            <pc:docMk/>
+            <pc:sldMk cId="1489838598" sldId="284"/>
+            <ac:spMk id="2" creationId="{F3BE52CE-36D4-4AF4-AFF8-A25DF0D2E819}"/>
+          </ac:spMkLst>
+        </pc:spChg>
+        <pc:spChg chg="del">
+          <ac:chgData name="RAQUEL SADORNIL GARCIA" userId="d03104743241a5a8" providerId="LiveId" clId="{A46644C8-CACA-4982-8E93-EF6477E15F0E}" dt="2019-06-13T20:43:37.133" v="418" actId="931"/>
+          <ac:spMkLst>
+            <pc:docMk/>
+            <pc:sldMk cId="1489838598" sldId="284"/>
+            <ac:spMk id="3" creationId="{5E02079B-E6EC-4B72-891F-DA2D4BB3702D}"/>
+          </ac:spMkLst>
+        </pc:spChg>
+        <pc:spChg chg="add">
+          <ac:chgData name="RAQUEL SADORNIL GARCIA" userId="d03104743241a5a8" providerId="LiveId" clId="{A46644C8-CACA-4982-8E93-EF6477E15F0E}" dt="2019-06-13T20:47:25.619" v="463"/>
+          <ac:spMkLst>
+            <pc:docMk/>
+            <pc:sldMk cId="1489838598" sldId="284"/>
+            <ac:spMk id="6" creationId="{EBCE799B-DEFD-47FA-AE8D-BA807CA747AB}"/>
+          </ac:spMkLst>
+        </pc:spChg>
+        <pc:picChg chg="add mod">
+          <ac:chgData name="RAQUEL SADORNIL GARCIA" userId="d03104743241a5a8" providerId="LiveId" clId="{A46644C8-CACA-4982-8E93-EF6477E15F0E}" dt="2019-06-13T20:43:37.133" v="418" actId="931"/>
+          <ac:picMkLst>
+            <pc:docMk/>
+            <pc:sldMk cId="1489838598" sldId="284"/>
+            <ac:picMk id="5" creationId="{1D0C7E59-A51D-449A-BA61-F2BD40C1D025}"/>
+          </ac:picMkLst>
+        </pc:picChg>
+      </pc:sldChg>
+      <pc:sldChg chg="addSp delSp modSp add">
+        <pc:chgData name="RAQUEL SADORNIL GARCIA" userId="d03104743241a5a8" providerId="LiveId" clId="{A46644C8-CACA-4982-8E93-EF6477E15F0E}" dt="2019-06-13T20:47:35.147" v="474" actId="20577"/>
+        <pc:sldMkLst>
+          <pc:docMk/>
+          <pc:sldMk cId="155836191" sldId="285"/>
+        </pc:sldMkLst>
+        <pc:spChg chg="mod">
+          <ac:chgData name="RAQUEL SADORNIL GARCIA" userId="d03104743241a5a8" providerId="LiveId" clId="{A46644C8-CACA-4982-8E93-EF6477E15F0E}" dt="2019-06-13T20:45:34.095" v="432"/>
+          <ac:spMkLst>
+            <pc:docMk/>
+            <pc:sldMk cId="155836191" sldId="285"/>
+            <ac:spMk id="2" creationId="{DC9C0A36-42BE-42BD-A660-6FA6E4F5714D}"/>
+          </ac:spMkLst>
+        </pc:spChg>
+        <pc:spChg chg="del">
+          <ac:chgData name="RAQUEL SADORNIL GARCIA" userId="d03104743241a5a8" providerId="LiveId" clId="{A46644C8-CACA-4982-8E93-EF6477E15F0E}" dt="2019-06-13T20:45:40.489" v="433" actId="931"/>
+          <ac:spMkLst>
+            <pc:docMk/>
+            <pc:sldMk cId="155836191" sldId="285"/>
+            <ac:spMk id="3" creationId="{B5D72574-8C31-49DF-A172-7115B404465F}"/>
+          </ac:spMkLst>
+        </pc:spChg>
+        <pc:spChg chg="add mod">
+          <ac:chgData name="RAQUEL SADORNIL GARCIA" userId="d03104743241a5a8" providerId="LiveId" clId="{A46644C8-CACA-4982-8E93-EF6477E15F0E}" dt="2019-06-13T20:47:35.147" v="474" actId="20577"/>
+          <ac:spMkLst>
+            <pc:docMk/>
+            <pc:sldMk cId="155836191" sldId="285"/>
+            <ac:spMk id="6" creationId="{4189D67F-9753-4887-9334-CA1F61B4AC5B}"/>
+          </ac:spMkLst>
+        </pc:spChg>
+        <pc:picChg chg="add mod">
+          <ac:chgData name="RAQUEL SADORNIL GARCIA" userId="d03104743241a5a8" providerId="LiveId" clId="{A46644C8-CACA-4982-8E93-EF6477E15F0E}" dt="2019-06-13T20:45:41.780" v="435" actId="962"/>
+          <ac:picMkLst>
+            <pc:docMk/>
+            <pc:sldMk cId="155836191" sldId="285"/>
+            <ac:picMk id="5" creationId="{4EE91405-DD3F-4CBF-8DBC-DC36486DBA51}"/>
+          </ac:picMkLst>
+        </pc:picChg>
+      </pc:sldChg>
+      <pc:sldChg chg="addSp delSp modSp add">
+        <pc:chgData name="RAQUEL SADORNIL GARCIA" userId="d03104743241a5a8" providerId="LiveId" clId="{A46644C8-CACA-4982-8E93-EF6477E15F0E}" dt="2019-06-13T20:47:39.824" v="475"/>
+        <pc:sldMkLst>
+          <pc:docMk/>
+          <pc:sldMk cId="506048357" sldId="286"/>
+        </pc:sldMkLst>
+        <pc:spChg chg="mod">
+          <ac:chgData name="RAQUEL SADORNIL GARCIA" userId="d03104743241a5a8" providerId="LiveId" clId="{A46644C8-CACA-4982-8E93-EF6477E15F0E}" dt="2019-06-13T20:46:01.800" v="438" actId="122"/>
+          <ac:spMkLst>
+            <pc:docMk/>
+            <pc:sldMk cId="506048357" sldId="286"/>
+            <ac:spMk id="2" creationId="{CCB1636B-04F5-4A48-B15E-1128C525051F}"/>
+          </ac:spMkLst>
+        </pc:spChg>
+        <pc:spChg chg="del">
+          <ac:chgData name="RAQUEL SADORNIL GARCIA" userId="d03104743241a5a8" providerId="LiveId" clId="{A46644C8-CACA-4982-8E93-EF6477E15F0E}" dt="2019-06-13T20:46:09.145" v="439" actId="931"/>
+          <ac:spMkLst>
+            <pc:docMk/>
+            <pc:sldMk cId="506048357" sldId="286"/>
+            <ac:spMk id="3" creationId="{B8A0C29B-5EBE-4AD4-B5A2-73F18BB1855A}"/>
+          </ac:spMkLst>
+        </pc:spChg>
+        <pc:spChg chg="add">
+          <ac:chgData name="RAQUEL SADORNIL GARCIA" userId="d03104743241a5a8" providerId="LiveId" clId="{A46644C8-CACA-4982-8E93-EF6477E15F0E}" dt="2019-06-13T20:47:39.824" v="475"/>
+          <ac:spMkLst>
+            <pc:docMk/>
+            <pc:sldMk cId="506048357" sldId="286"/>
+            <ac:spMk id="6" creationId="{34AB9C67-A401-4D63-A6AD-6B6DC9EB6BC6}"/>
+          </ac:spMkLst>
+        </pc:spChg>
+        <pc:picChg chg="add mod">
+          <ac:chgData name="RAQUEL SADORNIL GARCIA" userId="d03104743241a5a8" providerId="LiveId" clId="{A46644C8-CACA-4982-8E93-EF6477E15F0E}" dt="2019-06-13T20:46:10.345" v="441" actId="962"/>
+          <ac:picMkLst>
+            <pc:docMk/>
+            <pc:sldMk cId="506048357" sldId="286"/>
+            <ac:picMk id="5" creationId="{F013F3C8-7B0E-40B3-A17E-556797865FE4}"/>
+          </ac:picMkLst>
+        </pc:picChg>
+      </pc:sldChg>
+      <pc:sldChg chg="addSp delSp modSp add">
+        <pc:chgData name="RAQUEL SADORNIL GARCIA" userId="d03104743241a5a8" providerId="LiveId" clId="{A46644C8-CACA-4982-8E93-EF6477E15F0E}" dt="2019-06-13T20:47:49.117" v="479" actId="1076"/>
+        <pc:sldMkLst>
+          <pc:docMk/>
+          <pc:sldMk cId="1680906194" sldId="287"/>
+        </pc:sldMkLst>
+        <pc:spChg chg="mod">
+          <ac:chgData name="RAQUEL SADORNIL GARCIA" userId="d03104743241a5a8" providerId="LiveId" clId="{A46644C8-CACA-4982-8E93-EF6477E15F0E}" dt="2019-06-13T20:46:20.440" v="444"/>
+          <ac:spMkLst>
+            <pc:docMk/>
+            <pc:sldMk cId="1680906194" sldId="287"/>
+            <ac:spMk id="2" creationId="{0B6122F6-AB0A-43F9-AA85-B612F7CD9533}"/>
+          </ac:spMkLst>
+        </pc:spChg>
+        <pc:spChg chg="del">
+          <ac:chgData name="RAQUEL SADORNIL GARCIA" userId="d03104743241a5a8" providerId="LiveId" clId="{A46644C8-CACA-4982-8E93-EF6477E15F0E}" dt="2019-06-13T20:46:26.072" v="445" actId="931"/>
+          <ac:spMkLst>
+            <pc:docMk/>
+            <pc:sldMk cId="1680906194" sldId="287"/>
+            <ac:spMk id="3" creationId="{0134BED2-6D68-47F9-B7FA-BFF37EC68F36}"/>
+          </ac:spMkLst>
+        </pc:spChg>
+        <pc:spChg chg="add">
+          <ac:chgData name="RAQUEL SADORNIL GARCIA" userId="d03104743241a5a8" providerId="LiveId" clId="{A46644C8-CACA-4982-8E93-EF6477E15F0E}" dt="2019-06-13T20:47:42.028" v="476"/>
+          <ac:spMkLst>
+            <pc:docMk/>
+            <pc:sldMk cId="1680906194" sldId="287"/>
+            <ac:spMk id="6" creationId="{BA893251-8972-4F88-917B-44F54B8D13E5}"/>
+          </ac:spMkLst>
+        </pc:spChg>
+        <pc:picChg chg="add mod">
+          <ac:chgData name="RAQUEL SADORNIL GARCIA" userId="d03104743241a5a8" providerId="LiveId" clId="{A46644C8-CACA-4982-8E93-EF6477E15F0E}" dt="2019-06-13T20:47:49.117" v="479" actId="1076"/>
+          <ac:picMkLst>
+            <pc:docMk/>
+            <pc:sldMk cId="1680906194" sldId="287"/>
+            <ac:picMk id="5" creationId="{DD84A572-52E7-4D2E-8441-F61157545533}"/>
+          </ac:picMkLst>
+        </pc:picChg>
+      </pc:sldChg>
+      <pc:sldChg chg="addSp delSp modSp add">
+        <pc:chgData name="RAQUEL SADORNIL GARCIA" userId="d03104743241a5a8" providerId="LiveId" clId="{A46644C8-CACA-4982-8E93-EF6477E15F0E}" dt="2019-06-13T20:47:46.879" v="478" actId="1076"/>
+        <pc:sldMkLst>
+          <pc:docMk/>
+          <pc:sldMk cId="2697820883" sldId="288"/>
+        </pc:sldMkLst>
+        <pc:spChg chg="mod">
+          <ac:chgData name="RAQUEL SADORNIL GARCIA" userId="d03104743241a5a8" providerId="LiveId" clId="{A46644C8-CACA-4982-8E93-EF6477E15F0E}" dt="2019-06-13T20:46:35.391" v="450"/>
+          <ac:spMkLst>
+            <pc:docMk/>
+            <pc:sldMk cId="2697820883" sldId="288"/>
+            <ac:spMk id="2" creationId="{FE444CE1-AE51-4921-9E28-A1B39E9E99E0}"/>
+          </ac:spMkLst>
+        </pc:spChg>
+        <pc:spChg chg="del">
+          <ac:chgData name="RAQUEL SADORNIL GARCIA" userId="d03104743241a5a8" providerId="LiveId" clId="{A46644C8-CACA-4982-8E93-EF6477E15F0E}" dt="2019-06-13T20:46:54.940" v="451" actId="931"/>
+          <ac:spMkLst>
+            <pc:docMk/>
+            <pc:sldMk cId="2697820883" sldId="288"/>
+            <ac:spMk id="3" creationId="{48EC78DE-1BA4-4583-A837-9D71D9CDA2B5}"/>
+          </ac:spMkLst>
+        </pc:spChg>
+        <pc:spChg chg="add">
+          <ac:chgData name="RAQUEL SADORNIL GARCIA" userId="d03104743241a5a8" providerId="LiveId" clId="{A46644C8-CACA-4982-8E93-EF6477E15F0E}" dt="2019-06-13T20:47:44.335" v="477"/>
+          <ac:spMkLst>
+            <pc:docMk/>
+            <pc:sldMk cId="2697820883" sldId="288"/>
+            <ac:spMk id="6" creationId="{4DBC800A-8DF7-4E26-B1EF-EA71456BBAD0}"/>
+          </ac:spMkLst>
+        </pc:spChg>
+        <pc:picChg chg="add mod">
+          <ac:chgData name="RAQUEL SADORNIL GARCIA" userId="d03104743241a5a8" providerId="LiveId" clId="{A46644C8-CACA-4982-8E93-EF6477E15F0E}" dt="2019-06-13T20:47:46.879" v="478" actId="1076"/>
+          <ac:picMkLst>
+            <pc:docMk/>
+            <pc:sldMk cId="2697820883" sldId="288"/>
+            <ac:picMk id="5" creationId="{64DF1DC0-F909-4960-ABFB-BFFC18DAA0E6}"/>
+          </ac:picMkLst>
+        </pc:picChg>
+      </pc:sldChg>
+      <pc:sldChg chg="addSp delSp modSp add">
+        <pc:chgData name="RAQUEL SADORNIL GARCIA" userId="d03104743241a5a8" providerId="LiveId" clId="{A46644C8-CACA-4982-8E93-EF6477E15F0E}" dt="2019-06-13T20:48:56.067" v="487"/>
+        <pc:sldMkLst>
+          <pc:docMk/>
+          <pc:sldMk cId="1636338388" sldId="289"/>
+        </pc:sldMkLst>
+        <pc:spChg chg="mod">
+          <ac:chgData name="RAQUEL SADORNIL GARCIA" userId="d03104743241a5a8" providerId="LiveId" clId="{A46644C8-CACA-4982-8E93-EF6477E15F0E}" dt="2019-06-13T20:48:15.848" v="483"/>
+          <ac:spMkLst>
+            <pc:docMk/>
+            <pc:sldMk cId="1636338388" sldId="289"/>
+            <ac:spMk id="2" creationId="{E8068D12-C69B-44CA-8FC5-6077316F2A76}"/>
+          </ac:spMkLst>
+        </pc:spChg>
+        <pc:spChg chg="del">
+          <ac:chgData name="RAQUEL SADORNIL GARCIA" userId="d03104743241a5a8" providerId="LiveId" clId="{A46644C8-CACA-4982-8E93-EF6477E15F0E}" dt="2019-06-13T20:48:42.708" v="484" actId="931"/>
+          <ac:spMkLst>
+            <pc:docMk/>
+            <pc:sldMk cId="1636338388" sldId="289"/>
+            <ac:spMk id="3" creationId="{10117674-C22C-4B3F-A564-086E9B9882F0}"/>
+          </ac:spMkLst>
+        </pc:spChg>
+        <pc:spChg chg="add">
+          <ac:chgData name="RAQUEL SADORNIL GARCIA" userId="d03104743241a5a8" providerId="LiveId" clId="{A46644C8-CACA-4982-8E93-EF6477E15F0E}" dt="2019-06-13T20:48:56.067" v="487"/>
+          <ac:spMkLst>
+            <pc:docMk/>
+            <pc:sldMk cId="1636338388" sldId="289"/>
+            <ac:spMk id="6" creationId="{E6B8A1E3-BD38-4840-8002-4AB88A7A1304}"/>
+          </ac:spMkLst>
+        </pc:spChg>
+        <pc:picChg chg="add mod">
+          <ac:chgData name="RAQUEL SADORNIL GARCIA" userId="d03104743241a5a8" providerId="LiveId" clId="{A46644C8-CACA-4982-8E93-EF6477E15F0E}" dt="2019-06-13T20:48:44.207" v="486" actId="962"/>
+          <ac:picMkLst>
+            <pc:docMk/>
+            <pc:sldMk cId="1636338388" sldId="289"/>
+            <ac:picMk id="5" creationId="{FA41B61D-90E6-4F0C-906C-8BD7B93FFC9D}"/>
+          </ac:picMkLst>
+        </pc:picChg>
+      </pc:sldChg>
+      <pc:sldChg chg="addSp delSp modSp add">
+        <pc:chgData name="RAQUEL SADORNIL GARCIA" userId="d03104743241a5a8" providerId="LiveId" clId="{A46644C8-CACA-4982-8E93-EF6477E15F0E}" dt="2019-06-13T20:51:44.971" v="527" actId="1076"/>
+        <pc:sldMkLst>
+          <pc:docMk/>
+          <pc:sldMk cId="3797516951" sldId="290"/>
+        </pc:sldMkLst>
+        <pc:spChg chg="mod">
+          <ac:chgData name="RAQUEL SADORNIL GARCIA" userId="d03104743241a5a8" providerId="LiveId" clId="{A46644C8-CACA-4982-8E93-EF6477E15F0E}" dt="2019-06-13T20:51:15.374" v="490"/>
+          <ac:spMkLst>
+            <pc:docMk/>
+            <pc:sldMk cId="3797516951" sldId="290"/>
+            <ac:spMk id="2" creationId="{54B15AA7-F552-4284-949D-0E76BCB79CA8}"/>
+          </ac:spMkLst>
+        </pc:spChg>
+        <pc:spChg chg="del">
+          <ac:chgData name="RAQUEL SADORNIL GARCIA" userId="d03104743241a5a8" providerId="LiveId" clId="{A46644C8-CACA-4982-8E93-EF6477E15F0E}" dt="2019-06-13T20:51:21.677" v="491" actId="931"/>
+          <ac:spMkLst>
+            <pc:docMk/>
+            <pc:sldMk cId="3797516951" sldId="290"/>
+            <ac:spMk id="3" creationId="{3362AC07-F117-417F-9D79-632524D183E4}"/>
+          </ac:spMkLst>
+        </pc:spChg>
+        <pc:spChg chg="add mod">
+          <ac:chgData name="RAQUEL SADORNIL GARCIA" userId="d03104743241a5a8" providerId="LiveId" clId="{A46644C8-CACA-4982-8E93-EF6477E15F0E}" dt="2019-06-13T20:51:44.971" v="527" actId="1076"/>
+          <ac:spMkLst>
+            <pc:docMk/>
+            <pc:sldMk cId="3797516951" sldId="290"/>
+            <ac:spMk id="6" creationId="{E0BAE4D4-372E-4170-A0E4-556DE99F0B75}"/>
+          </ac:spMkLst>
+        </pc:spChg>
+        <pc:picChg chg="add mod">
+          <ac:chgData name="RAQUEL SADORNIL GARCIA" userId="d03104743241a5a8" providerId="LiveId" clId="{A46644C8-CACA-4982-8E93-EF6477E15F0E}" dt="2019-06-13T20:51:21.677" v="491" actId="931"/>
+          <ac:picMkLst>
+            <pc:docMk/>
+            <pc:sldMk cId="3797516951" sldId="290"/>
+            <ac:picMk id="5" creationId="{95D0E5A2-E0F7-4864-B247-2D80D9523EB2}"/>
+          </ac:picMkLst>
+        </pc:picChg>
+      </pc:sldChg>
+    </pc:docChg>
+  </pc:docChgLst>
+</pc:chgInfo>
 </file>
 
 <file path=ppt/diagrams/colors1.xml><?xml version="1.0" encoding="utf-8"?>
@@ -1705,10 +2717,9 @@
         <a:lstStyle/>
         <a:p>
           <a:r>
-            <a:rPr lang="es-ES" dirty="0" smtClean="0"/>
+            <a:rPr lang="es-ES" dirty="0"/>
             <a:t>De que trata</a:t>
           </a:r>
-          <a:endParaRPr lang="es-ES" dirty="0"/>
         </a:p>
       </dgm:t>
     </dgm:pt>
@@ -1742,10 +2753,9 @@
         <a:lstStyle/>
         <a:p>
           <a:r>
-            <a:rPr lang="es-ES" dirty="0" smtClean="0"/>
+            <a:rPr lang="es-ES" dirty="0"/>
             <a:t>Es una aplicación web que reúne información sobre películas, actores y directores</a:t>
           </a:r>
-          <a:endParaRPr lang="es-ES" dirty="0"/>
         </a:p>
       </dgm:t>
     </dgm:pt>
@@ -1779,10 +2789,9 @@
         <a:lstStyle/>
         <a:p>
           <a:r>
-            <a:rPr lang="es-ES" dirty="0" smtClean="0"/>
+            <a:rPr lang="es-ES" dirty="0"/>
             <a:t>Origen</a:t>
           </a:r>
-          <a:endParaRPr lang="es-ES" dirty="0"/>
         </a:p>
       </dgm:t>
     </dgm:pt>
@@ -1816,10 +2825,9 @@
         <a:lstStyle/>
         <a:p>
           <a:r>
-            <a:rPr lang="es-ES" dirty="0" smtClean="0"/>
+            <a:rPr lang="es-ES" dirty="0"/>
             <a:t>Cine como hobby</a:t>
           </a:r>
-          <a:endParaRPr lang="es-ES" dirty="0"/>
         </a:p>
       </dgm:t>
     </dgm:pt>
@@ -1853,10 +2861,9 @@
         <a:lstStyle/>
         <a:p>
           <a:r>
-            <a:rPr lang="es-ES" dirty="0" smtClean="0"/>
+            <a:rPr lang="es-ES" dirty="0"/>
             <a:t>Pocas páginas que reúnan la información tanto de películas como de actores y directores</a:t>
           </a:r>
-          <a:endParaRPr lang="es-ES" dirty="0"/>
         </a:p>
       </dgm:t>
     </dgm:pt>
@@ -1890,10 +2897,9 @@
         <a:lstStyle/>
         <a:p>
           <a:r>
-            <a:rPr lang="es-ES" dirty="0" smtClean="0"/>
+            <a:rPr lang="es-ES" dirty="0"/>
             <a:t>Beneficios</a:t>
           </a:r>
-          <a:endParaRPr lang="es-ES" dirty="0"/>
         </a:p>
       </dgm:t>
     </dgm:pt>
@@ -1927,10 +2933,9 @@
         <a:lstStyle/>
         <a:p>
           <a:r>
-            <a:rPr lang="es-ES" dirty="0" smtClean="0"/>
+            <a:rPr lang="es-ES" dirty="0"/>
             <a:t>Fácil de usar</a:t>
           </a:r>
-          <a:endParaRPr lang="es-ES" dirty="0"/>
         </a:p>
       </dgm:t>
     </dgm:pt>
@@ -1964,10 +2969,9 @@
         <a:lstStyle/>
         <a:p>
           <a:r>
-            <a:rPr lang="es-ES" dirty="0" smtClean="0"/>
+            <a:rPr lang="es-ES" dirty="0"/>
             <a:t>Resumen de información relevante</a:t>
           </a:r>
-          <a:endParaRPr lang="es-ES" dirty="0"/>
         </a:p>
       </dgm:t>
     </dgm:pt>
@@ -2002,13 +3006,6 @@
         </dgm:presLayoutVars>
       </dgm:prSet>
       <dgm:spPr/>
-      <dgm:t>
-        <a:bodyPr/>
-        <a:lstStyle/>
-        <a:p>
-          <a:endParaRPr lang="es-ES"/>
-        </a:p>
-      </dgm:t>
     </dgm:pt>
     <dgm:pt modelId="{00F5EC58-875C-4C67-AB37-6BCEB928B823}" type="pres">
       <dgm:prSet presAssocID="{89835860-643B-4FDE-AD6E-0CF8EB09A564}" presName="boxAndChildren" presStyleCnt="0"/>
@@ -2017,24 +3014,10 @@
     <dgm:pt modelId="{811DAC5D-9B54-4927-B7CB-AB50486EADD1}" type="pres">
       <dgm:prSet presAssocID="{89835860-643B-4FDE-AD6E-0CF8EB09A564}" presName="parentTextBox" presStyleLbl="node1" presStyleIdx="0" presStyleCnt="3"/>
       <dgm:spPr/>
-      <dgm:t>
-        <a:bodyPr/>
-        <a:lstStyle/>
-        <a:p>
-          <a:endParaRPr lang="es-ES"/>
-        </a:p>
-      </dgm:t>
     </dgm:pt>
     <dgm:pt modelId="{54F0F3B4-B86F-42B7-862D-8821929DB191}" type="pres">
       <dgm:prSet presAssocID="{89835860-643B-4FDE-AD6E-0CF8EB09A564}" presName="entireBox" presStyleLbl="node1" presStyleIdx="0" presStyleCnt="3"/>
       <dgm:spPr/>
-      <dgm:t>
-        <a:bodyPr/>
-        <a:lstStyle/>
-        <a:p>
-          <a:endParaRPr lang="es-ES"/>
-        </a:p>
-      </dgm:t>
     </dgm:pt>
     <dgm:pt modelId="{C8397412-9AAA-4DEA-82ED-5804104220DE}" type="pres">
       <dgm:prSet presAssocID="{89835860-643B-4FDE-AD6E-0CF8EB09A564}" presName="descendantBox" presStyleCnt="0"/>
@@ -2047,13 +3030,6 @@
         </dgm:presLayoutVars>
       </dgm:prSet>
       <dgm:spPr/>
-      <dgm:t>
-        <a:bodyPr/>
-        <a:lstStyle/>
-        <a:p>
-          <a:endParaRPr lang="es-ES"/>
-        </a:p>
-      </dgm:t>
     </dgm:pt>
     <dgm:pt modelId="{FA706C3C-BFDF-4491-8F90-746A710EF340}" type="pres">
       <dgm:prSet presAssocID="{FF87A5D6-5EF8-44C9-BBE6-300AF9CECDB9}" presName="childTextBox" presStyleLbl="fgAccFollowNode1" presStyleIdx="1" presStyleCnt="5">
@@ -2062,13 +3038,6 @@
         </dgm:presLayoutVars>
       </dgm:prSet>
       <dgm:spPr/>
-      <dgm:t>
-        <a:bodyPr/>
-        <a:lstStyle/>
-        <a:p>
-          <a:endParaRPr lang="es-ES"/>
-        </a:p>
-      </dgm:t>
     </dgm:pt>
     <dgm:pt modelId="{22A03775-44C7-4258-AE43-17C9F2021FB9}" type="pres">
       <dgm:prSet presAssocID="{5F844869-DA7D-451B-8002-7DCF3A1F0D73}" presName="sp" presStyleCnt="0"/>
@@ -2081,24 +3050,10 @@
     <dgm:pt modelId="{F2292E03-9180-4CC9-AFE5-108AF866A940}" type="pres">
       <dgm:prSet presAssocID="{ABA7F200-A65B-4A96-A222-CB8BF5F7D4CC}" presName="parentTextArrow" presStyleLbl="node1" presStyleIdx="0" presStyleCnt="3"/>
       <dgm:spPr/>
-      <dgm:t>
-        <a:bodyPr/>
-        <a:lstStyle/>
-        <a:p>
-          <a:endParaRPr lang="es-ES"/>
-        </a:p>
-      </dgm:t>
     </dgm:pt>
     <dgm:pt modelId="{43D319EE-4A0E-4E49-9988-A04FEBDDC902}" type="pres">
       <dgm:prSet presAssocID="{ABA7F200-A65B-4A96-A222-CB8BF5F7D4CC}" presName="arrow" presStyleLbl="node1" presStyleIdx="1" presStyleCnt="3"/>
       <dgm:spPr/>
-      <dgm:t>
-        <a:bodyPr/>
-        <a:lstStyle/>
-        <a:p>
-          <a:endParaRPr lang="es-ES"/>
-        </a:p>
-      </dgm:t>
     </dgm:pt>
     <dgm:pt modelId="{311D9CBD-94D6-4E3C-A9C8-AE9A030347D8}" type="pres">
       <dgm:prSet presAssocID="{ABA7F200-A65B-4A96-A222-CB8BF5F7D4CC}" presName="descendantArrow" presStyleCnt="0"/>
@@ -2111,13 +3066,6 @@
         </dgm:presLayoutVars>
       </dgm:prSet>
       <dgm:spPr/>
-      <dgm:t>
-        <a:bodyPr/>
-        <a:lstStyle/>
-        <a:p>
-          <a:endParaRPr lang="es-ES"/>
-        </a:p>
-      </dgm:t>
     </dgm:pt>
     <dgm:pt modelId="{07DC1FA9-EC16-45E8-BA94-2608D080F26C}" type="pres">
       <dgm:prSet presAssocID="{B61C7FE1-CA64-45CE-9CD6-BFD6FED9AA05}" presName="childTextArrow" presStyleLbl="fgAccFollowNode1" presStyleIdx="3" presStyleCnt="5">
@@ -2126,13 +3074,6 @@
         </dgm:presLayoutVars>
       </dgm:prSet>
       <dgm:spPr/>
-      <dgm:t>
-        <a:bodyPr/>
-        <a:lstStyle/>
-        <a:p>
-          <a:endParaRPr lang="es-ES"/>
-        </a:p>
-      </dgm:t>
     </dgm:pt>
     <dgm:pt modelId="{EF73E084-106C-4CFA-824B-0BF365D8C67F}" type="pres">
       <dgm:prSet presAssocID="{8F1E47E5-6332-4DF9-AEB3-C8168CE8B6AD}" presName="sp" presStyleCnt="0"/>
@@ -2145,24 +3086,10 @@
     <dgm:pt modelId="{D4527DD5-DD02-4084-9BC8-307A8D8FECC2}" type="pres">
       <dgm:prSet presAssocID="{120E36F6-C8BD-4F81-A61E-4A09E9D898AF}" presName="parentTextArrow" presStyleLbl="node1" presStyleIdx="1" presStyleCnt="3"/>
       <dgm:spPr/>
-      <dgm:t>
-        <a:bodyPr/>
-        <a:lstStyle/>
-        <a:p>
-          <a:endParaRPr lang="es-ES"/>
-        </a:p>
-      </dgm:t>
     </dgm:pt>
     <dgm:pt modelId="{29E1D470-0793-4519-945B-86AE70A5349A}" type="pres">
       <dgm:prSet presAssocID="{120E36F6-C8BD-4F81-A61E-4A09E9D898AF}" presName="arrow" presStyleLbl="node1" presStyleIdx="2" presStyleCnt="3"/>
       <dgm:spPr/>
-      <dgm:t>
-        <a:bodyPr/>
-        <a:lstStyle/>
-        <a:p>
-          <a:endParaRPr lang="es-ES"/>
-        </a:p>
-      </dgm:t>
     </dgm:pt>
     <dgm:pt modelId="{B01103F0-2266-4D68-A1CB-D53742EBEFBE}" type="pres">
       <dgm:prSet presAssocID="{120E36F6-C8BD-4F81-A61E-4A09E9D898AF}" presName="descendantArrow" presStyleCnt="0"/>
@@ -2175,36 +3102,29 @@
         </dgm:presLayoutVars>
       </dgm:prSet>
       <dgm:spPr/>
-      <dgm:t>
-        <a:bodyPr/>
-        <a:lstStyle/>
-        <a:p>
-          <a:endParaRPr lang="es-ES"/>
-        </a:p>
-      </dgm:t>
     </dgm:pt>
   </dgm:ptLst>
   <dgm:cxnLst>
+    <dgm:cxn modelId="{E64F510F-7DF9-4F0E-9DC9-764586ADD6C2}" srcId="{89835860-643B-4FDE-AD6E-0CF8EB09A564}" destId="{FF87A5D6-5EF8-44C9-BBE6-300AF9CECDB9}" srcOrd="1" destOrd="0" parTransId="{D716BE9A-ED8B-4C28-9B52-8ABB49E414E7}" sibTransId="{14EDAF5E-CC1F-4D79-B123-0AE1D886CC03}"/>
+    <dgm:cxn modelId="{DF8C1813-9E0B-471E-AFF2-86554FB96193}" type="presOf" srcId="{FF87A5D6-5EF8-44C9-BBE6-300AF9CECDB9}" destId="{FA706C3C-BFDF-4491-8F90-746A710EF340}" srcOrd="0" destOrd="0" presId="urn:microsoft.com/office/officeart/2005/8/layout/process4"/>
+    <dgm:cxn modelId="{8CAAC916-85C8-4875-8562-80E36535F045}" type="presOf" srcId="{120E36F6-C8BD-4F81-A61E-4A09E9D898AF}" destId="{29E1D470-0793-4519-945B-86AE70A5349A}" srcOrd="1" destOrd="0" presId="urn:microsoft.com/office/officeart/2005/8/layout/process4"/>
+    <dgm:cxn modelId="{8B63EB31-363B-40CF-8F7F-46877AE11C79}" srcId="{B1E59004-0E29-4DBC-A827-C7A881FF0A5D}" destId="{89835860-643B-4FDE-AD6E-0CF8EB09A564}" srcOrd="2" destOrd="0" parTransId="{8E62F25D-A3D0-4783-A2E0-83B42AD916BA}" sibTransId="{76F4FB43-4E65-4582-9A1A-03D4BC7BC2DD}"/>
+    <dgm:cxn modelId="{0A41A33E-A995-4D8A-9954-C81554B31D4E}" type="presOf" srcId="{89835860-643B-4FDE-AD6E-0CF8EB09A564}" destId="{54F0F3B4-B86F-42B7-862D-8821929DB191}" srcOrd="1" destOrd="0" presId="urn:microsoft.com/office/officeart/2005/8/layout/process4"/>
+    <dgm:cxn modelId="{549C2C5B-85E2-47FA-AE76-532D1A29CEA3}" type="presOf" srcId="{ABA7F200-A65B-4A96-A222-CB8BF5F7D4CC}" destId="{43D319EE-4A0E-4E49-9988-A04FEBDDC902}" srcOrd="1" destOrd="0" presId="urn:microsoft.com/office/officeart/2005/8/layout/process4"/>
+    <dgm:cxn modelId="{EBA0E05C-13A4-4B73-9DEA-AE5ED6777008}" type="presOf" srcId="{A934E38C-0D98-40F1-BF18-BC189F0B1094}" destId="{5141C1A5-226E-4575-A224-AB4CA34C45D1}" srcOrd="0" destOrd="0" presId="urn:microsoft.com/office/officeart/2005/8/layout/process4"/>
     <dgm:cxn modelId="{D4BB195F-DA52-49D9-8D24-9092B8E1927C}" srcId="{ABA7F200-A65B-4A96-A222-CB8BF5F7D4CC}" destId="{B61C7FE1-CA64-45CE-9CD6-BFD6FED9AA05}" srcOrd="1" destOrd="0" parTransId="{13357FDF-0657-4EC9-9CD6-726DBB178C74}" sibTransId="{8AD9D26B-0EFA-4C22-A1A2-416E601C4464}"/>
-    <dgm:cxn modelId="{0A41A33E-A995-4D8A-9954-C81554B31D4E}" type="presOf" srcId="{89835860-643B-4FDE-AD6E-0CF8EB09A564}" destId="{54F0F3B4-B86F-42B7-862D-8821929DB191}" srcOrd="1" destOrd="0" presId="urn:microsoft.com/office/officeart/2005/8/layout/process4"/>
+    <dgm:cxn modelId="{881DEE69-6D5E-46E3-986C-3B09D64F5AE3}" srcId="{ABA7F200-A65B-4A96-A222-CB8BF5F7D4CC}" destId="{35263133-113C-48D5-A23F-41FB5416AC15}" srcOrd="0" destOrd="0" parTransId="{33C0CE42-B0C6-43D1-BC3B-32FDE3B8473D}" sibTransId="{C5A7CAA3-35AF-4386-91CE-719F0C12F0FA}"/>
+    <dgm:cxn modelId="{6D9C2C4D-A775-4AB5-9EC5-1502C9EE7FCE}" type="presOf" srcId="{B61C7FE1-CA64-45CE-9CD6-BFD6FED9AA05}" destId="{07DC1FA9-EC16-45E8-BA94-2608D080F26C}" srcOrd="0" destOrd="0" presId="urn:microsoft.com/office/officeart/2005/8/layout/process4"/>
+    <dgm:cxn modelId="{042CB86D-B181-424E-8BA5-ED4C25A8C6E5}" type="presOf" srcId="{9492AB61-0BC7-4864-833D-ABCE7F9570C9}" destId="{CA2A4591-2968-4889-A120-9F755FF5A2FB}" srcOrd="0" destOrd="0" presId="urn:microsoft.com/office/officeart/2005/8/layout/process4"/>
+    <dgm:cxn modelId="{379BBF7E-CD94-4078-865C-A37A98B5038A}" srcId="{120E36F6-C8BD-4F81-A61E-4A09E9D898AF}" destId="{A934E38C-0D98-40F1-BF18-BC189F0B1094}" srcOrd="0" destOrd="0" parTransId="{05641C89-C432-4A8C-86E2-8A01DD729A49}" sibTransId="{D89FF07C-12C7-4C45-BA68-C4B6E1A6F723}"/>
     <dgm:cxn modelId="{B9BCC58A-6883-4623-A727-52A9074E71D1}" type="presOf" srcId="{120E36F6-C8BD-4F81-A61E-4A09E9D898AF}" destId="{D4527DD5-DD02-4084-9BC8-307A8D8FECC2}" srcOrd="0" destOrd="0" presId="urn:microsoft.com/office/officeart/2005/8/layout/process4"/>
-    <dgm:cxn modelId="{E64F510F-7DF9-4F0E-9DC9-764586ADD6C2}" srcId="{89835860-643B-4FDE-AD6E-0CF8EB09A564}" destId="{FF87A5D6-5EF8-44C9-BBE6-300AF9CECDB9}" srcOrd="1" destOrd="0" parTransId="{D716BE9A-ED8B-4C28-9B52-8ABB49E414E7}" sibTransId="{14EDAF5E-CC1F-4D79-B123-0AE1D886CC03}"/>
-    <dgm:cxn modelId="{379BBF7E-CD94-4078-865C-A37A98B5038A}" srcId="{120E36F6-C8BD-4F81-A61E-4A09E9D898AF}" destId="{A934E38C-0D98-40F1-BF18-BC189F0B1094}" srcOrd="0" destOrd="0" parTransId="{05641C89-C432-4A8C-86E2-8A01DD729A49}" sibTransId="{D89FF07C-12C7-4C45-BA68-C4B6E1A6F723}"/>
-    <dgm:cxn modelId="{042CB86D-B181-424E-8BA5-ED4C25A8C6E5}" type="presOf" srcId="{9492AB61-0BC7-4864-833D-ABCE7F9570C9}" destId="{CA2A4591-2968-4889-A120-9F755FF5A2FB}" srcOrd="0" destOrd="0" presId="urn:microsoft.com/office/officeart/2005/8/layout/process4"/>
-    <dgm:cxn modelId="{7C02DFF4-1FB8-4154-992A-76436DB740B9}" type="presOf" srcId="{B1E59004-0E29-4DBC-A827-C7A881FF0A5D}" destId="{4CC6FD24-667D-49A6-A964-A729BFB4DB32}" srcOrd="0" destOrd="0" presId="urn:microsoft.com/office/officeart/2005/8/layout/process4"/>
+    <dgm:cxn modelId="{F4FC159A-826A-4E42-92B0-9B29AFD7C54C}" type="presOf" srcId="{89835860-643B-4FDE-AD6E-0CF8EB09A564}" destId="{811DAC5D-9B54-4927-B7CB-AB50486EADD1}" srcOrd="0" destOrd="0" presId="urn:microsoft.com/office/officeart/2005/8/layout/process4"/>
     <dgm:cxn modelId="{10C09CA4-911A-4F6F-BF1E-F83B7DCCC47C}" type="presOf" srcId="{35263133-113C-48D5-A23F-41FB5416AC15}" destId="{7BBD7249-031E-455A-B035-A2128E9A26D7}" srcOrd="0" destOrd="0" presId="urn:microsoft.com/office/officeart/2005/8/layout/process4"/>
+    <dgm:cxn modelId="{D661F1CA-6B71-4533-A5D7-F4B439434081}" srcId="{B1E59004-0E29-4DBC-A827-C7A881FF0A5D}" destId="{ABA7F200-A65B-4A96-A222-CB8BF5F7D4CC}" srcOrd="1" destOrd="0" parTransId="{0F1AF1FE-5DF3-4BA7-A9A0-017721474C9D}" sibTransId="{5F844869-DA7D-451B-8002-7DCF3A1F0D73}"/>
     <dgm:cxn modelId="{CDD367CF-D7EB-42D2-B7F7-FEF8BA415E46}" srcId="{89835860-643B-4FDE-AD6E-0CF8EB09A564}" destId="{9492AB61-0BC7-4864-833D-ABCE7F9570C9}" srcOrd="0" destOrd="0" parTransId="{EC4BC3D1-1FC2-4D8F-B854-879C218077FD}" sibTransId="{D2F4E333-2F87-4F93-879F-768E1A3A6284}"/>
     <dgm:cxn modelId="{AB3A84DA-3DC6-4387-BB5C-E4AA8AFBE879}" srcId="{B1E59004-0E29-4DBC-A827-C7A881FF0A5D}" destId="{120E36F6-C8BD-4F81-A61E-4A09E9D898AF}" srcOrd="0" destOrd="0" parTransId="{EF2CFD03-D7FD-461C-9B43-764E9E906A8D}" sibTransId="{8F1E47E5-6332-4DF9-AEB3-C8168CE8B6AD}"/>
-    <dgm:cxn modelId="{8B63EB31-363B-40CF-8F7F-46877AE11C79}" srcId="{B1E59004-0E29-4DBC-A827-C7A881FF0A5D}" destId="{89835860-643B-4FDE-AD6E-0CF8EB09A564}" srcOrd="2" destOrd="0" parTransId="{8E62F25D-A3D0-4783-A2E0-83B42AD916BA}" sibTransId="{76F4FB43-4E65-4582-9A1A-03D4BC7BC2DD}"/>
-    <dgm:cxn modelId="{F4FC159A-826A-4E42-92B0-9B29AFD7C54C}" type="presOf" srcId="{89835860-643B-4FDE-AD6E-0CF8EB09A564}" destId="{811DAC5D-9B54-4927-B7CB-AB50486EADD1}" srcOrd="0" destOrd="0" presId="urn:microsoft.com/office/officeart/2005/8/layout/process4"/>
-    <dgm:cxn modelId="{D661F1CA-6B71-4533-A5D7-F4B439434081}" srcId="{B1E59004-0E29-4DBC-A827-C7A881FF0A5D}" destId="{ABA7F200-A65B-4A96-A222-CB8BF5F7D4CC}" srcOrd="1" destOrd="0" parTransId="{0F1AF1FE-5DF3-4BA7-A9A0-017721474C9D}" sibTransId="{5F844869-DA7D-451B-8002-7DCF3A1F0D73}"/>
-    <dgm:cxn modelId="{881DEE69-6D5E-46E3-986C-3B09D64F5AE3}" srcId="{ABA7F200-A65B-4A96-A222-CB8BF5F7D4CC}" destId="{35263133-113C-48D5-A23F-41FB5416AC15}" srcOrd="0" destOrd="0" parTransId="{33C0CE42-B0C6-43D1-BC3B-32FDE3B8473D}" sibTransId="{C5A7CAA3-35AF-4386-91CE-719F0C12F0FA}"/>
-    <dgm:cxn modelId="{DF8C1813-9E0B-471E-AFF2-86554FB96193}" type="presOf" srcId="{FF87A5D6-5EF8-44C9-BBE6-300AF9CECDB9}" destId="{FA706C3C-BFDF-4491-8F90-746A710EF340}" srcOrd="0" destOrd="0" presId="urn:microsoft.com/office/officeart/2005/8/layout/process4"/>
     <dgm:cxn modelId="{C173E1EE-1691-45E7-9001-D42071BFDA95}" type="presOf" srcId="{ABA7F200-A65B-4A96-A222-CB8BF5F7D4CC}" destId="{F2292E03-9180-4CC9-AFE5-108AF866A940}" srcOrd="0" destOrd="0" presId="urn:microsoft.com/office/officeart/2005/8/layout/process4"/>
-    <dgm:cxn modelId="{EBA0E05C-13A4-4B73-9DEA-AE5ED6777008}" type="presOf" srcId="{A934E38C-0D98-40F1-BF18-BC189F0B1094}" destId="{5141C1A5-226E-4575-A224-AB4CA34C45D1}" srcOrd="0" destOrd="0" presId="urn:microsoft.com/office/officeart/2005/8/layout/process4"/>
-    <dgm:cxn modelId="{8CAAC916-85C8-4875-8562-80E36535F045}" type="presOf" srcId="{120E36F6-C8BD-4F81-A61E-4A09E9D898AF}" destId="{29E1D470-0793-4519-945B-86AE70A5349A}" srcOrd="1" destOrd="0" presId="urn:microsoft.com/office/officeart/2005/8/layout/process4"/>
-    <dgm:cxn modelId="{549C2C5B-85E2-47FA-AE76-532D1A29CEA3}" type="presOf" srcId="{ABA7F200-A65B-4A96-A222-CB8BF5F7D4CC}" destId="{43D319EE-4A0E-4E49-9988-A04FEBDDC902}" srcOrd="1" destOrd="0" presId="urn:microsoft.com/office/officeart/2005/8/layout/process4"/>
-    <dgm:cxn modelId="{6D9C2C4D-A775-4AB5-9EC5-1502C9EE7FCE}" type="presOf" srcId="{B61C7FE1-CA64-45CE-9CD6-BFD6FED9AA05}" destId="{07DC1FA9-EC16-45E8-BA94-2608D080F26C}" srcOrd="0" destOrd="0" presId="urn:microsoft.com/office/officeart/2005/8/layout/process4"/>
+    <dgm:cxn modelId="{7C02DFF4-1FB8-4154-992A-76436DB740B9}" type="presOf" srcId="{B1E59004-0E29-4DBC-A827-C7A881FF0A5D}" destId="{4CC6FD24-667D-49A6-A964-A729BFB4DB32}" srcOrd="0" destOrd="0" presId="urn:microsoft.com/office/officeart/2005/8/layout/process4"/>
     <dgm:cxn modelId="{AF8C4F13-E287-4C81-9D50-C62F7343C6FB}" type="presParOf" srcId="{4CC6FD24-667D-49A6-A964-A729BFB4DB32}" destId="{00F5EC58-875C-4C67-AB37-6BCEB928B823}" srcOrd="0" destOrd="0" presId="urn:microsoft.com/office/officeart/2005/8/layout/process4"/>
     <dgm:cxn modelId="{8CB9FB15-F741-47E2-A342-EB59EF8AEC29}" type="presParOf" srcId="{00F5EC58-875C-4C67-AB37-6BCEB928B823}" destId="{811DAC5D-9B54-4927-B7CB-AB50486EADD1}" srcOrd="0" destOrd="0" presId="urn:microsoft.com/office/officeart/2005/8/layout/process4"/>
     <dgm:cxn modelId="{C07B5407-B331-4606-8990-ADC57C1140EC}" type="presParOf" srcId="{00F5EC58-875C-4C67-AB37-6BCEB928B823}" destId="{54F0F3B4-B86F-42B7-862D-8821929DB191}" srcOrd="1" destOrd="0" presId="urn:microsoft.com/office/officeart/2005/8/layout/process4"/>
@@ -2257,10 +3177,9 @@
         <a:lstStyle/>
         <a:p>
           <a:r>
-            <a:rPr lang="es-ES" dirty="0" smtClean="0"/>
+            <a:rPr lang="es-ES" dirty="0"/>
             <a:t>Análisis</a:t>
           </a:r>
-          <a:endParaRPr lang="es-ES" dirty="0"/>
         </a:p>
       </dgm:t>
     </dgm:pt>
@@ -2294,10 +3213,9 @@
         <a:lstStyle/>
         <a:p>
           <a:r>
-            <a:rPr lang="es-ES" dirty="0" smtClean="0"/>
+            <a:rPr lang="es-ES" dirty="0"/>
             <a:t>Tiempo previsto</a:t>
           </a:r>
-          <a:endParaRPr lang="es-ES" dirty="0"/>
         </a:p>
       </dgm:t>
     </dgm:pt>
@@ -2331,10 +3249,9 @@
         <a:lstStyle/>
         <a:p>
           <a:r>
-            <a:rPr lang="es-ES" b="1" dirty="0" smtClean="0"/>
+            <a:rPr lang="es-ES" b="1" dirty="0"/>
             <a:t>13H 40min</a:t>
           </a:r>
-          <a:endParaRPr lang="es-ES" b="1" dirty="0"/>
         </a:p>
       </dgm:t>
     </dgm:pt>
@@ -2368,10 +3285,9 @@
         <a:lstStyle/>
         <a:p>
           <a:r>
-            <a:rPr lang="es-ES" dirty="0" smtClean="0"/>
+            <a:rPr lang="es-ES" dirty="0"/>
             <a:t>Código</a:t>
           </a:r>
-          <a:endParaRPr lang="es-ES" dirty="0"/>
         </a:p>
       </dgm:t>
     </dgm:pt>
@@ -2405,10 +3321,9 @@
         <a:lstStyle/>
         <a:p>
           <a:r>
-            <a:rPr lang="es-ES" dirty="0" smtClean="0"/>
+            <a:rPr lang="es-ES" dirty="0"/>
             <a:t>Front</a:t>
           </a:r>
-          <a:endParaRPr lang="es-ES" dirty="0"/>
         </a:p>
       </dgm:t>
     </dgm:pt>
@@ -2442,10 +3357,9 @@
         <a:lstStyle/>
         <a:p>
           <a:r>
-            <a:rPr lang="es-ES" dirty="0" smtClean="0"/>
+            <a:rPr lang="es-ES" dirty="0"/>
             <a:t>Back</a:t>
           </a:r>
-          <a:endParaRPr lang="es-ES" dirty="0"/>
         </a:p>
       </dgm:t>
     </dgm:pt>
@@ -2479,10 +3393,9 @@
         <a:lstStyle/>
         <a:p>
           <a:r>
-            <a:rPr lang="es-ES" b="1" dirty="0" smtClean="0"/>
+            <a:rPr lang="es-ES" b="1" dirty="0"/>
             <a:t>Tiempo empleado</a:t>
           </a:r>
-          <a:endParaRPr lang="es-ES" b="1" dirty="0"/>
         </a:p>
       </dgm:t>
     </dgm:pt>
@@ -2516,10 +3429,9 @@
         <a:lstStyle/>
         <a:p>
           <a:r>
-            <a:rPr lang="es-ES" b="1" dirty="0" smtClean="0"/>
+            <a:rPr lang="es-ES" b="1" dirty="0"/>
             <a:t>16H 35min</a:t>
           </a:r>
-          <a:endParaRPr lang="es-ES" b="1" dirty="0"/>
         </a:p>
       </dgm:t>
     </dgm:pt>
@@ -2553,10 +3465,9 @@
         <a:lstStyle/>
         <a:p>
           <a:r>
-            <a:rPr lang="es-ES" dirty="0" smtClean="0"/>
+            <a:rPr lang="es-ES" dirty="0"/>
             <a:t>Tiempo previsto</a:t>
           </a:r>
-          <a:endParaRPr lang="es-ES" dirty="0"/>
         </a:p>
       </dgm:t>
     </dgm:pt>
@@ -2590,10 +3501,9 @@
         <a:lstStyle/>
         <a:p>
           <a:r>
-            <a:rPr lang="es-ES" dirty="0" smtClean="0"/>
+            <a:rPr lang="es-ES" dirty="0"/>
             <a:t>Tiempo previsto</a:t>
           </a:r>
-          <a:endParaRPr lang="es-ES" dirty="0"/>
         </a:p>
       </dgm:t>
     </dgm:pt>
@@ -2627,10 +3537,9 @@
         <a:lstStyle/>
         <a:p>
           <a:r>
-            <a:rPr lang="es-ES" dirty="0" smtClean="0"/>
+            <a:rPr lang="es-ES" dirty="0"/>
             <a:t>Tiempo utilizado</a:t>
           </a:r>
-          <a:endParaRPr lang="es-ES" dirty="0"/>
         </a:p>
       </dgm:t>
     </dgm:pt>
@@ -2664,10 +3573,9 @@
         <a:lstStyle/>
         <a:p>
           <a:r>
-            <a:rPr lang="es-ES" dirty="0" smtClean="0"/>
+            <a:rPr lang="es-ES" dirty="0"/>
             <a:t>Tiempo utilizado</a:t>
           </a:r>
-          <a:endParaRPr lang="es-ES" dirty="0"/>
         </a:p>
       </dgm:t>
     </dgm:pt>
@@ -2701,10 +3609,9 @@
         <a:lstStyle/>
         <a:p>
           <a:r>
-            <a:rPr lang="es-ES" dirty="0" smtClean="0"/>
+            <a:rPr lang="es-ES" dirty="0"/>
             <a:t>22H</a:t>
           </a:r>
-          <a:endParaRPr lang="es-ES" dirty="0"/>
         </a:p>
       </dgm:t>
     </dgm:pt>
@@ -2738,10 +3645,9 @@
         <a:lstStyle/>
         <a:p>
           <a:r>
-            <a:rPr lang="es-ES" dirty="0" smtClean="0"/>
+            <a:rPr lang="es-ES" dirty="0"/>
             <a:t>16H</a:t>
           </a:r>
-          <a:endParaRPr lang="es-ES" dirty="0"/>
         </a:p>
       </dgm:t>
     </dgm:pt>
@@ -2775,10 +3681,9 @@
         <a:lstStyle/>
         <a:p>
           <a:r>
-            <a:rPr lang="es-ES" dirty="0" smtClean="0"/>
+            <a:rPr lang="es-ES" dirty="0"/>
             <a:t>27H</a:t>
           </a:r>
-          <a:endParaRPr lang="es-ES" dirty="0"/>
         </a:p>
       </dgm:t>
     </dgm:pt>
@@ -2812,10 +3717,9 @@
         <a:lstStyle/>
         <a:p>
           <a:r>
-            <a:rPr lang="es-ES" dirty="0" smtClean="0"/>
+            <a:rPr lang="es-ES" dirty="0"/>
             <a:t>40H</a:t>
           </a:r>
-          <a:endParaRPr lang="es-ES" dirty="0"/>
         </a:p>
       </dgm:t>
     </dgm:pt>
@@ -2852,13 +3756,6 @@
         </dgm:presLayoutVars>
       </dgm:prSet>
       <dgm:spPr/>
-      <dgm:t>
-        <a:bodyPr/>
-        <a:lstStyle/>
-        <a:p>
-          <a:endParaRPr lang="es-ES"/>
-        </a:p>
-      </dgm:t>
     </dgm:pt>
     <dgm:pt modelId="{70B0ABA6-A939-44DE-AE94-09D7055E6970}" type="pres">
       <dgm:prSet presAssocID="{E6A1000C-A3A2-42FF-8C34-2AA3A7612D39}" presName="vertOne" presStyleCnt="0"/>
@@ -2871,13 +3768,6 @@
         </dgm:presLayoutVars>
       </dgm:prSet>
       <dgm:spPr/>
-      <dgm:t>
-        <a:bodyPr/>
-        <a:lstStyle/>
-        <a:p>
-          <a:endParaRPr lang="es-ES"/>
-        </a:p>
-      </dgm:t>
     </dgm:pt>
     <dgm:pt modelId="{2B7A4180-A311-42C2-A330-21C8BBEBF946}" type="pres">
       <dgm:prSet presAssocID="{E6A1000C-A3A2-42FF-8C34-2AA3A7612D39}" presName="parTransOne" presStyleCnt="0"/>
@@ -2898,13 +3788,6 @@
         </dgm:presLayoutVars>
       </dgm:prSet>
       <dgm:spPr/>
-      <dgm:t>
-        <a:bodyPr/>
-        <a:lstStyle/>
-        <a:p>
-          <a:endParaRPr lang="es-ES"/>
-        </a:p>
-      </dgm:t>
     </dgm:pt>
     <dgm:pt modelId="{BE51CBB9-EF48-4737-812C-3EBDA82C0A38}" type="pres">
       <dgm:prSet presAssocID="{0F85E2AE-3FAB-4EE5-BEC7-8447D5C25724}" presName="parTransTwo" presStyleCnt="0"/>
@@ -2925,13 +3808,6 @@
         </dgm:presLayoutVars>
       </dgm:prSet>
       <dgm:spPr/>
-      <dgm:t>
-        <a:bodyPr/>
-        <a:lstStyle/>
-        <a:p>
-          <a:endParaRPr lang="es-ES"/>
-        </a:p>
-      </dgm:t>
     </dgm:pt>
     <dgm:pt modelId="{C3E8BF13-A644-47D5-A002-9709A3B4EC0E}" type="pres">
       <dgm:prSet presAssocID="{5A363705-CF8D-41A2-961F-3D6A692F06AC}" presName="horzThree" presStyleCnt="0"/>
@@ -2952,13 +3828,6 @@
         </dgm:presLayoutVars>
       </dgm:prSet>
       <dgm:spPr/>
-      <dgm:t>
-        <a:bodyPr/>
-        <a:lstStyle/>
-        <a:p>
-          <a:endParaRPr lang="es-ES"/>
-        </a:p>
-      </dgm:t>
     </dgm:pt>
     <dgm:pt modelId="{AF73D951-31B3-42FA-9A92-83C1848EA492}" type="pres">
       <dgm:prSet presAssocID="{02026C72-B84C-4098-B4C4-41EDC1C0D631}" presName="parTransTwo" presStyleCnt="0"/>
@@ -2979,13 +3848,6 @@
         </dgm:presLayoutVars>
       </dgm:prSet>
       <dgm:spPr/>
-      <dgm:t>
-        <a:bodyPr/>
-        <a:lstStyle/>
-        <a:p>
-          <a:endParaRPr lang="es-ES"/>
-        </a:p>
-      </dgm:t>
     </dgm:pt>
     <dgm:pt modelId="{47405DB1-D3D8-41A1-83B5-7AF9B9D94118}" type="pres">
       <dgm:prSet presAssocID="{17FCB638-52AD-43ED-8D38-8622712E7853}" presName="horzThree" presStyleCnt="0"/>
@@ -3006,13 +3868,6 @@
         </dgm:presLayoutVars>
       </dgm:prSet>
       <dgm:spPr/>
-      <dgm:t>
-        <a:bodyPr/>
-        <a:lstStyle/>
-        <a:p>
-          <a:endParaRPr lang="es-ES"/>
-        </a:p>
-      </dgm:t>
     </dgm:pt>
     <dgm:pt modelId="{CC107212-390B-4085-87A8-4DC28E484162}" type="pres">
       <dgm:prSet presAssocID="{D166221B-17C7-4375-93AA-C34BADA30B99}" presName="parTransOne" presStyleCnt="0"/>
@@ -3033,13 +3888,6 @@
         </dgm:presLayoutVars>
       </dgm:prSet>
       <dgm:spPr/>
-      <dgm:t>
-        <a:bodyPr/>
-        <a:lstStyle/>
-        <a:p>
-          <a:endParaRPr lang="es-ES"/>
-        </a:p>
-      </dgm:t>
     </dgm:pt>
     <dgm:pt modelId="{20A0B8C2-C1D8-4F49-B711-0668C55A94FB}" type="pres">
       <dgm:prSet presAssocID="{CF6BD773-CDDC-4E32-B238-67B6F5A975D6}" presName="parTransTwo" presStyleCnt="0"/>
@@ -3060,13 +3908,6 @@
         </dgm:presLayoutVars>
       </dgm:prSet>
       <dgm:spPr/>
-      <dgm:t>
-        <a:bodyPr/>
-        <a:lstStyle/>
-        <a:p>
-          <a:endParaRPr lang="es-ES"/>
-        </a:p>
-      </dgm:t>
     </dgm:pt>
     <dgm:pt modelId="{7115E864-EAFF-4FA8-B571-5743CDE744FE}" type="pres">
       <dgm:prSet presAssocID="{C56DC379-E49A-4072-A87C-9926EC5B3BF2}" presName="parTransThree" presStyleCnt="0"/>
@@ -3091,13 +3932,6 @@
         </dgm:presLayoutVars>
       </dgm:prSet>
       <dgm:spPr/>
-      <dgm:t>
-        <a:bodyPr/>
-        <a:lstStyle/>
-        <a:p>
-          <a:endParaRPr lang="es-ES"/>
-        </a:p>
-      </dgm:t>
     </dgm:pt>
     <dgm:pt modelId="{33DA5554-D912-411E-80EE-40497D838938}" type="pres">
       <dgm:prSet presAssocID="{42B345A6-4D9E-4375-BE65-8466256F356F}" presName="horzFour" presStyleCnt="0"/>
@@ -3118,13 +3952,6 @@
         </dgm:presLayoutVars>
       </dgm:prSet>
       <dgm:spPr/>
-      <dgm:t>
-        <a:bodyPr/>
-        <a:lstStyle/>
-        <a:p>
-          <a:endParaRPr lang="es-ES"/>
-        </a:p>
-      </dgm:t>
     </dgm:pt>
     <dgm:pt modelId="{595D5FB6-DBBD-4635-A13D-12B8374D212F}" type="pres">
       <dgm:prSet presAssocID="{FCF1AB24-3CA4-442A-8DB7-F544B7B1FC1D}" presName="parTransThree" presStyleCnt="0"/>
@@ -3149,13 +3976,6 @@
         </dgm:presLayoutVars>
       </dgm:prSet>
       <dgm:spPr/>
-      <dgm:t>
-        <a:bodyPr/>
-        <a:lstStyle/>
-        <a:p>
-          <a:endParaRPr lang="es-ES"/>
-        </a:p>
-      </dgm:t>
     </dgm:pt>
     <dgm:pt modelId="{757F5E40-E04D-4D0D-B6AB-8A0FFE9D8D23}" type="pres">
       <dgm:prSet presAssocID="{353E05B9-D25C-455B-937F-73850602C898}" presName="horzFour" presStyleCnt="0"/>
@@ -3176,13 +3996,6 @@
         </dgm:presLayoutVars>
       </dgm:prSet>
       <dgm:spPr/>
-      <dgm:t>
-        <a:bodyPr/>
-        <a:lstStyle/>
-        <a:p>
-          <a:endParaRPr lang="es-ES"/>
-        </a:p>
-      </dgm:t>
     </dgm:pt>
     <dgm:pt modelId="{2DAD3344-EB4C-4A1F-A558-CAC939AB989E}" type="pres">
       <dgm:prSet presAssocID="{D2AAC417-16CE-4D3D-9662-43A51E015BCC}" presName="parTransTwo" presStyleCnt="0"/>
@@ -3203,13 +4016,6 @@
         </dgm:presLayoutVars>
       </dgm:prSet>
       <dgm:spPr/>
-      <dgm:t>
-        <a:bodyPr/>
-        <a:lstStyle/>
-        <a:p>
-          <a:endParaRPr lang="es-ES"/>
-        </a:p>
-      </dgm:t>
     </dgm:pt>
     <dgm:pt modelId="{5005D629-92F3-4D09-A17F-D704563A6FE2}" type="pres">
       <dgm:prSet presAssocID="{772D5A4D-0BE7-4FD2-912D-2665F9819321}" presName="parTransThree" presStyleCnt="0"/>
@@ -3234,13 +4040,6 @@
         </dgm:presLayoutVars>
       </dgm:prSet>
       <dgm:spPr/>
-      <dgm:t>
-        <a:bodyPr/>
-        <a:lstStyle/>
-        <a:p>
-          <a:endParaRPr lang="es-ES"/>
-        </a:p>
-      </dgm:t>
     </dgm:pt>
     <dgm:pt modelId="{B12D4DE6-B6CE-4FF2-A259-D730704A407A}" type="pres">
       <dgm:prSet presAssocID="{D346FC77-52DF-45ED-9961-31BDF6B09C78}" presName="horzFour" presStyleCnt="0"/>
@@ -3261,13 +4060,6 @@
         </dgm:presLayoutVars>
       </dgm:prSet>
       <dgm:spPr/>
-      <dgm:t>
-        <a:bodyPr/>
-        <a:lstStyle/>
-        <a:p>
-          <a:endParaRPr lang="es-ES"/>
-        </a:p>
-      </dgm:t>
     </dgm:pt>
     <dgm:pt modelId="{45D558C8-1287-4F24-BB56-B363A56A397A}" type="pres">
       <dgm:prSet presAssocID="{B72F9BED-431F-4CB7-8CE5-AC67C6F553F3}" presName="parTransThree" presStyleCnt="0"/>
@@ -3292,13 +4084,6 @@
         </dgm:presLayoutVars>
       </dgm:prSet>
       <dgm:spPr/>
-      <dgm:t>
-        <a:bodyPr/>
-        <a:lstStyle/>
-        <a:p>
-          <a:endParaRPr lang="es-ES"/>
-        </a:p>
-      </dgm:t>
     </dgm:pt>
     <dgm:pt modelId="{AA13AC95-C035-4182-A920-19214C75E23C}" type="pres">
       <dgm:prSet presAssocID="{8D14F7AF-7DA4-4AFA-A8A9-C2F162F1B404}" presName="horzFour" presStyleCnt="0"/>
@@ -3306,38 +4091,38 @@
     </dgm:pt>
   </dgm:ptLst>
   <dgm:cxnLst>
+    <dgm:cxn modelId="{2E38A504-E7E2-4762-9409-E4EBBB671488}" type="presOf" srcId="{42B345A6-4D9E-4375-BE65-8466256F356F}" destId="{352AE949-4AF2-4AED-826A-4BCF01B825FD}" srcOrd="0" destOrd="0" presId="urn:microsoft.com/office/officeart/2005/8/layout/hierarchy4"/>
+    <dgm:cxn modelId="{42CA7E0F-2ACC-4C14-87B2-75DB7384DE16}" srcId="{CF6BD773-CDDC-4E32-B238-67B6F5A975D6}" destId="{FCF1AB24-3CA4-442A-8DB7-F544B7B1FC1D}" srcOrd="1" destOrd="0" parTransId="{707204CF-D037-46C6-82D6-009646ED8934}" sibTransId="{3431F0F5-69DF-4F4F-BB99-BA193B44D6B3}"/>
+    <dgm:cxn modelId="{64708F13-00C7-417D-8080-1DC7E179ACCF}" type="presOf" srcId="{E6A1000C-A3A2-42FF-8C34-2AA3A7612D39}" destId="{42E85247-4093-430F-AE5C-E51BCDB91CF9}" srcOrd="0" destOrd="0" presId="urn:microsoft.com/office/officeart/2005/8/layout/hierarchy4"/>
+    <dgm:cxn modelId="{DDC0B314-5676-4D7D-BA72-CE80BD0E0D1F}" srcId="{FCF1AB24-3CA4-442A-8DB7-F544B7B1FC1D}" destId="{353E05B9-D25C-455B-937F-73850602C898}" srcOrd="0" destOrd="0" parTransId="{D83C9583-31C3-47DD-91EE-5E66D52DB013}" sibTransId="{554D9523-8341-47E3-A306-F23290C942B4}"/>
+    <dgm:cxn modelId="{671BB514-9B04-4012-B6B9-F0F9A741CD1E}" srcId="{D166221B-17C7-4375-93AA-C34BADA30B99}" destId="{D2AAC417-16CE-4D3D-9662-43A51E015BCC}" srcOrd="1" destOrd="0" parTransId="{F66CF6BD-E67B-41EB-93D4-B54DD86157DB}" sibTransId="{841223EE-151D-4F12-9690-5A8DF6AC9C7A}"/>
+    <dgm:cxn modelId="{2420AC16-051D-4A29-8ABC-7671F460D22B}" srcId="{772D5A4D-0BE7-4FD2-912D-2665F9819321}" destId="{D346FC77-52DF-45ED-9961-31BDF6B09C78}" srcOrd="0" destOrd="0" parTransId="{64E595AA-5A73-4B1D-ACC8-E04C02ED7C25}" sibTransId="{711C7F40-076F-40E7-8A6C-35F4EF468CD0}"/>
+    <dgm:cxn modelId="{5FB88B1A-DEB3-4D41-92E0-0AA3E4B7BD78}" type="presOf" srcId="{D166221B-17C7-4375-93AA-C34BADA30B99}" destId="{3F259639-AD38-412D-A705-A824C1525FC0}" srcOrd="0" destOrd="0" presId="urn:microsoft.com/office/officeart/2005/8/layout/hierarchy4"/>
+    <dgm:cxn modelId="{CA95221D-62BC-49FB-B38E-B4E411BEC6B6}" srcId="{C56DC379-E49A-4072-A87C-9926EC5B3BF2}" destId="{42B345A6-4D9E-4375-BE65-8466256F356F}" srcOrd="0" destOrd="0" parTransId="{BCD5063E-6D77-4C0C-972F-EC009284A87B}" sibTransId="{006D01A2-9FAC-4A99-8DC7-BC4F6931FB81}"/>
+    <dgm:cxn modelId="{869C9120-4C26-4333-9DE2-54BC7D05AE4B}" type="presOf" srcId="{91D75499-D3F5-4A93-8675-AAAE4165CB80}" destId="{EF075794-2D19-40BD-B417-0CBA3A222908}" srcOrd="0" destOrd="0" presId="urn:microsoft.com/office/officeart/2005/8/layout/hierarchy4"/>
+    <dgm:cxn modelId="{015A0128-DCED-4897-9B5F-86CD91403C84}" type="presOf" srcId="{772D5A4D-0BE7-4FD2-912D-2665F9819321}" destId="{71A09D60-685E-4EBF-94CD-461CECF6BF72}" srcOrd="0" destOrd="0" presId="urn:microsoft.com/office/officeart/2005/8/layout/hierarchy4"/>
     <dgm:cxn modelId="{1518C12C-A22A-434C-8070-62DDBF19A218}" type="presOf" srcId="{D2AAC417-16CE-4D3D-9662-43A51E015BCC}" destId="{2CAE1CB0-C41B-46B4-97E3-38DA7AD9ABE2}" srcOrd="0" destOrd="0" presId="urn:microsoft.com/office/officeart/2005/8/layout/hierarchy4"/>
+    <dgm:cxn modelId="{E181FC31-3F16-46E0-B6AD-1BE02ADECA89}" type="presOf" srcId="{B72F9BED-431F-4CB7-8CE5-AC67C6F553F3}" destId="{D3764900-9B77-4F46-A48F-366545FBD2F6}" srcOrd="0" destOrd="0" presId="urn:microsoft.com/office/officeart/2005/8/layout/hierarchy4"/>
+    <dgm:cxn modelId="{E6541C39-EA1C-4806-BA89-17DEF40EBDBA}" srcId="{D2AAC417-16CE-4D3D-9662-43A51E015BCC}" destId="{772D5A4D-0BE7-4FD2-912D-2665F9819321}" srcOrd="0" destOrd="0" parTransId="{2495E529-6C42-42E4-8528-8A3BB579D96E}" sibTransId="{9B5BCC0D-254A-4E99-BCF4-ABD5BF456925}"/>
+    <dgm:cxn modelId="{225BA83D-A270-4175-B89D-27B78D1C0D5C}" type="presOf" srcId="{C56DC379-E49A-4072-A87C-9926EC5B3BF2}" destId="{688D79B1-02EB-4011-8E6D-460EF6B26933}" srcOrd="0" destOrd="0" presId="urn:microsoft.com/office/officeart/2005/8/layout/hierarchy4"/>
+    <dgm:cxn modelId="{D12C923E-8906-4800-9D68-66FE93C2C23F}" srcId="{D166221B-17C7-4375-93AA-C34BADA30B99}" destId="{CF6BD773-CDDC-4E32-B238-67B6F5A975D6}" srcOrd="0" destOrd="0" parTransId="{76FBCFC8-7E6D-4368-88DB-823986CDC950}" sibTransId="{189795D2-4457-437F-99E0-7938E1BA3D04}"/>
+    <dgm:cxn modelId="{B539715B-86A2-45AA-987E-AE44D99834A6}" srcId="{91D75499-D3F5-4A93-8675-AAAE4165CB80}" destId="{D166221B-17C7-4375-93AA-C34BADA30B99}" srcOrd="1" destOrd="0" parTransId="{0CFDC5B0-E0E2-4FF5-8918-41A3388FF855}" sibTransId="{4EE04D05-D040-44F6-A7D7-723DC4AEB320}"/>
+    <dgm:cxn modelId="{C912E841-A4D9-4785-9E89-A38CB3EB560B}" srcId="{B72F9BED-431F-4CB7-8CE5-AC67C6F553F3}" destId="{8D14F7AF-7DA4-4AFA-A8A9-C2F162F1B404}" srcOrd="0" destOrd="0" parTransId="{1B32A2BE-087A-4046-B42C-A92E69C2DFD3}" sibTransId="{E22ADC9C-58E2-4400-83FD-7F6955052BEC}"/>
+    <dgm:cxn modelId="{3D405048-1134-483B-86F2-0125DAECEE88}" type="presOf" srcId="{FCF1AB24-3CA4-442A-8DB7-F544B7B1FC1D}" destId="{36AB344A-EBD8-4879-824B-34FF3FC5DB7B}" srcOrd="0" destOrd="0" presId="urn:microsoft.com/office/officeart/2005/8/layout/hierarchy4"/>
+    <dgm:cxn modelId="{823AC271-6C24-46E0-A91F-98F4BFA49FEC}" type="presOf" srcId="{0F85E2AE-3FAB-4EE5-BEC7-8447D5C25724}" destId="{8D1E4A47-3D40-40CC-AB6C-E2746C06F926}" srcOrd="0" destOrd="0" presId="urn:microsoft.com/office/officeart/2005/8/layout/hierarchy4"/>
+    <dgm:cxn modelId="{5933677F-FF5B-46B0-9AE5-B11B4AFDC09A}" srcId="{D2AAC417-16CE-4D3D-9662-43A51E015BCC}" destId="{B72F9BED-431F-4CB7-8CE5-AC67C6F553F3}" srcOrd="1" destOrd="0" parTransId="{B44354C8-C652-4467-9ED8-C1CB4A4F5BDE}" sibTransId="{FE53F0D6-5E77-4F22-9AC0-D94ED1ACA653}"/>
     <dgm:cxn modelId="{112C8D7F-A2D5-475C-A100-B066913757E0}" srcId="{CF6BD773-CDDC-4E32-B238-67B6F5A975D6}" destId="{C56DC379-E49A-4072-A87C-9926EC5B3BF2}" srcOrd="0" destOrd="0" parTransId="{C7FDFA95-7DDC-464D-BB89-6E50ADD201E5}" sibTransId="{500107A8-1910-4190-B53D-5CEE1A046755}"/>
-    <dgm:cxn modelId="{64708F13-00C7-417D-8080-1DC7E179ACCF}" type="presOf" srcId="{E6A1000C-A3A2-42FF-8C34-2AA3A7612D39}" destId="{42E85247-4093-430F-AE5C-E51BCDB91CF9}" srcOrd="0" destOrd="0" presId="urn:microsoft.com/office/officeart/2005/8/layout/hierarchy4"/>
-    <dgm:cxn modelId="{D12C923E-8906-4800-9D68-66FE93C2C23F}" srcId="{D166221B-17C7-4375-93AA-C34BADA30B99}" destId="{CF6BD773-CDDC-4E32-B238-67B6F5A975D6}" srcOrd="0" destOrd="0" parTransId="{76FBCFC8-7E6D-4368-88DB-823986CDC950}" sibTransId="{189795D2-4457-437F-99E0-7938E1BA3D04}"/>
-    <dgm:cxn modelId="{42CA7E0F-2ACC-4C14-87B2-75DB7384DE16}" srcId="{CF6BD773-CDDC-4E32-B238-67B6F5A975D6}" destId="{FCF1AB24-3CA4-442A-8DB7-F544B7B1FC1D}" srcOrd="1" destOrd="0" parTransId="{707204CF-D037-46C6-82D6-009646ED8934}" sibTransId="{3431F0F5-69DF-4F4F-BB99-BA193B44D6B3}"/>
-    <dgm:cxn modelId="{E181FC31-3F16-46E0-B6AD-1BE02ADECA89}" type="presOf" srcId="{B72F9BED-431F-4CB7-8CE5-AC67C6F553F3}" destId="{D3764900-9B77-4F46-A48F-366545FBD2F6}" srcOrd="0" destOrd="0" presId="urn:microsoft.com/office/officeart/2005/8/layout/hierarchy4"/>
+    <dgm:cxn modelId="{DD12ED85-03C5-4DAB-9581-03D2BDE55C12}" type="presOf" srcId="{353E05B9-D25C-455B-937F-73850602C898}" destId="{097323B7-8D8E-4335-B6DF-8E4F7196EAFB}" srcOrd="0" destOrd="0" presId="urn:microsoft.com/office/officeart/2005/8/layout/hierarchy4"/>
+    <dgm:cxn modelId="{0AAF768B-9028-4A64-BBBE-4A11EFFBF126}" srcId="{E6A1000C-A3A2-42FF-8C34-2AA3A7612D39}" destId="{0F85E2AE-3FAB-4EE5-BEC7-8447D5C25724}" srcOrd="0" destOrd="0" parTransId="{E6557ADC-CF59-4EB1-87C8-23046A8BE7E3}" sibTransId="{C27DAAD1-E5E0-411E-9D62-2FACC34F7AA0}"/>
     <dgm:cxn modelId="{FDFFA48B-B29E-4426-87EB-9C973588C407}" type="presOf" srcId="{5A363705-CF8D-41A2-961F-3D6A692F06AC}" destId="{25DEA39E-DBBF-4D59-A351-D8383557EFA2}" srcOrd="0" destOrd="0" presId="urn:microsoft.com/office/officeart/2005/8/layout/hierarchy4"/>
-    <dgm:cxn modelId="{0AAF768B-9028-4A64-BBBE-4A11EFFBF126}" srcId="{E6A1000C-A3A2-42FF-8C34-2AA3A7612D39}" destId="{0F85E2AE-3FAB-4EE5-BEC7-8447D5C25724}" srcOrd="0" destOrd="0" parTransId="{E6557ADC-CF59-4EB1-87C8-23046A8BE7E3}" sibTransId="{C27DAAD1-E5E0-411E-9D62-2FACC34F7AA0}"/>
-    <dgm:cxn modelId="{823AC271-6C24-46E0-A91F-98F4BFA49FEC}" type="presOf" srcId="{0F85E2AE-3FAB-4EE5-BEC7-8447D5C25724}" destId="{8D1E4A47-3D40-40CC-AB6C-E2746C06F926}" srcOrd="0" destOrd="0" presId="urn:microsoft.com/office/officeart/2005/8/layout/hierarchy4"/>
-    <dgm:cxn modelId="{2420AC16-051D-4A29-8ABC-7671F460D22B}" srcId="{772D5A4D-0BE7-4FD2-912D-2665F9819321}" destId="{D346FC77-52DF-45ED-9961-31BDF6B09C78}" srcOrd="0" destOrd="0" parTransId="{64E595AA-5A73-4B1D-ACC8-E04C02ED7C25}" sibTransId="{711C7F40-076F-40E7-8A6C-35F4EF468CD0}"/>
-    <dgm:cxn modelId="{DD12ED85-03C5-4DAB-9581-03D2BDE55C12}" type="presOf" srcId="{353E05B9-D25C-455B-937F-73850602C898}" destId="{097323B7-8D8E-4335-B6DF-8E4F7196EAFB}" srcOrd="0" destOrd="0" presId="urn:microsoft.com/office/officeart/2005/8/layout/hierarchy4"/>
+    <dgm:cxn modelId="{831C7998-FE90-45C5-A6A7-FEDB393CF6A7}" type="presOf" srcId="{17FCB638-52AD-43ED-8D38-8622712E7853}" destId="{C7F84EF6-15EE-4985-88A7-0122AFECD6E5}" srcOrd="0" destOrd="0" presId="urn:microsoft.com/office/officeart/2005/8/layout/hierarchy4"/>
+    <dgm:cxn modelId="{51A440A4-9E70-4044-B39C-D77DE4BE4045}" type="presOf" srcId="{8D14F7AF-7DA4-4AFA-A8A9-C2F162F1B404}" destId="{C5A012A6-80BD-40D4-993D-7CF7700F0C8B}" srcOrd="0" destOrd="0" presId="urn:microsoft.com/office/officeart/2005/8/layout/hierarchy4"/>
+    <dgm:cxn modelId="{6E1448B8-C65E-4971-878F-51A08544EB26}" type="presOf" srcId="{CF6BD773-CDDC-4E32-B238-67B6F5A975D6}" destId="{27858EF4-48B4-469A-93E8-281443004D7C}" srcOrd="0" destOrd="0" presId="urn:microsoft.com/office/officeart/2005/8/layout/hierarchy4"/>
+    <dgm:cxn modelId="{A28DFFB8-EDA7-4C20-B8BF-7D81C7E70E36}" type="presOf" srcId="{D346FC77-52DF-45ED-9961-31BDF6B09C78}" destId="{E1BB052B-CAE4-44EB-97DD-0E801A2F4AFA}" srcOrd="0" destOrd="0" presId="urn:microsoft.com/office/officeart/2005/8/layout/hierarchy4"/>
+    <dgm:cxn modelId="{8AE605B9-8AEC-4CAC-9887-0ADB886CAE18}" srcId="{0F85E2AE-3FAB-4EE5-BEC7-8447D5C25724}" destId="{5A363705-CF8D-41A2-961F-3D6A692F06AC}" srcOrd="0" destOrd="0" parTransId="{FF7DD7E5-A280-4C18-A918-C1DC876474FA}" sibTransId="{C7B4A492-F06E-48E6-9A91-B4239C5B7E8E}"/>
+    <dgm:cxn modelId="{0BC45ECA-86D6-4A0C-BD81-F9E54433E22E}" srcId="{02026C72-B84C-4098-B4C4-41EDC1C0D631}" destId="{17FCB638-52AD-43ED-8D38-8622712E7853}" srcOrd="0" destOrd="0" parTransId="{0734456F-22DB-40AB-9896-D5A85E4DC076}" sibTransId="{845BF3FE-618B-4640-8B23-3B04912470C0}"/>
     <dgm:cxn modelId="{66A07ADD-026D-4EB5-AA34-DAB6AECF4BA6}" srcId="{E6A1000C-A3A2-42FF-8C34-2AA3A7612D39}" destId="{02026C72-B84C-4098-B4C4-41EDC1C0D631}" srcOrd="1" destOrd="0" parTransId="{690A1D29-A1DE-4D06-BE53-16047D3B6E78}" sibTransId="{37987CF6-5469-4D24-A852-488C31DB6335}"/>
     <dgm:cxn modelId="{3E6054DF-2BC7-4343-9B54-E164940626E1}" srcId="{91D75499-D3F5-4A93-8675-AAAE4165CB80}" destId="{E6A1000C-A3A2-42FF-8C34-2AA3A7612D39}" srcOrd="0" destOrd="0" parTransId="{F9E6CC92-E1F6-4122-91A5-49C7742ABCF4}" sibTransId="{ABF023AA-AE96-4695-8CA4-9CDBDA3B838E}"/>
-    <dgm:cxn modelId="{5FB88B1A-DEB3-4D41-92E0-0AA3E4B7BD78}" type="presOf" srcId="{D166221B-17C7-4375-93AA-C34BADA30B99}" destId="{3F259639-AD38-412D-A705-A824C1525FC0}" srcOrd="0" destOrd="0" presId="urn:microsoft.com/office/officeart/2005/8/layout/hierarchy4"/>
-    <dgm:cxn modelId="{51A440A4-9E70-4044-B39C-D77DE4BE4045}" type="presOf" srcId="{8D14F7AF-7DA4-4AFA-A8A9-C2F162F1B404}" destId="{C5A012A6-80BD-40D4-993D-7CF7700F0C8B}" srcOrd="0" destOrd="0" presId="urn:microsoft.com/office/officeart/2005/8/layout/hierarchy4"/>
-    <dgm:cxn modelId="{869C9120-4C26-4333-9DE2-54BC7D05AE4B}" type="presOf" srcId="{91D75499-D3F5-4A93-8675-AAAE4165CB80}" destId="{EF075794-2D19-40BD-B417-0CBA3A222908}" srcOrd="0" destOrd="0" presId="urn:microsoft.com/office/officeart/2005/8/layout/hierarchy4"/>
-    <dgm:cxn modelId="{2E38A504-E7E2-4762-9409-E4EBBB671488}" type="presOf" srcId="{42B345A6-4D9E-4375-BE65-8466256F356F}" destId="{352AE949-4AF2-4AED-826A-4BCF01B825FD}" srcOrd="0" destOrd="0" presId="urn:microsoft.com/office/officeart/2005/8/layout/hierarchy4"/>
-    <dgm:cxn modelId="{DDC0B314-5676-4D7D-BA72-CE80BD0E0D1F}" srcId="{FCF1AB24-3CA4-442A-8DB7-F544B7B1FC1D}" destId="{353E05B9-D25C-455B-937F-73850602C898}" srcOrd="0" destOrd="0" parTransId="{D83C9583-31C3-47DD-91EE-5E66D52DB013}" sibTransId="{554D9523-8341-47E3-A306-F23290C942B4}"/>
-    <dgm:cxn modelId="{C912E841-A4D9-4785-9E89-A38CB3EB560B}" srcId="{B72F9BED-431F-4CB7-8CE5-AC67C6F553F3}" destId="{8D14F7AF-7DA4-4AFA-A8A9-C2F162F1B404}" srcOrd="0" destOrd="0" parTransId="{1B32A2BE-087A-4046-B42C-A92E69C2DFD3}" sibTransId="{E22ADC9C-58E2-4400-83FD-7F6955052BEC}"/>
-    <dgm:cxn modelId="{6E1448B8-C65E-4971-878F-51A08544EB26}" type="presOf" srcId="{CF6BD773-CDDC-4E32-B238-67B6F5A975D6}" destId="{27858EF4-48B4-469A-93E8-281443004D7C}" srcOrd="0" destOrd="0" presId="urn:microsoft.com/office/officeart/2005/8/layout/hierarchy4"/>
-    <dgm:cxn modelId="{015A0128-DCED-4897-9B5F-86CD91403C84}" type="presOf" srcId="{772D5A4D-0BE7-4FD2-912D-2665F9819321}" destId="{71A09D60-685E-4EBF-94CD-461CECF6BF72}" srcOrd="0" destOrd="0" presId="urn:microsoft.com/office/officeart/2005/8/layout/hierarchy4"/>
-    <dgm:cxn modelId="{0BC45ECA-86D6-4A0C-BD81-F9E54433E22E}" srcId="{02026C72-B84C-4098-B4C4-41EDC1C0D631}" destId="{17FCB638-52AD-43ED-8D38-8622712E7853}" srcOrd="0" destOrd="0" parTransId="{0734456F-22DB-40AB-9896-D5A85E4DC076}" sibTransId="{845BF3FE-618B-4640-8B23-3B04912470C0}"/>
-    <dgm:cxn modelId="{671BB514-9B04-4012-B6B9-F0F9A741CD1E}" srcId="{D166221B-17C7-4375-93AA-C34BADA30B99}" destId="{D2AAC417-16CE-4D3D-9662-43A51E015BCC}" srcOrd="1" destOrd="0" parTransId="{F66CF6BD-E67B-41EB-93D4-B54DD86157DB}" sibTransId="{841223EE-151D-4F12-9690-5A8DF6AC9C7A}"/>
-    <dgm:cxn modelId="{B539715B-86A2-45AA-987E-AE44D99834A6}" srcId="{91D75499-D3F5-4A93-8675-AAAE4165CB80}" destId="{D166221B-17C7-4375-93AA-C34BADA30B99}" srcOrd="1" destOrd="0" parTransId="{0CFDC5B0-E0E2-4FF5-8918-41A3388FF855}" sibTransId="{4EE04D05-D040-44F6-A7D7-723DC4AEB320}"/>
-    <dgm:cxn modelId="{8AE605B9-8AEC-4CAC-9887-0ADB886CAE18}" srcId="{0F85E2AE-3FAB-4EE5-BEC7-8447D5C25724}" destId="{5A363705-CF8D-41A2-961F-3D6A692F06AC}" srcOrd="0" destOrd="0" parTransId="{FF7DD7E5-A280-4C18-A918-C1DC876474FA}" sibTransId="{C7B4A492-F06E-48E6-9A91-B4239C5B7E8E}"/>
-    <dgm:cxn modelId="{831C7998-FE90-45C5-A6A7-FEDB393CF6A7}" type="presOf" srcId="{17FCB638-52AD-43ED-8D38-8622712E7853}" destId="{C7F84EF6-15EE-4985-88A7-0122AFECD6E5}" srcOrd="0" destOrd="0" presId="urn:microsoft.com/office/officeart/2005/8/layout/hierarchy4"/>
-    <dgm:cxn modelId="{A28DFFB8-EDA7-4C20-B8BF-7D81C7E70E36}" type="presOf" srcId="{D346FC77-52DF-45ED-9961-31BDF6B09C78}" destId="{E1BB052B-CAE4-44EB-97DD-0E801A2F4AFA}" srcOrd="0" destOrd="0" presId="urn:microsoft.com/office/officeart/2005/8/layout/hierarchy4"/>
-    <dgm:cxn modelId="{225BA83D-A270-4175-B89D-27B78D1C0D5C}" type="presOf" srcId="{C56DC379-E49A-4072-A87C-9926EC5B3BF2}" destId="{688D79B1-02EB-4011-8E6D-460EF6B26933}" srcOrd="0" destOrd="0" presId="urn:microsoft.com/office/officeart/2005/8/layout/hierarchy4"/>
-    <dgm:cxn modelId="{CA95221D-62BC-49FB-B38E-B4E411BEC6B6}" srcId="{C56DC379-E49A-4072-A87C-9926EC5B3BF2}" destId="{42B345A6-4D9E-4375-BE65-8466256F356F}" srcOrd="0" destOrd="0" parTransId="{BCD5063E-6D77-4C0C-972F-EC009284A87B}" sibTransId="{006D01A2-9FAC-4A99-8DC7-BC4F6931FB81}"/>
-    <dgm:cxn modelId="{3D405048-1134-483B-86F2-0125DAECEE88}" type="presOf" srcId="{FCF1AB24-3CA4-442A-8DB7-F544B7B1FC1D}" destId="{36AB344A-EBD8-4879-824B-34FF3FC5DB7B}" srcOrd="0" destOrd="0" presId="urn:microsoft.com/office/officeart/2005/8/layout/hierarchy4"/>
-    <dgm:cxn modelId="{E6541C39-EA1C-4806-BA89-17DEF40EBDBA}" srcId="{D2AAC417-16CE-4D3D-9662-43A51E015BCC}" destId="{772D5A4D-0BE7-4FD2-912D-2665F9819321}" srcOrd="0" destOrd="0" parTransId="{2495E529-6C42-42E4-8528-8A3BB579D96E}" sibTransId="{9B5BCC0D-254A-4E99-BCF4-ABD5BF456925}"/>
-    <dgm:cxn modelId="{5933677F-FF5B-46B0-9AE5-B11B4AFDC09A}" srcId="{D2AAC417-16CE-4D3D-9662-43A51E015BCC}" destId="{B72F9BED-431F-4CB7-8CE5-AC67C6F553F3}" srcOrd="1" destOrd="0" parTransId="{B44354C8-C652-4467-9ED8-C1CB4A4F5BDE}" sibTransId="{FE53F0D6-5E77-4F22-9AC0-D94ED1ACA653}"/>
     <dgm:cxn modelId="{056F87FB-842E-4A84-8AD1-3258049A0545}" type="presOf" srcId="{02026C72-B84C-4098-B4C4-41EDC1C0D631}" destId="{C1120B80-05B3-4309-A212-399AAF0100DB}" srcOrd="0" destOrd="0" presId="urn:microsoft.com/office/officeart/2005/8/layout/hierarchy4"/>
     <dgm:cxn modelId="{588B7C54-9485-433E-BB11-33BACA130F96}" type="presParOf" srcId="{EF075794-2D19-40BD-B417-0CBA3A222908}" destId="{70B0ABA6-A939-44DE-AE94-09D7055E6970}" srcOrd="0" destOrd="0" presId="urn:microsoft.com/office/officeart/2005/8/layout/hierarchy4"/>
     <dgm:cxn modelId="{4C50409C-0DDB-43F7-A381-78847F63CC11}" type="presParOf" srcId="{70B0ABA6-A939-44DE-AE94-09D7055E6970}" destId="{42E85247-4093-430F-AE5C-E51BCDB91CF9}" srcOrd="0" destOrd="0" presId="urn:microsoft.com/office/officeart/2005/8/layout/hierarchy4"/>
@@ -3475,7 +4260,7 @@
         </a:bodyPr>
         <a:lstStyle/>
         <a:p>
-          <a:pPr lvl="0" algn="ctr" defTabSz="977900">
+          <a:pPr marL="0" lvl="0" indent="0" algn="ctr" defTabSz="977900">
             <a:lnSpc>
               <a:spcPct val="90000"/>
             </a:lnSpc>
@@ -3485,12 +4270,12 @@
             <a:spcAft>
               <a:spcPct val="35000"/>
             </a:spcAft>
+            <a:buNone/>
           </a:pPr>
           <a:r>
-            <a:rPr lang="es-ES" sz="2200" kern="1200" dirty="0" smtClean="0"/>
+            <a:rPr lang="es-ES" sz="2200" kern="1200" dirty="0"/>
             <a:t>Beneficios</a:t>
           </a:r>
-          <a:endParaRPr lang="es-ES" sz="2200" kern="1200" dirty="0"/>
         </a:p>
       </dsp:txBody>
       <dsp:txXfrm>
@@ -3554,7 +4339,7 @@
         </a:bodyPr>
         <a:lstStyle/>
         <a:p>
-          <a:pPr lvl="0" algn="ctr" defTabSz="622300">
+          <a:pPr marL="0" lvl="0" indent="0" algn="ctr" defTabSz="622300">
             <a:lnSpc>
               <a:spcPct val="90000"/>
             </a:lnSpc>
@@ -3564,12 +4349,12 @@
             <a:spcAft>
               <a:spcPct val="35000"/>
             </a:spcAft>
+            <a:buNone/>
           </a:pPr>
           <a:r>
-            <a:rPr lang="es-ES" sz="1400" kern="1200" dirty="0" smtClean="0"/>
+            <a:rPr lang="es-ES" sz="1400" kern="1200" dirty="0"/>
             <a:t>Fácil de usar</a:t>
           </a:r>
-          <a:endParaRPr lang="es-ES" sz="1400" kern="1200" dirty="0"/>
         </a:p>
       </dsp:txBody>
       <dsp:txXfrm>
@@ -3633,7 +4418,7 @@
         </a:bodyPr>
         <a:lstStyle/>
         <a:p>
-          <a:pPr lvl="0" algn="ctr" defTabSz="622300">
+          <a:pPr marL="0" lvl="0" indent="0" algn="ctr" defTabSz="622300">
             <a:lnSpc>
               <a:spcPct val="90000"/>
             </a:lnSpc>
@@ -3643,12 +4428,12 @@
             <a:spcAft>
               <a:spcPct val="35000"/>
             </a:spcAft>
+            <a:buNone/>
           </a:pPr>
           <a:r>
-            <a:rPr lang="es-ES" sz="1400" kern="1200" dirty="0" smtClean="0"/>
+            <a:rPr lang="es-ES" sz="1400" kern="1200" dirty="0"/>
             <a:t>Resumen de información relevante</a:t>
           </a:r>
-          <a:endParaRPr lang="es-ES" sz="1400" kern="1200" dirty="0"/>
         </a:p>
       </dsp:txBody>
       <dsp:txXfrm>
@@ -3710,7 +4495,7 @@
         </a:bodyPr>
         <a:lstStyle/>
         <a:p>
-          <a:pPr lvl="0" algn="ctr" defTabSz="977900">
+          <a:pPr marL="0" lvl="0" indent="0" algn="ctr" defTabSz="977900">
             <a:lnSpc>
               <a:spcPct val="90000"/>
             </a:lnSpc>
@@ -3720,12 +4505,12 @@
             <a:spcAft>
               <a:spcPct val="35000"/>
             </a:spcAft>
+            <a:buNone/>
           </a:pPr>
           <a:r>
-            <a:rPr lang="es-ES" sz="2200" kern="1200" dirty="0" smtClean="0"/>
+            <a:rPr lang="es-ES" sz="2200" kern="1200" dirty="0"/>
             <a:t>Origen</a:t>
           </a:r>
-          <a:endParaRPr lang="es-ES" sz="2200" kern="1200" dirty="0"/>
         </a:p>
       </dsp:txBody>
       <dsp:txXfrm rot="-10800000">
@@ -3789,7 +4574,7 @@
         </a:bodyPr>
         <a:lstStyle/>
         <a:p>
-          <a:pPr lvl="0" algn="ctr" defTabSz="622300">
+          <a:pPr marL="0" lvl="0" indent="0" algn="ctr" defTabSz="622300">
             <a:lnSpc>
               <a:spcPct val="90000"/>
             </a:lnSpc>
@@ -3799,12 +4584,12 @@
             <a:spcAft>
               <a:spcPct val="35000"/>
             </a:spcAft>
+            <a:buNone/>
           </a:pPr>
           <a:r>
-            <a:rPr lang="es-ES" sz="1400" kern="1200" dirty="0" smtClean="0"/>
+            <a:rPr lang="es-ES" sz="1400" kern="1200" dirty="0"/>
             <a:t>Cine como hobby</a:t>
           </a:r>
-          <a:endParaRPr lang="es-ES" sz="1400" kern="1200" dirty="0"/>
         </a:p>
       </dsp:txBody>
       <dsp:txXfrm>
@@ -3868,7 +4653,7 @@
         </a:bodyPr>
         <a:lstStyle/>
         <a:p>
-          <a:pPr lvl="0" algn="ctr" defTabSz="622300">
+          <a:pPr marL="0" lvl="0" indent="0" algn="ctr" defTabSz="622300">
             <a:lnSpc>
               <a:spcPct val="90000"/>
             </a:lnSpc>
@@ -3878,12 +4663,12 @@
             <a:spcAft>
               <a:spcPct val="35000"/>
             </a:spcAft>
+            <a:buNone/>
           </a:pPr>
           <a:r>
-            <a:rPr lang="es-ES" sz="1400" kern="1200" dirty="0" smtClean="0"/>
+            <a:rPr lang="es-ES" sz="1400" kern="1200" dirty="0"/>
             <a:t>Pocas páginas que reúnan la información tanto de películas como de actores y directores</a:t>
           </a:r>
-          <a:endParaRPr lang="es-ES" sz="1400" kern="1200" dirty="0"/>
         </a:p>
       </dsp:txBody>
       <dsp:txXfrm>
@@ -3945,7 +4730,7 @@
         </a:bodyPr>
         <a:lstStyle/>
         <a:p>
-          <a:pPr lvl="0" algn="ctr" defTabSz="977900">
+          <a:pPr marL="0" lvl="0" indent="0" algn="ctr" defTabSz="977900">
             <a:lnSpc>
               <a:spcPct val="90000"/>
             </a:lnSpc>
@@ -3955,12 +4740,12 @@
             <a:spcAft>
               <a:spcPct val="35000"/>
             </a:spcAft>
+            <a:buNone/>
           </a:pPr>
           <a:r>
-            <a:rPr lang="es-ES" sz="2200" kern="1200" dirty="0" smtClean="0"/>
+            <a:rPr lang="es-ES" sz="2200" kern="1200" dirty="0"/>
             <a:t>De que trata</a:t>
           </a:r>
-          <a:endParaRPr lang="es-ES" sz="2200" kern="1200" dirty="0"/>
         </a:p>
       </dsp:txBody>
       <dsp:txXfrm rot="-10800000">
@@ -4024,7 +4809,7 @@
         </a:bodyPr>
         <a:lstStyle/>
         <a:p>
-          <a:pPr lvl="0" algn="ctr" defTabSz="622300">
+          <a:pPr marL="0" lvl="0" indent="0" algn="ctr" defTabSz="622300">
             <a:lnSpc>
               <a:spcPct val="90000"/>
             </a:lnSpc>
@@ -4034,12 +4819,12 @@
             <a:spcAft>
               <a:spcPct val="35000"/>
             </a:spcAft>
+            <a:buNone/>
           </a:pPr>
           <a:r>
-            <a:rPr lang="es-ES" sz="1400" kern="1200" dirty="0" smtClean="0"/>
+            <a:rPr lang="es-ES" sz="1400" kern="1200" dirty="0"/>
             <a:t>Es una aplicación web que reúne información sobre películas, actores y directores</a:t>
           </a:r>
-          <a:endParaRPr lang="es-ES" sz="1400" kern="1200" dirty="0"/>
         </a:p>
       </dsp:txBody>
       <dsp:txXfrm>
@@ -4115,7 +4900,7 @@
         </a:bodyPr>
         <a:lstStyle/>
         <a:p>
-          <a:pPr lvl="0" algn="ctr" defTabSz="1822450">
+          <a:pPr marL="0" lvl="0" indent="0" algn="ctr" defTabSz="1822450">
             <a:lnSpc>
               <a:spcPct val="90000"/>
             </a:lnSpc>
@@ -4125,12 +4910,12 @@
             <a:spcAft>
               <a:spcPct val="35000"/>
             </a:spcAft>
+            <a:buNone/>
           </a:pPr>
           <a:r>
-            <a:rPr lang="es-ES" sz="4100" kern="1200" dirty="0" smtClean="0"/>
+            <a:rPr lang="es-ES" sz="4100" kern="1200" dirty="0"/>
             <a:t>Análisis</a:t>
           </a:r>
-          <a:endParaRPr lang="es-ES" sz="4100" kern="1200" dirty="0"/>
         </a:p>
       </dsp:txBody>
       <dsp:txXfrm>
@@ -4194,7 +4979,7 @@
         </a:bodyPr>
         <a:lstStyle/>
         <a:p>
-          <a:pPr lvl="0" algn="ctr" defTabSz="666750">
+          <a:pPr marL="0" lvl="0" indent="0" algn="ctr" defTabSz="666750">
             <a:lnSpc>
               <a:spcPct val="90000"/>
             </a:lnSpc>
@@ -4204,12 +4989,12 @@
             <a:spcAft>
               <a:spcPct val="35000"/>
             </a:spcAft>
+            <a:buNone/>
           </a:pPr>
           <a:r>
-            <a:rPr lang="es-ES" sz="1500" kern="1200" dirty="0" smtClean="0"/>
+            <a:rPr lang="es-ES" sz="1500" kern="1200" dirty="0"/>
             <a:t>Tiempo previsto</a:t>
           </a:r>
-          <a:endParaRPr lang="es-ES" sz="1500" kern="1200" dirty="0"/>
         </a:p>
       </dsp:txBody>
       <dsp:txXfrm>
@@ -4273,7 +5058,7 @@
         </a:bodyPr>
         <a:lstStyle/>
         <a:p>
-          <a:pPr lvl="0" algn="ctr" defTabSz="666750">
+          <a:pPr marL="0" lvl="0" indent="0" algn="ctr" defTabSz="666750">
             <a:lnSpc>
               <a:spcPct val="90000"/>
             </a:lnSpc>
@@ -4283,12 +5068,12 @@
             <a:spcAft>
               <a:spcPct val="35000"/>
             </a:spcAft>
+            <a:buNone/>
           </a:pPr>
           <a:r>
-            <a:rPr lang="es-ES" sz="1500" b="1" kern="1200" dirty="0" smtClean="0"/>
+            <a:rPr lang="es-ES" sz="1500" b="1" kern="1200" dirty="0"/>
             <a:t>13H 40min</a:t>
           </a:r>
-          <a:endParaRPr lang="es-ES" sz="1500" b="1" kern="1200" dirty="0"/>
         </a:p>
       </dsp:txBody>
       <dsp:txXfrm>
@@ -4352,7 +5137,7 @@
         </a:bodyPr>
         <a:lstStyle/>
         <a:p>
-          <a:pPr lvl="0" algn="ctr" defTabSz="666750">
+          <a:pPr marL="0" lvl="0" indent="0" algn="ctr" defTabSz="666750">
             <a:lnSpc>
               <a:spcPct val="90000"/>
             </a:lnSpc>
@@ -4362,12 +5147,12 @@
             <a:spcAft>
               <a:spcPct val="35000"/>
             </a:spcAft>
+            <a:buNone/>
           </a:pPr>
           <a:r>
-            <a:rPr lang="es-ES" sz="1500" b="1" kern="1200" dirty="0" smtClean="0"/>
+            <a:rPr lang="es-ES" sz="1500" b="1" kern="1200" dirty="0"/>
             <a:t>Tiempo empleado</a:t>
           </a:r>
-          <a:endParaRPr lang="es-ES" sz="1500" b="1" kern="1200" dirty="0"/>
         </a:p>
       </dsp:txBody>
       <dsp:txXfrm>
@@ -4431,7 +5216,7 @@
         </a:bodyPr>
         <a:lstStyle/>
         <a:p>
-          <a:pPr lvl="0" algn="ctr" defTabSz="666750">
+          <a:pPr marL="0" lvl="0" indent="0" algn="ctr" defTabSz="666750">
             <a:lnSpc>
               <a:spcPct val="90000"/>
             </a:lnSpc>
@@ -4441,12 +5226,12 @@
             <a:spcAft>
               <a:spcPct val="35000"/>
             </a:spcAft>
+            <a:buNone/>
           </a:pPr>
           <a:r>
-            <a:rPr lang="es-ES" sz="1500" b="1" kern="1200" dirty="0" smtClean="0"/>
+            <a:rPr lang="es-ES" sz="1500" b="1" kern="1200" dirty="0"/>
             <a:t>16H 35min</a:t>
           </a:r>
-          <a:endParaRPr lang="es-ES" sz="1500" b="1" kern="1200" dirty="0"/>
         </a:p>
       </dsp:txBody>
       <dsp:txXfrm>
@@ -4510,7 +5295,7 @@
         </a:bodyPr>
         <a:lstStyle/>
         <a:p>
-          <a:pPr lvl="0" algn="ctr" defTabSz="1822450">
+          <a:pPr marL="0" lvl="0" indent="0" algn="ctr" defTabSz="1822450">
             <a:lnSpc>
               <a:spcPct val="90000"/>
             </a:lnSpc>
@@ -4520,12 +5305,12 @@
             <a:spcAft>
               <a:spcPct val="35000"/>
             </a:spcAft>
+            <a:buNone/>
           </a:pPr>
           <a:r>
-            <a:rPr lang="es-ES" sz="4100" kern="1200" dirty="0" smtClean="0"/>
+            <a:rPr lang="es-ES" sz="4100" kern="1200" dirty="0"/>
             <a:t>Código</a:t>
           </a:r>
-          <a:endParaRPr lang="es-ES" sz="4100" kern="1200" dirty="0"/>
         </a:p>
       </dsp:txBody>
       <dsp:txXfrm>
@@ -4589,7 +5374,7 @@
         </a:bodyPr>
         <a:lstStyle/>
         <a:p>
-          <a:pPr lvl="0" algn="ctr" defTabSz="666750">
+          <a:pPr marL="0" lvl="0" indent="0" algn="ctr" defTabSz="666750">
             <a:lnSpc>
               <a:spcPct val="90000"/>
             </a:lnSpc>
@@ -4599,12 +5384,12 @@
             <a:spcAft>
               <a:spcPct val="35000"/>
             </a:spcAft>
+            <a:buNone/>
           </a:pPr>
           <a:r>
-            <a:rPr lang="es-ES" sz="1500" kern="1200" dirty="0" smtClean="0"/>
+            <a:rPr lang="es-ES" sz="1500" kern="1200" dirty="0"/>
             <a:t>Front</a:t>
           </a:r>
-          <a:endParaRPr lang="es-ES" sz="1500" kern="1200" dirty="0"/>
         </a:p>
       </dsp:txBody>
       <dsp:txXfrm>
@@ -4668,7 +5453,7 @@
         </a:bodyPr>
         <a:lstStyle/>
         <a:p>
-          <a:pPr lvl="0" algn="ctr" defTabSz="666750">
+          <a:pPr marL="0" lvl="0" indent="0" algn="ctr" defTabSz="666750">
             <a:lnSpc>
               <a:spcPct val="90000"/>
             </a:lnSpc>
@@ -4678,12 +5463,12 @@
             <a:spcAft>
               <a:spcPct val="35000"/>
             </a:spcAft>
+            <a:buNone/>
           </a:pPr>
           <a:r>
-            <a:rPr lang="es-ES" sz="1500" kern="1200" dirty="0" smtClean="0"/>
+            <a:rPr lang="es-ES" sz="1500" kern="1200" dirty="0"/>
             <a:t>Tiempo previsto</a:t>
           </a:r>
-          <a:endParaRPr lang="es-ES" sz="1500" kern="1200" dirty="0"/>
         </a:p>
       </dsp:txBody>
       <dsp:txXfrm>
@@ -4747,7 +5532,7 @@
         </a:bodyPr>
         <a:lstStyle/>
         <a:p>
-          <a:pPr lvl="0" algn="ctr" defTabSz="666750">
+          <a:pPr marL="0" lvl="0" indent="0" algn="ctr" defTabSz="666750">
             <a:lnSpc>
               <a:spcPct val="90000"/>
             </a:lnSpc>
@@ -4757,12 +5542,12 @@
             <a:spcAft>
               <a:spcPct val="35000"/>
             </a:spcAft>
+            <a:buNone/>
           </a:pPr>
           <a:r>
-            <a:rPr lang="es-ES" sz="1500" kern="1200" dirty="0" smtClean="0"/>
+            <a:rPr lang="es-ES" sz="1500" kern="1200" dirty="0"/>
             <a:t>22H</a:t>
           </a:r>
-          <a:endParaRPr lang="es-ES" sz="1500" kern="1200" dirty="0"/>
         </a:p>
       </dsp:txBody>
       <dsp:txXfrm>
@@ -4826,7 +5611,7 @@
         </a:bodyPr>
         <a:lstStyle/>
         <a:p>
-          <a:pPr lvl="0" algn="ctr" defTabSz="666750">
+          <a:pPr marL="0" lvl="0" indent="0" algn="ctr" defTabSz="666750">
             <a:lnSpc>
               <a:spcPct val="90000"/>
             </a:lnSpc>
@@ -4836,12 +5621,12 @@
             <a:spcAft>
               <a:spcPct val="35000"/>
             </a:spcAft>
+            <a:buNone/>
           </a:pPr>
           <a:r>
-            <a:rPr lang="es-ES" sz="1500" kern="1200" dirty="0" smtClean="0"/>
+            <a:rPr lang="es-ES" sz="1500" kern="1200" dirty="0"/>
             <a:t>Tiempo utilizado</a:t>
           </a:r>
-          <a:endParaRPr lang="es-ES" sz="1500" kern="1200" dirty="0"/>
         </a:p>
       </dsp:txBody>
       <dsp:txXfrm>
@@ -4905,7 +5690,7 @@
         </a:bodyPr>
         <a:lstStyle/>
         <a:p>
-          <a:pPr lvl="0" algn="ctr" defTabSz="666750">
+          <a:pPr marL="0" lvl="0" indent="0" algn="ctr" defTabSz="666750">
             <a:lnSpc>
               <a:spcPct val="90000"/>
             </a:lnSpc>
@@ -4915,12 +5700,12 @@
             <a:spcAft>
               <a:spcPct val="35000"/>
             </a:spcAft>
+            <a:buNone/>
           </a:pPr>
           <a:r>
-            <a:rPr lang="es-ES" sz="1500" kern="1200" dirty="0" smtClean="0"/>
+            <a:rPr lang="es-ES" sz="1500" kern="1200" dirty="0"/>
             <a:t>40H</a:t>
           </a:r>
-          <a:endParaRPr lang="es-ES" sz="1500" kern="1200" dirty="0"/>
         </a:p>
       </dsp:txBody>
       <dsp:txXfrm>
@@ -4984,7 +5769,7 @@
         </a:bodyPr>
         <a:lstStyle/>
         <a:p>
-          <a:pPr lvl="0" algn="ctr" defTabSz="666750">
+          <a:pPr marL="0" lvl="0" indent="0" algn="ctr" defTabSz="666750">
             <a:lnSpc>
               <a:spcPct val="90000"/>
             </a:lnSpc>
@@ -4994,12 +5779,12 @@
             <a:spcAft>
               <a:spcPct val="35000"/>
             </a:spcAft>
+            <a:buNone/>
           </a:pPr>
           <a:r>
-            <a:rPr lang="es-ES" sz="1500" kern="1200" dirty="0" smtClean="0"/>
+            <a:rPr lang="es-ES" sz="1500" kern="1200" dirty="0"/>
             <a:t>Back</a:t>
           </a:r>
-          <a:endParaRPr lang="es-ES" sz="1500" kern="1200" dirty="0"/>
         </a:p>
       </dsp:txBody>
       <dsp:txXfrm>
@@ -5063,7 +5848,7 @@
         </a:bodyPr>
         <a:lstStyle/>
         <a:p>
-          <a:pPr lvl="0" algn="ctr" defTabSz="666750">
+          <a:pPr marL="0" lvl="0" indent="0" algn="ctr" defTabSz="666750">
             <a:lnSpc>
               <a:spcPct val="90000"/>
             </a:lnSpc>
@@ -5073,12 +5858,12 @@
             <a:spcAft>
               <a:spcPct val="35000"/>
             </a:spcAft>
+            <a:buNone/>
           </a:pPr>
           <a:r>
-            <a:rPr lang="es-ES" sz="1500" kern="1200" dirty="0" smtClean="0"/>
+            <a:rPr lang="es-ES" sz="1500" kern="1200" dirty="0"/>
             <a:t>Tiempo previsto</a:t>
           </a:r>
-          <a:endParaRPr lang="es-ES" sz="1500" kern="1200" dirty="0"/>
         </a:p>
       </dsp:txBody>
       <dsp:txXfrm>
@@ -5142,7 +5927,7 @@
         </a:bodyPr>
         <a:lstStyle/>
         <a:p>
-          <a:pPr lvl="0" algn="ctr" defTabSz="666750">
+          <a:pPr marL="0" lvl="0" indent="0" algn="ctr" defTabSz="666750">
             <a:lnSpc>
               <a:spcPct val="90000"/>
             </a:lnSpc>
@@ -5152,12 +5937,12 @@
             <a:spcAft>
               <a:spcPct val="35000"/>
             </a:spcAft>
+            <a:buNone/>
           </a:pPr>
           <a:r>
-            <a:rPr lang="es-ES" sz="1500" kern="1200" dirty="0" smtClean="0"/>
+            <a:rPr lang="es-ES" sz="1500" kern="1200" dirty="0"/>
             <a:t>16H</a:t>
           </a:r>
-          <a:endParaRPr lang="es-ES" sz="1500" kern="1200" dirty="0"/>
         </a:p>
       </dsp:txBody>
       <dsp:txXfrm>
@@ -5221,7 +6006,7 @@
         </a:bodyPr>
         <a:lstStyle/>
         <a:p>
-          <a:pPr lvl="0" algn="ctr" defTabSz="666750">
+          <a:pPr marL="0" lvl="0" indent="0" algn="ctr" defTabSz="666750">
             <a:lnSpc>
               <a:spcPct val="90000"/>
             </a:lnSpc>
@@ -5231,12 +6016,12 @@
             <a:spcAft>
               <a:spcPct val="35000"/>
             </a:spcAft>
+            <a:buNone/>
           </a:pPr>
           <a:r>
-            <a:rPr lang="es-ES" sz="1500" kern="1200" dirty="0" smtClean="0"/>
+            <a:rPr lang="es-ES" sz="1500" kern="1200" dirty="0"/>
             <a:t>Tiempo utilizado</a:t>
           </a:r>
-          <a:endParaRPr lang="es-ES" sz="1500" kern="1200" dirty="0"/>
         </a:p>
       </dsp:txBody>
       <dsp:txXfrm>
@@ -5300,7 +6085,7 @@
         </a:bodyPr>
         <a:lstStyle/>
         <a:p>
-          <a:pPr lvl="0" algn="ctr" defTabSz="666750">
+          <a:pPr marL="0" lvl="0" indent="0" algn="ctr" defTabSz="666750">
             <a:lnSpc>
               <a:spcPct val="90000"/>
             </a:lnSpc>
@@ -5310,12 +6095,12 @@
             <a:spcAft>
               <a:spcPct val="35000"/>
             </a:spcAft>
+            <a:buNone/>
           </a:pPr>
           <a:r>
-            <a:rPr lang="es-ES" sz="1500" kern="1200" dirty="0" smtClean="0"/>
+            <a:rPr lang="es-ES" sz="1500" kern="1200" dirty="0"/>
             <a:t>27H</a:t>
           </a:r>
-          <a:endParaRPr lang="es-ES" sz="1500" kern="1200" dirty="0"/>
         </a:p>
       </dsp:txBody>
       <dsp:txXfrm>
@@ -8319,7 +9104,7 @@
           </a:lstStyle>
           <a:p>
             <a:r>
-              <a:rPr lang="es-ES" smtClean="0"/>
+              <a:rPr lang="es-ES"/>
               <a:t>Haga clic para modificar el estilo de título del patrón</a:t>
             </a:r>
             <a:endParaRPr lang="en-US" dirty="0"/>
@@ -8440,7 +9225,7 @@
           </a:lstStyle>
           <a:p>
             <a:r>
-              <a:rPr lang="es-ES" smtClean="0"/>
+              <a:rPr lang="es-ES"/>
               <a:t>Haga clic para modificar el estilo de subtítulo del patrón</a:t>
             </a:r>
             <a:endParaRPr lang="en-US" dirty="0"/>
@@ -8464,7 +9249,7 @@
           <a:p>
             <a:fld id="{D7606D19-7ACC-424B-B1CD-FF7A8AF114C7}" type="datetimeFigureOut">
               <a:rPr lang="es-ES" smtClean="0"/>
-              <a:t>12/06/2019</a:t>
+              <a:t>13/06/2019</a:t>
             </a:fld>
             <a:endParaRPr lang="es-ES"/>
           </a:p>
@@ -8553,7 +9338,7 @@
           <a:lstStyle/>
           <a:p>
             <a:r>
-              <a:rPr lang="es-ES" smtClean="0"/>
+              <a:rPr lang="es-ES"/>
               <a:t>Haga clic para modificar el estilo de título del patrón</a:t>
             </a:r>
             <a:endParaRPr lang="en-US"/>
@@ -8577,35 +9362,35 @@
           <a:p>
             <a:pPr lvl="0"/>
             <a:r>
-              <a:rPr lang="es-ES" smtClean="0"/>
+              <a:rPr lang="es-ES"/>
               <a:t>Haga clic para modificar el estilo de texto del patrón</a:t>
             </a:r>
           </a:p>
           <a:p>
             <a:pPr lvl="1"/>
             <a:r>
-              <a:rPr lang="es-ES" smtClean="0"/>
+              <a:rPr lang="es-ES"/>
               <a:t>Segundo nivel</a:t>
             </a:r>
           </a:p>
           <a:p>
             <a:pPr lvl="2"/>
             <a:r>
-              <a:rPr lang="es-ES" smtClean="0"/>
+              <a:rPr lang="es-ES"/>
               <a:t>Tercer nivel</a:t>
             </a:r>
           </a:p>
           <a:p>
             <a:pPr lvl="3"/>
             <a:r>
-              <a:rPr lang="es-ES" smtClean="0"/>
+              <a:rPr lang="es-ES"/>
               <a:t>Cuarto nivel</a:t>
             </a:r>
           </a:p>
           <a:p>
             <a:pPr lvl="4"/>
             <a:r>
-              <a:rPr lang="es-ES" smtClean="0"/>
+              <a:rPr lang="es-ES"/>
               <a:t>Quinto nivel</a:t>
             </a:r>
             <a:endParaRPr lang="en-US"/>
@@ -8629,7 +9414,7 @@
           <a:p>
             <a:fld id="{D7606D19-7ACC-424B-B1CD-FF7A8AF114C7}" type="datetimeFigureOut">
               <a:rPr lang="es-ES" smtClean="0"/>
-              <a:t>12/06/2019</a:t>
+              <a:t>13/06/2019</a:t>
             </a:fld>
             <a:endParaRPr lang="es-ES"/>
           </a:p>
@@ -8723,7 +9508,7 @@
           <a:lstStyle/>
           <a:p>
             <a:r>
-              <a:rPr lang="es-ES" smtClean="0"/>
+              <a:rPr lang="es-ES"/>
               <a:t>Haga clic para modificar el estilo de título del patrón</a:t>
             </a:r>
             <a:endParaRPr lang="en-US" dirty="0"/>
@@ -8752,35 +9537,35 @@
           <a:p>
             <a:pPr lvl="0"/>
             <a:r>
-              <a:rPr lang="es-ES" smtClean="0"/>
+              <a:rPr lang="es-ES"/>
               <a:t>Haga clic para modificar el estilo de texto del patrón</a:t>
             </a:r>
           </a:p>
           <a:p>
             <a:pPr lvl="1"/>
             <a:r>
-              <a:rPr lang="es-ES" smtClean="0"/>
+              <a:rPr lang="es-ES"/>
               <a:t>Segundo nivel</a:t>
             </a:r>
           </a:p>
           <a:p>
             <a:pPr lvl="2"/>
             <a:r>
-              <a:rPr lang="es-ES" smtClean="0"/>
+              <a:rPr lang="es-ES"/>
               <a:t>Tercer nivel</a:t>
             </a:r>
           </a:p>
           <a:p>
             <a:pPr lvl="3"/>
             <a:r>
-              <a:rPr lang="es-ES" smtClean="0"/>
+              <a:rPr lang="es-ES"/>
               <a:t>Cuarto nivel</a:t>
             </a:r>
           </a:p>
           <a:p>
             <a:pPr lvl="4"/>
             <a:r>
-              <a:rPr lang="es-ES" smtClean="0"/>
+              <a:rPr lang="es-ES"/>
               <a:t>Quinto nivel</a:t>
             </a:r>
             <a:endParaRPr lang="en-US"/>
@@ -8804,7 +9589,7 @@
           <a:p>
             <a:fld id="{D7606D19-7ACC-424B-B1CD-FF7A8AF114C7}" type="datetimeFigureOut">
               <a:rPr lang="es-ES" smtClean="0"/>
-              <a:t>12/06/2019</a:t>
+              <a:t>13/06/2019</a:t>
             </a:fld>
             <a:endParaRPr lang="es-ES"/>
           </a:p>
@@ -8893,7 +9678,7 @@
           <a:lstStyle/>
           <a:p>
             <a:r>
-              <a:rPr lang="es-ES" smtClean="0"/>
+              <a:rPr lang="es-ES"/>
               <a:t>Haga clic para modificar el estilo de título del patrón</a:t>
             </a:r>
             <a:endParaRPr lang="en-US"/>
@@ -8917,35 +9702,35 @@
           <a:p>
             <a:pPr lvl="0"/>
             <a:r>
-              <a:rPr lang="es-ES" smtClean="0"/>
+              <a:rPr lang="es-ES"/>
               <a:t>Haga clic para modificar el estilo de texto del patrón</a:t>
             </a:r>
           </a:p>
           <a:p>
             <a:pPr lvl="1"/>
             <a:r>
-              <a:rPr lang="es-ES" smtClean="0"/>
+              <a:rPr lang="es-ES"/>
               <a:t>Segundo nivel</a:t>
             </a:r>
           </a:p>
           <a:p>
             <a:pPr lvl="2"/>
             <a:r>
-              <a:rPr lang="es-ES" smtClean="0"/>
+              <a:rPr lang="es-ES"/>
               <a:t>Tercer nivel</a:t>
             </a:r>
           </a:p>
           <a:p>
             <a:pPr lvl="3"/>
             <a:r>
-              <a:rPr lang="es-ES" smtClean="0"/>
+              <a:rPr lang="es-ES"/>
               <a:t>Cuarto nivel</a:t>
             </a:r>
           </a:p>
           <a:p>
             <a:pPr lvl="4"/>
             <a:r>
-              <a:rPr lang="es-ES" smtClean="0"/>
+              <a:rPr lang="es-ES"/>
               <a:t>Quinto nivel</a:t>
             </a:r>
             <a:endParaRPr lang="en-US"/>
@@ -8969,7 +9754,7 @@
           <a:p>
             <a:fld id="{D7606D19-7ACC-424B-B1CD-FF7A8AF114C7}" type="datetimeFigureOut">
               <a:rPr lang="es-ES" smtClean="0"/>
-              <a:t>12/06/2019</a:t>
+              <a:t>13/06/2019</a:t>
             </a:fld>
             <a:endParaRPr lang="es-ES"/>
           </a:p>
@@ -9067,7 +9852,7 @@
           </a:lstStyle>
           <a:p>
             <a:r>
-              <a:rPr lang="es-ES" smtClean="0"/>
+              <a:rPr lang="es-ES"/>
               <a:t>Haga clic para modificar el estilo de título del patrón</a:t>
             </a:r>
             <a:endParaRPr lang="en-US" dirty="0"/>
@@ -9187,7 +9972,7 @@
           <a:p>
             <a:pPr lvl="0"/>
             <a:r>
-              <a:rPr lang="es-ES" smtClean="0"/>
+              <a:rPr lang="es-ES"/>
               <a:t>Haga clic para modificar el estilo de texto del patrón</a:t>
             </a:r>
           </a:p>
@@ -9210,7 +9995,7 @@
           <a:p>
             <a:fld id="{D7606D19-7ACC-424B-B1CD-FF7A8AF114C7}" type="datetimeFigureOut">
               <a:rPr lang="es-ES" smtClean="0"/>
-              <a:t>12/06/2019</a:t>
+              <a:t>13/06/2019</a:t>
             </a:fld>
             <a:endParaRPr lang="es-ES"/>
           </a:p>
@@ -9299,7 +10084,7 @@
           <a:lstStyle/>
           <a:p>
             <a:r>
-              <a:rPr lang="es-ES" smtClean="0"/>
+              <a:rPr lang="es-ES"/>
               <a:t>Haga clic para modificar el estilo de título del patrón</a:t>
             </a:r>
             <a:endParaRPr lang="en-US"/>
@@ -9356,35 +10141,35 @@
           <a:p>
             <a:pPr lvl="0"/>
             <a:r>
-              <a:rPr lang="es-ES" smtClean="0"/>
+              <a:rPr lang="es-ES"/>
               <a:t>Haga clic para modificar el estilo de texto del patrón</a:t>
             </a:r>
           </a:p>
           <a:p>
             <a:pPr lvl="1"/>
             <a:r>
-              <a:rPr lang="es-ES" smtClean="0"/>
+              <a:rPr lang="es-ES"/>
               <a:t>Segundo nivel</a:t>
             </a:r>
           </a:p>
           <a:p>
             <a:pPr lvl="2"/>
             <a:r>
-              <a:rPr lang="es-ES" smtClean="0"/>
+              <a:rPr lang="es-ES"/>
               <a:t>Tercer nivel</a:t>
             </a:r>
           </a:p>
           <a:p>
             <a:pPr lvl="3"/>
             <a:r>
-              <a:rPr lang="es-ES" smtClean="0"/>
+              <a:rPr lang="es-ES"/>
               <a:t>Cuarto nivel</a:t>
             </a:r>
           </a:p>
           <a:p>
             <a:pPr lvl="4"/>
             <a:r>
-              <a:rPr lang="es-ES" smtClean="0"/>
+              <a:rPr lang="es-ES"/>
               <a:t>Quinto nivel</a:t>
             </a:r>
             <a:endParaRPr lang="en-US" dirty="0"/>
@@ -9441,35 +10226,35 @@
           <a:p>
             <a:pPr lvl="0"/>
             <a:r>
-              <a:rPr lang="es-ES" smtClean="0"/>
+              <a:rPr lang="es-ES"/>
               <a:t>Haga clic para modificar el estilo de texto del patrón</a:t>
             </a:r>
           </a:p>
           <a:p>
             <a:pPr lvl="1"/>
             <a:r>
-              <a:rPr lang="es-ES" smtClean="0"/>
+              <a:rPr lang="es-ES"/>
               <a:t>Segundo nivel</a:t>
             </a:r>
           </a:p>
           <a:p>
             <a:pPr lvl="2"/>
             <a:r>
-              <a:rPr lang="es-ES" smtClean="0"/>
+              <a:rPr lang="es-ES"/>
               <a:t>Tercer nivel</a:t>
             </a:r>
           </a:p>
           <a:p>
             <a:pPr lvl="3"/>
             <a:r>
-              <a:rPr lang="es-ES" smtClean="0"/>
+              <a:rPr lang="es-ES"/>
               <a:t>Cuarto nivel</a:t>
             </a:r>
           </a:p>
           <a:p>
             <a:pPr lvl="4"/>
             <a:r>
-              <a:rPr lang="es-ES" smtClean="0"/>
+              <a:rPr lang="es-ES"/>
               <a:t>Quinto nivel</a:t>
             </a:r>
             <a:endParaRPr lang="en-US" dirty="0"/>
@@ -9493,7 +10278,7 @@
           <a:p>
             <a:fld id="{D7606D19-7ACC-424B-B1CD-FF7A8AF114C7}" type="datetimeFigureOut">
               <a:rPr lang="es-ES" smtClean="0"/>
-              <a:t>12/06/2019</a:t>
+              <a:t>13/06/2019</a:t>
             </a:fld>
             <a:endParaRPr lang="es-ES"/>
           </a:p>
@@ -9586,7 +10371,7 @@
           </a:lstStyle>
           <a:p>
             <a:r>
-              <a:rPr lang="es-ES" smtClean="0"/>
+              <a:rPr lang="es-ES"/>
               <a:t>Haga clic para modificar el estilo de título del patrón</a:t>
             </a:r>
             <a:endParaRPr lang="en-US"/>
@@ -9658,7 +10443,7 @@
           <a:p>
             <a:pPr lvl="0"/>
             <a:r>
-              <a:rPr lang="es-ES" smtClean="0"/>
+              <a:rPr lang="es-ES"/>
               <a:t>Haga clic para modificar el estilo de texto del patrón</a:t>
             </a:r>
           </a:p>
@@ -9714,35 +10499,35 @@
           <a:p>
             <a:pPr lvl="0"/>
             <a:r>
-              <a:rPr lang="es-ES" smtClean="0"/>
+              <a:rPr lang="es-ES"/>
               <a:t>Haga clic para modificar el estilo de texto del patrón</a:t>
             </a:r>
           </a:p>
           <a:p>
             <a:pPr lvl="1"/>
             <a:r>
-              <a:rPr lang="es-ES" smtClean="0"/>
+              <a:rPr lang="es-ES"/>
               <a:t>Segundo nivel</a:t>
             </a:r>
           </a:p>
           <a:p>
             <a:pPr lvl="2"/>
             <a:r>
-              <a:rPr lang="es-ES" smtClean="0"/>
+              <a:rPr lang="es-ES"/>
               <a:t>Tercer nivel</a:t>
             </a:r>
           </a:p>
           <a:p>
             <a:pPr lvl="3"/>
             <a:r>
-              <a:rPr lang="es-ES" smtClean="0"/>
+              <a:rPr lang="es-ES"/>
               <a:t>Cuarto nivel</a:t>
             </a:r>
           </a:p>
           <a:p>
             <a:pPr lvl="4"/>
             <a:r>
-              <a:rPr lang="es-ES" smtClean="0"/>
+              <a:rPr lang="es-ES"/>
               <a:t>Quinto nivel</a:t>
             </a:r>
             <a:endParaRPr lang="en-US" dirty="0"/>
@@ -9814,7 +10599,7 @@
           <a:p>
             <a:pPr lvl="0"/>
             <a:r>
-              <a:rPr lang="es-ES" smtClean="0"/>
+              <a:rPr lang="es-ES"/>
               <a:t>Haga clic para modificar el estilo de texto del patrón</a:t>
             </a:r>
           </a:p>
@@ -9870,35 +10655,35 @@
           <a:p>
             <a:pPr lvl="0"/>
             <a:r>
-              <a:rPr lang="es-ES" smtClean="0"/>
+              <a:rPr lang="es-ES"/>
               <a:t>Haga clic para modificar el estilo de texto del patrón</a:t>
             </a:r>
           </a:p>
           <a:p>
             <a:pPr lvl="1"/>
             <a:r>
-              <a:rPr lang="es-ES" smtClean="0"/>
+              <a:rPr lang="es-ES"/>
               <a:t>Segundo nivel</a:t>
             </a:r>
           </a:p>
           <a:p>
             <a:pPr lvl="2"/>
             <a:r>
-              <a:rPr lang="es-ES" smtClean="0"/>
+              <a:rPr lang="es-ES"/>
               <a:t>Tercer nivel</a:t>
             </a:r>
           </a:p>
           <a:p>
             <a:pPr lvl="3"/>
             <a:r>
-              <a:rPr lang="es-ES" smtClean="0"/>
+              <a:rPr lang="es-ES"/>
               <a:t>Cuarto nivel</a:t>
             </a:r>
           </a:p>
           <a:p>
             <a:pPr lvl="4"/>
             <a:r>
-              <a:rPr lang="es-ES" smtClean="0"/>
+              <a:rPr lang="es-ES"/>
               <a:t>Quinto nivel</a:t>
             </a:r>
             <a:endParaRPr lang="en-US"/>
@@ -9922,7 +10707,7 @@
           <a:p>
             <a:fld id="{D7606D19-7ACC-424B-B1CD-FF7A8AF114C7}" type="datetimeFigureOut">
               <a:rPr lang="es-ES" smtClean="0"/>
-              <a:t>12/06/2019</a:t>
+              <a:t>13/06/2019</a:t>
             </a:fld>
             <a:endParaRPr lang="es-ES"/>
           </a:p>
@@ -10011,7 +10796,7 @@
           <a:lstStyle/>
           <a:p>
             <a:r>
-              <a:rPr lang="es-ES" smtClean="0"/>
+              <a:rPr lang="es-ES"/>
               <a:t>Haga clic para modificar el estilo de título del patrón</a:t>
             </a:r>
             <a:endParaRPr lang="en-US"/>
@@ -10035,7 +10820,7 @@
           <a:p>
             <a:fld id="{D7606D19-7ACC-424B-B1CD-FF7A8AF114C7}" type="datetimeFigureOut">
               <a:rPr lang="es-ES" smtClean="0"/>
-              <a:t>12/06/2019</a:t>
+              <a:t>13/06/2019</a:t>
             </a:fld>
             <a:endParaRPr lang="es-ES"/>
           </a:p>
@@ -10125,7 +10910,7 @@
           <a:p>
             <a:fld id="{D7606D19-7ACC-424B-B1CD-FF7A8AF114C7}" type="datetimeFigureOut">
               <a:rPr lang="es-ES" smtClean="0"/>
-              <a:t>12/06/2019</a:t>
+              <a:t>13/06/2019</a:t>
             </a:fld>
             <a:endParaRPr lang="es-ES"/>
           </a:p>
@@ -10223,7 +11008,7 @@
           </a:lstStyle>
           <a:p>
             <a:r>
-              <a:rPr lang="es-ES" smtClean="0"/>
+              <a:rPr lang="es-ES"/>
               <a:t>Haga clic para modificar el estilo de título del patrón</a:t>
             </a:r>
             <a:endParaRPr lang="en-US" dirty="0"/>
@@ -10291,7 +11076,7 @@
           <a:p>
             <a:pPr lvl="0"/>
             <a:r>
-              <a:rPr lang="es-ES" smtClean="0"/>
+              <a:rPr lang="es-ES"/>
               <a:t>Haga clic para modificar el estilo de texto del patrón</a:t>
             </a:r>
           </a:p>
@@ -10314,7 +11099,7 @@
           <a:p>
             <a:fld id="{D7606D19-7ACC-424B-B1CD-FF7A8AF114C7}" type="datetimeFigureOut">
               <a:rPr lang="es-ES" smtClean="0"/>
-              <a:t>12/06/2019</a:t>
+              <a:t>13/06/2019</a:t>
             </a:fld>
             <a:endParaRPr lang="es-ES"/>
           </a:p>
@@ -10384,35 +11169,35 @@
           <a:p>
             <a:pPr lvl="0"/>
             <a:r>
-              <a:rPr lang="es-ES" smtClean="0"/>
+              <a:rPr lang="es-ES"/>
               <a:t>Haga clic para modificar el estilo de texto del patrón</a:t>
             </a:r>
           </a:p>
           <a:p>
             <a:pPr lvl="1"/>
             <a:r>
-              <a:rPr lang="es-ES" smtClean="0"/>
+              <a:rPr lang="es-ES"/>
               <a:t>Segundo nivel</a:t>
             </a:r>
           </a:p>
           <a:p>
             <a:pPr lvl="2"/>
             <a:r>
-              <a:rPr lang="es-ES" smtClean="0"/>
+              <a:rPr lang="es-ES"/>
               <a:t>Tercer nivel</a:t>
             </a:r>
           </a:p>
           <a:p>
             <a:pPr lvl="3"/>
             <a:r>
-              <a:rPr lang="es-ES" smtClean="0"/>
+              <a:rPr lang="es-ES"/>
               <a:t>Cuarto nivel</a:t>
             </a:r>
           </a:p>
           <a:p>
             <a:pPr lvl="4"/>
             <a:r>
-              <a:rPr lang="es-ES" smtClean="0"/>
+              <a:rPr lang="es-ES"/>
               <a:t>Quinto nivel</a:t>
             </a:r>
             <a:endParaRPr lang="en-US"/>
@@ -10476,7 +11261,7 @@
           </a:lstStyle>
           <a:p>
             <a:r>
-              <a:rPr lang="es-ES" smtClean="0"/>
+              <a:rPr lang="es-ES"/>
               <a:t>Haga clic para modificar el estilo de título del patrón</a:t>
             </a:r>
             <a:endParaRPr lang="en-US" dirty="0"/>
@@ -10541,7 +11326,7 @@
           </a:lstStyle>
           <a:p>
             <a:r>
-              <a:rPr lang="es-ES" smtClean="0"/>
+              <a:rPr lang="es-ES"/>
               <a:t>Haga clic en el icono para agregar una imagen</a:t>
             </a:r>
             <a:endParaRPr lang="en-US" dirty="0"/>
@@ -10609,7 +11394,7 @@
           <a:p>
             <a:pPr lvl="0"/>
             <a:r>
-              <a:rPr lang="es-ES" smtClean="0"/>
+              <a:rPr lang="es-ES"/>
               <a:t>Haga clic para modificar el estilo de texto del patrón</a:t>
             </a:r>
           </a:p>
@@ -10632,7 +11417,7 @@
           <a:p>
             <a:fld id="{D7606D19-7ACC-424B-B1CD-FF7A8AF114C7}" type="datetimeFigureOut">
               <a:rPr lang="es-ES" smtClean="0"/>
-              <a:t>12/06/2019</a:t>
+              <a:t>13/06/2019</a:t>
             </a:fld>
             <a:endParaRPr lang="es-ES"/>
           </a:p>
@@ -10736,7 +11521,7 @@
           <a:lstStyle/>
           <a:p>
             <a:r>
-              <a:rPr lang="es-ES" smtClean="0"/>
+              <a:rPr lang="es-ES"/>
               <a:t>Haga clic para modificar el estilo de título del patrón</a:t>
             </a:r>
             <a:endParaRPr lang="en-US" dirty="0"/>
@@ -10770,35 +11555,35 @@
           <a:p>
             <a:pPr lvl="0"/>
             <a:r>
-              <a:rPr lang="es-ES" smtClean="0"/>
+              <a:rPr lang="es-ES"/>
               <a:t>Haga clic para modificar el estilo de texto del patrón</a:t>
             </a:r>
           </a:p>
           <a:p>
             <a:pPr lvl="1"/>
             <a:r>
-              <a:rPr lang="es-ES" smtClean="0"/>
+              <a:rPr lang="es-ES"/>
               <a:t>Segundo nivel</a:t>
             </a:r>
           </a:p>
           <a:p>
             <a:pPr lvl="2"/>
             <a:r>
-              <a:rPr lang="es-ES" smtClean="0"/>
+              <a:rPr lang="es-ES"/>
               <a:t>Tercer nivel</a:t>
             </a:r>
           </a:p>
           <a:p>
             <a:pPr lvl="3"/>
             <a:r>
-              <a:rPr lang="es-ES" smtClean="0"/>
+              <a:rPr lang="es-ES"/>
               <a:t>Cuarto nivel</a:t>
             </a:r>
           </a:p>
           <a:p>
             <a:pPr lvl="4"/>
             <a:r>
-              <a:rPr lang="es-ES" smtClean="0"/>
+              <a:rPr lang="es-ES"/>
               <a:t>Quinto nivel</a:t>
             </a:r>
             <a:endParaRPr lang="en-US" dirty="0"/>
@@ -11011,7 +11796,7 @@
           <a:p>
             <a:fld id="{D7606D19-7ACC-424B-B1CD-FF7A8AF114C7}" type="datetimeFigureOut">
               <a:rPr lang="es-ES" smtClean="0"/>
-              <a:t>12/06/2019</a:t>
+              <a:t>13/06/2019</a:t>
             </a:fld>
             <a:endParaRPr lang="es-ES"/>
           </a:p>
@@ -11355,10 +12140,9 @@
           <a:lstStyle/>
           <a:p>
             <a:r>
-              <a:rPr lang="es-ES" dirty="0" smtClean="0"/>
+              <a:rPr lang="es-ES" dirty="0"/>
               <a:t>TFG-FIVE STAR</a:t>
             </a:r>
-            <a:endParaRPr lang="es-ES" dirty="0"/>
           </a:p>
         </p:txBody>
       </p:sp>
@@ -11386,7 +12170,7 @@
           <a:p>
             <a:pPr algn="ctr"/>
             <a:r>
-              <a:rPr lang="es-ES" dirty="0" smtClean="0">
+              <a:rPr lang="es-ES" dirty="0">
                 <a:solidFill>
                   <a:schemeClr val="tx1"/>
                 </a:solidFill>
@@ -11394,7 +12178,7 @@
               <a:t>Diego Joaquín </a:t>
             </a:r>
             <a:r>
-              <a:rPr lang="es-ES" dirty="0" err="1" smtClean="0">
+              <a:rPr lang="es-ES" dirty="0" err="1">
                 <a:solidFill>
                   <a:schemeClr val="tx1"/>
                 </a:solidFill>
@@ -11402,7 +12186,7 @@
               <a:t>Chipana</a:t>
             </a:r>
             <a:r>
-              <a:rPr lang="es-ES" dirty="0" smtClean="0">
+              <a:rPr lang="es-ES" dirty="0">
                 <a:solidFill>
                   <a:schemeClr val="tx1"/>
                 </a:solidFill>
@@ -11413,7 +12197,7 @@
           <a:p>
             <a:pPr algn="ctr"/>
             <a:r>
-              <a:rPr lang="es-ES" dirty="0" smtClean="0">
+              <a:rPr lang="es-ES" dirty="0">
                 <a:solidFill>
                   <a:schemeClr val="tx1"/>
                 </a:solidFill>
@@ -11421,7 +12205,7 @@
               <a:t>Raquel </a:t>
             </a:r>
             <a:r>
-              <a:rPr lang="es-ES" dirty="0" err="1" smtClean="0">
+              <a:rPr lang="es-ES" dirty="0" err="1">
                 <a:solidFill>
                   <a:schemeClr val="tx1"/>
                 </a:solidFill>
@@ -11429,7 +12213,7 @@
               <a:t>Sadornil</a:t>
             </a:r>
             <a:r>
-              <a:rPr lang="es-ES" dirty="0" smtClean="0">
+              <a:rPr lang="es-ES" dirty="0">
                 <a:solidFill>
                   <a:schemeClr val="tx1"/>
                 </a:solidFill>
@@ -11440,18 +12224,13 @@
           <a:p>
             <a:pPr algn="ctr"/>
             <a:r>
-              <a:rPr lang="es-ES" dirty="0" smtClean="0">
+              <a:rPr lang="es-ES" dirty="0">
                 <a:solidFill>
                   <a:schemeClr val="tx1"/>
                 </a:solidFill>
               </a:rPr>
               <a:t>2ºDAW 2019</a:t>
             </a:r>
-            <a:endParaRPr lang="es-ES" dirty="0">
-              <a:solidFill>
-                <a:schemeClr val="tx1"/>
-              </a:solidFill>
-            </a:endParaRPr>
           </a:p>
         </p:txBody>
       </p:sp>
@@ -11527,17 +12306,2866 @@
   <p:clrMapOvr>
     <a:masterClrMapping/>
   </p:clrMapOvr>
-  <p:timing>
-    <p:tnLst>
-      <p:par>
-        <p:cTn id="1" dur="indefinite" restart="never" nodeType="tmRoot"/>
-      </p:par>
-    </p:tnLst>
-  </p:timing>
 </p:sld>
 </file>
 
 <file path=ppt/slides/slide10.xml><?xml version="1.0" encoding="utf-8"?>
+<p:sld xmlns:a="http://schemas.openxmlformats.org/drawingml/2006/main" xmlns:r="http://schemas.openxmlformats.org/officeDocument/2006/relationships" xmlns:p="http://schemas.openxmlformats.org/presentationml/2006/main">
+  <p:cSld>
+    <p:spTree>
+      <p:nvGrpSpPr>
+        <p:cNvPr id="1" name=""/>
+        <p:cNvGrpSpPr/>
+        <p:nvPr/>
+      </p:nvGrpSpPr>
+      <p:grpSpPr>
+        <a:xfrm>
+          <a:off x="0" y="0"/>
+          <a:ext cx="0" cy="0"/>
+          <a:chOff x="0" y="0"/>
+          <a:chExt cx="0" cy="0"/>
+        </a:xfrm>
+      </p:grpSpPr>
+      <p:sp>
+        <p:nvSpPr>
+          <p:cNvPr id="2" name="Título 1">
+            <a:extLst>
+              <a:ext uri="{FF2B5EF4-FFF2-40B4-BE49-F238E27FC236}">
+                <a16:creationId xmlns:a16="http://schemas.microsoft.com/office/drawing/2014/main" id="{59805C35-2C07-4FC0-8255-1A98D9DA7200}"/>
+              </a:ext>
+            </a:extLst>
+          </p:cNvPr>
+          <p:cNvSpPr>
+            <a:spLocks noGrp="1"/>
+          </p:cNvSpPr>
+          <p:nvPr>
+            <p:ph type="title"/>
+          </p:nvPr>
+        </p:nvSpPr>
+        <p:spPr/>
+        <p:txBody>
+          <a:bodyPr/>
+          <a:lstStyle/>
+          <a:p>
+            <a:pPr algn="ctr"/>
+            <a:r>
+              <a:rPr lang="es-ES" dirty="0"/>
+              <a:t>Capturas de código</a:t>
+            </a:r>
+          </a:p>
+        </p:txBody>
+      </p:sp>
+      <p:pic>
+        <p:nvPicPr>
+          <p:cNvPr id="5" name="Marcador de contenido 4" descr="Imagen que contiene captura de pantalla&#10;&#10;Descripción generada automáticamente">
+            <a:extLst>
+              <a:ext uri="{FF2B5EF4-FFF2-40B4-BE49-F238E27FC236}">
+                <a16:creationId xmlns:a16="http://schemas.microsoft.com/office/drawing/2014/main" id="{98F84BD4-0703-42B7-9F14-821742DB805E}"/>
+              </a:ext>
+            </a:extLst>
+          </p:cNvPr>
+          <p:cNvPicPr>
+            <a:picLocks noGrp="1" noChangeAspect="1"/>
+          </p:cNvPicPr>
+          <p:nvPr>
+            <p:ph idx="1"/>
+          </p:nvPr>
+        </p:nvPicPr>
+        <p:blipFill>
+          <a:blip r:embed="rId2">
+            <a:extLst>
+              <a:ext uri="{28A0092B-C50C-407E-A947-70E740481C1C}">
+                <a14:useLocalDpi xmlns:a14="http://schemas.microsoft.com/office/drawing/2010/main" val="0"/>
+              </a:ext>
+            </a:extLst>
+          </a:blip>
+          <a:stretch>
+            <a:fillRect/>
+          </a:stretch>
+        </p:blipFill>
+        <p:spPr>
+          <a:xfrm>
+            <a:off x="2036988" y="2100482"/>
+            <a:ext cx="4460424" cy="4482880"/>
+          </a:xfrm>
+        </p:spPr>
+      </p:pic>
+      <p:sp>
+        <p:nvSpPr>
+          <p:cNvPr id="6" name="CuadroTexto 5">
+            <a:extLst>
+              <a:ext uri="{FF2B5EF4-FFF2-40B4-BE49-F238E27FC236}">
+                <a16:creationId xmlns:a16="http://schemas.microsoft.com/office/drawing/2014/main" id="{3974FFE9-781B-481B-BF12-1501FB40DA9F}"/>
+              </a:ext>
+            </a:extLst>
+          </p:cNvPr>
+          <p:cNvSpPr txBox="1"/>
+          <p:nvPr/>
+        </p:nvSpPr>
+        <p:spPr>
+          <a:xfrm>
+            <a:off x="3131840" y="1343199"/>
+            <a:ext cx="2376264" cy="369332"/>
+          </a:xfrm>
+          <a:prstGeom prst="rect">
+            <a:avLst/>
+          </a:prstGeom>
+          <a:noFill/>
+        </p:spPr>
+        <p:txBody>
+          <a:bodyPr wrap="square" rtlCol="0">
+            <a:spAutoFit/>
+          </a:bodyPr>
+          <a:lstStyle/>
+          <a:p>
+            <a:pPr algn="ctr"/>
+            <a:r>
+              <a:rPr lang="es-ES" dirty="0"/>
+              <a:t>MODELO</a:t>
+            </a:r>
+          </a:p>
+        </p:txBody>
+      </p:sp>
+    </p:spTree>
+    <p:extLst>
+      <p:ext uri="{BB962C8B-B14F-4D97-AF65-F5344CB8AC3E}">
+        <p14:creationId xmlns:p14="http://schemas.microsoft.com/office/powerpoint/2010/main" val="2567544108"/>
+      </p:ext>
+    </p:extLst>
+  </p:cSld>
+  <p:clrMapOvr>
+    <a:masterClrMapping/>
+  </p:clrMapOvr>
+</p:sld>
+</file>
+
+<file path=ppt/slides/slide11.xml><?xml version="1.0" encoding="utf-8"?>
+<p:sld xmlns:a="http://schemas.openxmlformats.org/drawingml/2006/main" xmlns:r="http://schemas.openxmlformats.org/officeDocument/2006/relationships" xmlns:p="http://schemas.openxmlformats.org/presentationml/2006/main">
+  <p:cSld>
+    <p:spTree>
+      <p:nvGrpSpPr>
+        <p:cNvPr id="1" name=""/>
+        <p:cNvGrpSpPr/>
+        <p:nvPr/>
+      </p:nvGrpSpPr>
+      <p:grpSpPr>
+        <a:xfrm>
+          <a:off x="0" y="0"/>
+          <a:ext cx="0" cy="0"/>
+          <a:chOff x="0" y="0"/>
+          <a:chExt cx="0" cy="0"/>
+        </a:xfrm>
+      </p:grpSpPr>
+      <p:sp>
+        <p:nvSpPr>
+          <p:cNvPr id="2" name="Título 1">
+            <a:extLst>
+              <a:ext uri="{FF2B5EF4-FFF2-40B4-BE49-F238E27FC236}">
+                <a16:creationId xmlns:a16="http://schemas.microsoft.com/office/drawing/2014/main" id="{8160C94B-D9C0-49B2-A3F1-7A8B0EA6456F}"/>
+              </a:ext>
+            </a:extLst>
+          </p:cNvPr>
+          <p:cNvSpPr>
+            <a:spLocks noGrp="1"/>
+          </p:cNvSpPr>
+          <p:nvPr>
+            <p:ph type="title"/>
+          </p:nvPr>
+        </p:nvSpPr>
+        <p:spPr/>
+        <p:txBody>
+          <a:bodyPr/>
+          <a:lstStyle/>
+          <a:p>
+            <a:pPr algn="ctr"/>
+            <a:r>
+              <a:rPr lang="es-ES" dirty="0"/>
+              <a:t>Capturas de código de Spring</a:t>
+            </a:r>
+          </a:p>
+        </p:txBody>
+      </p:sp>
+      <p:pic>
+        <p:nvPicPr>
+          <p:cNvPr id="5" name="Marcador de contenido 4" descr="Imagen que contiene captura de pantalla&#10;&#10;Descripción generada automáticamente">
+            <a:extLst>
+              <a:ext uri="{FF2B5EF4-FFF2-40B4-BE49-F238E27FC236}">
+                <a16:creationId xmlns:a16="http://schemas.microsoft.com/office/drawing/2014/main" id="{C8EE38E4-E880-40B5-94A6-5BEEB2CABD18}"/>
+              </a:ext>
+            </a:extLst>
+          </p:cNvPr>
+          <p:cNvPicPr>
+            <a:picLocks noGrp="1" noChangeAspect="1"/>
+          </p:cNvPicPr>
+          <p:nvPr>
+            <p:ph idx="1"/>
+          </p:nvPr>
+        </p:nvPicPr>
+        <p:blipFill>
+          <a:blip r:embed="rId2">
+            <a:extLst>
+              <a:ext uri="{28A0092B-C50C-407E-A947-70E740481C1C}">
+                <a14:useLocalDpi xmlns:a14="http://schemas.microsoft.com/office/drawing/2010/main" val="0"/>
+              </a:ext>
+            </a:extLst>
+          </a:blip>
+          <a:stretch>
+            <a:fillRect/>
+          </a:stretch>
+        </p:blipFill>
+        <p:spPr>
+          <a:xfrm>
+            <a:off x="963216" y="2780928"/>
+            <a:ext cx="6641504" cy="2205282"/>
+          </a:xfrm>
+        </p:spPr>
+      </p:pic>
+      <p:sp>
+        <p:nvSpPr>
+          <p:cNvPr id="6" name="CuadroTexto 5">
+            <a:extLst>
+              <a:ext uri="{FF2B5EF4-FFF2-40B4-BE49-F238E27FC236}">
+                <a16:creationId xmlns:a16="http://schemas.microsoft.com/office/drawing/2014/main" id="{5843FD5D-51ED-446D-B798-F2E9668644FE}"/>
+              </a:ext>
+            </a:extLst>
+          </p:cNvPr>
+          <p:cNvSpPr txBox="1"/>
+          <p:nvPr/>
+        </p:nvSpPr>
+        <p:spPr>
+          <a:xfrm>
+            <a:off x="2915816" y="1417638"/>
+            <a:ext cx="2736304" cy="369332"/>
+          </a:xfrm>
+          <a:prstGeom prst="rect">
+            <a:avLst/>
+          </a:prstGeom>
+          <a:noFill/>
+        </p:spPr>
+        <p:txBody>
+          <a:bodyPr wrap="square" rtlCol="0">
+            <a:spAutoFit/>
+          </a:bodyPr>
+          <a:lstStyle/>
+          <a:p>
+            <a:pPr algn="ctr"/>
+            <a:r>
+              <a:rPr lang="es-ES" dirty="0"/>
+              <a:t>REPOSITORIO</a:t>
+            </a:r>
+          </a:p>
+        </p:txBody>
+      </p:sp>
+    </p:spTree>
+    <p:extLst>
+      <p:ext uri="{BB962C8B-B14F-4D97-AF65-F5344CB8AC3E}">
+        <p14:creationId xmlns:p14="http://schemas.microsoft.com/office/powerpoint/2010/main" val="1659901562"/>
+      </p:ext>
+    </p:extLst>
+  </p:cSld>
+  <p:clrMapOvr>
+    <a:masterClrMapping/>
+  </p:clrMapOvr>
+</p:sld>
+</file>
+
+<file path=ppt/slides/slide12.xml><?xml version="1.0" encoding="utf-8"?>
+<p:sld xmlns:a="http://schemas.openxmlformats.org/drawingml/2006/main" xmlns:r="http://schemas.openxmlformats.org/officeDocument/2006/relationships" xmlns:p="http://schemas.openxmlformats.org/presentationml/2006/main">
+  <p:cSld>
+    <p:spTree>
+      <p:nvGrpSpPr>
+        <p:cNvPr id="1" name=""/>
+        <p:cNvGrpSpPr/>
+        <p:nvPr/>
+      </p:nvGrpSpPr>
+      <p:grpSpPr>
+        <a:xfrm>
+          <a:off x="0" y="0"/>
+          <a:ext cx="0" cy="0"/>
+          <a:chOff x="0" y="0"/>
+          <a:chExt cx="0" cy="0"/>
+        </a:xfrm>
+      </p:grpSpPr>
+      <p:sp>
+        <p:nvSpPr>
+          <p:cNvPr id="2" name="Título 1">
+            <a:extLst>
+              <a:ext uri="{FF2B5EF4-FFF2-40B4-BE49-F238E27FC236}">
+                <a16:creationId xmlns:a16="http://schemas.microsoft.com/office/drawing/2014/main" id="{130514E7-71D9-4185-BEBF-FAD43A1F23BC}"/>
+              </a:ext>
+            </a:extLst>
+          </p:cNvPr>
+          <p:cNvSpPr>
+            <a:spLocks noGrp="1"/>
+          </p:cNvSpPr>
+          <p:nvPr>
+            <p:ph type="title"/>
+          </p:nvPr>
+        </p:nvSpPr>
+        <p:spPr/>
+        <p:txBody>
+          <a:bodyPr/>
+          <a:lstStyle/>
+          <a:p>
+            <a:pPr algn="ctr"/>
+            <a:r>
+              <a:rPr lang="es-ES" dirty="0"/>
+              <a:t>Capturas de código de Spring</a:t>
+            </a:r>
+          </a:p>
+        </p:txBody>
+      </p:sp>
+      <p:pic>
+        <p:nvPicPr>
+          <p:cNvPr id="5" name="Marcador de contenido 4" descr="Imagen que contiene captura de pantalla&#10;&#10;Descripción generada automáticamente">
+            <a:extLst>
+              <a:ext uri="{FF2B5EF4-FFF2-40B4-BE49-F238E27FC236}">
+                <a16:creationId xmlns:a16="http://schemas.microsoft.com/office/drawing/2014/main" id="{CE0C43D1-C0BC-4682-9FCD-0BEA318410FB}"/>
+              </a:ext>
+            </a:extLst>
+          </p:cNvPr>
+          <p:cNvPicPr>
+            <a:picLocks noGrp="1" noChangeAspect="1"/>
+          </p:cNvPicPr>
+          <p:nvPr>
+            <p:ph idx="1"/>
+          </p:nvPr>
+        </p:nvPicPr>
+        <p:blipFill>
+          <a:blip r:embed="rId2">
+            <a:extLst>
+              <a:ext uri="{28A0092B-C50C-407E-A947-70E740481C1C}">
+                <a14:useLocalDpi xmlns:a14="http://schemas.microsoft.com/office/drawing/2010/main" val="0"/>
+              </a:ext>
+            </a:extLst>
+          </a:blip>
+          <a:stretch>
+            <a:fillRect/>
+          </a:stretch>
+        </p:blipFill>
+        <p:spPr>
+          <a:xfrm>
+            <a:off x="457200" y="2204864"/>
+            <a:ext cx="7620000" cy="4181797"/>
+          </a:xfrm>
+        </p:spPr>
+      </p:pic>
+      <p:sp>
+        <p:nvSpPr>
+          <p:cNvPr id="6" name="CuadroTexto 5">
+            <a:extLst>
+              <a:ext uri="{FF2B5EF4-FFF2-40B4-BE49-F238E27FC236}">
+                <a16:creationId xmlns:a16="http://schemas.microsoft.com/office/drawing/2014/main" id="{AF468ED8-1FD9-4D0F-AFB4-42DDCE41B7DB}"/>
+              </a:ext>
+            </a:extLst>
+          </p:cNvPr>
+          <p:cNvSpPr txBox="1"/>
+          <p:nvPr/>
+        </p:nvSpPr>
+        <p:spPr>
+          <a:xfrm>
+            <a:off x="2987824" y="1417638"/>
+            <a:ext cx="2808312" cy="369332"/>
+          </a:xfrm>
+          <a:prstGeom prst="rect">
+            <a:avLst/>
+          </a:prstGeom>
+          <a:noFill/>
+        </p:spPr>
+        <p:txBody>
+          <a:bodyPr wrap="square" rtlCol="0">
+            <a:spAutoFit/>
+          </a:bodyPr>
+          <a:lstStyle/>
+          <a:p>
+            <a:pPr algn="ctr"/>
+            <a:r>
+              <a:rPr lang="es-ES" dirty="0"/>
+              <a:t>CONTROLADOR</a:t>
+            </a:r>
+          </a:p>
+        </p:txBody>
+      </p:sp>
+    </p:spTree>
+    <p:extLst>
+      <p:ext uri="{BB962C8B-B14F-4D97-AF65-F5344CB8AC3E}">
+        <p14:creationId xmlns:p14="http://schemas.microsoft.com/office/powerpoint/2010/main" val="1179295016"/>
+      </p:ext>
+    </p:extLst>
+  </p:cSld>
+  <p:clrMapOvr>
+    <a:masterClrMapping/>
+  </p:clrMapOvr>
+</p:sld>
+</file>
+
+<file path=ppt/slides/slide13.xml><?xml version="1.0" encoding="utf-8"?>
+<p:sld xmlns:a="http://schemas.openxmlformats.org/drawingml/2006/main" xmlns:r="http://schemas.openxmlformats.org/officeDocument/2006/relationships" xmlns:p="http://schemas.openxmlformats.org/presentationml/2006/main">
+  <p:cSld>
+    <p:spTree>
+      <p:nvGrpSpPr>
+        <p:cNvPr id="1" name=""/>
+        <p:cNvGrpSpPr/>
+        <p:nvPr/>
+      </p:nvGrpSpPr>
+      <p:grpSpPr>
+        <a:xfrm>
+          <a:off x="0" y="0"/>
+          <a:ext cx="0" cy="0"/>
+          <a:chOff x="0" y="0"/>
+          <a:chExt cx="0" cy="0"/>
+        </a:xfrm>
+      </p:grpSpPr>
+      <p:sp>
+        <p:nvSpPr>
+          <p:cNvPr id="2" name="Título 1">
+            <a:extLst>
+              <a:ext uri="{FF2B5EF4-FFF2-40B4-BE49-F238E27FC236}">
+                <a16:creationId xmlns:a16="http://schemas.microsoft.com/office/drawing/2014/main" id="{54B15AA7-F552-4284-949D-0E76BCB79CA8}"/>
+              </a:ext>
+            </a:extLst>
+          </p:cNvPr>
+          <p:cNvSpPr>
+            <a:spLocks noGrp="1"/>
+          </p:cNvSpPr>
+          <p:nvPr>
+            <p:ph type="title"/>
+          </p:nvPr>
+        </p:nvSpPr>
+        <p:spPr/>
+        <p:txBody>
+          <a:bodyPr/>
+          <a:lstStyle/>
+          <a:p>
+            <a:pPr algn="ctr"/>
+            <a:r>
+              <a:rPr lang="es-ES" dirty="0"/>
+              <a:t>Capturas de código de Spring</a:t>
+            </a:r>
+          </a:p>
+        </p:txBody>
+      </p:sp>
+      <p:pic>
+        <p:nvPicPr>
+          <p:cNvPr id="5" name="Marcador de contenido 4">
+            <a:extLst>
+              <a:ext uri="{FF2B5EF4-FFF2-40B4-BE49-F238E27FC236}">
+                <a16:creationId xmlns:a16="http://schemas.microsoft.com/office/drawing/2014/main" id="{95D0E5A2-E0F7-4864-B247-2D80D9523EB2}"/>
+              </a:ext>
+            </a:extLst>
+          </p:cNvPr>
+          <p:cNvPicPr>
+            <a:picLocks noGrp="1" noChangeAspect="1"/>
+          </p:cNvPicPr>
+          <p:nvPr>
+            <p:ph idx="1"/>
+          </p:nvPr>
+        </p:nvPicPr>
+        <p:blipFill>
+          <a:blip r:embed="rId2">
+            <a:extLst>
+              <a:ext uri="{28A0092B-C50C-407E-A947-70E740481C1C}">
+                <a14:useLocalDpi xmlns:a14="http://schemas.microsoft.com/office/drawing/2010/main" val="0"/>
+              </a:ext>
+            </a:extLst>
+          </a:blip>
+          <a:stretch>
+            <a:fillRect/>
+          </a:stretch>
+        </p:blipFill>
+        <p:spPr>
+          <a:xfrm>
+            <a:off x="1836209" y="3089831"/>
+            <a:ext cx="4861981" cy="1821338"/>
+          </a:xfrm>
+        </p:spPr>
+      </p:pic>
+      <p:sp>
+        <p:nvSpPr>
+          <p:cNvPr id="6" name="CuadroTexto 5">
+            <a:extLst>
+              <a:ext uri="{FF2B5EF4-FFF2-40B4-BE49-F238E27FC236}">
+                <a16:creationId xmlns:a16="http://schemas.microsoft.com/office/drawing/2014/main" id="{E0BAE4D4-372E-4170-A0E4-556DE99F0B75}"/>
+              </a:ext>
+            </a:extLst>
+          </p:cNvPr>
+          <p:cNvSpPr txBox="1"/>
+          <p:nvPr/>
+        </p:nvSpPr>
+        <p:spPr>
+          <a:xfrm>
+            <a:off x="2339752" y="1884402"/>
+            <a:ext cx="3384376" cy="369332"/>
+          </a:xfrm>
+          <a:prstGeom prst="rect">
+            <a:avLst/>
+          </a:prstGeom>
+          <a:noFill/>
+        </p:spPr>
+        <p:txBody>
+          <a:bodyPr wrap="square" rtlCol="0">
+            <a:spAutoFit/>
+          </a:bodyPr>
+          <a:lstStyle/>
+          <a:p>
+            <a:r>
+              <a:rPr lang="es-ES" dirty="0"/>
+              <a:t>ANOTACIONES EN LAS ENTIDADES</a:t>
+            </a:r>
+          </a:p>
+        </p:txBody>
+      </p:sp>
+    </p:spTree>
+    <p:extLst>
+      <p:ext uri="{BB962C8B-B14F-4D97-AF65-F5344CB8AC3E}">
+        <p14:creationId xmlns:p14="http://schemas.microsoft.com/office/powerpoint/2010/main" val="3797516951"/>
+      </p:ext>
+    </p:extLst>
+  </p:cSld>
+  <p:clrMapOvr>
+    <a:masterClrMapping/>
+  </p:clrMapOvr>
+</p:sld>
+</file>
+
+<file path=ppt/slides/slide14.xml><?xml version="1.0" encoding="utf-8"?>
+<p:sld xmlns:a="http://schemas.openxmlformats.org/drawingml/2006/main" xmlns:r="http://schemas.openxmlformats.org/officeDocument/2006/relationships" xmlns:p="http://schemas.openxmlformats.org/presentationml/2006/main">
+  <p:cSld>
+    <p:spTree>
+      <p:nvGrpSpPr>
+        <p:cNvPr id="1" name=""/>
+        <p:cNvGrpSpPr/>
+        <p:nvPr/>
+      </p:nvGrpSpPr>
+      <p:grpSpPr>
+        <a:xfrm>
+          <a:off x="0" y="0"/>
+          <a:ext cx="0" cy="0"/>
+          <a:chOff x="0" y="0"/>
+          <a:chExt cx="0" cy="0"/>
+        </a:xfrm>
+      </p:grpSpPr>
+      <p:sp>
+        <p:nvSpPr>
+          <p:cNvPr id="2" name="Título 1">
+            <a:extLst>
+              <a:ext uri="{FF2B5EF4-FFF2-40B4-BE49-F238E27FC236}">
+                <a16:creationId xmlns:a16="http://schemas.microsoft.com/office/drawing/2014/main" id="{13691519-B91D-4FA1-8B11-C96942C1CA5F}"/>
+              </a:ext>
+            </a:extLst>
+          </p:cNvPr>
+          <p:cNvSpPr>
+            <a:spLocks noGrp="1"/>
+          </p:cNvSpPr>
+          <p:nvPr>
+            <p:ph type="title"/>
+          </p:nvPr>
+        </p:nvSpPr>
+        <p:spPr/>
+        <p:txBody>
+          <a:bodyPr/>
+          <a:lstStyle/>
+          <a:p>
+            <a:pPr algn="ctr"/>
+            <a:r>
+              <a:rPr lang="es-ES" dirty="0"/>
+              <a:t>Capturas de código de Spring</a:t>
+            </a:r>
+          </a:p>
+        </p:txBody>
+      </p:sp>
+      <p:pic>
+        <p:nvPicPr>
+          <p:cNvPr id="5" name="Marcador de contenido 4" descr="Imagen que contiene captura de pantalla&#10;&#10;Descripción generada automáticamente">
+            <a:extLst>
+              <a:ext uri="{FF2B5EF4-FFF2-40B4-BE49-F238E27FC236}">
+                <a16:creationId xmlns:a16="http://schemas.microsoft.com/office/drawing/2014/main" id="{574F878A-4D81-42FB-9B7C-59595CD948B5}"/>
+              </a:ext>
+            </a:extLst>
+          </p:cNvPr>
+          <p:cNvPicPr>
+            <a:picLocks noGrp="1" noChangeAspect="1"/>
+          </p:cNvPicPr>
+          <p:nvPr>
+            <p:ph idx="1"/>
+          </p:nvPr>
+        </p:nvPicPr>
+        <p:blipFill>
+          <a:blip r:embed="rId2">
+            <a:extLst>
+              <a:ext uri="{28A0092B-C50C-407E-A947-70E740481C1C}">
+                <a14:useLocalDpi xmlns:a14="http://schemas.microsoft.com/office/drawing/2010/main" val="0"/>
+              </a:ext>
+            </a:extLst>
+          </a:blip>
+          <a:stretch>
+            <a:fillRect/>
+          </a:stretch>
+        </p:blipFill>
+        <p:spPr>
+          <a:xfrm>
+            <a:off x="457200" y="2348880"/>
+            <a:ext cx="7620000" cy="3876196"/>
+          </a:xfrm>
+        </p:spPr>
+      </p:pic>
+      <p:sp>
+        <p:nvSpPr>
+          <p:cNvPr id="6" name="CuadroTexto 5">
+            <a:extLst>
+              <a:ext uri="{FF2B5EF4-FFF2-40B4-BE49-F238E27FC236}">
+                <a16:creationId xmlns:a16="http://schemas.microsoft.com/office/drawing/2014/main" id="{D9E2B3E6-2B7F-4D21-B912-EAC109CE965A}"/>
+              </a:ext>
+            </a:extLst>
+          </p:cNvPr>
+          <p:cNvSpPr txBox="1"/>
+          <p:nvPr/>
+        </p:nvSpPr>
+        <p:spPr>
+          <a:xfrm>
+            <a:off x="3187080" y="1430682"/>
+            <a:ext cx="2160240" cy="646331"/>
+          </a:xfrm>
+          <a:prstGeom prst="rect">
+            <a:avLst/>
+          </a:prstGeom>
+          <a:noFill/>
+        </p:spPr>
+        <p:txBody>
+          <a:bodyPr wrap="square" rtlCol="0">
+            <a:spAutoFit/>
+          </a:bodyPr>
+          <a:lstStyle/>
+          <a:p>
+            <a:pPr algn="ctr"/>
+            <a:r>
+              <a:rPr lang="es-ES" dirty="0"/>
+              <a:t>CODIGO LLAMATIVO DEL BACK-END</a:t>
+            </a:r>
+          </a:p>
+        </p:txBody>
+      </p:sp>
+    </p:spTree>
+    <p:extLst>
+      <p:ext uri="{BB962C8B-B14F-4D97-AF65-F5344CB8AC3E}">
+        <p14:creationId xmlns:p14="http://schemas.microsoft.com/office/powerpoint/2010/main" val="4055678189"/>
+      </p:ext>
+    </p:extLst>
+  </p:cSld>
+  <p:clrMapOvr>
+    <a:masterClrMapping/>
+  </p:clrMapOvr>
+</p:sld>
+</file>
+
+<file path=ppt/slides/slide15.xml><?xml version="1.0" encoding="utf-8"?>
+<p:sld xmlns:a="http://schemas.openxmlformats.org/drawingml/2006/main" xmlns:r="http://schemas.openxmlformats.org/officeDocument/2006/relationships" xmlns:p="http://schemas.openxmlformats.org/presentationml/2006/main">
+  <p:cSld>
+    <p:spTree>
+      <p:nvGrpSpPr>
+        <p:cNvPr id="1" name=""/>
+        <p:cNvGrpSpPr/>
+        <p:nvPr/>
+      </p:nvGrpSpPr>
+      <p:grpSpPr>
+        <a:xfrm>
+          <a:off x="0" y="0"/>
+          <a:ext cx="0" cy="0"/>
+          <a:chOff x="0" y="0"/>
+          <a:chExt cx="0" cy="0"/>
+        </a:xfrm>
+      </p:grpSpPr>
+      <p:sp>
+        <p:nvSpPr>
+          <p:cNvPr id="2" name="Título 1">
+            <a:extLst>
+              <a:ext uri="{FF2B5EF4-FFF2-40B4-BE49-F238E27FC236}">
+                <a16:creationId xmlns:a16="http://schemas.microsoft.com/office/drawing/2014/main" id="{AB764B69-85CC-4B05-8D15-6DAEFE35BAEA}"/>
+              </a:ext>
+            </a:extLst>
+          </p:cNvPr>
+          <p:cNvSpPr>
+            <a:spLocks noGrp="1"/>
+          </p:cNvSpPr>
+          <p:nvPr>
+            <p:ph type="title"/>
+          </p:nvPr>
+        </p:nvSpPr>
+        <p:spPr/>
+        <p:txBody>
+          <a:bodyPr/>
+          <a:lstStyle/>
+          <a:p>
+            <a:pPr algn="ctr"/>
+            <a:r>
+              <a:rPr lang="es-ES" dirty="0"/>
+              <a:t>Capturas de código de Spring</a:t>
+            </a:r>
+          </a:p>
+        </p:txBody>
+      </p:sp>
+      <p:pic>
+        <p:nvPicPr>
+          <p:cNvPr id="5" name="Marcador de contenido 4" descr="Imagen que contiene interior&#10;&#10;Descripción generada automáticamente">
+            <a:extLst>
+              <a:ext uri="{FF2B5EF4-FFF2-40B4-BE49-F238E27FC236}">
+                <a16:creationId xmlns:a16="http://schemas.microsoft.com/office/drawing/2014/main" id="{F7C573E5-1A29-4585-8DEA-5FA6B766DEC3}"/>
+              </a:ext>
+            </a:extLst>
+          </p:cNvPr>
+          <p:cNvPicPr>
+            <a:picLocks noGrp="1" noChangeAspect="1"/>
+          </p:cNvPicPr>
+          <p:nvPr>
+            <p:ph idx="1"/>
+          </p:nvPr>
+        </p:nvPicPr>
+        <p:blipFill>
+          <a:blip r:embed="rId2">
+            <a:extLst>
+              <a:ext uri="{28A0092B-C50C-407E-A947-70E740481C1C}">
+                <a14:useLocalDpi xmlns:a14="http://schemas.microsoft.com/office/drawing/2010/main" val="0"/>
+              </a:ext>
+            </a:extLst>
+          </a:blip>
+          <a:stretch>
+            <a:fillRect/>
+          </a:stretch>
+        </p:blipFill>
+        <p:spPr>
+          <a:xfrm>
+            <a:off x="1923847" y="2636912"/>
+            <a:ext cx="4686706" cy="1386960"/>
+          </a:xfrm>
+        </p:spPr>
+      </p:pic>
+      <p:pic>
+        <p:nvPicPr>
+          <p:cNvPr id="7" name="Imagen 6" descr="Imagen que contiene captura de pantalla, interior&#10;&#10;Descripción generada automáticamente">
+            <a:extLst>
+              <a:ext uri="{FF2B5EF4-FFF2-40B4-BE49-F238E27FC236}">
+                <a16:creationId xmlns:a16="http://schemas.microsoft.com/office/drawing/2014/main" id="{23042653-543F-485E-B574-F7024C73FC77}"/>
+              </a:ext>
+            </a:extLst>
+          </p:cNvPr>
+          <p:cNvPicPr>
+            <a:picLocks noChangeAspect="1"/>
+          </p:cNvPicPr>
+          <p:nvPr/>
+        </p:nvPicPr>
+        <p:blipFill>
+          <a:blip r:embed="rId3">
+            <a:extLst>
+              <a:ext uri="{28A0092B-C50C-407E-A947-70E740481C1C}">
+                <a14:useLocalDpi xmlns:a14="http://schemas.microsoft.com/office/drawing/2010/main" val="0"/>
+              </a:ext>
+            </a:extLst>
+          </a:blip>
+          <a:stretch>
+            <a:fillRect/>
+          </a:stretch>
+        </p:blipFill>
+        <p:spPr>
+          <a:xfrm>
+            <a:off x="1979712" y="4056053"/>
+            <a:ext cx="4313294" cy="983065"/>
+          </a:xfrm>
+          <a:prstGeom prst="rect">
+            <a:avLst/>
+          </a:prstGeom>
+        </p:spPr>
+      </p:pic>
+      <p:sp>
+        <p:nvSpPr>
+          <p:cNvPr id="11" name="CuadroTexto 10">
+            <a:extLst>
+              <a:ext uri="{FF2B5EF4-FFF2-40B4-BE49-F238E27FC236}">
+                <a16:creationId xmlns:a16="http://schemas.microsoft.com/office/drawing/2014/main" id="{A8334038-42A3-473F-B678-7A7916D4C8F9}"/>
+              </a:ext>
+            </a:extLst>
+          </p:cNvPr>
+          <p:cNvSpPr txBox="1"/>
+          <p:nvPr/>
+        </p:nvSpPr>
+        <p:spPr>
+          <a:xfrm>
+            <a:off x="2915816" y="1417638"/>
+            <a:ext cx="2520280" cy="646331"/>
+          </a:xfrm>
+          <a:prstGeom prst="rect">
+            <a:avLst/>
+          </a:prstGeom>
+          <a:noFill/>
+        </p:spPr>
+        <p:txBody>
+          <a:bodyPr wrap="square" rtlCol="0">
+            <a:spAutoFit/>
+          </a:bodyPr>
+          <a:lstStyle/>
+          <a:p>
+            <a:pPr algn="ctr"/>
+            <a:r>
+              <a:rPr lang="es-ES" dirty="0"/>
+              <a:t>CODIGO LLAMATIVO DEL BACK-END</a:t>
+            </a:r>
+          </a:p>
+        </p:txBody>
+      </p:sp>
+    </p:spTree>
+    <p:extLst>
+      <p:ext uri="{BB962C8B-B14F-4D97-AF65-F5344CB8AC3E}">
+        <p14:creationId xmlns:p14="http://schemas.microsoft.com/office/powerpoint/2010/main" val="1212226204"/>
+      </p:ext>
+    </p:extLst>
+  </p:cSld>
+  <p:clrMapOvr>
+    <a:masterClrMapping/>
+  </p:clrMapOvr>
+</p:sld>
+</file>
+
+<file path=ppt/slides/slide16.xml><?xml version="1.0" encoding="utf-8"?>
+<p:sld xmlns:a="http://schemas.openxmlformats.org/drawingml/2006/main" xmlns:r="http://schemas.openxmlformats.org/officeDocument/2006/relationships" xmlns:p="http://schemas.openxmlformats.org/presentationml/2006/main">
+  <p:cSld>
+    <p:spTree>
+      <p:nvGrpSpPr>
+        <p:cNvPr id="1" name=""/>
+        <p:cNvGrpSpPr/>
+        <p:nvPr/>
+      </p:nvGrpSpPr>
+      <p:grpSpPr>
+        <a:xfrm>
+          <a:off x="0" y="0"/>
+          <a:ext cx="0" cy="0"/>
+          <a:chOff x="0" y="0"/>
+          <a:chExt cx="0" cy="0"/>
+        </a:xfrm>
+      </p:grpSpPr>
+      <p:sp>
+        <p:nvSpPr>
+          <p:cNvPr id="2" name="Título 1">
+            <a:extLst>
+              <a:ext uri="{FF2B5EF4-FFF2-40B4-BE49-F238E27FC236}">
+                <a16:creationId xmlns:a16="http://schemas.microsoft.com/office/drawing/2014/main" id="{6B1DE456-6E3F-4098-B183-D5406CE8607F}"/>
+              </a:ext>
+            </a:extLst>
+          </p:cNvPr>
+          <p:cNvSpPr>
+            <a:spLocks noGrp="1"/>
+          </p:cNvSpPr>
+          <p:nvPr>
+            <p:ph type="title"/>
+          </p:nvPr>
+        </p:nvSpPr>
+        <p:spPr/>
+        <p:txBody>
+          <a:bodyPr/>
+          <a:lstStyle/>
+          <a:p>
+            <a:pPr algn="ctr"/>
+            <a:r>
+              <a:rPr lang="es-ES" dirty="0"/>
+              <a:t>Capturas de código de Spring</a:t>
+            </a:r>
+          </a:p>
+        </p:txBody>
+      </p:sp>
+      <p:pic>
+        <p:nvPicPr>
+          <p:cNvPr id="5" name="Marcador de contenido 4" descr="Imagen que contiene captura de pantalla&#10;&#10;Descripción generada automáticamente">
+            <a:extLst>
+              <a:ext uri="{FF2B5EF4-FFF2-40B4-BE49-F238E27FC236}">
+                <a16:creationId xmlns:a16="http://schemas.microsoft.com/office/drawing/2014/main" id="{8DE22092-F13A-4FF3-9660-6058E9571828}"/>
+              </a:ext>
+            </a:extLst>
+          </p:cNvPr>
+          <p:cNvPicPr>
+            <a:picLocks noGrp="1" noChangeAspect="1"/>
+          </p:cNvPicPr>
+          <p:nvPr>
+            <p:ph idx="1"/>
+          </p:nvPr>
+        </p:nvPicPr>
+        <p:blipFill>
+          <a:blip r:embed="rId2">
+            <a:extLst>
+              <a:ext uri="{28A0092B-C50C-407E-A947-70E740481C1C}">
+                <a14:useLocalDpi xmlns:a14="http://schemas.microsoft.com/office/drawing/2010/main" val="0"/>
+              </a:ext>
+            </a:extLst>
+          </a:blip>
+          <a:stretch>
+            <a:fillRect/>
+          </a:stretch>
+        </p:blipFill>
+        <p:spPr>
+          <a:xfrm>
+            <a:off x="1123356" y="2111941"/>
+            <a:ext cx="6287688" cy="4536504"/>
+          </a:xfrm>
+        </p:spPr>
+      </p:pic>
+      <p:sp>
+        <p:nvSpPr>
+          <p:cNvPr id="6" name="CuadroTexto 5">
+            <a:extLst>
+              <a:ext uri="{FF2B5EF4-FFF2-40B4-BE49-F238E27FC236}">
+                <a16:creationId xmlns:a16="http://schemas.microsoft.com/office/drawing/2014/main" id="{22C70FD4-C045-458E-8174-565C4D4CBF0D}"/>
+              </a:ext>
+            </a:extLst>
+          </p:cNvPr>
+          <p:cNvSpPr txBox="1"/>
+          <p:nvPr/>
+        </p:nvSpPr>
+        <p:spPr>
+          <a:xfrm>
+            <a:off x="3187080" y="1336974"/>
+            <a:ext cx="2160240" cy="923330"/>
+          </a:xfrm>
+          <a:prstGeom prst="rect">
+            <a:avLst/>
+          </a:prstGeom>
+          <a:noFill/>
+        </p:spPr>
+        <p:txBody>
+          <a:bodyPr wrap="square" rtlCol="0">
+            <a:spAutoFit/>
+          </a:bodyPr>
+          <a:lstStyle/>
+          <a:p>
+            <a:pPr algn="ctr"/>
+            <a:r>
+              <a:rPr lang="es-ES" dirty="0"/>
+              <a:t>CODIGO LLAMATIVO DEL BACK-END</a:t>
+            </a:r>
+          </a:p>
+          <a:p>
+            <a:endParaRPr lang="es-ES" dirty="0"/>
+          </a:p>
+        </p:txBody>
+      </p:sp>
+    </p:spTree>
+    <p:extLst>
+      <p:ext uri="{BB962C8B-B14F-4D97-AF65-F5344CB8AC3E}">
+        <p14:creationId xmlns:p14="http://schemas.microsoft.com/office/powerpoint/2010/main" val="632930667"/>
+      </p:ext>
+    </p:extLst>
+  </p:cSld>
+  <p:clrMapOvr>
+    <a:masterClrMapping/>
+  </p:clrMapOvr>
+</p:sld>
+</file>
+
+<file path=ppt/slides/slide17.xml><?xml version="1.0" encoding="utf-8"?>
+<p:sld xmlns:a="http://schemas.openxmlformats.org/drawingml/2006/main" xmlns:r="http://schemas.openxmlformats.org/officeDocument/2006/relationships" xmlns:p="http://schemas.openxmlformats.org/presentationml/2006/main">
+  <p:cSld>
+    <p:spTree>
+      <p:nvGrpSpPr>
+        <p:cNvPr id="1" name=""/>
+        <p:cNvGrpSpPr/>
+        <p:nvPr/>
+      </p:nvGrpSpPr>
+      <p:grpSpPr>
+        <a:xfrm>
+          <a:off x="0" y="0"/>
+          <a:ext cx="0" cy="0"/>
+          <a:chOff x="0" y="0"/>
+          <a:chExt cx="0" cy="0"/>
+        </a:xfrm>
+      </p:grpSpPr>
+      <p:sp>
+        <p:nvSpPr>
+          <p:cNvPr id="2" name="Título 1">
+            <a:extLst>
+              <a:ext uri="{FF2B5EF4-FFF2-40B4-BE49-F238E27FC236}">
+                <a16:creationId xmlns:a16="http://schemas.microsoft.com/office/drawing/2014/main" id="{8B7C3FCE-11F2-4422-AAB9-ED9B2C3F6366}"/>
+              </a:ext>
+            </a:extLst>
+          </p:cNvPr>
+          <p:cNvSpPr>
+            <a:spLocks noGrp="1"/>
+          </p:cNvSpPr>
+          <p:nvPr>
+            <p:ph type="title"/>
+          </p:nvPr>
+        </p:nvSpPr>
+        <p:spPr/>
+        <p:txBody>
+          <a:bodyPr/>
+          <a:lstStyle/>
+          <a:p>
+            <a:pPr algn="ctr"/>
+            <a:r>
+              <a:rPr lang="es-ES" dirty="0"/>
+              <a:t>Capturas de código de Spring</a:t>
+            </a:r>
+          </a:p>
+        </p:txBody>
+      </p:sp>
+      <p:pic>
+        <p:nvPicPr>
+          <p:cNvPr id="5" name="Marcador de contenido 4" descr="Imagen que contiene captura de pantalla&#10;&#10;Descripción generada automáticamente">
+            <a:extLst>
+              <a:ext uri="{FF2B5EF4-FFF2-40B4-BE49-F238E27FC236}">
+                <a16:creationId xmlns:a16="http://schemas.microsoft.com/office/drawing/2014/main" id="{36022A96-576C-41B3-A6DE-70F9A6B86774}"/>
+              </a:ext>
+            </a:extLst>
+          </p:cNvPr>
+          <p:cNvPicPr>
+            <a:picLocks noGrp="1" noChangeAspect="1"/>
+          </p:cNvPicPr>
+          <p:nvPr>
+            <p:ph idx="1"/>
+          </p:nvPr>
+        </p:nvPicPr>
+        <p:blipFill>
+          <a:blip r:embed="rId2">
+            <a:extLst>
+              <a:ext uri="{28A0092B-C50C-407E-A947-70E740481C1C}">
+                <a14:useLocalDpi xmlns:a14="http://schemas.microsoft.com/office/drawing/2010/main" val="0"/>
+              </a:ext>
+            </a:extLst>
+          </a:blip>
+          <a:stretch>
+            <a:fillRect/>
+          </a:stretch>
+        </p:blipFill>
+        <p:spPr>
+          <a:xfrm>
+            <a:off x="1375159" y="2605377"/>
+            <a:ext cx="5784081" cy="3977985"/>
+          </a:xfrm>
+        </p:spPr>
+      </p:pic>
+      <p:sp>
+        <p:nvSpPr>
+          <p:cNvPr id="7" name="CuadroTexto 6">
+            <a:extLst>
+              <a:ext uri="{FF2B5EF4-FFF2-40B4-BE49-F238E27FC236}">
+                <a16:creationId xmlns:a16="http://schemas.microsoft.com/office/drawing/2014/main" id="{92719981-0276-415D-AB7D-55ACB2FF0CC7}"/>
+              </a:ext>
+            </a:extLst>
+          </p:cNvPr>
+          <p:cNvSpPr txBox="1"/>
+          <p:nvPr/>
+        </p:nvSpPr>
+        <p:spPr>
+          <a:xfrm>
+            <a:off x="2843808" y="1417638"/>
+            <a:ext cx="2232248" cy="646331"/>
+          </a:xfrm>
+          <a:prstGeom prst="rect">
+            <a:avLst/>
+          </a:prstGeom>
+          <a:noFill/>
+        </p:spPr>
+        <p:txBody>
+          <a:bodyPr wrap="square" rtlCol="0">
+            <a:spAutoFit/>
+          </a:bodyPr>
+          <a:lstStyle/>
+          <a:p>
+            <a:pPr algn="ctr"/>
+            <a:r>
+              <a:rPr lang="es-ES"/>
+              <a:t>CODIGO LLAMATIVO DEL BACK-END</a:t>
+            </a:r>
+            <a:endParaRPr lang="es-ES" dirty="0"/>
+          </a:p>
+        </p:txBody>
+      </p:sp>
+    </p:spTree>
+    <p:extLst>
+      <p:ext uri="{BB962C8B-B14F-4D97-AF65-F5344CB8AC3E}">
+        <p14:creationId xmlns:p14="http://schemas.microsoft.com/office/powerpoint/2010/main" val="2072325103"/>
+      </p:ext>
+    </p:extLst>
+  </p:cSld>
+  <p:clrMapOvr>
+    <a:masterClrMapping/>
+  </p:clrMapOvr>
+</p:sld>
+</file>
+
+<file path=ppt/slides/slide18.xml><?xml version="1.0" encoding="utf-8"?>
+<p:sld xmlns:a="http://schemas.openxmlformats.org/drawingml/2006/main" xmlns:r="http://schemas.openxmlformats.org/officeDocument/2006/relationships" xmlns:p="http://schemas.openxmlformats.org/presentationml/2006/main">
+  <p:cSld>
+    <p:spTree>
+      <p:nvGrpSpPr>
+        <p:cNvPr id="1" name=""/>
+        <p:cNvGrpSpPr/>
+        <p:nvPr/>
+      </p:nvGrpSpPr>
+      <p:grpSpPr>
+        <a:xfrm>
+          <a:off x="0" y="0"/>
+          <a:ext cx="0" cy="0"/>
+          <a:chOff x="0" y="0"/>
+          <a:chExt cx="0" cy="0"/>
+        </a:xfrm>
+      </p:grpSpPr>
+      <p:sp>
+        <p:nvSpPr>
+          <p:cNvPr id="2" name="Título 1">
+            <a:extLst>
+              <a:ext uri="{FF2B5EF4-FFF2-40B4-BE49-F238E27FC236}">
+                <a16:creationId xmlns:a16="http://schemas.microsoft.com/office/drawing/2014/main" id="{48F6A26E-3B5A-4FA3-B5AA-80784983B97C}"/>
+              </a:ext>
+            </a:extLst>
+          </p:cNvPr>
+          <p:cNvSpPr>
+            <a:spLocks noGrp="1"/>
+          </p:cNvSpPr>
+          <p:nvPr>
+            <p:ph type="title"/>
+          </p:nvPr>
+        </p:nvSpPr>
+        <p:spPr/>
+        <p:txBody>
+          <a:bodyPr/>
+          <a:lstStyle/>
+          <a:p>
+            <a:pPr algn="ctr"/>
+            <a:r>
+              <a:rPr lang="es-ES" dirty="0"/>
+              <a:t>Capturas de código de Spring</a:t>
+            </a:r>
+          </a:p>
+        </p:txBody>
+      </p:sp>
+      <p:pic>
+        <p:nvPicPr>
+          <p:cNvPr id="5" name="Marcador de contenido 4">
+            <a:extLst>
+              <a:ext uri="{FF2B5EF4-FFF2-40B4-BE49-F238E27FC236}">
+                <a16:creationId xmlns:a16="http://schemas.microsoft.com/office/drawing/2014/main" id="{A52532B6-7C02-4260-A736-A8100F732D3D}"/>
+              </a:ext>
+            </a:extLst>
+          </p:cNvPr>
+          <p:cNvPicPr>
+            <a:picLocks noGrp="1" noChangeAspect="1"/>
+          </p:cNvPicPr>
+          <p:nvPr>
+            <p:ph idx="1"/>
+          </p:nvPr>
+        </p:nvPicPr>
+        <p:blipFill>
+          <a:blip r:embed="rId2">
+            <a:extLst>
+              <a:ext uri="{28A0092B-C50C-407E-A947-70E740481C1C}">
+                <a14:useLocalDpi xmlns:a14="http://schemas.microsoft.com/office/drawing/2010/main" val="0"/>
+              </a:ext>
+            </a:extLst>
+          </a:blip>
+          <a:stretch>
+            <a:fillRect/>
+          </a:stretch>
+        </p:blipFill>
+        <p:spPr>
+          <a:xfrm>
+            <a:off x="1115616" y="5685950"/>
+            <a:ext cx="5959356" cy="1120237"/>
+          </a:xfrm>
+        </p:spPr>
+      </p:pic>
+      <p:sp>
+        <p:nvSpPr>
+          <p:cNvPr id="6" name="CuadroTexto 5">
+            <a:extLst>
+              <a:ext uri="{FF2B5EF4-FFF2-40B4-BE49-F238E27FC236}">
+                <a16:creationId xmlns:a16="http://schemas.microsoft.com/office/drawing/2014/main" id="{F050821F-E657-4C0D-9EB8-20B2029734DD}"/>
+              </a:ext>
+            </a:extLst>
+          </p:cNvPr>
+          <p:cNvSpPr txBox="1"/>
+          <p:nvPr/>
+        </p:nvSpPr>
+        <p:spPr>
+          <a:xfrm>
+            <a:off x="2843808" y="1189232"/>
+            <a:ext cx="2232248" cy="646331"/>
+          </a:xfrm>
+          <a:prstGeom prst="rect">
+            <a:avLst/>
+          </a:prstGeom>
+          <a:noFill/>
+        </p:spPr>
+        <p:txBody>
+          <a:bodyPr wrap="square" rtlCol="0">
+            <a:spAutoFit/>
+          </a:bodyPr>
+          <a:lstStyle/>
+          <a:p>
+            <a:pPr algn="ctr"/>
+            <a:r>
+              <a:rPr lang="es-ES" dirty="0"/>
+              <a:t>CODIGO LLAMATIVO DEL BACK-END</a:t>
+            </a:r>
+          </a:p>
+        </p:txBody>
+      </p:sp>
+      <p:pic>
+        <p:nvPicPr>
+          <p:cNvPr id="10" name="Imagen 9" descr="Imagen que contiene captura de pantalla&#10;&#10;Descripción generada automáticamente">
+            <a:extLst>
+              <a:ext uri="{FF2B5EF4-FFF2-40B4-BE49-F238E27FC236}">
+                <a16:creationId xmlns:a16="http://schemas.microsoft.com/office/drawing/2014/main" id="{8CD6F62B-739B-4F1A-B39C-EAB76BB9F154}"/>
+              </a:ext>
+            </a:extLst>
+          </p:cNvPr>
+          <p:cNvPicPr>
+            <a:picLocks noChangeAspect="1"/>
+          </p:cNvPicPr>
+          <p:nvPr/>
+        </p:nvPicPr>
+        <p:blipFill>
+          <a:blip r:embed="rId3">
+            <a:extLst>
+              <a:ext uri="{28A0092B-C50C-407E-A947-70E740481C1C}">
+                <a14:useLocalDpi xmlns:a14="http://schemas.microsoft.com/office/drawing/2010/main" val="0"/>
+              </a:ext>
+            </a:extLst>
+          </a:blip>
+          <a:stretch>
+            <a:fillRect/>
+          </a:stretch>
+        </p:blipFill>
+        <p:spPr>
+          <a:xfrm>
+            <a:off x="1403648" y="1840812"/>
+            <a:ext cx="4929246" cy="3392481"/>
+          </a:xfrm>
+          <a:prstGeom prst="rect">
+            <a:avLst/>
+          </a:prstGeom>
+        </p:spPr>
+      </p:pic>
+    </p:spTree>
+    <p:extLst>
+      <p:ext uri="{BB962C8B-B14F-4D97-AF65-F5344CB8AC3E}">
+        <p14:creationId xmlns:p14="http://schemas.microsoft.com/office/powerpoint/2010/main" val="199772309"/>
+      </p:ext>
+    </p:extLst>
+  </p:cSld>
+  <p:clrMapOvr>
+    <a:masterClrMapping/>
+  </p:clrMapOvr>
+</p:sld>
+</file>
+
+<file path=ppt/slides/slide19.xml><?xml version="1.0" encoding="utf-8"?>
+<p:sld xmlns:a="http://schemas.openxmlformats.org/drawingml/2006/main" xmlns:r="http://schemas.openxmlformats.org/officeDocument/2006/relationships" xmlns:p="http://schemas.openxmlformats.org/presentationml/2006/main">
+  <p:cSld>
+    <p:spTree>
+      <p:nvGrpSpPr>
+        <p:cNvPr id="1" name=""/>
+        <p:cNvGrpSpPr/>
+        <p:nvPr/>
+      </p:nvGrpSpPr>
+      <p:grpSpPr>
+        <a:xfrm>
+          <a:off x="0" y="0"/>
+          <a:ext cx="0" cy="0"/>
+          <a:chOff x="0" y="0"/>
+          <a:chExt cx="0" cy="0"/>
+        </a:xfrm>
+      </p:grpSpPr>
+      <p:sp>
+        <p:nvSpPr>
+          <p:cNvPr id="2" name="Título 1">
+            <a:extLst>
+              <a:ext uri="{FF2B5EF4-FFF2-40B4-BE49-F238E27FC236}">
+                <a16:creationId xmlns:a16="http://schemas.microsoft.com/office/drawing/2014/main" id="{FF5160AF-BFF4-478F-A004-16FF6FBAC125}"/>
+              </a:ext>
+            </a:extLst>
+          </p:cNvPr>
+          <p:cNvSpPr>
+            <a:spLocks noGrp="1"/>
+          </p:cNvSpPr>
+          <p:nvPr>
+            <p:ph type="title"/>
+          </p:nvPr>
+        </p:nvSpPr>
+        <p:spPr/>
+        <p:txBody>
+          <a:bodyPr/>
+          <a:lstStyle/>
+          <a:p>
+            <a:pPr algn="ctr"/>
+            <a:r>
+              <a:rPr lang="es-ES" dirty="0"/>
+              <a:t>Capturas de código de Angular</a:t>
+            </a:r>
+          </a:p>
+        </p:txBody>
+      </p:sp>
+      <p:pic>
+        <p:nvPicPr>
+          <p:cNvPr id="5" name="Marcador de contenido 4">
+            <a:extLst>
+              <a:ext uri="{FF2B5EF4-FFF2-40B4-BE49-F238E27FC236}">
+                <a16:creationId xmlns:a16="http://schemas.microsoft.com/office/drawing/2014/main" id="{FB67D12F-C82B-429A-BB89-D808FF285E76}"/>
+              </a:ext>
+            </a:extLst>
+          </p:cNvPr>
+          <p:cNvPicPr>
+            <a:picLocks noGrp="1" noChangeAspect="1"/>
+          </p:cNvPicPr>
+          <p:nvPr>
+            <p:ph idx="1"/>
+          </p:nvPr>
+        </p:nvPicPr>
+        <p:blipFill>
+          <a:blip r:embed="rId2">
+            <a:extLst>
+              <a:ext uri="{28A0092B-C50C-407E-A947-70E740481C1C}">
+                <a14:useLocalDpi xmlns:a14="http://schemas.microsoft.com/office/drawing/2010/main" val="0"/>
+              </a:ext>
+            </a:extLst>
+          </a:blip>
+          <a:stretch>
+            <a:fillRect/>
+          </a:stretch>
+        </p:blipFill>
+        <p:spPr>
+          <a:xfrm>
+            <a:off x="3131840" y="2996952"/>
+            <a:ext cx="2261664" cy="2271945"/>
+          </a:xfrm>
+        </p:spPr>
+      </p:pic>
+      <p:sp>
+        <p:nvSpPr>
+          <p:cNvPr id="6" name="CuadroTexto 5">
+            <a:extLst>
+              <a:ext uri="{FF2B5EF4-FFF2-40B4-BE49-F238E27FC236}">
+                <a16:creationId xmlns:a16="http://schemas.microsoft.com/office/drawing/2014/main" id="{225429C3-B7AE-4C65-9793-50821C0F5EF1}"/>
+              </a:ext>
+            </a:extLst>
+          </p:cNvPr>
+          <p:cNvSpPr txBox="1"/>
+          <p:nvPr/>
+        </p:nvSpPr>
+        <p:spPr>
+          <a:xfrm>
+            <a:off x="2699792" y="1639854"/>
+            <a:ext cx="3024336" cy="369332"/>
+          </a:xfrm>
+          <a:prstGeom prst="rect">
+            <a:avLst/>
+          </a:prstGeom>
+          <a:noFill/>
+        </p:spPr>
+        <p:txBody>
+          <a:bodyPr wrap="square" rtlCol="0">
+            <a:spAutoFit/>
+          </a:bodyPr>
+          <a:lstStyle/>
+          <a:p>
+            <a:pPr algn="ctr"/>
+            <a:r>
+              <a:rPr lang="es-ES" dirty="0"/>
+              <a:t>FRONT-END</a:t>
+            </a:r>
+          </a:p>
+        </p:txBody>
+      </p:sp>
+    </p:spTree>
+    <p:extLst>
+      <p:ext uri="{BB962C8B-B14F-4D97-AF65-F5344CB8AC3E}">
+        <p14:creationId xmlns:p14="http://schemas.microsoft.com/office/powerpoint/2010/main" val="3261791807"/>
+      </p:ext>
+    </p:extLst>
+  </p:cSld>
+  <p:clrMapOvr>
+    <a:masterClrMapping/>
+  </p:clrMapOvr>
+</p:sld>
+</file>
+
+<file path=ppt/slides/slide2.xml><?xml version="1.0" encoding="utf-8"?>
+<p:sld xmlns:a="http://schemas.openxmlformats.org/drawingml/2006/main" xmlns:r="http://schemas.openxmlformats.org/officeDocument/2006/relationships" xmlns:p="http://schemas.openxmlformats.org/presentationml/2006/main">
+  <p:cSld>
+    <p:spTree>
+      <p:nvGrpSpPr>
+        <p:cNvPr id="1" name=""/>
+        <p:cNvGrpSpPr/>
+        <p:nvPr/>
+      </p:nvGrpSpPr>
+      <p:grpSpPr>
+        <a:xfrm>
+          <a:off x="0" y="0"/>
+          <a:ext cx="0" cy="0"/>
+          <a:chOff x="0" y="0"/>
+          <a:chExt cx="0" cy="0"/>
+        </a:xfrm>
+      </p:grpSpPr>
+      <p:sp>
+        <p:nvSpPr>
+          <p:cNvPr id="2" name="1 Título"/>
+          <p:cNvSpPr>
+            <a:spLocks noGrp="1"/>
+          </p:cNvSpPr>
+          <p:nvPr>
+            <p:ph type="title"/>
+          </p:nvPr>
+        </p:nvSpPr>
+        <p:spPr>
+          <a:xfrm>
+            <a:off x="2051720" y="260648"/>
+            <a:ext cx="4474840" cy="1138138"/>
+          </a:xfrm>
+        </p:spPr>
+        <p:txBody>
+          <a:bodyPr/>
+          <a:lstStyle/>
+          <a:p>
+            <a:pPr algn="ctr"/>
+            <a:r>
+              <a:rPr lang="es-ES" dirty="0"/>
+              <a:t>Idea de proyecto</a:t>
+            </a:r>
+          </a:p>
+        </p:txBody>
+      </p:sp>
+      <p:graphicFrame>
+        <p:nvGraphicFramePr>
+          <p:cNvPr id="4" name="3 Marcador de contenido"/>
+          <p:cNvGraphicFramePr>
+            <a:graphicFrameLocks noGrp="1"/>
+          </p:cNvGraphicFramePr>
+          <p:nvPr>
+            <p:ph idx="1"/>
+            <p:extLst>
+              <p:ext uri="{D42A27DB-BD31-4B8C-83A1-F6EECF244321}">
+                <p14:modId xmlns:p14="http://schemas.microsoft.com/office/powerpoint/2010/main" val="2025492240"/>
+              </p:ext>
+            </p:extLst>
+          </p:nvPr>
+        </p:nvGraphicFramePr>
+        <p:xfrm>
+          <a:off x="457200" y="1600200"/>
+          <a:ext cx="7620000" cy="4800600"/>
+        </p:xfrm>
+        <a:graphic>
+          <a:graphicData uri="http://schemas.openxmlformats.org/drawingml/2006/diagram">
+            <dgm:relIds xmlns:dgm="http://schemas.openxmlformats.org/drawingml/2006/diagram" xmlns:r="http://schemas.openxmlformats.org/officeDocument/2006/relationships" r:dm="rId2" r:lo="rId3" r:qs="rId4" r:cs="rId5"/>
+          </a:graphicData>
+        </a:graphic>
+      </p:graphicFrame>
+    </p:spTree>
+    <p:extLst>
+      <p:ext uri="{BB962C8B-B14F-4D97-AF65-F5344CB8AC3E}">
+        <p14:creationId xmlns:p14="http://schemas.microsoft.com/office/powerpoint/2010/main" val="4027544129"/>
+      </p:ext>
+    </p:extLst>
+  </p:cSld>
+  <p:clrMapOvr>
+    <a:masterClrMapping/>
+  </p:clrMapOvr>
+</p:sld>
+</file>
+
+<file path=ppt/slides/slide20.xml><?xml version="1.0" encoding="utf-8"?>
+<p:sld xmlns:a="http://schemas.openxmlformats.org/drawingml/2006/main" xmlns:r="http://schemas.openxmlformats.org/officeDocument/2006/relationships" xmlns:p="http://schemas.openxmlformats.org/presentationml/2006/main">
+  <p:cSld>
+    <p:spTree>
+      <p:nvGrpSpPr>
+        <p:cNvPr id="1" name=""/>
+        <p:cNvGrpSpPr/>
+        <p:nvPr/>
+      </p:nvGrpSpPr>
+      <p:grpSpPr>
+        <a:xfrm>
+          <a:off x="0" y="0"/>
+          <a:ext cx="0" cy="0"/>
+          <a:chOff x="0" y="0"/>
+          <a:chExt cx="0" cy="0"/>
+        </a:xfrm>
+      </p:grpSpPr>
+      <p:sp>
+        <p:nvSpPr>
+          <p:cNvPr id="2" name="Título 1">
+            <a:extLst>
+              <a:ext uri="{FF2B5EF4-FFF2-40B4-BE49-F238E27FC236}">
+                <a16:creationId xmlns:a16="http://schemas.microsoft.com/office/drawing/2014/main" id="{B416197B-D123-44B3-BFF5-838738CE2503}"/>
+              </a:ext>
+            </a:extLst>
+          </p:cNvPr>
+          <p:cNvSpPr>
+            <a:spLocks noGrp="1"/>
+          </p:cNvSpPr>
+          <p:nvPr>
+            <p:ph type="title"/>
+          </p:nvPr>
+        </p:nvSpPr>
+        <p:spPr/>
+        <p:txBody>
+          <a:bodyPr/>
+          <a:lstStyle/>
+          <a:p>
+            <a:pPr algn="ctr"/>
+            <a:r>
+              <a:rPr lang="es-ES" dirty="0"/>
+              <a:t>Capturas de código de Angular</a:t>
+            </a:r>
+          </a:p>
+        </p:txBody>
+      </p:sp>
+      <p:pic>
+        <p:nvPicPr>
+          <p:cNvPr id="5" name="Marcador de contenido 4" descr="Imagen que contiene captura de pantalla&#10;&#10;Descripción generada automáticamente">
+            <a:extLst>
+              <a:ext uri="{FF2B5EF4-FFF2-40B4-BE49-F238E27FC236}">
+                <a16:creationId xmlns:a16="http://schemas.microsoft.com/office/drawing/2014/main" id="{9C7CFCF3-D667-47DE-A723-91ECBB52C504}"/>
+              </a:ext>
+            </a:extLst>
+          </p:cNvPr>
+          <p:cNvPicPr>
+            <a:picLocks noGrp="1" noChangeAspect="1"/>
+          </p:cNvPicPr>
+          <p:nvPr>
+            <p:ph idx="1"/>
+          </p:nvPr>
+        </p:nvPicPr>
+        <p:blipFill>
+          <a:blip r:embed="rId2">
+            <a:extLst>
+              <a:ext uri="{28A0092B-C50C-407E-A947-70E740481C1C}">
+                <a14:useLocalDpi xmlns:a14="http://schemas.microsoft.com/office/drawing/2010/main" val="0"/>
+              </a:ext>
+            </a:extLst>
+          </a:blip>
+          <a:stretch>
+            <a:fillRect/>
+          </a:stretch>
+        </p:blipFill>
+        <p:spPr>
+          <a:xfrm>
+            <a:off x="525635" y="1600200"/>
+            <a:ext cx="7483129" cy="4800600"/>
+          </a:xfrm>
+        </p:spPr>
+      </p:pic>
+      <p:sp>
+        <p:nvSpPr>
+          <p:cNvPr id="6" name="CuadroTexto 5">
+            <a:extLst>
+              <a:ext uri="{FF2B5EF4-FFF2-40B4-BE49-F238E27FC236}">
+                <a16:creationId xmlns:a16="http://schemas.microsoft.com/office/drawing/2014/main" id="{7BF80F20-9ABB-4CA4-82D3-5AB98AC9FB16}"/>
+              </a:ext>
+            </a:extLst>
+          </p:cNvPr>
+          <p:cNvSpPr txBox="1"/>
+          <p:nvPr/>
+        </p:nvSpPr>
+        <p:spPr>
+          <a:xfrm>
+            <a:off x="3131840" y="1196752"/>
+            <a:ext cx="2232248" cy="369332"/>
+          </a:xfrm>
+          <a:prstGeom prst="rect">
+            <a:avLst/>
+          </a:prstGeom>
+          <a:noFill/>
+        </p:spPr>
+        <p:txBody>
+          <a:bodyPr wrap="square" rtlCol="0">
+            <a:spAutoFit/>
+          </a:bodyPr>
+          <a:lstStyle/>
+          <a:p>
+            <a:pPr algn="ctr"/>
+            <a:r>
+              <a:rPr lang="es-ES" dirty="0"/>
+              <a:t>SERVICIO</a:t>
+            </a:r>
+          </a:p>
+        </p:txBody>
+      </p:sp>
+    </p:spTree>
+    <p:extLst>
+      <p:ext uri="{BB962C8B-B14F-4D97-AF65-F5344CB8AC3E}">
+        <p14:creationId xmlns:p14="http://schemas.microsoft.com/office/powerpoint/2010/main" val="1808289038"/>
+      </p:ext>
+    </p:extLst>
+  </p:cSld>
+  <p:clrMapOvr>
+    <a:masterClrMapping/>
+  </p:clrMapOvr>
+</p:sld>
+</file>
+
+<file path=ppt/slides/slide21.xml><?xml version="1.0" encoding="utf-8"?>
+<p:sld xmlns:a="http://schemas.openxmlformats.org/drawingml/2006/main" xmlns:r="http://schemas.openxmlformats.org/officeDocument/2006/relationships" xmlns:p="http://schemas.openxmlformats.org/presentationml/2006/main">
+  <p:cSld>
+    <p:spTree>
+      <p:nvGrpSpPr>
+        <p:cNvPr id="1" name=""/>
+        <p:cNvGrpSpPr/>
+        <p:nvPr/>
+      </p:nvGrpSpPr>
+      <p:grpSpPr>
+        <a:xfrm>
+          <a:off x="0" y="0"/>
+          <a:ext cx="0" cy="0"/>
+          <a:chOff x="0" y="0"/>
+          <a:chExt cx="0" cy="0"/>
+        </a:xfrm>
+      </p:grpSpPr>
+      <p:sp>
+        <p:nvSpPr>
+          <p:cNvPr id="2" name="Título 1">
+            <a:extLst>
+              <a:ext uri="{FF2B5EF4-FFF2-40B4-BE49-F238E27FC236}">
+                <a16:creationId xmlns:a16="http://schemas.microsoft.com/office/drawing/2014/main" id="{F3BE52CE-36D4-4AF4-AFF8-A25DF0D2E819}"/>
+              </a:ext>
+            </a:extLst>
+          </p:cNvPr>
+          <p:cNvSpPr>
+            <a:spLocks noGrp="1"/>
+          </p:cNvSpPr>
+          <p:nvPr>
+            <p:ph type="title"/>
+          </p:nvPr>
+        </p:nvSpPr>
+        <p:spPr/>
+        <p:txBody>
+          <a:bodyPr/>
+          <a:lstStyle/>
+          <a:p>
+            <a:r>
+              <a:rPr lang="es-ES" dirty="0"/>
+              <a:t>Capturas de código de Angular</a:t>
+            </a:r>
+          </a:p>
+        </p:txBody>
+      </p:sp>
+      <p:pic>
+        <p:nvPicPr>
+          <p:cNvPr id="5" name="Marcador de contenido 4">
+            <a:extLst>
+              <a:ext uri="{FF2B5EF4-FFF2-40B4-BE49-F238E27FC236}">
+                <a16:creationId xmlns:a16="http://schemas.microsoft.com/office/drawing/2014/main" id="{1D0C7E59-A51D-449A-BA61-F2BD40C1D025}"/>
+              </a:ext>
+            </a:extLst>
+          </p:cNvPr>
+          <p:cNvPicPr>
+            <a:picLocks noGrp="1" noChangeAspect="1"/>
+          </p:cNvPicPr>
+          <p:nvPr>
+            <p:ph idx="1"/>
+          </p:nvPr>
+        </p:nvPicPr>
+        <p:blipFill>
+          <a:blip r:embed="rId2">
+            <a:extLst>
+              <a:ext uri="{28A0092B-C50C-407E-A947-70E740481C1C}">
+                <a14:useLocalDpi xmlns:a14="http://schemas.microsoft.com/office/drawing/2010/main" val="0"/>
+              </a:ext>
+            </a:extLst>
+          </a:blip>
+          <a:stretch>
+            <a:fillRect/>
+          </a:stretch>
+        </p:blipFill>
+        <p:spPr>
+          <a:xfrm>
+            <a:off x="457200" y="3485828"/>
+            <a:ext cx="7620000" cy="1029343"/>
+          </a:xfrm>
+        </p:spPr>
+      </p:pic>
+      <p:sp>
+        <p:nvSpPr>
+          <p:cNvPr id="6" name="CuadroTexto 5">
+            <a:extLst>
+              <a:ext uri="{FF2B5EF4-FFF2-40B4-BE49-F238E27FC236}">
+                <a16:creationId xmlns:a16="http://schemas.microsoft.com/office/drawing/2014/main" id="{EBCE799B-DEFD-47FA-AE8D-BA807CA747AB}"/>
+              </a:ext>
+            </a:extLst>
+          </p:cNvPr>
+          <p:cNvSpPr txBox="1"/>
+          <p:nvPr/>
+        </p:nvSpPr>
+        <p:spPr>
+          <a:xfrm>
+            <a:off x="3131840" y="1196752"/>
+            <a:ext cx="2232248" cy="369332"/>
+          </a:xfrm>
+          <a:prstGeom prst="rect">
+            <a:avLst/>
+          </a:prstGeom>
+          <a:noFill/>
+        </p:spPr>
+        <p:txBody>
+          <a:bodyPr wrap="square" rtlCol="0">
+            <a:spAutoFit/>
+          </a:bodyPr>
+          <a:lstStyle/>
+          <a:p>
+            <a:pPr algn="ctr"/>
+            <a:r>
+              <a:rPr lang="es-ES" dirty="0"/>
+              <a:t>SERVICIO</a:t>
+            </a:r>
+          </a:p>
+        </p:txBody>
+      </p:sp>
+    </p:spTree>
+    <p:extLst>
+      <p:ext uri="{BB962C8B-B14F-4D97-AF65-F5344CB8AC3E}">
+        <p14:creationId xmlns:p14="http://schemas.microsoft.com/office/powerpoint/2010/main" val="1489838598"/>
+      </p:ext>
+    </p:extLst>
+  </p:cSld>
+  <p:clrMapOvr>
+    <a:masterClrMapping/>
+  </p:clrMapOvr>
+</p:sld>
+</file>
+
+<file path=ppt/slides/slide22.xml><?xml version="1.0" encoding="utf-8"?>
+<p:sld xmlns:a="http://schemas.openxmlformats.org/drawingml/2006/main" xmlns:r="http://schemas.openxmlformats.org/officeDocument/2006/relationships" xmlns:p="http://schemas.openxmlformats.org/presentationml/2006/main">
+  <p:cSld>
+    <p:spTree>
+      <p:nvGrpSpPr>
+        <p:cNvPr id="1" name=""/>
+        <p:cNvGrpSpPr/>
+        <p:nvPr/>
+      </p:nvGrpSpPr>
+      <p:grpSpPr>
+        <a:xfrm>
+          <a:off x="0" y="0"/>
+          <a:ext cx="0" cy="0"/>
+          <a:chOff x="0" y="0"/>
+          <a:chExt cx="0" cy="0"/>
+        </a:xfrm>
+      </p:grpSpPr>
+      <p:sp>
+        <p:nvSpPr>
+          <p:cNvPr id="2" name="Título 1">
+            <a:extLst>
+              <a:ext uri="{FF2B5EF4-FFF2-40B4-BE49-F238E27FC236}">
+                <a16:creationId xmlns:a16="http://schemas.microsoft.com/office/drawing/2014/main" id="{DC9C0A36-42BE-42BD-A660-6FA6E4F5714D}"/>
+              </a:ext>
+            </a:extLst>
+          </p:cNvPr>
+          <p:cNvSpPr>
+            <a:spLocks noGrp="1"/>
+          </p:cNvSpPr>
+          <p:nvPr>
+            <p:ph type="title"/>
+          </p:nvPr>
+        </p:nvSpPr>
+        <p:spPr/>
+        <p:txBody>
+          <a:bodyPr/>
+          <a:lstStyle/>
+          <a:p>
+            <a:pPr algn="ctr"/>
+            <a:r>
+              <a:rPr lang="es-ES" dirty="0"/>
+              <a:t>Capturas de código de Angular</a:t>
+            </a:r>
+          </a:p>
+        </p:txBody>
+      </p:sp>
+      <p:pic>
+        <p:nvPicPr>
+          <p:cNvPr id="5" name="Marcador de contenido 4" descr="Imagen que contiene captura de pantalla&#10;&#10;Descripción generada automáticamente">
+            <a:extLst>
+              <a:ext uri="{FF2B5EF4-FFF2-40B4-BE49-F238E27FC236}">
+                <a16:creationId xmlns:a16="http://schemas.microsoft.com/office/drawing/2014/main" id="{4EE91405-DD3F-4CBF-8DBC-DC36486DBA51}"/>
+              </a:ext>
+            </a:extLst>
+          </p:cNvPr>
+          <p:cNvPicPr>
+            <a:picLocks noGrp="1" noChangeAspect="1"/>
+          </p:cNvPicPr>
+          <p:nvPr>
+            <p:ph idx="1"/>
+          </p:nvPr>
+        </p:nvPicPr>
+        <p:blipFill>
+          <a:blip r:embed="rId2">
+            <a:extLst>
+              <a:ext uri="{28A0092B-C50C-407E-A947-70E740481C1C}">
+                <a14:useLocalDpi xmlns:a14="http://schemas.microsoft.com/office/drawing/2010/main" val="0"/>
+              </a:ext>
+            </a:extLst>
+          </a:blip>
+          <a:stretch>
+            <a:fillRect/>
+          </a:stretch>
+        </p:blipFill>
+        <p:spPr>
+          <a:xfrm>
+            <a:off x="457200" y="2629427"/>
+            <a:ext cx="7620000" cy="2742145"/>
+          </a:xfrm>
+        </p:spPr>
+      </p:pic>
+      <p:sp>
+        <p:nvSpPr>
+          <p:cNvPr id="6" name="CuadroTexto 5">
+            <a:extLst>
+              <a:ext uri="{FF2B5EF4-FFF2-40B4-BE49-F238E27FC236}">
+                <a16:creationId xmlns:a16="http://schemas.microsoft.com/office/drawing/2014/main" id="{4189D67F-9753-4887-9334-CA1F61B4AC5B}"/>
+              </a:ext>
+            </a:extLst>
+          </p:cNvPr>
+          <p:cNvSpPr txBox="1"/>
+          <p:nvPr/>
+        </p:nvSpPr>
+        <p:spPr>
+          <a:xfrm>
+            <a:off x="3203848" y="1340768"/>
+            <a:ext cx="1656184" cy="369332"/>
+          </a:xfrm>
+          <a:prstGeom prst="rect">
+            <a:avLst/>
+          </a:prstGeom>
+          <a:noFill/>
+        </p:spPr>
+        <p:txBody>
+          <a:bodyPr wrap="square" rtlCol="0">
+            <a:spAutoFit/>
+          </a:bodyPr>
+          <a:lstStyle/>
+          <a:p>
+            <a:r>
+              <a:rPr lang="es-ES" dirty="0"/>
+              <a:t>COMPONENTE</a:t>
+            </a:r>
+          </a:p>
+        </p:txBody>
+      </p:sp>
+    </p:spTree>
+    <p:extLst>
+      <p:ext uri="{BB962C8B-B14F-4D97-AF65-F5344CB8AC3E}">
+        <p14:creationId xmlns:p14="http://schemas.microsoft.com/office/powerpoint/2010/main" val="155836191"/>
+      </p:ext>
+    </p:extLst>
+  </p:cSld>
+  <p:clrMapOvr>
+    <a:masterClrMapping/>
+  </p:clrMapOvr>
+</p:sld>
+</file>
+
+<file path=ppt/slides/slide23.xml><?xml version="1.0" encoding="utf-8"?>
+<p:sld xmlns:a="http://schemas.openxmlformats.org/drawingml/2006/main" xmlns:r="http://schemas.openxmlformats.org/officeDocument/2006/relationships" xmlns:p="http://schemas.openxmlformats.org/presentationml/2006/main">
+  <p:cSld>
+    <p:spTree>
+      <p:nvGrpSpPr>
+        <p:cNvPr id="1" name=""/>
+        <p:cNvGrpSpPr/>
+        <p:nvPr/>
+      </p:nvGrpSpPr>
+      <p:grpSpPr>
+        <a:xfrm>
+          <a:off x="0" y="0"/>
+          <a:ext cx="0" cy="0"/>
+          <a:chOff x="0" y="0"/>
+          <a:chExt cx="0" cy="0"/>
+        </a:xfrm>
+      </p:grpSpPr>
+      <p:sp>
+        <p:nvSpPr>
+          <p:cNvPr id="2" name="Título 1">
+            <a:extLst>
+              <a:ext uri="{FF2B5EF4-FFF2-40B4-BE49-F238E27FC236}">
+                <a16:creationId xmlns:a16="http://schemas.microsoft.com/office/drawing/2014/main" id="{CCB1636B-04F5-4A48-B15E-1128C525051F}"/>
+              </a:ext>
+            </a:extLst>
+          </p:cNvPr>
+          <p:cNvSpPr>
+            <a:spLocks noGrp="1"/>
+          </p:cNvSpPr>
+          <p:nvPr>
+            <p:ph type="title"/>
+          </p:nvPr>
+        </p:nvSpPr>
+        <p:spPr/>
+        <p:txBody>
+          <a:bodyPr/>
+          <a:lstStyle/>
+          <a:p>
+            <a:pPr algn="ctr"/>
+            <a:r>
+              <a:rPr lang="es-ES" dirty="0"/>
+              <a:t>Capturas de código de Angular</a:t>
+            </a:r>
+          </a:p>
+        </p:txBody>
+      </p:sp>
+      <p:pic>
+        <p:nvPicPr>
+          <p:cNvPr id="5" name="Marcador de contenido 4" descr="Imagen que contiene captura de pantalla&#10;&#10;Descripción generada automáticamente">
+            <a:extLst>
+              <a:ext uri="{FF2B5EF4-FFF2-40B4-BE49-F238E27FC236}">
+                <a16:creationId xmlns:a16="http://schemas.microsoft.com/office/drawing/2014/main" id="{F013F3C8-7B0E-40B3-A17E-556797865FE4}"/>
+              </a:ext>
+            </a:extLst>
+          </p:cNvPr>
+          <p:cNvPicPr>
+            <a:picLocks noGrp="1" noChangeAspect="1"/>
+          </p:cNvPicPr>
+          <p:nvPr>
+            <p:ph idx="1"/>
+          </p:nvPr>
+        </p:nvPicPr>
+        <p:blipFill>
+          <a:blip r:embed="rId2">
+            <a:extLst>
+              <a:ext uri="{28A0092B-C50C-407E-A947-70E740481C1C}">
+                <a14:useLocalDpi xmlns:a14="http://schemas.microsoft.com/office/drawing/2010/main" val="0"/>
+              </a:ext>
+            </a:extLst>
+          </a:blip>
+          <a:stretch>
+            <a:fillRect/>
+          </a:stretch>
+        </p:blipFill>
+        <p:spPr>
+          <a:xfrm>
+            <a:off x="457200" y="2004267"/>
+            <a:ext cx="7620000" cy="3992465"/>
+          </a:xfrm>
+        </p:spPr>
+      </p:pic>
+      <p:sp>
+        <p:nvSpPr>
+          <p:cNvPr id="6" name="CuadroTexto 5">
+            <a:extLst>
+              <a:ext uri="{FF2B5EF4-FFF2-40B4-BE49-F238E27FC236}">
+                <a16:creationId xmlns:a16="http://schemas.microsoft.com/office/drawing/2014/main" id="{34AB9C67-A401-4D63-A6AD-6B6DC9EB6BC6}"/>
+              </a:ext>
+            </a:extLst>
+          </p:cNvPr>
+          <p:cNvSpPr txBox="1"/>
+          <p:nvPr/>
+        </p:nvSpPr>
+        <p:spPr>
+          <a:xfrm>
+            <a:off x="3203848" y="1340768"/>
+            <a:ext cx="1656184" cy="369332"/>
+          </a:xfrm>
+          <a:prstGeom prst="rect">
+            <a:avLst/>
+          </a:prstGeom>
+          <a:noFill/>
+        </p:spPr>
+        <p:txBody>
+          <a:bodyPr wrap="square" rtlCol="0">
+            <a:spAutoFit/>
+          </a:bodyPr>
+          <a:lstStyle/>
+          <a:p>
+            <a:r>
+              <a:rPr lang="es-ES" dirty="0"/>
+              <a:t>COMPONENTE</a:t>
+            </a:r>
+          </a:p>
+        </p:txBody>
+      </p:sp>
+    </p:spTree>
+    <p:extLst>
+      <p:ext uri="{BB962C8B-B14F-4D97-AF65-F5344CB8AC3E}">
+        <p14:creationId xmlns:p14="http://schemas.microsoft.com/office/powerpoint/2010/main" val="506048357"/>
+      </p:ext>
+    </p:extLst>
+  </p:cSld>
+  <p:clrMapOvr>
+    <a:masterClrMapping/>
+  </p:clrMapOvr>
+</p:sld>
+</file>
+
+<file path=ppt/slides/slide24.xml><?xml version="1.0" encoding="utf-8"?>
+<p:sld xmlns:a="http://schemas.openxmlformats.org/drawingml/2006/main" xmlns:r="http://schemas.openxmlformats.org/officeDocument/2006/relationships" xmlns:p="http://schemas.openxmlformats.org/presentationml/2006/main">
+  <p:cSld>
+    <p:spTree>
+      <p:nvGrpSpPr>
+        <p:cNvPr id="1" name=""/>
+        <p:cNvGrpSpPr/>
+        <p:nvPr/>
+      </p:nvGrpSpPr>
+      <p:grpSpPr>
+        <a:xfrm>
+          <a:off x="0" y="0"/>
+          <a:ext cx="0" cy="0"/>
+          <a:chOff x="0" y="0"/>
+          <a:chExt cx="0" cy="0"/>
+        </a:xfrm>
+      </p:grpSpPr>
+      <p:sp>
+        <p:nvSpPr>
+          <p:cNvPr id="2" name="Título 1">
+            <a:extLst>
+              <a:ext uri="{FF2B5EF4-FFF2-40B4-BE49-F238E27FC236}">
+                <a16:creationId xmlns:a16="http://schemas.microsoft.com/office/drawing/2014/main" id="{0B6122F6-AB0A-43F9-AA85-B612F7CD9533}"/>
+              </a:ext>
+            </a:extLst>
+          </p:cNvPr>
+          <p:cNvSpPr>
+            <a:spLocks noGrp="1"/>
+          </p:cNvSpPr>
+          <p:nvPr>
+            <p:ph type="title"/>
+          </p:nvPr>
+        </p:nvSpPr>
+        <p:spPr/>
+        <p:txBody>
+          <a:bodyPr/>
+          <a:lstStyle/>
+          <a:p>
+            <a:pPr algn="ctr"/>
+            <a:r>
+              <a:rPr lang="es-ES" dirty="0"/>
+              <a:t>Capturas de código de Angular</a:t>
+            </a:r>
+          </a:p>
+        </p:txBody>
+      </p:sp>
+      <p:pic>
+        <p:nvPicPr>
+          <p:cNvPr id="5" name="Marcador de contenido 4" descr="Imagen que contiene captura de pantalla&#10;&#10;Descripción generada automáticamente">
+            <a:extLst>
+              <a:ext uri="{FF2B5EF4-FFF2-40B4-BE49-F238E27FC236}">
+                <a16:creationId xmlns:a16="http://schemas.microsoft.com/office/drawing/2014/main" id="{DD84A572-52E7-4D2E-8441-F61157545533}"/>
+              </a:ext>
+            </a:extLst>
+          </p:cNvPr>
+          <p:cNvPicPr>
+            <a:picLocks noGrp="1" noChangeAspect="1"/>
+          </p:cNvPicPr>
+          <p:nvPr>
+            <p:ph idx="1"/>
+          </p:nvPr>
+        </p:nvPicPr>
+        <p:blipFill>
+          <a:blip r:embed="rId2">
+            <a:extLst>
+              <a:ext uri="{28A0092B-C50C-407E-A947-70E740481C1C}">
+                <a14:useLocalDpi xmlns:a14="http://schemas.microsoft.com/office/drawing/2010/main" val="0"/>
+              </a:ext>
+            </a:extLst>
+          </a:blip>
+          <a:stretch>
+            <a:fillRect/>
+          </a:stretch>
+        </p:blipFill>
+        <p:spPr>
+          <a:xfrm>
+            <a:off x="552525" y="1730796"/>
+            <a:ext cx="7429350" cy="4800600"/>
+          </a:xfrm>
+        </p:spPr>
+      </p:pic>
+      <p:sp>
+        <p:nvSpPr>
+          <p:cNvPr id="6" name="CuadroTexto 5">
+            <a:extLst>
+              <a:ext uri="{FF2B5EF4-FFF2-40B4-BE49-F238E27FC236}">
+                <a16:creationId xmlns:a16="http://schemas.microsoft.com/office/drawing/2014/main" id="{BA893251-8972-4F88-917B-44F54B8D13E5}"/>
+              </a:ext>
+            </a:extLst>
+          </p:cNvPr>
+          <p:cNvSpPr txBox="1"/>
+          <p:nvPr/>
+        </p:nvSpPr>
+        <p:spPr>
+          <a:xfrm>
+            <a:off x="3203848" y="1340768"/>
+            <a:ext cx="1656184" cy="369332"/>
+          </a:xfrm>
+          <a:prstGeom prst="rect">
+            <a:avLst/>
+          </a:prstGeom>
+          <a:noFill/>
+        </p:spPr>
+        <p:txBody>
+          <a:bodyPr wrap="square" rtlCol="0">
+            <a:spAutoFit/>
+          </a:bodyPr>
+          <a:lstStyle/>
+          <a:p>
+            <a:r>
+              <a:rPr lang="es-ES" dirty="0"/>
+              <a:t>COMPONENTE</a:t>
+            </a:r>
+          </a:p>
+        </p:txBody>
+      </p:sp>
+    </p:spTree>
+    <p:extLst>
+      <p:ext uri="{BB962C8B-B14F-4D97-AF65-F5344CB8AC3E}">
+        <p14:creationId xmlns:p14="http://schemas.microsoft.com/office/powerpoint/2010/main" val="1680906194"/>
+      </p:ext>
+    </p:extLst>
+  </p:cSld>
+  <p:clrMapOvr>
+    <a:masterClrMapping/>
+  </p:clrMapOvr>
+</p:sld>
+</file>
+
+<file path=ppt/slides/slide25.xml><?xml version="1.0" encoding="utf-8"?>
+<p:sld xmlns:a="http://schemas.openxmlformats.org/drawingml/2006/main" xmlns:r="http://schemas.openxmlformats.org/officeDocument/2006/relationships" xmlns:p="http://schemas.openxmlformats.org/presentationml/2006/main">
+  <p:cSld>
+    <p:spTree>
+      <p:nvGrpSpPr>
+        <p:cNvPr id="1" name=""/>
+        <p:cNvGrpSpPr/>
+        <p:nvPr/>
+      </p:nvGrpSpPr>
+      <p:grpSpPr>
+        <a:xfrm>
+          <a:off x="0" y="0"/>
+          <a:ext cx="0" cy="0"/>
+          <a:chOff x="0" y="0"/>
+          <a:chExt cx="0" cy="0"/>
+        </a:xfrm>
+      </p:grpSpPr>
+      <p:sp>
+        <p:nvSpPr>
+          <p:cNvPr id="2" name="Título 1">
+            <a:extLst>
+              <a:ext uri="{FF2B5EF4-FFF2-40B4-BE49-F238E27FC236}">
+                <a16:creationId xmlns:a16="http://schemas.microsoft.com/office/drawing/2014/main" id="{FE444CE1-AE51-4921-9E28-A1B39E9E99E0}"/>
+              </a:ext>
+            </a:extLst>
+          </p:cNvPr>
+          <p:cNvSpPr>
+            <a:spLocks noGrp="1"/>
+          </p:cNvSpPr>
+          <p:nvPr>
+            <p:ph type="title"/>
+          </p:nvPr>
+        </p:nvSpPr>
+        <p:spPr/>
+        <p:txBody>
+          <a:bodyPr/>
+          <a:lstStyle/>
+          <a:p>
+            <a:pPr algn="ctr"/>
+            <a:r>
+              <a:rPr lang="es-ES" dirty="0"/>
+              <a:t>Capturas de código de Angular</a:t>
+            </a:r>
+          </a:p>
+        </p:txBody>
+      </p:sp>
+      <p:pic>
+        <p:nvPicPr>
+          <p:cNvPr id="5" name="Marcador de contenido 4" descr="Imagen que contiene captura de pantalla&#10;&#10;Descripción generada automáticamente">
+            <a:extLst>
+              <a:ext uri="{FF2B5EF4-FFF2-40B4-BE49-F238E27FC236}">
+                <a16:creationId xmlns:a16="http://schemas.microsoft.com/office/drawing/2014/main" id="{64DF1DC0-F909-4960-ABFB-BFFC18DAA0E6}"/>
+              </a:ext>
+            </a:extLst>
+          </p:cNvPr>
+          <p:cNvPicPr>
+            <a:picLocks noGrp="1" noChangeAspect="1"/>
+          </p:cNvPicPr>
+          <p:nvPr>
+            <p:ph idx="1"/>
+          </p:nvPr>
+        </p:nvPicPr>
+        <p:blipFill>
+          <a:blip r:embed="rId2">
+            <a:extLst>
+              <a:ext uri="{28A0092B-C50C-407E-A947-70E740481C1C}">
+                <a14:useLocalDpi xmlns:a14="http://schemas.microsoft.com/office/drawing/2010/main" val="0"/>
+              </a:ext>
+            </a:extLst>
+          </a:blip>
+          <a:stretch>
+            <a:fillRect/>
+          </a:stretch>
+        </p:blipFill>
+        <p:spPr>
+          <a:xfrm>
+            <a:off x="964915" y="1805835"/>
+            <a:ext cx="6604570" cy="4800600"/>
+          </a:xfrm>
+        </p:spPr>
+      </p:pic>
+      <p:sp>
+        <p:nvSpPr>
+          <p:cNvPr id="6" name="CuadroTexto 5">
+            <a:extLst>
+              <a:ext uri="{FF2B5EF4-FFF2-40B4-BE49-F238E27FC236}">
+                <a16:creationId xmlns:a16="http://schemas.microsoft.com/office/drawing/2014/main" id="{4DBC800A-8DF7-4E26-B1EF-EA71456BBAD0}"/>
+              </a:ext>
+            </a:extLst>
+          </p:cNvPr>
+          <p:cNvSpPr txBox="1"/>
+          <p:nvPr/>
+        </p:nvSpPr>
+        <p:spPr>
+          <a:xfrm>
+            <a:off x="3203848" y="1340768"/>
+            <a:ext cx="1656184" cy="369332"/>
+          </a:xfrm>
+          <a:prstGeom prst="rect">
+            <a:avLst/>
+          </a:prstGeom>
+          <a:noFill/>
+        </p:spPr>
+        <p:txBody>
+          <a:bodyPr wrap="square" rtlCol="0">
+            <a:spAutoFit/>
+          </a:bodyPr>
+          <a:lstStyle/>
+          <a:p>
+            <a:r>
+              <a:rPr lang="es-ES" dirty="0"/>
+              <a:t>COMPONENTE</a:t>
+            </a:r>
+          </a:p>
+        </p:txBody>
+      </p:sp>
+    </p:spTree>
+    <p:extLst>
+      <p:ext uri="{BB962C8B-B14F-4D97-AF65-F5344CB8AC3E}">
+        <p14:creationId xmlns:p14="http://schemas.microsoft.com/office/powerpoint/2010/main" val="2697820883"/>
+      </p:ext>
+    </p:extLst>
+  </p:cSld>
+  <p:clrMapOvr>
+    <a:masterClrMapping/>
+  </p:clrMapOvr>
+</p:sld>
+</file>
+
+<file path=ppt/slides/slide26.xml><?xml version="1.0" encoding="utf-8"?>
+<p:sld xmlns:a="http://schemas.openxmlformats.org/drawingml/2006/main" xmlns:r="http://schemas.openxmlformats.org/officeDocument/2006/relationships" xmlns:p="http://schemas.openxmlformats.org/presentationml/2006/main">
+  <p:cSld>
+    <p:spTree>
+      <p:nvGrpSpPr>
+        <p:cNvPr id="1" name=""/>
+        <p:cNvGrpSpPr/>
+        <p:nvPr/>
+      </p:nvGrpSpPr>
+      <p:grpSpPr>
+        <a:xfrm>
+          <a:off x="0" y="0"/>
+          <a:ext cx="0" cy="0"/>
+          <a:chOff x="0" y="0"/>
+          <a:chExt cx="0" cy="0"/>
+        </a:xfrm>
+      </p:grpSpPr>
+      <p:sp>
+        <p:nvSpPr>
+          <p:cNvPr id="2" name="Título 1">
+            <a:extLst>
+              <a:ext uri="{FF2B5EF4-FFF2-40B4-BE49-F238E27FC236}">
+                <a16:creationId xmlns:a16="http://schemas.microsoft.com/office/drawing/2014/main" id="{A12BCEA9-F52C-4E85-AC99-D504D596EB55}"/>
+              </a:ext>
+            </a:extLst>
+          </p:cNvPr>
+          <p:cNvSpPr>
+            <a:spLocks noGrp="1"/>
+          </p:cNvSpPr>
+          <p:nvPr>
+            <p:ph type="title"/>
+          </p:nvPr>
+        </p:nvSpPr>
+        <p:spPr/>
+        <p:txBody>
+          <a:bodyPr/>
+          <a:lstStyle/>
+          <a:p>
+            <a:pPr algn="ctr"/>
+            <a:r>
+              <a:rPr lang="es-ES" dirty="0"/>
+              <a:t>Capturas de código de Angular</a:t>
+            </a:r>
+          </a:p>
+        </p:txBody>
+      </p:sp>
+      <p:pic>
+        <p:nvPicPr>
+          <p:cNvPr id="5" name="Marcador de contenido 4" descr="Imagen que contiene captura de pantalla&#10;&#10;Descripción generada automáticamente">
+            <a:extLst>
+              <a:ext uri="{FF2B5EF4-FFF2-40B4-BE49-F238E27FC236}">
+                <a16:creationId xmlns:a16="http://schemas.microsoft.com/office/drawing/2014/main" id="{DA68AD86-74B2-4130-A8CF-FE0EFB0B77E7}"/>
+              </a:ext>
+            </a:extLst>
+          </p:cNvPr>
+          <p:cNvPicPr>
+            <a:picLocks noGrp="1" noChangeAspect="1"/>
+          </p:cNvPicPr>
+          <p:nvPr>
+            <p:ph idx="1"/>
+          </p:nvPr>
+        </p:nvPicPr>
+        <p:blipFill>
+          <a:blip r:embed="rId2">
+            <a:extLst>
+              <a:ext uri="{28A0092B-C50C-407E-A947-70E740481C1C}">
+                <a14:useLocalDpi xmlns:a14="http://schemas.microsoft.com/office/drawing/2010/main" val="0"/>
+              </a:ext>
+            </a:extLst>
+          </a:blip>
+          <a:stretch>
+            <a:fillRect/>
+          </a:stretch>
+        </p:blipFill>
+        <p:spPr>
+          <a:xfrm>
+            <a:off x="676307" y="1916832"/>
+            <a:ext cx="7181785" cy="4800600"/>
+          </a:xfrm>
+        </p:spPr>
+      </p:pic>
+      <p:sp>
+        <p:nvSpPr>
+          <p:cNvPr id="6" name="CuadroTexto 5">
+            <a:extLst>
+              <a:ext uri="{FF2B5EF4-FFF2-40B4-BE49-F238E27FC236}">
+                <a16:creationId xmlns:a16="http://schemas.microsoft.com/office/drawing/2014/main" id="{8D86BA02-0437-487A-8C71-7943D7440EBC}"/>
+              </a:ext>
+            </a:extLst>
+          </p:cNvPr>
+          <p:cNvSpPr txBox="1"/>
+          <p:nvPr/>
+        </p:nvSpPr>
+        <p:spPr>
+          <a:xfrm>
+            <a:off x="2843808" y="1232972"/>
+            <a:ext cx="2448272" cy="369332"/>
+          </a:xfrm>
+          <a:prstGeom prst="rect">
+            <a:avLst/>
+          </a:prstGeom>
+          <a:noFill/>
+        </p:spPr>
+        <p:txBody>
+          <a:bodyPr wrap="square" rtlCol="0">
+            <a:spAutoFit/>
+          </a:bodyPr>
+          <a:lstStyle/>
+          <a:p>
+            <a:pPr algn="ctr"/>
+            <a:r>
+              <a:rPr lang="es-ES" dirty="0"/>
+              <a:t>HTML</a:t>
+            </a:r>
+          </a:p>
+        </p:txBody>
+      </p:sp>
+    </p:spTree>
+    <p:extLst>
+      <p:ext uri="{BB962C8B-B14F-4D97-AF65-F5344CB8AC3E}">
+        <p14:creationId xmlns:p14="http://schemas.microsoft.com/office/powerpoint/2010/main" val="3138866633"/>
+      </p:ext>
+    </p:extLst>
+  </p:cSld>
+  <p:clrMapOvr>
+    <a:masterClrMapping/>
+  </p:clrMapOvr>
+</p:sld>
+</file>
+
+<file path=ppt/slides/slide27.xml><?xml version="1.0" encoding="utf-8"?>
+<p:sld xmlns:a="http://schemas.openxmlformats.org/drawingml/2006/main" xmlns:r="http://schemas.openxmlformats.org/officeDocument/2006/relationships" xmlns:p="http://schemas.openxmlformats.org/presentationml/2006/main">
+  <p:cSld>
+    <p:spTree>
+      <p:nvGrpSpPr>
+        <p:cNvPr id="1" name=""/>
+        <p:cNvGrpSpPr/>
+        <p:nvPr/>
+      </p:nvGrpSpPr>
+      <p:grpSpPr>
+        <a:xfrm>
+          <a:off x="0" y="0"/>
+          <a:ext cx="0" cy="0"/>
+          <a:chOff x="0" y="0"/>
+          <a:chExt cx="0" cy="0"/>
+        </a:xfrm>
+      </p:grpSpPr>
+      <p:sp>
+        <p:nvSpPr>
+          <p:cNvPr id="2" name="Título 1">
+            <a:extLst>
+              <a:ext uri="{FF2B5EF4-FFF2-40B4-BE49-F238E27FC236}">
+                <a16:creationId xmlns:a16="http://schemas.microsoft.com/office/drawing/2014/main" id="{5CF0BD65-8DEB-41E5-9A49-3FBC50FF4A40}"/>
+              </a:ext>
+            </a:extLst>
+          </p:cNvPr>
+          <p:cNvSpPr>
+            <a:spLocks noGrp="1"/>
+          </p:cNvSpPr>
+          <p:nvPr>
+            <p:ph type="title"/>
+          </p:nvPr>
+        </p:nvSpPr>
+        <p:spPr/>
+        <p:txBody>
+          <a:bodyPr/>
+          <a:lstStyle/>
+          <a:p>
+            <a:r>
+              <a:rPr lang="es-ES" dirty="0"/>
+              <a:t>Capturas de código de Angular</a:t>
+            </a:r>
+          </a:p>
+        </p:txBody>
+      </p:sp>
+      <p:pic>
+        <p:nvPicPr>
+          <p:cNvPr id="5" name="Marcador de contenido 4" descr="Imagen que contiene captura de pantalla&#10;&#10;Descripción generada automáticamente">
+            <a:extLst>
+              <a:ext uri="{FF2B5EF4-FFF2-40B4-BE49-F238E27FC236}">
+                <a16:creationId xmlns:a16="http://schemas.microsoft.com/office/drawing/2014/main" id="{FDA22E4D-1E9E-444E-8378-8A17C4311DBE}"/>
+              </a:ext>
+            </a:extLst>
+          </p:cNvPr>
+          <p:cNvPicPr>
+            <a:picLocks noGrp="1" noChangeAspect="1"/>
+          </p:cNvPicPr>
+          <p:nvPr>
+            <p:ph idx="1"/>
+          </p:nvPr>
+        </p:nvPicPr>
+        <p:blipFill>
+          <a:blip r:embed="rId2">
+            <a:extLst>
+              <a:ext uri="{28A0092B-C50C-407E-A947-70E740481C1C}">
+                <a14:useLocalDpi xmlns:a14="http://schemas.microsoft.com/office/drawing/2010/main" val="0"/>
+              </a:ext>
+            </a:extLst>
+          </a:blip>
+          <a:stretch>
+            <a:fillRect/>
+          </a:stretch>
+        </p:blipFill>
+        <p:spPr>
+          <a:xfrm>
+            <a:off x="457200" y="2594741"/>
+            <a:ext cx="7620000" cy="2811517"/>
+          </a:xfrm>
+        </p:spPr>
+      </p:pic>
+      <p:sp>
+        <p:nvSpPr>
+          <p:cNvPr id="7" name="CuadroTexto 6">
+            <a:extLst>
+              <a:ext uri="{FF2B5EF4-FFF2-40B4-BE49-F238E27FC236}">
+                <a16:creationId xmlns:a16="http://schemas.microsoft.com/office/drawing/2014/main" id="{996BC785-847E-4C0D-B533-7CDDF4654676}"/>
+              </a:ext>
+            </a:extLst>
+          </p:cNvPr>
+          <p:cNvSpPr txBox="1"/>
+          <p:nvPr/>
+        </p:nvSpPr>
+        <p:spPr>
+          <a:xfrm>
+            <a:off x="2843808" y="1232972"/>
+            <a:ext cx="2448272" cy="369332"/>
+          </a:xfrm>
+          <a:prstGeom prst="rect">
+            <a:avLst/>
+          </a:prstGeom>
+          <a:noFill/>
+        </p:spPr>
+        <p:txBody>
+          <a:bodyPr wrap="square" rtlCol="0">
+            <a:spAutoFit/>
+          </a:bodyPr>
+          <a:lstStyle/>
+          <a:p>
+            <a:pPr algn="ctr"/>
+            <a:r>
+              <a:rPr lang="es-ES" dirty="0"/>
+              <a:t>HTML</a:t>
+            </a:r>
+          </a:p>
+        </p:txBody>
+      </p:sp>
+    </p:spTree>
+    <p:extLst>
+      <p:ext uri="{BB962C8B-B14F-4D97-AF65-F5344CB8AC3E}">
+        <p14:creationId xmlns:p14="http://schemas.microsoft.com/office/powerpoint/2010/main" val="3396887133"/>
+      </p:ext>
+    </p:extLst>
+  </p:cSld>
+  <p:clrMapOvr>
+    <a:masterClrMapping/>
+  </p:clrMapOvr>
+</p:sld>
+</file>
+
+<file path=ppt/slides/slide28.xml><?xml version="1.0" encoding="utf-8"?>
+<p:sld xmlns:a="http://schemas.openxmlformats.org/drawingml/2006/main" xmlns:r="http://schemas.openxmlformats.org/officeDocument/2006/relationships" xmlns:p="http://schemas.openxmlformats.org/presentationml/2006/main">
+  <p:cSld>
+    <p:spTree>
+      <p:nvGrpSpPr>
+        <p:cNvPr id="1" name=""/>
+        <p:cNvGrpSpPr/>
+        <p:nvPr/>
+      </p:nvGrpSpPr>
+      <p:grpSpPr>
+        <a:xfrm>
+          <a:off x="0" y="0"/>
+          <a:ext cx="0" cy="0"/>
+          <a:chOff x="0" y="0"/>
+          <a:chExt cx="0" cy="0"/>
+        </a:xfrm>
+      </p:grpSpPr>
+      <p:sp>
+        <p:nvSpPr>
+          <p:cNvPr id="2" name="Título 1">
+            <a:extLst>
+              <a:ext uri="{FF2B5EF4-FFF2-40B4-BE49-F238E27FC236}">
+                <a16:creationId xmlns:a16="http://schemas.microsoft.com/office/drawing/2014/main" id="{E8068D12-C69B-44CA-8FC5-6077316F2A76}"/>
+              </a:ext>
+            </a:extLst>
+          </p:cNvPr>
+          <p:cNvSpPr>
+            <a:spLocks noGrp="1"/>
+          </p:cNvSpPr>
+          <p:nvPr>
+            <p:ph type="title"/>
+          </p:nvPr>
+        </p:nvSpPr>
+        <p:spPr/>
+        <p:txBody>
+          <a:bodyPr/>
+          <a:lstStyle/>
+          <a:p>
+            <a:pPr algn="ctr"/>
+            <a:r>
+              <a:rPr lang="es-ES" dirty="0"/>
+              <a:t>Capturas de código de Angular</a:t>
+            </a:r>
+          </a:p>
+        </p:txBody>
+      </p:sp>
+      <p:pic>
+        <p:nvPicPr>
+          <p:cNvPr id="5" name="Marcador de contenido 4" descr="Imagen que contiene captura de pantalla&#10;&#10;Descripción generada automáticamente">
+            <a:extLst>
+              <a:ext uri="{FF2B5EF4-FFF2-40B4-BE49-F238E27FC236}">
+                <a16:creationId xmlns:a16="http://schemas.microsoft.com/office/drawing/2014/main" id="{FA41B61D-90E6-4F0C-906C-8BD7B93FFC9D}"/>
+              </a:ext>
+            </a:extLst>
+          </p:cNvPr>
+          <p:cNvPicPr>
+            <a:picLocks noGrp="1" noChangeAspect="1"/>
+          </p:cNvPicPr>
+          <p:nvPr>
+            <p:ph idx="1"/>
+          </p:nvPr>
+        </p:nvPicPr>
+        <p:blipFill>
+          <a:blip r:embed="rId2">
+            <a:extLst>
+              <a:ext uri="{28A0092B-C50C-407E-A947-70E740481C1C}">
+                <a14:useLocalDpi xmlns:a14="http://schemas.microsoft.com/office/drawing/2010/main" val="0"/>
+              </a:ext>
+            </a:extLst>
+          </a:blip>
+          <a:stretch>
+            <a:fillRect/>
+          </a:stretch>
+        </p:blipFill>
+        <p:spPr>
+          <a:xfrm>
+            <a:off x="1194379" y="1600200"/>
+            <a:ext cx="6145642" cy="4800600"/>
+          </a:xfrm>
+        </p:spPr>
+      </p:pic>
+      <p:sp>
+        <p:nvSpPr>
+          <p:cNvPr id="6" name="CuadroTexto 5">
+            <a:extLst>
+              <a:ext uri="{FF2B5EF4-FFF2-40B4-BE49-F238E27FC236}">
+                <a16:creationId xmlns:a16="http://schemas.microsoft.com/office/drawing/2014/main" id="{E6B8A1E3-BD38-4840-8002-4AB88A7A1304}"/>
+              </a:ext>
+            </a:extLst>
+          </p:cNvPr>
+          <p:cNvSpPr txBox="1"/>
+          <p:nvPr/>
+        </p:nvSpPr>
+        <p:spPr>
+          <a:xfrm>
+            <a:off x="2863043" y="1324253"/>
+            <a:ext cx="2808312" cy="369332"/>
+          </a:xfrm>
+          <a:prstGeom prst="rect">
+            <a:avLst/>
+          </a:prstGeom>
+          <a:noFill/>
+        </p:spPr>
+        <p:txBody>
+          <a:bodyPr wrap="square" rtlCol="0">
+            <a:spAutoFit/>
+          </a:bodyPr>
+          <a:lstStyle/>
+          <a:p>
+            <a:r>
+              <a:rPr lang="es-ES" dirty="0"/>
+              <a:t>MODAL CON BOOTSTRAP</a:t>
+            </a:r>
+          </a:p>
+        </p:txBody>
+      </p:sp>
+    </p:spTree>
+    <p:extLst>
+      <p:ext uri="{BB962C8B-B14F-4D97-AF65-F5344CB8AC3E}">
+        <p14:creationId xmlns:p14="http://schemas.microsoft.com/office/powerpoint/2010/main" val="1636338388"/>
+      </p:ext>
+    </p:extLst>
+  </p:cSld>
+  <p:clrMapOvr>
+    <a:masterClrMapping/>
+  </p:clrMapOvr>
+</p:sld>
+</file>
+
+<file path=ppt/slides/slide29.xml><?xml version="1.0" encoding="utf-8"?>
+<p:sld xmlns:a="http://schemas.openxmlformats.org/drawingml/2006/main" xmlns:r="http://schemas.openxmlformats.org/officeDocument/2006/relationships" xmlns:p="http://schemas.openxmlformats.org/presentationml/2006/main">
+  <p:cSld>
+    <p:spTree>
+      <p:nvGrpSpPr>
+        <p:cNvPr id="1" name=""/>
+        <p:cNvGrpSpPr/>
+        <p:nvPr/>
+      </p:nvGrpSpPr>
+      <p:grpSpPr>
+        <a:xfrm>
+          <a:off x="0" y="0"/>
+          <a:ext cx="0" cy="0"/>
+          <a:chOff x="0" y="0"/>
+          <a:chExt cx="0" cy="0"/>
+        </a:xfrm>
+      </p:grpSpPr>
+      <p:sp>
+        <p:nvSpPr>
+          <p:cNvPr id="2" name="Título 1">
+            <a:extLst>
+              <a:ext uri="{FF2B5EF4-FFF2-40B4-BE49-F238E27FC236}">
+                <a16:creationId xmlns:a16="http://schemas.microsoft.com/office/drawing/2014/main" id="{4B323604-A2C2-4302-9A7E-A22ED86196C1}"/>
+              </a:ext>
+            </a:extLst>
+          </p:cNvPr>
+          <p:cNvSpPr>
+            <a:spLocks noGrp="1"/>
+          </p:cNvSpPr>
+          <p:nvPr>
+            <p:ph type="title"/>
+          </p:nvPr>
+        </p:nvSpPr>
+        <p:spPr/>
+        <p:txBody>
+          <a:bodyPr/>
+          <a:lstStyle/>
+          <a:p>
+            <a:pPr algn="ctr"/>
+            <a:r>
+              <a:rPr lang="es-ES" dirty="0"/>
+              <a:t>Capturas de código de Angular</a:t>
+            </a:r>
+          </a:p>
+        </p:txBody>
+      </p:sp>
+      <p:pic>
+        <p:nvPicPr>
+          <p:cNvPr id="5" name="Marcador de contenido 4" descr="Imagen que contiene captura de pantalla&#10;&#10;Descripción generada automáticamente">
+            <a:extLst>
+              <a:ext uri="{FF2B5EF4-FFF2-40B4-BE49-F238E27FC236}">
+                <a16:creationId xmlns:a16="http://schemas.microsoft.com/office/drawing/2014/main" id="{C385B1C9-AC2E-4110-B8C2-108CEDAEA6A4}"/>
+              </a:ext>
+            </a:extLst>
+          </p:cNvPr>
+          <p:cNvPicPr>
+            <a:picLocks noGrp="1" noChangeAspect="1"/>
+          </p:cNvPicPr>
+          <p:nvPr>
+            <p:ph idx="1"/>
+          </p:nvPr>
+        </p:nvPicPr>
+        <p:blipFill>
+          <a:blip r:embed="rId2">
+            <a:extLst>
+              <a:ext uri="{28A0092B-C50C-407E-A947-70E740481C1C}">
+                <a14:useLocalDpi xmlns:a14="http://schemas.microsoft.com/office/drawing/2010/main" val="0"/>
+              </a:ext>
+            </a:extLst>
+          </a:blip>
+          <a:stretch>
+            <a:fillRect/>
+          </a:stretch>
+        </p:blipFill>
+        <p:spPr>
+          <a:xfrm>
+            <a:off x="842291" y="1916832"/>
+            <a:ext cx="6849816" cy="4555976"/>
+          </a:xfrm>
+        </p:spPr>
+      </p:pic>
+      <p:sp>
+        <p:nvSpPr>
+          <p:cNvPr id="6" name="CuadroTexto 5">
+            <a:extLst>
+              <a:ext uri="{FF2B5EF4-FFF2-40B4-BE49-F238E27FC236}">
+                <a16:creationId xmlns:a16="http://schemas.microsoft.com/office/drawing/2014/main" id="{0245597C-675E-4FEE-98AE-EA7FAFE13C1A}"/>
+              </a:ext>
+            </a:extLst>
+          </p:cNvPr>
+          <p:cNvSpPr txBox="1"/>
+          <p:nvPr/>
+        </p:nvSpPr>
+        <p:spPr>
+          <a:xfrm>
+            <a:off x="2863043" y="1324253"/>
+            <a:ext cx="2808312" cy="369332"/>
+          </a:xfrm>
+          <a:prstGeom prst="rect">
+            <a:avLst/>
+          </a:prstGeom>
+          <a:noFill/>
+        </p:spPr>
+        <p:txBody>
+          <a:bodyPr wrap="square" rtlCol="0">
+            <a:spAutoFit/>
+          </a:bodyPr>
+          <a:lstStyle/>
+          <a:p>
+            <a:r>
+              <a:rPr lang="es-ES" dirty="0"/>
+              <a:t>MODAL CON BOOTSTRAP</a:t>
+            </a:r>
+          </a:p>
+        </p:txBody>
+      </p:sp>
+    </p:spTree>
+    <p:extLst>
+      <p:ext uri="{BB962C8B-B14F-4D97-AF65-F5344CB8AC3E}">
+        <p14:creationId xmlns:p14="http://schemas.microsoft.com/office/powerpoint/2010/main" val="2539417085"/>
+      </p:ext>
+    </p:extLst>
+  </p:cSld>
+  <p:clrMapOvr>
+    <a:masterClrMapping/>
+  </p:clrMapOvr>
+</p:sld>
+</file>
+
+<file path=ppt/slides/slide3.xml><?xml version="1.0" encoding="utf-8"?>
+<p:sld xmlns:a="http://schemas.openxmlformats.org/drawingml/2006/main" xmlns:r="http://schemas.openxmlformats.org/officeDocument/2006/relationships" xmlns:p="http://schemas.openxmlformats.org/presentationml/2006/main">
+  <p:cSld>
+    <p:spTree>
+      <p:nvGrpSpPr>
+        <p:cNvPr id="1" name=""/>
+        <p:cNvGrpSpPr/>
+        <p:nvPr/>
+      </p:nvGrpSpPr>
+      <p:grpSpPr>
+        <a:xfrm>
+          <a:off x="0" y="0"/>
+          <a:ext cx="0" cy="0"/>
+          <a:chOff x="0" y="0"/>
+          <a:chExt cx="0" cy="0"/>
+        </a:xfrm>
+      </p:grpSpPr>
+      <p:sp>
+        <p:nvSpPr>
+          <p:cNvPr id="3" name="2 Marcador de contenido"/>
+          <p:cNvSpPr>
+            <a:spLocks noGrp="1"/>
+          </p:cNvSpPr>
+          <p:nvPr>
+            <p:ph idx="1"/>
+          </p:nvPr>
+        </p:nvSpPr>
+        <p:spPr>
+          <a:xfrm>
+            <a:off x="467544" y="1340768"/>
+            <a:ext cx="7643192" cy="604664"/>
+          </a:xfrm>
+        </p:spPr>
+        <p:txBody>
+          <a:bodyPr/>
+          <a:lstStyle/>
+          <a:p>
+            <a:pPr marL="114300" indent="0" algn="ctr">
+              <a:buNone/>
+            </a:pPr>
+            <a:r>
+              <a:rPr lang="es-ES" sz="2800" dirty="0"/>
+              <a:t>Tiempo </a:t>
+            </a:r>
+            <a:endParaRPr lang="es-ES" dirty="0"/>
+          </a:p>
+        </p:txBody>
+      </p:sp>
+      <p:sp>
+        <p:nvSpPr>
+          <p:cNvPr id="4" name="1 Título"/>
+          <p:cNvSpPr>
+            <a:spLocks noGrp="1"/>
+          </p:cNvSpPr>
+          <p:nvPr>
+            <p:ph type="title"/>
+          </p:nvPr>
+        </p:nvSpPr>
+        <p:spPr/>
+        <p:txBody>
+          <a:bodyPr/>
+          <a:lstStyle/>
+          <a:p>
+            <a:pPr algn="ctr"/>
+            <a:r>
+              <a:rPr lang="es-ES" dirty="0"/>
+              <a:t>Diagramas</a:t>
+            </a:r>
+          </a:p>
+        </p:txBody>
+      </p:sp>
+      <p:graphicFrame>
+        <p:nvGraphicFramePr>
+          <p:cNvPr id="6" name="5 Diagrama"/>
+          <p:cNvGraphicFramePr/>
+          <p:nvPr>
+            <p:extLst>
+              <p:ext uri="{D42A27DB-BD31-4B8C-83A1-F6EECF244321}">
+                <p14:modId xmlns:p14="http://schemas.microsoft.com/office/powerpoint/2010/main" val="3968621497"/>
+              </p:ext>
+            </p:extLst>
+          </p:nvPr>
+        </p:nvGraphicFramePr>
+        <p:xfrm>
+          <a:off x="1115616" y="2060848"/>
+          <a:ext cx="6528048" cy="4064000"/>
+        </p:xfrm>
+        <a:graphic>
+          <a:graphicData uri="http://schemas.openxmlformats.org/drawingml/2006/diagram">
+            <dgm:relIds xmlns:dgm="http://schemas.openxmlformats.org/drawingml/2006/diagram" xmlns:r="http://schemas.openxmlformats.org/officeDocument/2006/relationships" r:dm="rId2" r:lo="rId3" r:qs="rId4" r:cs="rId5"/>
+          </a:graphicData>
+        </a:graphic>
+      </p:graphicFrame>
+    </p:spTree>
+    <p:extLst>
+      <p:ext uri="{BB962C8B-B14F-4D97-AF65-F5344CB8AC3E}">
+        <p14:creationId xmlns:p14="http://schemas.microsoft.com/office/powerpoint/2010/main" val="3717516295"/>
+      </p:ext>
+    </p:extLst>
+  </p:cSld>
+  <p:clrMapOvr>
+    <a:masterClrMapping/>
+  </p:clrMapOvr>
+</p:sld>
+</file>
+
+<file path=ppt/slides/slide30.xml><?xml version="1.0" encoding="utf-8"?>
 <p:sld xmlns:a="http://schemas.openxmlformats.org/drawingml/2006/main" xmlns:r="http://schemas.openxmlformats.org/officeDocument/2006/relationships" xmlns:p="http://schemas.openxmlformats.org/presentationml/2006/main">
   <p:cSld>
     <p:spTree>
@@ -11571,10 +15199,91 @@
           <a:p>
             <a:pPr algn="ctr"/>
             <a:r>
-              <a:rPr lang="es-ES" dirty="0" smtClean="0"/>
+              <a:rPr lang="es-ES" dirty="0"/>
+              <a:t>Demo</a:t>
+            </a:r>
+          </a:p>
+        </p:txBody>
+      </p:sp>
+      <p:pic>
+        <p:nvPicPr>
+          <p:cNvPr id="4" name="3 Marcador de contenido"/>
+          <p:cNvPicPr>
+            <a:picLocks noGrp="1" noChangeAspect="1"/>
+          </p:cNvPicPr>
+          <p:nvPr>
+            <p:ph idx="1"/>
+          </p:nvPr>
+        </p:nvPicPr>
+        <p:blipFill>
+          <a:blip r:embed="rId2">
+            <a:extLst>
+              <a:ext uri="{28A0092B-C50C-407E-A947-70E740481C1C}">
+                <a14:useLocalDpi xmlns:a14="http://schemas.microsoft.com/office/drawing/2010/main" val="0"/>
+              </a:ext>
+            </a:extLst>
+          </a:blip>
+          <a:stretch>
+            <a:fillRect/>
+          </a:stretch>
+        </p:blipFill>
+        <p:spPr>
+          <a:xfrm>
+            <a:off x="1187624" y="1628800"/>
+            <a:ext cx="6203178" cy="4967486"/>
+          </a:xfrm>
+        </p:spPr>
+      </p:pic>
+    </p:spTree>
+    <p:extLst>
+      <p:ext uri="{BB962C8B-B14F-4D97-AF65-F5344CB8AC3E}">
+        <p14:creationId xmlns:p14="http://schemas.microsoft.com/office/powerpoint/2010/main" val="1450798023"/>
+      </p:ext>
+    </p:extLst>
+  </p:cSld>
+  <p:clrMapOvr>
+    <a:masterClrMapping/>
+  </p:clrMapOvr>
+</p:sld>
+</file>
+
+<file path=ppt/slides/slide31.xml><?xml version="1.0" encoding="utf-8"?>
+<p:sld xmlns:a="http://schemas.openxmlformats.org/drawingml/2006/main" xmlns:r="http://schemas.openxmlformats.org/officeDocument/2006/relationships" xmlns:p="http://schemas.openxmlformats.org/presentationml/2006/main">
+  <p:cSld>
+    <p:spTree>
+      <p:nvGrpSpPr>
+        <p:cNvPr id="1" name=""/>
+        <p:cNvGrpSpPr/>
+        <p:nvPr/>
+      </p:nvGrpSpPr>
+      <p:grpSpPr>
+        <a:xfrm>
+          <a:off x="0" y="0"/>
+          <a:ext cx="0" cy="0"/>
+          <a:chOff x="0" y="0"/>
+          <a:chExt cx="0" cy="0"/>
+        </a:xfrm>
+      </p:grpSpPr>
+      <p:sp>
+        <p:nvSpPr>
+          <p:cNvPr id="2" name="1 Título"/>
+          <p:cNvSpPr>
+            <a:spLocks noGrp="1"/>
+          </p:cNvSpPr>
+          <p:nvPr>
+            <p:ph type="title"/>
+          </p:nvPr>
+        </p:nvSpPr>
+        <p:spPr/>
+        <p:txBody>
+          <a:bodyPr/>
+          <a:lstStyle/>
+          <a:p>
+            <a:pPr algn="ctr"/>
+            <a:r>
+              <a:rPr lang="es-ES" dirty="0"/>
               <a:t>Problemas</a:t>
             </a:r>
-            <a:endParaRPr lang="es-ES" dirty="0"/>
           </a:p>
         </p:txBody>
       </p:sp>
@@ -11617,17 +15326,10 @@
   <p:clrMapOvr>
     <a:masterClrMapping/>
   </p:clrMapOvr>
-  <p:timing>
-    <p:tnLst>
-      <p:par>
-        <p:cTn id="1" dur="indefinite" restart="never" nodeType="tmRoot"/>
-      </p:par>
-    </p:tnLst>
-  </p:timing>
 </p:sld>
 </file>
 
-<file path=ppt/slides/slide11.xml><?xml version="1.0" encoding="utf-8"?>
+<file path=ppt/slides/slide32.xml><?xml version="1.0" encoding="utf-8"?>
 <p:sld xmlns:a="http://schemas.openxmlformats.org/drawingml/2006/main" xmlns:r="http://schemas.openxmlformats.org/officeDocument/2006/relationships" xmlns:p="http://schemas.openxmlformats.org/presentationml/2006/main">
   <p:cSld>
     <p:spTree>
@@ -11661,10 +15363,9 @@
           <a:p>
             <a:pPr algn="ctr"/>
             <a:r>
-              <a:rPr lang="es-ES" dirty="0" smtClean="0"/>
+              <a:rPr lang="es-ES" dirty="0"/>
               <a:t>Conclusiones y mejoras</a:t>
             </a:r>
-            <a:endParaRPr lang="es-ES" dirty="0"/>
           </a:p>
         </p:txBody>
       </p:sp>
@@ -11738,17 +15439,10 @@
   <p:clrMapOvr>
     <a:masterClrMapping/>
   </p:clrMapOvr>
-  <p:timing>
-    <p:tnLst>
-      <p:par>
-        <p:cTn id="1" dur="indefinite" restart="never" nodeType="tmRoot"/>
-      </p:par>
-    </p:tnLst>
-  </p:timing>
 </p:sld>
 </file>
 
-<file path=ppt/slides/slide12.xml><?xml version="1.0" encoding="utf-8"?>
+<file path=ppt/slides/slide33.xml><?xml version="1.0" encoding="utf-8"?>
 <p:sld xmlns:a="http://schemas.openxmlformats.org/drawingml/2006/main" xmlns:r="http://schemas.openxmlformats.org/officeDocument/2006/relationships" xmlns:p="http://schemas.openxmlformats.org/presentationml/2006/main">
   <p:cSld>
     <p:spTree>
@@ -11805,17 +15499,10 @@
   <p:clrMapOvr>
     <a:masterClrMapping/>
   </p:clrMapOvr>
-  <p:timing>
-    <p:tnLst>
-      <p:par>
-        <p:cTn id="1" dur="indefinite" restart="never" nodeType="tmRoot"/>
-      </p:par>
-    </p:tnLst>
-  </p:timing>
 </p:sld>
 </file>
 
-<file path=ppt/slides/slide13.xml><?xml version="1.0" encoding="utf-8"?>
+<file path=ppt/slides/slide34.xml><?xml version="1.0" encoding="utf-8"?>
 <p:sld xmlns:a="http://schemas.openxmlformats.org/drawingml/2006/main" xmlns:r="http://schemas.openxmlformats.org/officeDocument/2006/relationships" xmlns:p="http://schemas.openxmlformats.org/presentationml/2006/main">
   <p:cSld>
     <p:spTree>
@@ -11849,10 +15536,9 @@
           <a:p>
             <a:pPr algn="ctr"/>
             <a:r>
-              <a:rPr lang="es-ES" dirty="0" smtClean="0"/>
+              <a:rPr lang="es-ES" dirty="0"/>
               <a:t>Preguntas</a:t>
             </a:r>
-            <a:endParaRPr lang="es-ES" dirty="0"/>
           </a:p>
         </p:txBody>
       </p:sp>
@@ -11895,218 +15581,6 @@
   <p:clrMapOvr>
     <a:masterClrMapping/>
   </p:clrMapOvr>
-  <p:timing>
-    <p:tnLst>
-      <p:par>
-        <p:cTn id="1" dur="indefinite" restart="never" nodeType="tmRoot"/>
-      </p:par>
-    </p:tnLst>
-  </p:timing>
-</p:sld>
-</file>
-
-<file path=ppt/slides/slide2.xml><?xml version="1.0" encoding="utf-8"?>
-<p:sld xmlns:a="http://schemas.openxmlformats.org/drawingml/2006/main" xmlns:r="http://schemas.openxmlformats.org/officeDocument/2006/relationships" xmlns:p="http://schemas.openxmlformats.org/presentationml/2006/main">
-  <p:cSld>
-    <p:spTree>
-      <p:nvGrpSpPr>
-        <p:cNvPr id="1" name=""/>
-        <p:cNvGrpSpPr/>
-        <p:nvPr/>
-      </p:nvGrpSpPr>
-      <p:grpSpPr>
-        <a:xfrm>
-          <a:off x="0" y="0"/>
-          <a:ext cx="0" cy="0"/>
-          <a:chOff x="0" y="0"/>
-          <a:chExt cx="0" cy="0"/>
-        </a:xfrm>
-      </p:grpSpPr>
-      <p:sp>
-        <p:nvSpPr>
-          <p:cNvPr id="2" name="1 Título"/>
-          <p:cNvSpPr>
-            <a:spLocks noGrp="1"/>
-          </p:cNvSpPr>
-          <p:nvPr>
-            <p:ph type="title"/>
-          </p:nvPr>
-        </p:nvSpPr>
-        <p:spPr>
-          <a:xfrm>
-            <a:off x="2051720" y="260648"/>
-            <a:ext cx="4474840" cy="1138138"/>
-          </a:xfrm>
-        </p:spPr>
-        <p:txBody>
-          <a:bodyPr/>
-          <a:lstStyle/>
-          <a:p>
-            <a:pPr algn="ctr"/>
-            <a:r>
-              <a:rPr lang="es-ES" dirty="0" smtClean="0"/>
-              <a:t>Idea de proyecto</a:t>
-            </a:r>
-            <a:endParaRPr lang="es-ES" dirty="0"/>
-          </a:p>
-        </p:txBody>
-      </p:sp>
-      <p:graphicFrame>
-        <p:nvGraphicFramePr>
-          <p:cNvPr id="4" name="3 Marcador de contenido"/>
-          <p:cNvGraphicFramePr>
-            <a:graphicFrameLocks noGrp="1"/>
-          </p:cNvGraphicFramePr>
-          <p:nvPr>
-            <p:ph idx="1"/>
-            <p:extLst>
-              <p:ext uri="{D42A27DB-BD31-4B8C-83A1-F6EECF244321}">
-                <p14:modId xmlns:p14="http://schemas.microsoft.com/office/powerpoint/2010/main" val="2025492240"/>
-              </p:ext>
-            </p:extLst>
-          </p:nvPr>
-        </p:nvGraphicFramePr>
-        <p:xfrm>
-          <a:off x="457200" y="1600200"/>
-          <a:ext cx="7620000" cy="4800600"/>
-        </p:xfrm>
-        <a:graphic>
-          <a:graphicData uri="http://schemas.openxmlformats.org/drawingml/2006/diagram">
-            <dgm:relIds xmlns:dgm="http://schemas.openxmlformats.org/drawingml/2006/diagram" xmlns:r="http://schemas.openxmlformats.org/officeDocument/2006/relationships" r:dm="rId2" r:lo="rId3" r:qs="rId4" r:cs="rId5"/>
-          </a:graphicData>
-        </a:graphic>
-      </p:graphicFrame>
-    </p:spTree>
-    <p:extLst>
-      <p:ext uri="{BB962C8B-B14F-4D97-AF65-F5344CB8AC3E}">
-        <p14:creationId xmlns:p14="http://schemas.microsoft.com/office/powerpoint/2010/main" val="4027544129"/>
-      </p:ext>
-    </p:extLst>
-  </p:cSld>
-  <p:clrMapOvr>
-    <a:masterClrMapping/>
-  </p:clrMapOvr>
-  <p:timing>
-    <p:tnLst>
-      <p:par>
-        <p:cTn id="1" dur="indefinite" restart="never" nodeType="tmRoot"/>
-      </p:par>
-    </p:tnLst>
-  </p:timing>
-</p:sld>
-</file>
-
-<file path=ppt/slides/slide3.xml><?xml version="1.0" encoding="utf-8"?>
-<p:sld xmlns:a="http://schemas.openxmlformats.org/drawingml/2006/main" xmlns:r="http://schemas.openxmlformats.org/officeDocument/2006/relationships" xmlns:p="http://schemas.openxmlformats.org/presentationml/2006/main">
-  <p:cSld>
-    <p:spTree>
-      <p:nvGrpSpPr>
-        <p:cNvPr id="1" name=""/>
-        <p:cNvGrpSpPr/>
-        <p:nvPr/>
-      </p:nvGrpSpPr>
-      <p:grpSpPr>
-        <a:xfrm>
-          <a:off x="0" y="0"/>
-          <a:ext cx="0" cy="0"/>
-          <a:chOff x="0" y="0"/>
-          <a:chExt cx="0" cy="0"/>
-        </a:xfrm>
-      </p:grpSpPr>
-      <p:sp>
-        <p:nvSpPr>
-          <p:cNvPr id="3" name="2 Marcador de contenido"/>
-          <p:cNvSpPr>
-            <a:spLocks noGrp="1"/>
-          </p:cNvSpPr>
-          <p:nvPr>
-            <p:ph idx="1"/>
-          </p:nvPr>
-        </p:nvSpPr>
-        <p:spPr>
-          <a:xfrm>
-            <a:off x="467544" y="1340768"/>
-            <a:ext cx="7643192" cy="604664"/>
-          </a:xfrm>
-        </p:spPr>
-        <p:txBody>
-          <a:bodyPr/>
-          <a:lstStyle/>
-          <a:p>
-            <a:pPr marL="114300" indent="0" algn="ctr">
-              <a:buNone/>
-            </a:pPr>
-            <a:r>
-              <a:rPr lang="es-ES" sz="2800" dirty="0" smtClean="0"/>
-              <a:t>Tiempo </a:t>
-            </a:r>
-            <a:endParaRPr lang="es-ES" dirty="0"/>
-          </a:p>
-        </p:txBody>
-      </p:sp>
-      <p:sp>
-        <p:nvSpPr>
-          <p:cNvPr id="4" name="1 Título"/>
-          <p:cNvSpPr>
-            <a:spLocks noGrp="1"/>
-          </p:cNvSpPr>
-          <p:nvPr>
-            <p:ph type="title"/>
-          </p:nvPr>
-        </p:nvSpPr>
-        <p:spPr/>
-        <p:txBody>
-          <a:bodyPr/>
-          <a:lstStyle/>
-          <a:p>
-            <a:pPr algn="ctr"/>
-            <a:r>
-              <a:rPr lang="es-ES" dirty="0" smtClean="0"/>
-              <a:t>Diagramas</a:t>
-            </a:r>
-            <a:endParaRPr lang="es-ES" dirty="0"/>
-          </a:p>
-        </p:txBody>
-      </p:sp>
-      <p:graphicFrame>
-        <p:nvGraphicFramePr>
-          <p:cNvPr id="6" name="5 Diagrama"/>
-          <p:cNvGraphicFramePr/>
-          <p:nvPr>
-            <p:extLst>
-              <p:ext uri="{D42A27DB-BD31-4B8C-83A1-F6EECF244321}">
-                <p14:modId xmlns:p14="http://schemas.microsoft.com/office/powerpoint/2010/main" val="3968621497"/>
-              </p:ext>
-            </p:extLst>
-          </p:nvPr>
-        </p:nvGraphicFramePr>
-        <p:xfrm>
-          <a:off x="1115616" y="2060848"/>
-          <a:ext cx="6528048" cy="4064000"/>
-        </p:xfrm>
-        <a:graphic>
-          <a:graphicData uri="http://schemas.openxmlformats.org/drawingml/2006/diagram">
-            <dgm:relIds xmlns:dgm="http://schemas.openxmlformats.org/drawingml/2006/diagram" xmlns:r="http://schemas.openxmlformats.org/officeDocument/2006/relationships" r:dm="rId2" r:lo="rId3" r:qs="rId4" r:cs="rId5"/>
-          </a:graphicData>
-        </a:graphic>
-      </p:graphicFrame>
-    </p:spTree>
-    <p:extLst>
-      <p:ext uri="{BB962C8B-B14F-4D97-AF65-F5344CB8AC3E}">
-        <p14:creationId xmlns:p14="http://schemas.microsoft.com/office/powerpoint/2010/main" val="3717516295"/>
-      </p:ext>
-    </p:extLst>
-  </p:cSld>
-  <p:clrMapOvr>
-    <a:masterClrMapping/>
-  </p:clrMapOvr>
-  <p:timing>
-    <p:tnLst>
-      <p:par>
-        <p:cTn id="1" dur="indefinite" restart="never" nodeType="tmRoot"/>
-      </p:par>
-    </p:tnLst>
-  </p:timing>
 </p:sld>
 </file>
 
@@ -12149,10 +15623,9 @@
           <a:p>
             <a:pPr algn="ctr"/>
             <a:r>
-              <a:rPr lang="es-ES" dirty="0" smtClean="0"/>
+              <a:rPr lang="es-ES" dirty="0"/>
               <a:t>Diagramas</a:t>
             </a:r>
-            <a:endParaRPr lang="es-ES" dirty="0"/>
           </a:p>
         </p:txBody>
       </p:sp>
@@ -12180,7 +15653,7 @@
           <a:p>
             <a:pPr algn="ctr"/>
             <a:r>
-              <a:rPr lang="es-ES" sz="2800" dirty="0" smtClean="0"/>
+              <a:rPr lang="es-ES" sz="2800" dirty="0"/>
               <a:t>Entidad-Relación</a:t>
             </a:r>
             <a:endParaRPr lang="es-ES" dirty="0"/>
@@ -12225,13 +15698,6 @@
   <p:clrMapOvr>
     <a:masterClrMapping/>
   </p:clrMapOvr>
-  <p:timing>
-    <p:tnLst>
-      <p:par>
-        <p:cTn id="1" dur="indefinite" restart="never" nodeType="tmRoot"/>
-      </p:par>
-    </p:tnLst>
-  </p:timing>
 </p:sld>
 </file>
 
@@ -12276,7 +15742,7 @@
               <a:buNone/>
             </a:pPr>
             <a:r>
-              <a:rPr lang="es-ES" sz="2800" dirty="0" smtClean="0"/>
+              <a:rPr lang="es-ES" sz="2800" dirty="0"/>
               <a:t>Navegación</a:t>
             </a:r>
             <a:endParaRPr lang="es-ES" dirty="0"/>
@@ -12300,10 +15766,9 @@
           <a:p>
             <a:pPr algn="ctr"/>
             <a:r>
-              <a:rPr lang="es-ES" dirty="0" smtClean="0"/>
+              <a:rPr lang="es-ES" dirty="0"/>
               <a:t>Diagramas</a:t>
             </a:r>
-            <a:endParaRPr lang="es-ES" dirty="0"/>
           </a:p>
         </p:txBody>
       </p:sp>
@@ -12345,13 +15810,6 @@
   <p:clrMapOvr>
     <a:masterClrMapping/>
   </p:clrMapOvr>
-  <p:timing>
-    <p:tnLst>
-      <p:par>
-        <p:cTn id="1" dur="indefinite" restart="never" nodeType="tmRoot"/>
-      </p:par>
-    </p:tnLst>
-  </p:timing>
 </p:sld>
 </file>
 
@@ -12396,7 +15854,7 @@
               <a:buNone/>
             </a:pPr>
             <a:r>
-              <a:rPr lang="es-ES" sz="2800" dirty="0" smtClean="0"/>
+              <a:rPr lang="es-ES" sz="2800" dirty="0"/>
               <a:t>Archivos</a:t>
             </a:r>
             <a:endParaRPr lang="es-ES" dirty="0"/>
@@ -12420,10 +15878,9 @@
           <a:p>
             <a:pPr algn="ctr"/>
             <a:r>
-              <a:rPr lang="es-ES" dirty="0" smtClean="0"/>
+              <a:rPr lang="es-ES" dirty="0"/>
               <a:t>Diagramas</a:t>
             </a:r>
-            <a:endParaRPr lang="es-ES" dirty="0"/>
           </a:p>
         </p:txBody>
       </p:sp>
@@ -12465,13 +15922,6 @@
   <p:clrMapOvr>
     <a:masterClrMapping/>
   </p:clrMapOvr>
-  <p:timing>
-    <p:tnLst>
-      <p:par>
-        <p:cTn id="1" dur="indefinite" restart="never" nodeType="tmRoot"/>
-      </p:par>
-    </p:tnLst>
-  </p:timing>
 </p:sld>
 </file>
 
@@ -12509,10 +15959,9 @@
           <a:p>
             <a:pPr algn="ctr"/>
             <a:r>
-              <a:rPr lang="es-ES" dirty="0" smtClean="0"/>
+              <a:rPr lang="es-ES" dirty="0"/>
               <a:t>Tecnologías usadas</a:t>
             </a:r>
-            <a:endParaRPr lang="es-ES" dirty="0"/>
           </a:p>
         </p:txBody>
       </p:sp>
@@ -12535,7 +15984,7 @@
               <a:buNone/>
             </a:pPr>
             <a:r>
-              <a:rPr lang="es-ES" dirty="0" smtClean="0"/>
+              <a:rPr lang="es-ES" dirty="0"/>
               <a:t>Para nuestro proyecto hemos usado las tecnologías más demandadas del mercado:</a:t>
             </a:r>
           </a:p>
@@ -12611,13 +16060,6 @@
   <p:clrMapOvr>
     <a:masterClrMapping/>
   </p:clrMapOvr>
-  <p:timing>
-    <p:tnLst>
-      <p:par>
-        <p:cTn id="1" dur="indefinite" restart="never" nodeType="tmRoot"/>
-      </p:par>
-    </p:tnLst>
-  </p:timing>
 </p:sld>
 </file>
 
@@ -12655,29 +16097,116 @@
           <a:p>
             <a:pPr algn="ctr"/>
             <a:r>
-              <a:rPr lang="es-ES" dirty="0" smtClean="0"/>
+              <a:rPr lang="es-ES" dirty="0"/>
               <a:t>Capturas de código</a:t>
             </a:r>
-            <a:endParaRPr lang="es-ES" dirty="0"/>
+          </a:p>
+        </p:txBody>
+      </p:sp>
+      <p:pic>
+        <p:nvPicPr>
+          <p:cNvPr id="5" name="Marcador de contenido 4" descr="Imagen que contiene captura de pantalla&#10;&#10;Descripción generada automáticamente">
+            <a:extLst>
+              <a:ext uri="{FF2B5EF4-FFF2-40B4-BE49-F238E27FC236}">
+                <a16:creationId xmlns:a16="http://schemas.microsoft.com/office/drawing/2014/main" id="{25F25768-A5BC-4D65-A161-B450BD8C24AD}"/>
+              </a:ext>
+            </a:extLst>
+          </p:cNvPr>
+          <p:cNvPicPr>
+            <a:picLocks noGrp="1" noChangeAspect="1"/>
+          </p:cNvPicPr>
+          <p:nvPr>
+            <p:ph idx="1"/>
+          </p:nvPr>
+        </p:nvPicPr>
+        <p:blipFill>
+          <a:blip r:embed="rId2">
+            <a:extLst>
+              <a:ext uri="{28A0092B-C50C-407E-A947-70E740481C1C}">
+                <a14:useLocalDpi xmlns:a14="http://schemas.microsoft.com/office/drawing/2010/main" val="0"/>
+              </a:ext>
+            </a:extLst>
+          </a:blip>
+          <a:stretch>
+            <a:fillRect/>
+          </a:stretch>
+        </p:blipFill>
+        <p:spPr>
+          <a:xfrm>
+            <a:off x="3230790" y="3455623"/>
+            <a:ext cx="2072820" cy="1089754"/>
+          </a:xfrm>
+        </p:spPr>
+      </p:pic>
+      <p:sp>
+        <p:nvSpPr>
+          <p:cNvPr id="6" name="CuadroTexto 5">
+            <a:extLst>
+              <a:ext uri="{FF2B5EF4-FFF2-40B4-BE49-F238E27FC236}">
+                <a16:creationId xmlns:a16="http://schemas.microsoft.com/office/drawing/2014/main" id="{9B803E69-F93F-4A16-8591-C6BF032622F6}"/>
+              </a:ext>
+            </a:extLst>
+          </p:cNvPr>
+          <p:cNvSpPr txBox="1"/>
+          <p:nvPr/>
+        </p:nvSpPr>
+        <p:spPr>
+          <a:xfrm>
+            <a:off x="2627784" y="1484784"/>
+            <a:ext cx="2808312" cy="369332"/>
+          </a:xfrm>
+          <a:prstGeom prst="rect">
+            <a:avLst/>
+          </a:prstGeom>
+          <a:noFill/>
+        </p:spPr>
+        <p:txBody>
+          <a:bodyPr wrap="square" rtlCol="0">
+            <a:spAutoFit/>
+          </a:bodyPr>
+          <a:lstStyle/>
+          <a:p>
+            <a:pPr algn="ctr"/>
+            <a:r>
+              <a:rPr lang="es-ES" dirty="0"/>
+              <a:t>BACK-END</a:t>
+            </a:r>
           </a:p>
         </p:txBody>
       </p:sp>
       <p:sp>
         <p:nvSpPr>
-          <p:cNvPr id="3" name="2 Marcador de contenido"/>
-          <p:cNvSpPr>
-            <a:spLocks noGrp="1"/>
-          </p:cNvSpPr>
-          <p:nvPr>
-            <p:ph idx="1"/>
-          </p:nvPr>
+          <p:cNvPr id="7" name="CuadroTexto 6">
+            <a:extLst>
+              <a:ext uri="{FF2B5EF4-FFF2-40B4-BE49-F238E27FC236}">
+                <a16:creationId xmlns:a16="http://schemas.microsoft.com/office/drawing/2014/main" id="{C29EBFDD-F6A9-47D0-A2EE-2AA9880EDB76}"/>
+              </a:ext>
+            </a:extLst>
+          </p:cNvPr>
+          <p:cNvSpPr txBox="1"/>
+          <p:nvPr/>
         </p:nvSpPr>
-        <p:spPr/>
+        <p:spPr>
+          <a:xfrm>
+            <a:off x="2735796" y="2060848"/>
+            <a:ext cx="2592288" cy="369332"/>
+          </a:xfrm>
+          <a:prstGeom prst="rect">
+            <a:avLst/>
+          </a:prstGeom>
+          <a:noFill/>
+        </p:spPr>
         <p:txBody>
-          <a:bodyPr/>
+          <a:bodyPr wrap="square" rtlCol="0">
+            <a:spAutoFit/>
+          </a:bodyPr>
           <a:lstStyle/>
           <a:p>
-            <a:endParaRPr lang="es-ES"/>
+            <a:pPr algn="ctr"/>
+            <a:r>
+              <a:rPr lang="es-ES" dirty="0"/>
+              <a:t>ESTRUCTURA</a:t>
+            </a:r>
           </a:p>
         </p:txBody>
       </p:sp>
@@ -12691,13 +16220,6 @@
   <p:clrMapOvr>
     <a:masterClrMapping/>
   </p:clrMapOvr>
-  <p:timing>
-    <p:tnLst>
-      <p:par>
-        <p:cTn id="1" dur="indefinite" restart="never" nodeType="tmRoot"/>
-      </p:par>
-    </p:tnLst>
-  </p:timing>
 </p:sld>
 </file>
 
@@ -12720,7 +16242,13 @@
       </p:grpSpPr>
       <p:sp>
         <p:nvSpPr>
-          <p:cNvPr id="2" name="1 Título"/>
+          <p:cNvPr id="2" name="Título 1">
+            <a:extLst>
+              <a:ext uri="{FF2B5EF4-FFF2-40B4-BE49-F238E27FC236}">
+                <a16:creationId xmlns:a16="http://schemas.microsoft.com/office/drawing/2014/main" id="{C72C8414-1B34-40EC-9177-87483C5E66F8}"/>
+              </a:ext>
+            </a:extLst>
+          </p:cNvPr>
           <p:cNvSpPr>
             <a:spLocks noGrp="1"/>
           </p:cNvSpPr>
@@ -12735,16 +16263,21 @@
           <a:p>
             <a:pPr algn="ctr"/>
             <a:r>
-              <a:rPr lang="es-ES" dirty="0" smtClean="0"/>
-              <a:t>Demo</a:t>
+              <a:rPr lang="es-ES" dirty="0"/>
+              <a:t>Capturas de código</a:t>
             </a:r>
-            <a:endParaRPr lang="es-ES" dirty="0"/>
           </a:p>
         </p:txBody>
       </p:sp>
       <p:pic>
         <p:nvPicPr>
-          <p:cNvPr id="4" name="3 Marcador de contenido"/>
+          <p:cNvPr id="5" name="Marcador de contenido 4" descr="Imagen que contiene captura de pantalla&#10;&#10;Descripción generada automáticamente">
+            <a:extLst>
+              <a:ext uri="{FF2B5EF4-FFF2-40B4-BE49-F238E27FC236}">
+                <a16:creationId xmlns:a16="http://schemas.microsoft.com/office/drawing/2014/main" id="{92A7187B-86F0-42B1-B1A2-3BED60EAE6AB}"/>
+              </a:ext>
+            </a:extLst>
+          </p:cNvPr>
           <p:cNvPicPr>
             <a:picLocks noGrp="1" noChangeAspect="1"/>
           </p:cNvPicPr>
@@ -12766,28 +16299,57 @@
         </p:blipFill>
         <p:spPr>
           <a:xfrm>
-            <a:off x="1187624" y="1628800"/>
-            <a:ext cx="6203178" cy="4967486"/>
+            <a:off x="2045777" y="3068960"/>
+            <a:ext cx="4442845" cy="2110923"/>
           </a:xfrm>
         </p:spPr>
       </p:pic>
+      <p:sp>
+        <p:nvSpPr>
+          <p:cNvPr id="6" name="CuadroTexto 5">
+            <a:extLst>
+              <a:ext uri="{FF2B5EF4-FFF2-40B4-BE49-F238E27FC236}">
+                <a16:creationId xmlns:a16="http://schemas.microsoft.com/office/drawing/2014/main" id="{0DB56D49-FA18-4620-9E69-6EABC9A21CD6}"/>
+              </a:ext>
+            </a:extLst>
+          </p:cNvPr>
+          <p:cNvSpPr txBox="1"/>
+          <p:nvPr/>
+        </p:nvSpPr>
+        <p:spPr>
+          <a:xfrm>
+            <a:off x="2627784" y="1896438"/>
+            <a:ext cx="3024336" cy="369332"/>
+          </a:xfrm>
+          <a:prstGeom prst="rect">
+            <a:avLst/>
+          </a:prstGeom>
+          <a:noFill/>
+        </p:spPr>
+        <p:txBody>
+          <a:bodyPr wrap="square" rtlCol="0">
+            <a:spAutoFit/>
+          </a:bodyPr>
+          <a:lstStyle/>
+          <a:p>
+            <a:pPr algn="ctr"/>
+            <a:r>
+              <a:rPr lang="es-ES" dirty="0"/>
+              <a:t>APPLICATION</a:t>
+            </a:r>
+          </a:p>
+        </p:txBody>
+      </p:sp>
     </p:spTree>
     <p:extLst>
       <p:ext uri="{BB962C8B-B14F-4D97-AF65-F5344CB8AC3E}">
-        <p14:creationId xmlns:p14="http://schemas.microsoft.com/office/powerpoint/2010/main" val="1450798023"/>
+        <p14:creationId xmlns:p14="http://schemas.microsoft.com/office/powerpoint/2010/main" val="861740669"/>
       </p:ext>
     </p:extLst>
   </p:cSld>
   <p:clrMapOvr>
     <a:masterClrMapping/>
   </p:clrMapOvr>
-  <p:timing>
-    <p:tnLst>
-      <p:par>
-        <p:cTn id="1" dur="indefinite" restart="never" nodeType="tmRoot"/>
-      </p:par>
-    </p:tnLst>
-  </p:timing>
 </p:sld>
 </file>
 
